--- a/Poster Artifacts/Christopher Small, N00931863 - Symposium Poster.pptx
+++ b/Poster Artifacts/Christopher Small, N00931863 - Symposium Poster.pptx
@@ -5,11 +5,10 @@
     <p:sldMasterId id="2147483648" r:id="rId1"/>
   </p:sldMasterIdLst>
   <p:notesMasterIdLst>
-    <p:notesMasterId r:id="rId4"/>
+    <p:notesMasterId r:id="rId3"/>
   </p:notesMasterIdLst>
   <p:sldIdLst>
     <p:sldId id="256" r:id="rId2"/>
-    <p:sldId id="258" r:id="rId3"/>
   </p:sldIdLst>
   <p:sldSz cx="43891200" cy="32918400"/>
   <p:notesSz cx="6858000" cy="9144000"/>
@@ -176,7 +175,7 @@
             </a:lvl1pPr>
           </a:lstStyle>
           <a:p>
-            <a:endParaRPr lang="en-US"/>
+            <a:endParaRPr lang="en-US" dirty="0"/>
           </a:p>
         </p:txBody>
       </p:sp>
@@ -209,9 +208,9 @@
           <a:p>
             <a:fld id="{CAD4E7B3-883E-4909-856A-D4D2FBCEB0AE}" type="datetimeFigureOut">
               <a:rPr lang="en-US" smtClean="0"/>
-              <a:t>2/22/2017</a:t>
+              <a:t>4/6/2017</a:t>
             </a:fld>
-            <a:endParaRPr lang="en-US"/>
+            <a:endParaRPr lang="en-US" dirty="0"/>
           </a:p>
         </p:txBody>
       </p:sp>
@@ -244,7 +243,7 @@
           <a:bodyPr vert="horz" lIns="91440" tIns="45720" rIns="91440" bIns="45720" rtlCol="0" anchor="ctr"/>
           <a:lstStyle/>
           <a:p>
-            <a:endParaRPr lang="en-US"/>
+            <a:endParaRPr lang="en-US" dirty="0"/>
           </a:p>
         </p:txBody>
       </p:sp>
@@ -334,7 +333,7 @@
             </a:lvl1pPr>
           </a:lstStyle>
           <a:p>
-            <a:endParaRPr lang="en-US"/>
+            <a:endParaRPr lang="en-US" dirty="0"/>
           </a:p>
         </p:txBody>
       </p:sp>
@@ -369,7 +368,7 @@
               <a:rPr lang="en-US" smtClean="0"/>
               <a:t>‹#›</a:t>
             </a:fld>
-            <a:endParaRPr lang="en-US"/>
+            <a:endParaRPr lang="en-US" dirty="0"/>
           </a:p>
         </p:txBody>
       </p:sp>
@@ -543,7 +542,7 @@
               <a:rPr lang="en-US" smtClean="0"/>
               <a:t>1</a:t>
             </a:fld>
-            <a:endParaRPr lang="en-US"/>
+            <a:endParaRPr lang="en-US" dirty="0"/>
           </a:p>
         </p:txBody>
       </p:sp>
@@ -551,90 +550,6 @@
     <p:extLst>
       <p:ext uri="{BB962C8B-B14F-4D97-AF65-F5344CB8AC3E}">
         <p14:creationId xmlns:p14="http://schemas.microsoft.com/office/powerpoint/2010/main" val="1780313384"/>
-      </p:ext>
-    </p:extLst>
-  </p:cSld>
-  <p:clrMapOvr>
-    <a:masterClrMapping/>
-  </p:clrMapOvr>
-</p:notes>
-</file>
-
-<file path=ppt/notesSlides/notesSlide2.xml><?xml version="1.0" encoding="utf-8"?>
-<p:notes xmlns:a="http://schemas.openxmlformats.org/drawingml/2006/main" xmlns:r="http://schemas.openxmlformats.org/officeDocument/2006/relationships" xmlns:p="http://schemas.openxmlformats.org/presentationml/2006/main">
-  <p:cSld>
-    <p:spTree>
-      <p:nvGrpSpPr>
-        <p:cNvPr id="1" name=""/>
-        <p:cNvGrpSpPr/>
-        <p:nvPr/>
-      </p:nvGrpSpPr>
-      <p:grpSpPr>
-        <a:xfrm>
-          <a:off x="0" y="0"/>
-          <a:ext cx="0" cy="0"/>
-          <a:chOff x="0" y="0"/>
-          <a:chExt cx="0" cy="0"/>
-        </a:xfrm>
-      </p:grpSpPr>
-      <p:sp>
-        <p:nvSpPr>
-          <p:cNvPr id="2" name="Slide Image Placeholder 1"/>
-          <p:cNvSpPr>
-            <a:spLocks noGrp="1" noRot="1" noChangeAspect="1"/>
-          </p:cNvSpPr>
-          <p:nvPr>
-            <p:ph type="sldImg"/>
-          </p:nvPr>
-        </p:nvSpPr>
-        <p:spPr/>
-      </p:sp>
-      <p:sp>
-        <p:nvSpPr>
-          <p:cNvPr id="3" name="Notes Placeholder 2"/>
-          <p:cNvSpPr>
-            <a:spLocks noGrp="1"/>
-          </p:cNvSpPr>
-          <p:nvPr>
-            <p:ph type="body" idx="1"/>
-          </p:nvPr>
-        </p:nvSpPr>
-        <p:spPr/>
-        <p:txBody>
-          <a:bodyPr/>
-          <a:lstStyle/>
-          <a:p>
-            <a:endParaRPr lang="en-US" dirty="0"/>
-          </a:p>
-        </p:txBody>
-      </p:sp>
-      <p:sp>
-        <p:nvSpPr>
-          <p:cNvPr id="4" name="Slide Number Placeholder 3"/>
-          <p:cNvSpPr>
-            <a:spLocks noGrp="1"/>
-          </p:cNvSpPr>
-          <p:nvPr>
-            <p:ph type="sldNum" sz="quarter" idx="10"/>
-          </p:nvPr>
-        </p:nvSpPr>
-        <p:spPr/>
-        <p:txBody>
-          <a:bodyPr/>
-          <a:lstStyle/>
-          <a:p>
-            <a:fld id="{4BC4B03E-A05D-444D-8D88-A502D3A7EEBD}" type="slidenum">
-              <a:rPr lang="en-US" smtClean="0"/>
-              <a:t>2</a:t>
-            </a:fld>
-            <a:endParaRPr lang="en-US"/>
-          </a:p>
-        </p:txBody>
-      </p:sp>
-    </p:spTree>
-    <p:extLst>
-      <p:ext uri="{BB962C8B-B14F-4D97-AF65-F5344CB8AC3E}">
-        <p14:creationId xmlns:p14="http://schemas.microsoft.com/office/powerpoint/2010/main" val="2373076266"/>
       </p:ext>
     </p:extLst>
   </p:cSld>
@@ -824,9 +739,9 @@
             <a:fld id="{1D8BD707-D9CF-40AE-B4C6-C98DA3205C09}" type="datetimeFigureOut">
               <a:rPr lang="en-US" smtClean="0"/>
               <a:pPr/>
-              <a:t>2/22/2017</a:t>
+              <a:t>4/6/2017</a:t>
             </a:fld>
-            <a:endParaRPr lang="en-US"/>
+            <a:endParaRPr lang="en-US" dirty="0"/>
           </a:p>
         </p:txBody>
       </p:sp>
@@ -845,7 +760,7 @@
           <a:bodyPr/>
           <a:lstStyle/>
           <a:p>
-            <a:endParaRPr lang="en-US"/>
+            <a:endParaRPr lang="en-US" dirty="0"/>
           </a:p>
         </p:txBody>
       </p:sp>
@@ -869,7 +784,7 @@
               <a:pPr/>
               <a:t>‹#›</a:t>
             </a:fld>
-            <a:endParaRPr lang="en-US"/>
+            <a:endParaRPr lang="en-US" dirty="0"/>
           </a:p>
         </p:txBody>
       </p:sp>
@@ -989,9 +904,9 @@
             <a:fld id="{1D8BD707-D9CF-40AE-B4C6-C98DA3205C09}" type="datetimeFigureOut">
               <a:rPr lang="en-US" smtClean="0"/>
               <a:pPr/>
-              <a:t>2/22/2017</a:t>
+              <a:t>4/6/2017</a:t>
             </a:fld>
-            <a:endParaRPr lang="en-US"/>
+            <a:endParaRPr lang="en-US" dirty="0"/>
           </a:p>
         </p:txBody>
       </p:sp>
@@ -1010,7 +925,7 @@
           <a:bodyPr/>
           <a:lstStyle/>
           <a:p>
-            <a:endParaRPr lang="en-US"/>
+            <a:endParaRPr lang="en-US" dirty="0"/>
           </a:p>
         </p:txBody>
       </p:sp>
@@ -1034,7 +949,7 @@
               <a:pPr/>
               <a:t>‹#›</a:t>
             </a:fld>
-            <a:endParaRPr lang="en-US"/>
+            <a:endParaRPr lang="en-US" dirty="0"/>
           </a:p>
         </p:txBody>
       </p:sp>
@@ -1164,9 +1079,9 @@
             <a:fld id="{1D8BD707-D9CF-40AE-B4C6-C98DA3205C09}" type="datetimeFigureOut">
               <a:rPr lang="en-US" smtClean="0"/>
               <a:pPr/>
-              <a:t>2/22/2017</a:t>
+              <a:t>4/6/2017</a:t>
             </a:fld>
-            <a:endParaRPr lang="en-US"/>
+            <a:endParaRPr lang="en-US" dirty="0"/>
           </a:p>
         </p:txBody>
       </p:sp>
@@ -1185,7 +1100,7 @@
           <a:bodyPr/>
           <a:lstStyle/>
           <a:p>
-            <a:endParaRPr lang="en-US"/>
+            <a:endParaRPr lang="en-US" dirty="0"/>
           </a:p>
         </p:txBody>
       </p:sp>
@@ -1209,7 +1124,7 @@
               <a:pPr/>
               <a:t>‹#›</a:t>
             </a:fld>
-            <a:endParaRPr lang="en-US"/>
+            <a:endParaRPr lang="en-US" dirty="0"/>
           </a:p>
         </p:txBody>
       </p:sp>
@@ -1329,9 +1244,9 @@
             <a:fld id="{1D8BD707-D9CF-40AE-B4C6-C98DA3205C09}" type="datetimeFigureOut">
               <a:rPr lang="en-US" smtClean="0"/>
               <a:pPr/>
-              <a:t>2/22/2017</a:t>
+              <a:t>4/6/2017</a:t>
             </a:fld>
-            <a:endParaRPr lang="en-US"/>
+            <a:endParaRPr lang="en-US" dirty="0"/>
           </a:p>
         </p:txBody>
       </p:sp>
@@ -1350,7 +1265,7 @@
           <a:bodyPr/>
           <a:lstStyle/>
           <a:p>
-            <a:endParaRPr lang="en-US"/>
+            <a:endParaRPr lang="en-US" dirty="0"/>
           </a:p>
         </p:txBody>
       </p:sp>
@@ -1374,7 +1289,7 @@
               <a:pPr/>
               <a:t>‹#›</a:t>
             </a:fld>
-            <a:endParaRPr lang="en-US"/>
+            <a:endParaRPr lang="en-US" dirty="0"/>
           </a:p>
         </p:txBody>
       </p:sp>
@@ -1571,9 +1486,9 @@
             <a:fld id="{1D8BD707-D9CF-40AE-B4C6-C98DA3205C09}" type="datetimeFigureOut">
               <a:rPr lang="en-US" smtClean="0"/>
               <a:pPr/>
-              <a:t>2/22/2017</a:t>
+              <a:t>4/6/2017</a:t>
             </a:fld>
-            <a:endParaRPr lang="en-US"/>
+            <a:endParaRPr lang="en-US" dirty="0"/>
           </a:p>
         </p:txBody>
       </p:sp>
@@ -1592,7 +1507,7 @@
           <a:bodyPr/>
           <a:lstStyle/>
           <a:p>
-            <a:endParaRPr lang="en-US"/>
+            <a:endParaRPr lang="en-US" dirty="0"/>
           </a:p>
         </p:txBody>
       </p:sp>
@@ -1616,7 +1531,7 @@
               <a:pPr/>
               <a:t>‹#›</a:t>
             </a:fld>
-            <a:endParaRPr lang="en-US"/>
+            <a:endParaRPr lang="en-US" dirty="0"/>
           </a:p>
         </p:txBody>
       </p:sp>
@@ -1853,9 +1768,9 @@
             <a:fld id="{1D8BD707-D9CF-40AE-B4C6-C98DA3205C09}" type="datetimeFigureOut">
               <a:rPr lang="en-US" smtClean="0"/>
               <a:pPr/>
-              <a:t>2/22/2017</a:t>
+              <a:t>4/6/2017</a:t>
             </a:fld>
-            <a:endParaRPr lang="en-US"/>
+            <a:endParaRPr lang="en-US" dirty="0"/>
           </a:p>
         </p:txBody>
       </p:sp>
@@ -1874,7 +1789,7 @@
           <a:bodyPr/>
           <a:lstStyle/>
           <a:p>
-            <a:endParaRPr lang="en-US"/>
+            <a:endParaRPr lang="en-US" dirty="0"/>
           </a:p>
         </p:txBody>
       </p:sp>
@@ -1898,7 +1813,7 @@
               <a:pPr/>
               <a:t>‹#›</a:t>
             </a:fld>
-            <a:endParaRPr lang="en-US"/>
+            <a:endParaRPr lang="en-US" dirty="0"/>
           </a:p>
         </p:txBody>
       </p:sp>
@@ -2269,9 +2184,9 @@
             <a:fld id="{1D8BD707-D9CF-40AE-B4C6-C98DA3205C09}" type="datetimeFigureOut">
               <a:rPr lang="en-US" smtClean="0"/>
               <a:pPr/>
-              <a:t>2/22/2017</a:t>
+              <a:t>4/6/2017</a:t>
             </a:fld>
-            <a:endParaRPr lang="en-US"/>
+            <a:endParaRPr lang="en-US" dirty="0"/>
           </a:p>
         </p:txBody>
       </p:sp>
@@ -2290,7 +2205,7 @@
           <a:bodyPr/>
           <a:lstStyle/>
           <a:p>
-            <a:endParaRPr lang="en-US"/>
+            <a:endParaRPr lang="en-US" dirty="0"/>
           </a:p>
         </p:txBody>
       </p:sp>
@@ -2314,7 +2229,7 @@
               <a:pPr/>
               <a:t>‹#›</a:t>
             </a:fld>
-            <a:endParaRPr lang="en-US"/>
+            <a:endParaRPr lang="en-US" dirty="0"/>
           </a:p>
         </p:txBody>
       </p:sp>
@@ -2383,9 +2298,9 @@
             <a:fld id="{1D8BD707-D9CF-40AE-B4C6-C98DA3205C09}" type="datetimeFigureOut">
               <a:rPr lang="en-US" smtClean="0"/>
               <a:pPr/>
-              <a:t>2/22/2017</a:t>
+              <a:t>4/6/2017</a:t>
             </a:fld>
-            <a:endParaRPr lang="en-US"/>
+            <a:endParaRPr lang="en-US" dirty="0"/>
           </a:p>
         </p:txBody>
       </p:sp>
@@ -2404,7 +2319,7 @@
           <a:bodyPr/>
           <a:lstStyle/>
           <a:p>
-            <a:endParaRPr lang="en-US"/>
+            <a:endParaRPr lang="en-US" dirty="0"/>
           </a:p>
         </p:txBody>
       </p:sp>
@@ -2428,7 +2343,7 @@
               <a:pPr/>
               <a:t>‹#›</a:t>
             </a:fld>
-            <a:endParaRPr lang="en-US"/>
+            <a:endParaRPr lang="en-US" dirty="0"/>
           </a:p>
         </p:txBody>
       </p:sp>
@@ -2475,9 +2390,9 @@
             <a:fld id="{1D8BD707-D9CF-40AE-B4C6-C98DA3205C09}" type="datetimeFigureOut">
               <a:rPr lang="en-US" smtClean="0"/>
               <a:pPr/>
-              <a:t>2/22/2017</a:t>
+              <a:t>4/6/2017</a:t>
             </a:fld>
-            <a:endParaRPr lang="en-US"/>
+            <a:endParaRPr lang="en-US" dirty="0"/>
           </a:p>
         </p:txBody>
       </p:sp>
@@ -2496,7 +2411,7 @@
           <a:bodyPr/>
           <a:lstStyle/>
           <a:p>
-            <a:endParaRPr lang="en-US"/>
+            <a:endParaRPr lang="en-US" dirty="0"/>
           </a:p>
         </p:txBody>
       </p:sp>
@@ -2520,7 +2435,7 @@
               <a:pPr/>
               <a:t>‹#›</a:t>
             </a:fld>
-            <a:endParaRPr lang="en-US"/>
+            <a:endParaRPr lang="en-US" dirty="0"/>
           </a:p>
         </p:txBody>
       </p:sp>
@@ -2747,9 +2662,9 @@
             <a:fld id="{1D8BD707-D9CF-40AE-B4C6-C98DA3205C09}" type="datetimeFigureOut">
               <a:rPr lang="en-US" smtClean="0"/>
               <a:pPr/>
-              <a:t>2/22/2017</a:t>
+              <a:t>4/6/2017</a:t>
             </a:fld>
-            <a:endParaRPr lang="en-US"/>
+            <a:endParaRPr lang="en-US" dirty="0"/>
           </a:p>
         </p:txBody>
       </p:sp>
@@ -2768,7 +2683,7 @@
           <a:bodyPr/>
           <a:lstStyle/>
           <a:p>
-            <a:endParaRPr lang="en-US"/>
+            <a:endParaRPr lang="en-US" dirty="0"/>
           </a:p>
         </p:txBody>
       </p:sp>
@@ -2792,7 +2707,7 @@
               <a:pPr/>
               <a:t>‹#›</a:t>
             </a:fld>
-            <a:endParaRPr lang="en-US"/>
+            <a:endParaRPr lang="en-US" dirty="0"/>
           </a:p>
         </p:txBody>
       </p:sp>
@@ -2909,7 +2824,7 @@
             </a:lvl9pPr>
           </a:lstStyle>
           <a:p>
-            <a:endParaRPr lang="en-US"/>
+            <a:endParaRPr lang="en-US" dirty="0"/>
           </a:p>
         </p:txBody>
       </p:sp>
@@ -2996,9 +2911,9 @@
             <a:fld id="{1D8BD707-D9CF-40AE-B4C6-C98DA3205C09}" type="datetimeFigureOut">
               <a:rPr lang="en-US" smtClean="0"/>
               <a:pPr/>
-              <a:t>2/22/2017</a:t>
+              <a:t>4/6/2017</a:t>
             </a:fld>
-            <a:endParaRPr lang="en-US"/>
+            <a:endParaRPr lang="en-US" dirty="0"/>
           </a:p>
         </p:txBody>
       </p:sp>
@@ -3017,7 +2932,7 @@
           <a:bodyPr/>
           <a:lstStyle/>
           <a:p>
-            <a:endParaRPr lang="en-US"/>
+            <a:endParaRPr lang="en-US" dirty="0"/>
           </a:p>
         </p:txBody>
       </p:sp>
@@ -3041,7 +2956,7 @@
               <a:pPr/>
               <a:t>‹#›</a:t>
             </a:fld>
-            <a:endParaRPr lang="en-US"/>
+            <a:endParaRPr lang="en-US" dirty="0"/>
           </a:p>
         </p:txBody>
       </p:sp>
@@ -3204,9 +3119,9 @@
             <a:fld id="{1D8BD707-D9CF-40AE-B4C6-C98DA3205C09}" type="datetimeFigureOut">
               <a:rPr lang="en-US" smtClean="0"/>
               <a:pPr/>
-              <a:t>2/22/2017</a:t>
+              <a:t>4/6/2017</a:t>
             </a:fld>
-            <a:endParaRPr lang="en-US"/>
+            <a:endParaRPr lang="en-US" dirty="0"/>
           </a:p>
         </p:txBody>
       </p:sp>
@@ -3243,7 +3158,7 @@
             </a:lvl1pPr>
           </a:lstStyle>
           <a:p>
-            <a:endParaRPr lang="en-US"/>
+            <a:endParaRPr lang="en-US" dirty="0"/>
           </a:p>
         </p:txBody>
       </p:sp>
@@ -3285,7 +3200,7 @@
               <a:pPr/>
               <a:t>‹#›</a:t>
             </a:fld>
-            <a:endParaRPr lang="en-US"/>
+            <a:endParaRPr lang="en-US" dirty="0"/>
           </a:p>
         </p:txBody>
       </p:sp>
@@ -3568,19 +3483,17 @@
             <a:gs pos="0">
               <a:srgbClr val="00B050"/>
             </a:gs>
-            <a:gs pos="25000">
+            <a:gs pos="10000">
               <a:srgbClr val="92D050"/>
             </a:gs>
-            <a:gs pos="75000">
+            <a:gs pos="90000">
               <a:schemeClr val="accent5">
                 <a:lumMod val="60000"/>
                 <a:lumOff val="40000"/>
               </a:schemeClr>
             </a:gs>
             <a:gs pos="50000">
-              <a:schemeClr val="bg1">
-                <a:lumMod val="95000"/>
-              </a:schemeClr>
+              <a:schemeClr val="bg1"/>
             </a:gs>
             <a:gs pos="100000">
               <a:srgbClr val="00B0F0"/>
@@ -3607,6 +3520,66 @@
       </p:grpSpPr>
       <p:sp>
         <p:nvSpPr>
+          <p:cNvPr id="87" name="Rectangle: Rounded Corners 86"/>
+          <p:cNvSpPr/>
+          <p:nvPr/>
+        </p:nvSpPr>
+        <p:spPr>
+          <a:xfrm>
+            <a:off x="36957000" y="360891"/>
+            <a:ext cx="6415949" cy="6649509"/>
+          </a:xfrm>
+          <a:prstGeom prst="roundRect">
+            <a:avLst/>
+          </a:prstGeom>
+          <a:solidFill>
+            <a:schemeClr val="bg1">
+              <a:alpha val="30000"/>
+            </a:schemeClr>
+          </a:solidFill>
+          <a:ln>
+            <a:noFill/>
+          </a:ln>
+          <a:effectLst>
+            <a:outerShdw blurRad="228600" dist="381000" dir="2700000" algn="tl" rotWithShape="0">
+              <a:prstClr val="black">
+                <a:alpha val="28000"/>
+              </a:prstClr>
+            </a:outerShdw>
+          </a:effectLst>
+        </p:spPr>
+        <p:style>
+          <a:lnRef idx="2">
+            <a:schemeClr val="accent1">
+              <a:shade val="50000"/>
+            </a:schemeClr>
+          </a:lnRef>
+          <a:fillRef idx="1">
+            <a:schemeClr val="accent1"/>
+          </a:fillRef>
+          <a:effectRef idx="0">
+            <a:schemeClr val="accent1"/>
+          </a:effectRef>
+          <a:fontRef idx="minor">
+            <a:schemeClr val="lt1"/>
+          </a:fontRef>
+        </p:style>
+        <p:txBody>
+          <a:bodyPr rot="0" spcFirstLastPara="0" vertOverflow="overflow" horzOverflow="overflow" vert="horz" wrap="square" lIns="91440" tIns="45720" rIns="91440" bIns="45720" numCol="1" spcCol="0" rtlCol="0" fromWordArt="0" anchor="ctr" anchorCtr="0" forceAA="0" compatLnSpc="1">
+            <a:prstTxWarp prst="textNoShape">
+              <a:avLst/>
+            </a:prstTxWarp>
+            <a:noAutofit/>
+          </a:bodyPr>
+          <a:lstStyle/>
+          <a:p>
+            <a:pPr algn="ctr"/>
+            <a:endParaRPr lang="en-US" dirty="0"/>
+          </a:p>
+        </p:txBody>
+      </p:sp>
+      <p:sp>
+        <p:nvSpPr>
           <p:cNvPr id="20" name="Text Box 15"/>
           <p:cNvSpPr txBox="1">
             <a:spLocks noChangeArrowheads="1"/>
@@ -3615,15 +3588,26 @@
         </p:nvSpPr>
         <p:spPr bwMode="auto">
           <a:xfrm>
-            <a:off x="5867400" y="15383199"/>
-            <a:ext cx="33885959" cy="2401765"/>
+            <a:off x="4080805" y="13859812"/>
+            <a:ext cx="35924195" cy="2938685"/>
           </a:xfrm>
           <a:prstGeom prst="rect">
             <a:avLst/>
           </a:prstGeom>
-          <a:solidFill>
-            <a:srgbClr val="FF0000"/>
-          </a:solidFill>
+          <a:gradFill flip="none" rotWithShape="1">
+            <a:gsLst>
+              <a:gs pos="70000">
+                <a:srgbClr val="FFC000"/>
+              </a:gs>
+              <a:gs pos="100000">
+                <a:srgbClr val="FF0000"/>
+              </a:gs>
+            </a:gsLst>
+            <a:path path="circle">
+              <a:fillToRect l="50000" t="50000" r="50000" b="50000"/>
+            </a:path>
+            <a:tileRect/>
+          </a:gradFill>
           <a:ln/>
           <a:extLst/>
         </p:spPr>
@@ -3770,456 +3754,9 @@
           </a:p>
         </p:txBody>
       </p:sp>
-      <p:sp>
-        <p:nvSpPr>
-          <p:cNvPr id="28" name="Text Box 26"/>
-          <p:cNvSpPr txBox="1">
-            <a:spLocks noChangeArrowheads="1"/>
-          </p:cNvSpPr>
-          <p:nvPr/>
-        </p:nvSpPr>
-        <p:spPr bwMode="auto">
-          <a:xfrm>
-            <a:off x="6892116" y="30251400"/>
-            <a:ext cx="26482860" cy="2336904"/>
-          </a:xfrm>
-          <a:prstGeom prst="rect">
-            <a:avLst/>
-          </a:prstGeom>
-          <a:noFill/>
-          <a:ln w="19050">
-            <a:solidFill>
-              <a:srgbClr val="FFFFFF"/>
-            </a:solidFill>
-            <a:prstDash val="dash"/>
-            <a:miter lim="800000"/>
-            <a:headEnd/>
-            <a:tailEnd/>
-          </a:ln>
-          <a:effectLst/>
-          <a:extLst>
-            <a:ext uri="{909E8E84-426E-40DD-AFC4-6F175D3DCCD1}">
-              <a14:hiddenFill xmlns:a14="http://schemas.microsoft.com/office/drawing/2010/main">
-                <a:solidFill>
-                  <a:schemeClr val="accent1"/>
-                </a:solidFill>
-              </a14:hiddenFill>
-            </a:ext>
-            <a:ext uri="{AF507438-7753-43E0-B8FC-AC1667EBCBE1}">
-              <a14:hiddenEffects xmlns:a14="http://schemas.microsoft.com/office/drawing/2010/main">
-                <a:effectLst>
-                  <a:outerShdw dist="35921" dir="2700000" algn="ctr" rotWithShape="0">
-                    <a:schemeClr val="bg2"/>
-                  </a:outerShdw>
-                </a:effectLst>
-              </a14:hiddenEffects>
-            </a:ext>
-          </a:extLst>
-        </p:spPr>
-        <p:txBody>
-          <a:bodyPr lIns="228600" tIns="228600" rIns="228600" bIns="228600"/>
-          <a:lstStyle>
-            <a:lvl1pPr marL="342900" indent="-342900">
-              <a:defRPr>
-                <a:solidFill>
-                  <a:schemeClr val="tx1"/>
-                </a:solidFill>
-                <a:latin typeface="Arial" charset="0"/>
-              </a:defRPr>
-            </a:lvl1pPr>
-            <a:lvl2pPr marL="800100" indent="-342900">
-              <a:defRPr>
-                <a:solidFill>
-                  <a:schemeClr val="tx1"/>
-                </a:solidFill>
-                <a:latin typeface="Arial" charset="0"/>
-              </a:defRPr>
-            </a:lvl2pPr>
-            <a:lvl3pPr marL="1257300" indent="-342900">
-              <a:defRPr>
-                <a:solidFill>
-                  <a:schemeClr val="tx1"/>
-                </a:solidFill>
-                <a:latin typeface="Arial" charset="0"/>
-              </a:defRPr>
-            </a:lvl3pPr>
-            <a:lvl4pPr marL="1714500" indent="-342900">
-              <a:defRPr>
-                <a:solidFill>
-                  <a:schemeClr val="tx1"/>
-                </a:solidFill>
-                <a:latin typeface="Arial" charset="0"/>
-              </a:defRPr>
-            </a:lvl4pPr>
-            <a:lvl5pPr marL="2171700" indent="-342900">
-              <a:defRPr>
-                <a:solidFill>
-                  <a:schemeClr val="tx1"/>
-                </a:solidFill>
-                <a:latin typeface="Arial" charset="0"/>
-              </a:defRPr>
-            </a:lvl5pPr>
-            <a:lvl6pPr marL="2628900" indent="-342900" fontAlgn="base">
-              <a:spcBef>
-                <a:spcPct val="0"/>
-              </a:spcBef>
-              <a:spcAft>
-                <a:spcPct val="0"/>
-              </a:spcAft>
-              <a:defRPr>
-                <a:solidFill>
-                  <a:schemeClr val="tx1"/>
-                </a:solidFill>
-                <a:latin typeface="Arial" charset="0"/>
-              </a:defRPr>
-            </a:lvl6pPr>
-            <a:lvl7pPr marL="3086100" indent="-342900" fontAlgn="base">
-              <a:spcBef>
-                <a:spcPct val="0"/>
-              </a:spcBef>
-              <a:spcAft>
-                <a:spcPct val="0"/>
-              </a:spcAft>
-              <a:defRPr>
-                <a:solidFill>
-                  <a:schemeClr val="tx1"/>
-                </a:solidFill>
-                <a:latin typeface="Arial" charset="0"/>
-              </a:defRPr>
-            </a:lvl7pPr>
-            <a:lvl8pPr marL="3543300" indent="-342900" fontAlgn="base">
-              <a:spcBef>
-                <a:spcPct val="0"/>
-              </a:spcBef>
-              <a:spcAft>
-                <a:spcPct val="0"/>
-              </a:spcAft>
-              <a:defRPr>
-                <a:solidFill>
-                  <a:schemeClr val="tx1"/>
-                </a:solidFill>
-                <a:latin typeface="Arial" charset="0"/>
-              </a:defRPr>
-            </a:lvl8pPr>
-            <a:lvl9pPr marL="4000500" indent="-342900" fontAlgn="base">
-              <a:spcBef>
-                <a:spcPct val="0"/>
-              </a:spcBef>
-              <a:spcAft>
-                <a:spcPct val="0"/>
-              </a:spcAft>
-              <a:defRPr>
-                <a:solidFill>
-                  <a:schemeClr val="tx1"/>
-                </a:solidFill>
-                <a:latin typeface="Arial" charset="0"/>
-              </a:defRPr>
-            </a:lvl9pPr>
-          </a:lstStyle>
-          <a:p>
-            <a:pPr marL="457200" lvl="0" indent="-457200" defTabSz="457200">
-              <a:spcAft>
-                <a:spcPct val="50000"/>
-              </a:spcAft>
-              <a:buFont typeface="+mj-lt"/>
-              <a:buAutoNum type="arabicPeriod"/>
-              <a:defRPr/>
-            </a:pPr>
-            <a:r>
-              <a:rPr lang="en-US" sz="1800" kern="0" dirty="0"/>
-              <a:t>M. Roland and J. Langer, "Digital Signature Records for the NFC Data Exchange Format," 2010 Second International Workshop on Near Field Communication, Monaco, 2010, pp. 71-76. </a:t>
-            </a:r>
-            <a:r>
-              <a:rPr lang="en-US" sz="1800" kern="0" dirty="0" err="1"/>
-              <a:t>doi</a:t>
-            </a:r>
-            <a:r>
-              <a:rPr lang="en-US" sz="1800" kern="0" dirty="0"/>
-              <a:t>: 10.1109/NFC.2010.10</a:t>
-            </a:r>
-          </a:p>
-          <a:p>
-            <a:pPr marL="457200" lvl="0" indent="-457200" defTabSz="457200">
-              <a:spcAft>
-                <a:spcPct val="50000"/>
-              </a:spcAft>
-              <a:buFont typeface="+mj-lt"/>
-              <a:buAutoNum type="arabicPeriod"/>
-              <a:defRPr/>
-            </a:pPr>
-            <a:r>
-              <a:rPr lang="en-US" sz="1800" kern="0" dirty="0"/>
-              <a:t>B. Jepson, D. Coleman, and T. </a:t>
-            </a:r>
-            <a:r>
-              <a:rPr lang="en-US" sz="1800" kern="0" dirty="0" err="1"/>
-              <a:t>Igoe</a:t>
-            </a:r>
-            <a:r>
-              <a:rPr lang="en-US" sz="1800" kern="0" dirty="0"/>
-              <a:t>, 4. Introducing NDEF [Book]. Safari, 2017. [Online]. Available: https://www.safaribooksonline.com/library/view/beginning-nfc/9781449324094/ch04.html. Accessed: Feb. 2, 2017.</a:t>
-            </a:r>
-          </a:p>
-          <a:p>
-            <a:pPr marL="457200" lvl="0" indent="-457200" defTabSz="457200">
-              <a:spcAft>
-                <a:spcPct val="50000"/>
-              </a:spcAft>
-              <a:buFont typeface="+mj-lt"/>
-              <a:buAutoNum type="arabicPeriod"/>
-              <a:defRPr/>
-            </a:pPr>
-            <a:r>
-              <a:rPr lang="en-US" sz="1800" kern="0" dirty="0"/>
-              <a:t>NFC, Forum. "NFC Forum Technical Specifications Improve RF Communication and NFC Tag Interoperability with NFC Devices." Business Wire (English) Dec. 0010: Regional Business News. Web. 1 Feb. 2017.</a:t>
-            </a:r>
-          </a:p>
-          <a:p>
-            <a:pPr marL="457200" indent="-457200" defTabSz="457200">
-              <a:spcAft>
-                <a:spcPct val="50000"/>
-              </a:spcAft>
-              <a:buFont typeface="+mj-lt"/>
-              <a:buAutoNum type="arabicPeriod"/>
-              <a:defRPr/>
-            </a:pPr>
-            <a:r>
-              <a:rPr lang="en-US" sz="1800" kern="0" dirty="0"/>
-              <a:t>electrical 4 u, "Air core transformer," 2011. [Online]. Available: http://www.electrical4u.com/air-core-transformer/. Accessed: Feb. 1, 2017.</a:t>
-            </a:r>
-          </a:p>
-          <a:p>
-            <a:pPr marL="457200" indent="-457200" defTabSz="457200">
-              <a:spcAft>
-                <a:spcPct val="50000"/>
-              </a:spcAft>
-              <a:buFont typeface="+mj-lt"/>
-              <a:buAutoNum type="arabicPeriod"/>
-              <a:defRPr/>
-            </a:pPr>
-            <a:r>
-              <a:rPr lang="en-US" sz="1800" kern="0" dirty="0"/>
-              <a:t>N. Forum, A. rights reserved, A. M. services, Virtual, P. P. Terms, and C. Feedback, "What are the operating modes of NFC devices? - NFC forum," NFC Forum, 2017. [Online]. Available: http://nfc-forum.org/resources/what-are-the-operating-modes-of-nfc-devices/. Accessed: Feb. 2, 2017.</a:t>
-            </a:r>
-          </a:p>
-          <a:p>
-            <a:pPr marL="457200" lvl="0" indent="-457200" defTabSz="457200">
-              <a:spcAft>
-                <a:spcPct val="50000"/>
-              </a:spcAft>
-              <a:buFont typeface="+mj-lt"/>
-              <a:buAutoNum type="arabicPeriod"/>
-              <a:defRPr/>
-            </a:pPr>
-            <a:endParaRPr lang="en-US" sz="2400" kern="0" dirty="0"/>
-          </a:p>
-          <a:p>
-            <a:pPr marL="457200" lvl="0" indent="-457200" defTabSz="457200">
-              <a:spcAft>
-                <a:spcPct val="50000"/>
-              </a:spcAft>
-              <a:buFont typeface="+mj-lt"/>
-              <a:buAutoNum type="arabicPeriod"/>
-              <a:defRPr/>
-            </a:pPr>
-            <a:endParaRPr lang="en-US" sz="2400" kern="0" dirty="0"/>
-          </a:p>
-          <a:p>
-            <a:pPr marL="457200" lvl="0" indent="-457200" defTabSz="457200">
-              <a:spcAft>
-                <a:spcPct val="50000"/>
-              </a:spcAft>
-              <a:buFont typeface="+mj-lt"/>
-              <a:buAutoNum type="arabicPeriod"/>
-              <a:defRPr/>
-            </a:pPr>
-            <a:endParaRPr kumimoji="0" lang="en-US" sz="2400" b="0" i="0" u="none" strike="noStrike" kern="0" cap="none" spc="0" normalizeH="0" baseline="0" noProof="0" dirty="0">
-              <a:ln>
-                <a:noFill/>
-              </a:ln>
-              <a:effectLst/>
-              <a:uLnTx/>
-              <a:uFillTx/>
-              <a:latin typeface="Arial" charset="0"/>
-            </a:endParaRPr>
-          </a:p>
-        </p:txBody>
-      </p:sp>
-      <p:sp>
-        <p:nvSpPr>
-          <p:cNvPr id="32" name="Text Box 30"/>
-          <p:cNvSpPr txBox="1">
-            <a:spLocks noChangeArrowheads="1"/>
-          </p:cNvSpPr>
-          <p:nvPr/>
-        </p:nvSpPr>
-        <p:spPr bwMode="auto">
-          <a:xfrm>
-            <a:off x="14097002" y="29810864"/>
-            <a:ext cx="19277973" cy="440536"/>
-          </a:xfrm>
-          <a:prstGeom prst="rect">
-            <a:avLst/>
-          </a:prstGeom>
-          <a:noFill/>
-          <a:ln>
-            <a:noFill/>
-          </a:ln>
-          <a:effectLst/>
-          <a:extLst>
-            <a:ext uri="{909E8E84-426E-40DD-AFC4-6F175D3DCCD1}">
-              <a14:hiddenFill xmlns:a14="http://schemas.microsoft.com/office/drawing/2010/main">
-                <a:solidFill>
-                  <a:schemeClr val="accent1"/>
-                </a:solidFill>
-              </a14:hiddenFill>
-            </a:ext>
-            <a:ext uri="{91240B29-F687-4F45-9708-019B960494DF}">
-              <a14:hiddenLine xmlns:a14="http://schemas.microsoft.com/office/drawing/2010/main" w="9525">
-                <a:solidFill>
-                  <a:schemeClr val="tx1"/>
-                </a:solidFill>
-                <a:prstDash val="sysDot"/>
-                <a:miter lim="800000"/>
-                <a:headEnd/>
-                <a:tailEnd/>
-              </a14:hiddenLine>
-            </a:ext>
-            <a:ext uri="{AF507438-7753-43E0-B8FC-AC1667EBCBE1}">
-              <a14:hiddenEffects xmlns:a14="http://schemas.microsoft.com/office/drawing/2010/main">
-                <a:effectLst>
-                  <a:outerShdw dist="35921" dir="2700000" algn="ctr" rotWithShape="0">
-                    <a:schemeClr val="bg2"/>
-                  </a:outerShdw>
-                </a:effectLst>
-              </a14:hiddenEffects>
-            </a:ext>
-          </a:extLst>
-        </p:spPr>
-        <p:txBody>
-          <a:bodyPr wrap="none" lIns="228600" tIns="228600" rIns="228600" bIns="228600" anchor="ctr" anchorCtr="1"/>
-          <a:lstStyle>
-            <a:lvl1pPr defTabSz="4389438">
-              <a:defRPr>
-                <a:solidFill>
-                  <a:schemeClr val="tx1"/>
-                </a:solidFill>
-                <a:latin typeface="Arial" charset="0"/>
-              </a:defRPr>
-            </a:lvl1pPr>
-            <a:lvl2pPr defTabSz="4389438">
-              <a:defRPr>
-                <a:solidFill>
-                  <a:schemeClr val="tx1"/>
-                </a:solidFill>
-                <a:latin typeface="Arial" charset="0"/>
-              </a:defRPr>
-            </a:lvl2pPr>
-            <a:lvl3pPr defTabSz="4389438">
-              <a:defRPr>
-                <a:solidFill>
-                  <a:schemeClr val="tx1"/>
-                </a:solidFill>
-                <a:latin typeface="Arial" charset="0"/>
-              </a:defRPr>
-            </a:lvl3pPr>
-            <a:lvl4pPr defTabSz="4389438">
-              <a:defRPr>
-                <a:solidFill>
-                  <a:schemeClr val="tx1"/>
-                </a:solidFill>
-                <a:latin typeface="Arial" charset="0"/>
-              </a:defRPr>
-            </a:lvl4pPr>
-            <a:lvl5pPr defTabSz="4389438">
-              <a:defRPr>
-                <a:solidFill>
-                  <a:schemeClr val="tx1"/>
-                </a:solidFill>
-                <a:latin typeface="Arial" charset="0"/>
-              </a:defRPr>
-            </a:lvl5pPr>
-            <a:lvl6pPr defTabSz="4389438" fontAlgn="base">
-              <a:spcBef>
-                <a:spcPct val="0"/>
-              </a:spcBef>
-              <a:spcAft>
-                <a:spcPct val="0"/>
-              </a:spcAft>
-              <a:defRPr>
-                <a:solidFill>
-                  <a:schemeClr val="tx1"/>
-                </a:solidFill>
-                <a:latin typeface="Arial" charset="0"/>
-              </a:defRPr>
-            </a:lvl6pPr>
-            <a:lvl7pPr defTabSz="4389438" fontAlgn="base">
-              <a:spcBef>
-                <a:spcPct val="0"/>
-              </a:spcBef>
-              <a:spcAft>
-                <a:spcPct val="0"/>
-              </a:spcAft>
-              <a:defRPr>
-                <a:solidFill>
-                  <a:schemeClr val="tx1"/>
-                </a:solidFill>
-                <a:latin typeface="Arial" charset="0"/>
-              </a:defRPr>
-            </a:lvl7pPr>
-            <a:lvl8pPr defTabSz="4389438" fontAlgn="base">
-              <a:spcBef>
-                <a:spcPct val="0"/>
-              </a:spcBef>
-              <a:spcAft>
-                <a:spcPct val="0"/>
-              </a:spcAft>
-              <a:defRPr>
-                <a:solidFill>
-                  <a:schemeClr val="tx1"/>
-                </a:solidFill>
-                <a:latin typeface="Arial" charset="0"/>
-              </a:defRPr>
-            </a:lvl8pPr>
-            <a:lvl9pPr defTabSz="4389438" fontAlgn="base">
-              <a:spcBef>
-                <a:spcPct val="0"/>
-              </a:spcBef>
-              <a:spcAft>
-                <a:spcPct val="0"/>
-              </a:spcAft>
-              <a:defRPr>
-                <a:solidFill>
-                  <a:schemeClr val="tx1"/>
-                </a:solidFill>
-                <a:latin typeface="Arial" charset="0"/>
-              </a:defRPr>
-            </a:lvl9pPr>
-          </a:lstStyle>
-          <a:p>
-            <a:pPr algn="ctr"/>
-            <a:r>
-              <a:rPr lang="en-US" sz="3600" dirty="0">
-                <a:ln w="0"/>
-                <a:effectLst>
-                  <a:outerShdw blurRad="38100" dist="19050" dir="2700000" algn="tl" rotWithShape="0">
-                    <a:schemeClr val="dk1">
-                      <a:alpha val="40000"/>
-                    </a:schemeClr>
-                  </a:outerShdw>
-                </a:effectLst>
-                <a:latin typeface="Verdana" panose="020B0604030504040204" pitchFamily="34" charset="0"/>
-                <a:ea typeface="Verdana" panose="020B0604030504040204" pitchFamily="34" charset="0"/>
-                <a:cs typeface="Verdana" panose="020B0604030504040204" pitchFamily="34" charset="0"/>
-              </a:rPr>
-              <a:t>REFERENCES</a:t>
-            </a:r>
-          </a:p>
-        </p:txBody>
-      </p:sp>
       <p:pic>
         <p:nvPicPr>
-          <p:cNvPr id="40" name="Picture 39"/>
+          <p:cNvPr id="9" name="Picture 8"/>
           <p:cNvPicPr>
             <a:picLocks noChangeAspect="1"/>
           </p:cNvPicPr>
@@ -4239,8 +3776,8 @@
         </p:blipFill>
         <p:spPr>
           <a:xfrm>
-            <a:off x="601195" y="533400"/>
-            <a:ext cx="5952005" cy="31752762"/>
+            <a:off x="574148" y="360892"/>
+            <a:ext cx="4074052" cy="29985497"/>
           </a:xfrm>
           <a:prstGeom prst="rect">
             <a:avLst/>
@@ -4249,18 +3786,476 @@
       </p:pic>
       <p:sp>
         <p:nvSpPr>
+          <p:cNvPr id="28" name="Text Box 26"/>
+          <p:cNvSpPr txBox="1">
+            <a:spLocks noChangeArrowheads="1"/>
+          </p:cNvSpPr>
+          <p:nvPr/>
+        </p:nvSpPr>
+        <p:spPr bwMode="auto">
+          <a:xfrm>
+            <a:off x="11806011" y="30672138"/>
+            <a:ext cx="20279179" cy="2058915"/>
+          </a:xfrm>
+          <a:prstGeom prst="rect">
+            <a:avLst/>
+          </a:prstGeom>
+          <a:noFill/>
+          <a:ln w="19050">
+            <a:solidFill>
+              <a:srgbClr val="FFFFFF"/>
+            </a:solidFill>
+            <a:prstDash val="dash"/>
+            <a:miter lim="800000"/>
+            <a:headEnd/>
+            <a:tailEnd/>
+          </a:ln>
+          <a:effectLst/>
+          <a:extLst>
+            <a:ext uri="{909E8E84-426E-40DD-AFC4-6F175D3DCCD1}">
+              <a14:hiddenFill xmlns:a14="http://schemas.microsoft.com/office/drawing/2010/main">
+                <a:solidFill>
+                  <a:schemeClr val="accent1"/>
+                </a:solidFill>
+              </a14:hiddenFill>
+            </a:ext>
+            <a:ext uri="{AF507438-7753-43E0-B8FC-AC1667EBCBE1}">
+              <a14:hiddenEffects xmlns:a14="http://schemas.microsoft.com/office/drawing/2010/main">
+                <a:effectLst>
+                  <a:outerShdw dist="35921" dir="2700000" algn="ctr" rotWithShape="0">
+                    <a:schemeClr val="bg2"/>
+                  </a:outerShdw>
+                </a:effectLst>
+              </a14:hiddenEffects>
+            </a:ext>
+          </a:extLst>
+        </p:spPr>
+        <p:txBody>
+          <a:bodyPr lIns="228600" tIns="228600" rIns="228600" bIns="228600"/>
+          <a:lstStyle>
+            <a:lvl1pPr marL="342900" indent="-342900">
+              <a:defRPr>
+                <a:solidFill>
+                  <a:schemeClr val="tx1"/>
+                </a:solidFill>
+                <a:latin typeface="Arial" charset="0"/>
+              </a:defRPr>
+            </a:lvl1pPr>
+            <a:lvl2pPr marL="800100" indent="-342900">
+              <a:defRPr>
+                <a:solidFill>
+                  <a:schemeClr val="tx1"/>
+                </a:solidFill>
+                <a:latin typeface="Arial" charset="0"/>
+              </a:defRPr>
+            </a:lvl2pPr>
+            <a:lvl3pPr marL="1257300" indent="-342900">
+              <a:defRPr>
+                <a:solidFill>
+                  <a:schemeClr val="tx1"/>
+                </a:solidFill>
+                <a:latin typeface="Arial" charset="0"/>
+              </a:defRPr>
+            </a:lvl3pPr>
+            <a:lvl4pPr marL="1714500" indent="-342900">
+              <a:defRPr>
+                <a:solidFill>
+                  <a:schemeClr val="tx1"/>
+                </a:solidFill>
+                <a:latin typeface="Arial" charset="0"/>
+              </a:defRPr>
+            </a:lvl4pPr>
+            <a:lvl5pPr marL="2171700" indent="-342900">
+              <a:defRPr>
+                <a:solidFill>
+                  <a:schemeClr val="tx1"/>
+                </a:solidFill>
+                <a:latin typeface="Arial" charset="0"/>
+              </a:defRPr>
+            </a:lvl5pPr>
+            <a:lvl6pPr marL="2628900" indent="-342900" fontAlgn="base">
+              <a:spcBef>
+                <a:spcPct val="0"/>
+              </a:spcBef>
+              <a:spcAft>
+                <a:spcPct val="0"/>
+              </a:spcAft>
+              <a:defRPr>
+                <a:solidFill>
+                  <a:schemeClr val="tx1"/>
+                </a:solidFill>
+                <a:latin typeface="Arial" charset="0"/>
+              </a:defRPr>
+            </a:lvl6pPr>
+            <a:lvl7pPr marL="3086100" indent="-342900" fontAlgn="base">
+              <a:spcBef>
+                <a:spcPct val="0"/>
+              </a:spcBef>
+              <a:spcAft>
+                <a:spcPct val="0"/>
+              </a:spcAft>
+              <a:defRPr>
+                <a:solidFill>
+                  <a:schemeClr val="tx1"/>
+                </a:solidFill>
+                <a:latin typeface="Arial" charset="0"/>
+              </a:defRPr>
+            </a:lvl7pPr>
+            <a:lvl8pPr marL="3543300" indent="-342900" fontAlgn="base">
+              <a:spcBef>
+                <a:spcPct val="0"/>
+              </a:spcBef>
+              <a:spcAft>
+                <a:spcPct val="0"/>
+              </a:spcAft>
+              <a:defRPr>
+                <a:solidFill>
+                  <a:schemeClr val="tx1"/>
+                </a:solidFill>
+                <a:latin typeface="Arial" charset="0"/>
+              </a:defRPr>
+            </a:lvl8pPr>
+            <a:lvl9pPr marL="4000500" indent="-342900" fontAlgn="base">
+              <a:spcBef>
+                <a:spcPct val="0"/>
+              </a:spcBef>
+              <a:spcAft>
+                <a:spcPct val="0"/>
+              </a:spcAft>
+              <a:defRPr>
+                <a:solidFill>
+                  <a:schemeClr val="tx1"/>
+                </a:solidFill>
+                <a:latin typeface="Arial" charset="0"/>
+              </a:defRPr>
+            </a:lvl9pPr>
+          </a:lstStyle>
+          <a:p>
+            <a:pPr marL="457200" lvl="0" indent="-457200" defTabSz="457200">
+              <a:spcAft>
+                <a:spcPct val="50000"/>
+              </a:spcAft>
+              <a:buFont typeface="+mj-lt"/>
+              <a:buAutoNum type="arabicPeriod"/>
+              <a:defRPr/>
+            </a:pPr>
+            <a:r>
+              <a:rPr lang="en-US" sz="1600" kern="0" dirty="0"/>
+              <a:t>M. Roland and J. Langer, "Digital Signature Records for the NFC Data Exchange Format," 2010 Second International Workshop on Near Field Communication, Monaco, 2010, pp. 71-76. doi: 10.1109/NFC.2010.10</a:t>
+            </a:r>
+          </a:p>
+          <a:p>
+            <a:pPr marL="457200" lvl="0" indent="-457200" defTabSz="457200">
+              <a:spcAft>
+                <a:spcPct val="50000"/>
+              </a:spcAft>
+              <a:buFont typeface="+mj-lt"/>
+              <a:buAutoNum type="arabicPeriod"/>
+              <a:defRPr/>
+            </a:pPr>
+            <a:r>
+              <a:rPr lang="en-US" sz="1600" kern="0" dirty="0"/>
+              <a:t>B. Jepson, D. Coleman, and T. Igoe, 4. Introducing NDEF [Book]. Safari, 2017. [Online]. Available: https://www.safaribooksonline.com/library/view/beginning-nfc/9781449324094/ch04.html. Accessed: Feb. 2, 2017.</a:t>
+            </a:r>
+          </a:p>
+          <a:p>
+            <a:pPr marL="457200" lvl="0" indent="-457200" defTabSz="457200">
+              <a:spcAft>
+                <a:spcPct val="50000"/>
+              </a:spcAft>
+              <a:buFont typeface="+mj-lt"/>
+              <a:buAutoNum type="arabicPeriod"/>
+              <a:defRPr/>
+            </a:pPr>
+            <a:r>
+              <a:rPr lang="en-US" sz="1600" kern="0" dirty="0"/>
+              <a:t>NFC, Forum. "NFC Forum Technical Specifications Improve RF Communication and NFC Tag Interoperability with NFC Devices." Business Wire (English) Dec. 0010: Regional Business News. Web. 1 Feb. 2017.</a:t>
+            </a:r>
+          </a:p>
+          <a:p>
+            <a:pPr marL="457200" indent="-457200" defTabSz="457200">
+              <a:spcAft>
+                <a:spcPct val="50000"/>
+              </a:spcAft>
+              <a:buFont typeface="+mj-lt"/>
+              <a:buAutoNum type="arabicPeriod"/>
+              <a:defRPr/>
+            </a:pPr>
+            <a:r>
+              <a:rPr lang="en-US" sz="1600" kern="0" dirty="0"/>
+              <a:t>electrical 4 u, "Air core transformer," 2011. [Online]. Available: http://www.electrical4u.com/air-core-transformer/. Accessed: Feb. 1, 2017.</a:t>
+            </a:r>
+          </a:p>
+          <a:p>
+            <a:pPr marL="457200" indent="-457200" defTabSz="457200">
+              <a:spcAft>
+                <a:spcPct val="50000"/>
+              </a:spcAft>
+              <a:buFont typeface="+mj-lt"/>
+              <a:buAutoNum type="arabicPeriod"/>
+              <a:defRPr/>
+            </a:pPr>
+            <a:r>
+              <a:rPr lang="en-US" sz="1600" dirty="0"/>
+              <a:t>NFC Forum, 1</a:t>
+            </a:r>
+            <a:r>
+              <a:rPr lang="en-US" sz="1600" baseline="30000" dirty="0"/>
+              <a:t>st</a:t>
+            </a:r>
+            <a:r>
+              <a:rPr lang="en-US" sz="1600" dirty="0"/>
+              <a:t> ed.</a:t>
+            </a:r>
+            <a:r>
+              <a:rPr lang="en-US" sz="1600" i="1" dirty="0"/>
+              <a:t> NFC Data Exchange Format (NDEF) Technical Specification,</a:t>
+            </a:r>
+            <a:r>
+              <a:rPr lang="en-US" sz="1600" dirty="0"/>
+              <a:t> 1st ed. Wakefield, MA: NFC Forum, 2006. Web. 27 Mar. 2017.</a:t>
+            </a:r>
+            <a:endParaRPr lang="en-US" sz="2000" kern="0" dirty="0"/>
+          </a:p>
+          <a:p>
+            <a:pPr marL="457200" lvl="0" indent="-457200" defTabSz="457200">
+              <a:spcAft>
+                <a:spcPct val="50000"/>
+              </a:spcAft>
+              <a:buFont typeface="+mj-lt"/>
+              <a:buAutoNum type="arabicPeriod"/>
+              <a:defRPr/>
+            </a:pPr>
+            <a:endParaRPr lang="en-US" sz="2000" kern="0" dirty="0"/>
+          </a:p>
+          <a:p>
+            <a:pPr marL="457200" lvl="0" indent="-457200" defTabSz="457200">
+              <a:spcAft>
+                <a:spcPct val="50000"/>
+              </a:spcAft>
+              <a:buFont typeface="+mj-lt"/>
+              <a:buAutoNum type="arabicPeriod"/>
+              <a:defRPr/>
+            </a:pPr>
+            <a:endParaRPr kumimoji="0" lang="en-US" sz="2000" b="0" i="0" u="none" strike="noStrike" kern="0" cap="none" spc="0" normalizeH="0" baseline="0" noProof="0" dirty="0">
+              <a:ln>
+                <a:noFill/>
+              </a:ln>
+              <a:effectLst/>
+              <a:uLnTx/>
+              <a:uFillTx/>
+              <a:latin typeface="Arial" charset="0"/>
+            </a:endParaRPr>
+          </a:p>
+        </p:txBody>
+      </p:sp>
+      <p:sp>
+        <p:nvSpPr>
+          <p:cNvPr id="32" name="Text Box 30"/>
+          <p:cNvSpPr txBox="1">
+            <a:spLocks noChangeArrowheads="1"/>
+          </p:cNvSpPr>
+          <p:nvPr/>
+        </p:nvSpPr>
+        <p:spPr bwMode="auto">
+          <a:xfrm>
+            <a:off x="11806011" y="30355635"/>
+            <a:ext cx="20279179" cy="200565"/>
+          </a:xfrm>
+          <a:prstGeom prst="rect">
+            <a:avLst/>
+          </a:prstGeom>
+          <a:noFill/>
+          <a:ln>
+            <a:noFill/>
+          </a:ln>
+          <a:effectLst/>
+          <a:extLst>
+            <a:ext uri="{909E8E84-426E-40DD-AFC4-6F175D3DCCD1}">
+              <a14:hiddenFill xmlns:a14="http://schemas.microsoft.com/office/drawing/2010/main">
+                <a:solidFill>
+                  <a:schemeClr val="accent1"/>
+                </a:solidFill>
+              </a14:hiddenFill>
+            </a:ext>
+            <a:ext uri="{91240B29-F687-4F45-9708-019B960494DF}">
+              <a14:hiddenLine xmlns:a14="http://schemas.microsoft.com/office/drawing/2010/main" w="9525">
+                <a:solidFill>
+                  <a:schemeClr val="tx1"/>
+                </a:solidFill>
+                <a:prstDash val="sysDot"/>
+                <a:miter lim="800000"/>
+                <a:headEnd/>
+                <a:tailEnd/>
+              </a14:hiddenLine>
+            </a:ext>
+            <a:ext uri="{AF507438-7753-43E0-B8FC-AC1667EBCBE1}">
+              <a14:hiddenEffects xmlns:a14="http://schemas.microsoft.com/office/drawing/2010/main">
+                <a:effectLst>
+                  <a:outerShdw dist="35921" dir="2700000" algn="ctr" rotWithShape="0">
+                    <a:schemeClr val="bg2"/>
+                  </a:outerShdw>
+                </a:effectLst>
+              </a14:hiddenEffects>
+            </a:ext>
+          </a:extLst>
+        </p:spPr>
+        <p:txBody>
+          <a:bodyPr wrap="none" lIns="228600" tIns="228600" rIns="228600" bIns="228600" anchor="ctr" anchorCtr="1"/>
+          <a:lstStyle>
+            <a:lvl1pPr defTabSz="4389438">
+              <a:defRPr>
+                <a:solidFill>
+                  <a:schemeClr val="tx1"/>
+                </a:solidFill>
+                <a:latin typeface="Arial" charset="0"/>
+              </a:defRPr>
+            </a:lvl1pPr>
+            <a:lvl2pPr defTabSz="4389438">
+              <a:defRPr>
+                <a:solidFill>
+                  <a:schemeClr val="tx1"/>
+                </a:solidFill>
+                <a:latin typeface="Arial" charset="0"/>
+              </a:defRPr>
+            </a:lvl2pPr>
+            <a:lvl3pPr defTabSz="4389438">
+              <a:defRPr>
+                <a:solidFill>
+                  <a:schemeClr val="tx1"/>
+                </a:solidFill>
+                <a:latin typeface="Arial" charset="0"/>
+              </a:defRPr>
+            </a:lvl3pPr>
+            <a:lvl4pPr defTabSz="4389438">
+              <a:defRPr>
+                <a:solidFill>
+                  <a:schemeClr val="tx1"/>
+                </a:solidFill>
+                <a:latin typeface="Arial" charset="0"/>
+              </a:defRPr>
+            </a:lvl4pPr>
+            <a:lvl5pPr defTabSz="4389438">
+              <a:defRPr>
+                <a:solidFill>
+                  <a:schemeClr val="tx1"/>
+                </a:solidFill>
+                <a:latin typeface="Arial" charset="0"/>
+              </a:defRPr>
+            </a:lvl5pPr>
+            <a:lvl6pPr defTabSz="4389438" fontAlgn="base">
+              <a:spcBef>
+                <a:spcPct val="0"/>
+              </a:spcBef>
+              <a:spcAft>
+                <a:spcPct val="0"/>
+              </a:spcAft>
+              <a:defRPr>
+                <a:solidFill>
+                  <a:schemeClr val="tx1"/>
+                </a:solidFill>
+                <a:latin typeface="Arial" charset="0"/>
+              </a:defRPr>
+            </a:lvl6pPr>
+            <a:lvl7pPr defTabSz="4389438" fontAlgn="base">
+              <a:spcBef>
+                <a:spcPct val="0"/>
+              </a:spcBef>
+              <a:spcAft>
+                <a:spcPct val="0"/>
+              </a:spcAft>
+              <a:defRPr>
+                <a:solidFill>
+                  <a:schemeClr val="tx1"/>
+                </a:solidFill>
+                <a:latin typeface="Arial" charset="0"/>
+              </a:defRPr>
+            </a:lvl7pPr>
+            <a:lvl8pPr defTabSz="4389438" fontAlgn="base">
+              <a:spcBef>
+                <a:spcPct val="0"/>
+              </a:spcBef>
+              <a:spcAft>
+                <a:spcPct val="0"/>
+              </a:spcAft>
+              <a:defRPr>
+                <a:solidFill>
+                  <a:schemeClr val="tx1"/>
+                </a:solidFill>
+                <a:latin typeface="Arial" charset="0"/>
+              </a:defRPr>
+            </a:lvl8pPr>
+            <a:lvl9pPr defTabSz="4389438" fontAlgn="base">
+              <a:spcBef>
+                <a:spcPct val="0"/>
+              </a:spcBef>
+              <a:spcAft>
+                <a:spcPct val="0"/>
+              </a:spcAft>
+              <a:defRPr>
+                <a:solidFill>
+                  <a:schemeClr val="tx1"/>
+                </a:solidFill>
+                <a:latin typeface="Arial" charset="0"/>
+              </a:defRPr>
+            </a:lvl9pPr>
+          </a:lstStyle>
+          <a:p>
+            <a:pPr algn="ctr"/>
+            <a:r>
+              <a:rPr lang="en-US" sz="3200" dirty="0">
+                <a:ln w="0"/>
+                <a:effectLst>
+                  <a:outerShdw blurRad="38100" dist="19050" dir="2700000" algn="tl" rotWithShape="0">
+                    <a:schemeClr val="dk1">
+                      <a:alpha val="40000"/>
+                    </a:schemeClr>
+                  </a:outerShdw>
+                </a:effectLst>
+                <a:latin typeface="Verdana" panose="020B0604030504040204" pitchFamily="34" charset="0"/>
+                <a:ea typeface="Verdana" panose="020B0604030504040204" pitchFamily="34" charset="0"/>
+                <a:cs typeface="Verdana" panose="020B0604030504040204" pitchFamily="34" charset="0"/>
+              </a:rPr>
+              <a:t>REFERENCES</a:t>
+            </a:r>
+          </a:p>
+        </p:txBody>
+      </p:sp>
+      <p:sp>
+        <p:nvSpPr>
           <p:cNvPr id="44" name="Striped Right Arrow 43"/>
           <p:cNvSpPr/>
           <p:nvPr/>
         </p:nvSpPr>
         <p:spPr>
           <a:xfrm rot="10800000">
-            <a:off x="4953000" y="12651967"/>
-            <a:ext cx="34932840" cy="4343400"/>
+            <a:off x="3164659" y="10382866"/>
+            <a:ext cx="35908072" cy="5326302"/>
           </a:xfrm>
           <a:prstGeom prst="stripedRightArrow">
             <a:avLst/>
           </a:prstGeom>
+          <a:gradFill flip="none" rotWithShape="1">
+            <a:gsLst>
+              <a:gs pos="0">
+                <a:schemeClr val="accent5">
+                  <a:lumMod val="60000"/>
+                  <a:lumOff val="40000"/>
+                </a:schemeClr>
+              </a:gs>
+              <a:gs pos="35000">
+                <a:schemeClr val="accent5">
+                  <a:tint val="37000"/>
+                  <a:satMod val="300000"/>
+                </a:schemeClr>
+              </a:gs>
+              <a:gs pos="100000">
+                <a:schemeClr val="bg1"/>
+              </a:gs>
+            </a:gsLst>
+            <a:lin ang="10800000" scaled="1"/>
+            <a:tileRect/>
+          </a:gradFill>
           <a:ln w="76200">
             <a:solidFill>
               <a:schemeClr val="tx1"/>
@@ -4337,8 +4332,8 @@
         </p:blipFill>
         <p:spPr bwMode="auto">
           <a:xfrm>
-            <a:off x="33374976" y="30251400"/>
-            <a:ext cx="6342799" cy="2675570"/>
+            <a:off x="38269028" y="31540155"/>
+            <a:ext cx="2759344" cy="1200179"/>
           </a:xfrm>
           <a:prstGeom prst="rect">
             <a:avLst/>
@@ -4371,8 +4366,8 @@
         </p:blipFill>
         <p:spPr>
           <a:xfrm>
-            <a:off x="39093293" y="13748061"/>
-            <a:ext cx="4455595" cy="6054738"/>
+            <a:off x="38521205" y="12461862"/>
+            <a:ext cx="4851744" cy="6054738"/>
           </a:xfrm>
           <a:prstGeom prst="ellipse">
             <a:avLst/>
@@ -4411,12 +4406,30 @@
         </p:nvSpPr>
         <p:spPr>
           <a:xfrm>
-            <a:off x="6684214" y="16678599"/>
-            <a:ext cx="33983545" cy="4343400"/>
+            <a:off x="4249330" y="15316200"/>
+            <a:ext cx="36250381" cy="5456107"/>
           </a:xfrm>
           <a:prstGeom prst="stripedRightArrow">
             <a:avLst/>
           </a:prstGeom>
+          <a:gradFill flip="none" rotWithShape="1">
+            <a:gsLst>
+              <a:gs pos="0">
+                <a:srgbClr val="92D050"/>
+              </a:gs>
+              <a:gs pos="35000">
+                <a:schemeClr val="accent3">
+                  <a:tint val="37000"/>
+                  <a:satMod val="300000"/>
+                </a:schemeClr>
+              </a:gs>
+              <a:gs pos="100000">
+                <a:schemeClr val="bg1"/>
+              </a:gs>
+            </a:gsLst>
+            <a:lin ang="10800000" scaled="1"/>
+            <a:tileRect/>
+          </a:gradFill>
           <a:ln w="76200">
             <a:solidFill>
               <a:schemeClr val="tx1"/>
@@ -4460,7 +4473,7 @@
           <a:lstStyle/>
           <a:p>
             <a:pPr algn="ctr"/>
-            <a:endParaRPr lang="en-US"/>
+            <a:endParaRPr lang="en-US" dirty="0"/>
           </a:p>
         </p:txBody>
       </p:sp>
@@ -4474,7 +4487,7 @@
         </p:nvSpPr>
         <p:spPr bwMode="auto">
           <a:xfrm>
-            <a:off x="37212977" y="5166710"/>
+            <a:off x="37238409" y="5529109"/>
             <a:ext cx="5952003" cy="1176491"/>
           </a:xfrm>
           <a:prstGeom prst="rect">
@@ -4482,9 +4495,7 @@
           </a:prstGeom>
           <a:noFill/>
           <a:ln w="19050">
-            <a:solidFill>
-              <a:srgbClr val="FFFFFF"/>
-            </a:solidFill>
+            <a:noFill/>
             <a:prstDash val="dash"/>
             <a:miter lim="800000"/>
             <a:headEnd/>
@@ -4613,7 +4624,7 @@
         </p:nvSpPr>
         <p:spPr bwMode="auto">
           <a:xfrm>
-            <a:off x="37158472" y="4538430"/>
+            <a:off x="37183904" y="5068120"/>
             <a:ext cx="5952003" cy="628279"/>
           </a:xfrm>
           <a:prstGeom prst="rect">
@@ -4777,7 +4788,7 @@
         </p:nvSpPr>
         <p:spPr bwMode="auto">
           <a:xfrm>
-            <a:off x="37212977" y="2899697"/>
+            <a:off x="37238409" y="3174731"/>
             <a:ext cx="5952003" cy="1473469"/>
           </a:xfrm>
           <a:prstGeom prst="rect">
@@ -4785,9 +4796,7 @@
           </a:prstGeom>
           <a:noFill/>
           <a:ln w="19050">
-            <a:solidFill>
-              <a:srgbClr val="FFFFFF"/>
-            </a:solidFill>
+            <a:noFill/>
             <a:prstDash val="dash"/>
             <a:miter lim="800000"/>
             <a:headEnd/>
@@ -4835,29 +4844,8 @@
               <a:rPr lang="en-US" sz="1800" kern="0" dirty="0">
                 <a:latin typeface="Century Schoolbook" panose="02040604050505020304"/>
               </a:rPr>
-              <a:t>Professor </a:t>
-            </a:r>
-            <a:r>
-              <a:rPr lang="en-US" sz="1800" kern="0" dirty="0" err="1">
-                <a:latin typeface="Century Schoolbook" panose="02040604050505020304"/>
-              </a:rPr>
-              <a:t>Zornitza</a:t>
-            </a:r>
-            <a:r>
-              <a:rPr lang="en-US" sz="1800" kern="0" dirty="0">
-                <a:latin typeface="Century Schoolbook" panose="02040604050505020304"/>
-              </a:rPr>
-              <a:t> Genova </a:t>
-            </a:r>
-            <a:r>
-              <a:rPr lang="en-US" sz="1800" kern="0" dirty="0" err="1">
-                <a:latin typeface="Century Schoolbook" panose="02040604050505020304"/>
-              </a:rPr>
-              <a:t>Prodanoff</a:t>
-            </a:r>
-            <a:endParaRPr lang="en-US" sz="1800" kern="0" dirty="0">
-              <a:latin typeface="Century Schoolbook" panose="02040604050505020304"/>
-            </a:endParaRPr>
+              <a:t>Professor Zornitza Genova Prodanoff</a:t>
+            </a:r>
           </a:p>
           <a:p>
             <a:pPr lvl="0" algn="ctr" defTabSz="457200">
@@ -4888,7 +4876,7 @@
         </p:nvSpPr>
         <p:spPr bwMode="auto">
           <a:xfrm>
-            <a:off x="37212977" y="2154193"/>
+            <a:off x="37238409" y="2738124"/>
             <a:ext cx="5952003" cy="680279"/>
           </a:xfrm>
           <a:prstGeom prst="rect">
@@ -5064,7 +5052,7 @@
         </p:blipFill>
         <p:spPr>
           <a:xfrm>
-            <a:off x="37217893" y="609600"/>
+            <a:off x="37243325" y="838200"/>
             <a:ext cx="5952003" cy="1376522"/>
           </a:xfrm>
           <a:prstGeom prst="rect">
@@ -5094,8 +5082,8 @@
         </p:blipFill>
         <p:spPr>
           <a:xfrm>
-            <a:off x="39776400" y="29287881"/>
-            <a:ext cx="3879524" cy="3418591"/>
+            <a:off x="32527238" y="30224284"/>
+            <a:ext cx="2759344" cy="2431502"/>
           </a:xfrm>
           <a:prstGeom prst="rect">
             <a:avLst/>
@@ -5124,7 +5112,7 @@
         </p:blipFill>
         <p:spPr>
           <a:xfrm>
-            <a:off x="9372600" y="16027096"/>
+            <a:off x="8703047" y="14740897"/>
             <a:ext cx="1546726" cy="1546726"/>
           </a:xfrm>
           <a:prstGeom prst="rect">
@@ -5132,36 +5120,6 @@
           </a:prstGeom>
         </p:spPr>
       </p:pic>
-      <p:pic>
-        <p:nvPicPr>
-          <p:cNvPr id="21" name="Picture 20"/>
-          <p:cNvPicPr>
-            <a:picLocks noChangeAspect="1"/>
-          </p:cNvPicPr>
-          <p:nvPr/>
-        </p:nvPicPr>
-        <p:blipFill>
-          <a:blip r:embed="rId9" cstate="print">
-            <a:extLst>
-              <a:ext uri="{28A0092B-C50C-407E-A947-70E740481C1C}">
-                <a14:useLocalDpi xmlns:a14="http://schemas.microsoft.com/office/drawing/2010/main" val="0"/>
-              </a:ext>
-            </a:extLst>
-          </a:blip>
-          <a:stretch>
-            <a:fillRect/>
-          </a:stretch>
-        </p:blipFill>
-        <p:spPr>
-          <a:xfrm>
-            <a:off x="34800674" y="16027096"/>
-            <a:ext cx="1546726" cy="1546726"/>
-          </a:xfrm>
-          <a:prstGeom prst="rect">
-            <a:avLst/>
-          </a:prstGeom>
-        </p:spPr>
-      </p:pic>
       <p:sp>
         <p:nvSpPr>
           <p:cNvPr id="29" name="Pentagon 28"/>
@@ -5170,8 +5128,8 @@
         </p:nvSpPr>
         <p:spPr>
           <a:xfrm rot="16200000">
-            <a:off x="10329673" y="9486049"/>
-            <a:ext cx="9512092" cy="491523"/>
+            <a:off x="8862961" y="7791727"/>
+            <a:ext cx="8447388" cy="491523"/>
           </a:xfrm>
           <a:prstGeom prst="homePlate">
             <a:avLst/>
@@ -5199,7 +5157,7 @@
           <a:lstStyle/>
           <a:p>
             <a:pPr algn="ctr"/>
-            <a:endParaRPr lang="en-US"/>
+            <a:endParaRPr lang="en-US" dirty="0"/>
           </a:p>
         </p:txBody>
       </p:sp>
@@ -5211,8 +5169,8 @@
         </p:nvSpPr>
         <p:spPr>
           <a:xfrm rot="16200000">
-            <a:off x="9582910" y="9489859"/>
-            <a:ext cx="9519713" cy="491523"/>
+            <a:off x="8116625" y="7795963"/>
+            <a:ext cx="8454156" cy="491523"/>
           </a:xfrm>
           <a:prstGeom prst="homePlate">
             <a:avLst/>
@@ -5252,8 +5210,8 @@
         </p:nvSpPr>
         <p:spPr>
           <a:xfrm rot="16200000">
-            <a:off x="21910522" y="13250354"/>
-            <a:ext cx="3998234" cy="491523"/>
+            <a:off x="24242544" y="11463920"/>
+            <a:ext cx="4149797" cy="491523"/>
           </a:xfrm>
           <a:prstGeom prst="homePlate">
             <a:avLst/>
@@ -5281,7 +5239,7 @@
           <a:lstStyle/>
           <a:p>
             <a:pPr algn="ctr"/>
-            <a:endParaRPr lang="en-US"/>
+            <a:endParaRPr lang="en-US" dirty="0"/>
           </a:p>
         </p:txBody>
       </p:sp>
@@ -5293,8 +5251,8 @@
         </p:nvSpPr>
         <p:spPr>
           <a:xfrm rot="16200000">
-            <a:off x="13386394" y="11066458"/>
-            <a:ext cx="6336042" cy="491523"/>
+            <a:off x="12022947" y="9475402"/>
+            <a:ext cx="5064805" cy="491523"/>
           </a:xfrm>
           <a:prstGeom prst="homePlate">
             <a:avLst/>
@@ -5322,7 +5280,7 @@
           <a:lstStyle/>
           <a:p>
             <a:pPr algn="ctr"/>
-            <a:endParaRPr lang="en-US"/>
+            <a:endParaRPr lang="en-US" dirty="0"/>
           </a:p>
         </p:txBody>
       </p:sp>
@@ -5334,8 +5292,8 @@
         </p:nvSpPr>
         <p:spPr>
           <a:xfrm rot="16200000">
-            <a:off x="12643441" y="11074078"/>
-            <a:ext cx="6336042" cy="491523"/>
+            <a:off x="11279994" y="9483022"/>
+            <a:ext cx="5064805" cy="491523"/>
           </a:xfrm>
           <a:prstGeom prst="homePlate">
             <a:avLst/>
@@ -5375,8 +5333,8 @@
         </p:nvSpPr>
         <p:spPr>
           <a:xfrm rot="16200000">
-            <a:off x="15120112" y="8876707"/>
-            <a:ext cx="1440189" cy="584775"/>
+            <a:off x="13020638" y="7650113"/>
+            <a:ext cx="1640999" cy="584775"/>
           </a:xfrm>
           <a:prstGeom prst="rect">
             <a:avLst/>
@@ -5407,8 +5365,8 @@
         </p:nvSpPr>
         <p:spPr>
           <a:xfrm rot="16200000">
-            <a:off x="15877361" y="8876706"/>
-            <a:ext cx="1440187" cy="584775"/>
+            <a:off x="13777887" y="7650112"/>
+            <a:ext cx="1640997" cy="584775"/>
           </a:xfrm>
           <a:prstGeom prst="rect">
             <a:avLst/>
@@ -5439,8 +5397,8 @@
         </p:nvSpPr>
         <p:spPr>
           <a:xfrm rot="16200000">
-            <a:off x="14860754" y="11066458"/>
-            <a:ext cx="6336042" cy="491523"/>
+            <a:off x="13497307" y="9475402"/>
+            <a:ext cx="5064805" cy="491523"/>
           </a:xfrm>
           <a:prstGeom prst="homePlate">
             <a:avLst/>
@@ -5468,7 +5426,7 @@
           <a:lstStyle/>
           <a:p>
             <a:pPr algn="ctr"/>
-            <a:endParaRPr lang="en-US"/>
+            <a:endParaRPr lang="en-US" dirty="0"/>
           </a:p>
         </p:txBody>
       </p:sp>
@@ -5480,8 +5438,8 @@
         </p:nvSpPr>
         <p:spPr>
           <a:xfrm rot="16200000">
-            <a:off x="14117801" y="11074078"/>
-            <a:ext cx="6336042" cy="491523"/>
+            <a:off x="12754354" y="9483022"/>
+            <a:ext cx="5064805" cy="491523"/>
           </a:xfrm>
           <a:prstGeom prst="homePlate">
             <a:avLst/>
@@ -5521,8 +5479,8 @@
         </p:nvSpPr>
         <p:spPr>
           <a:xfrm rot="16200000">
-            <a:off x="16594474" y="8876708"/>
-            <a:ext cx="1440185" cy="584775"/>
+            <a:off x="14495000" y="7650114"/>
+            <a:ext cx="1640995" cy="584775"/>
           </a:xfrm>
           <a:prstGeom prst="rect">
             <a:avLst/>
@@ -5553,8 +5511,8 @@
         </p:nvSpPr>
         <p:spPr>
           <a:xfrm rot="16200000">
-            <a:off x="17351722" y="8876707"/>
-            <a:ext cx="1440182" cy="584775"/>
+            <a:off x="15252249" y="7650115"/>
+            <a:ext cx="1640991" cy="584775"/>
           </a:xfrm>
           <a:prstGeom prst="rect">
             <a:avLst/>
@@ -5585,8 +5543,8 @@
         </p:nvSpPr>
         <p:spPr>
           <a:xfrm rot="16200000">
-            <a:off x="21167569" y="13257974"/>
-            <a:ext cx="3998234" cy="491523"/>
+            <a:off x="23499591" y="11471540"/>
+            <a:ext cx="4149797" cy="491523"/>
           </a:xfrm>
           <a:prstGeom prst="homePlate">
             <a:avLst/>
@@ -5614,7 +5572,7 @@
           <a:lstStyle/>
           <a:p>
             <a:pPr algn="ctr"/>
-            <a:endParaRPr lang="en-US"/>
+            <a:endParaRPr lang="en-US" dirty="0"/>
           </a:p>
         </p:txBody>
       </p:sp>
@@ -5626,8 +5584,8 @@
         </p:nvSpPr>
         <p:spPr>
           <a:xfrm rot="16200000">
-            <a:off x="22636909" y="13261782"/>
-            <a:ext cx="3990618" cy="491523"/>
+            <a:off x="24969076" y="11475492"/>
+            <a:ext cx="4141892" cy="491523"/>
           </a:xfrm>
           <a:prstGeom prst="homePlate">
             <a:avLst/>
@@ -5655,7 +5613,7 @@
           <a:lstStyle/>
           <a:p>
             <a:pPr algn="ctr"/>
-            <a:endParaRPr lang="en-US"/>
+            <a:endParaRPr lang="en-US" dirty="0"/>
           </a:p>
         </p:txBody>
       </p:sp>
@@ -5667,8 +5625,8 @@
         </p:nvSpPr>
         <p:spPr>
           <a:xfrm>
-            <a:off x="6684214" y="14042139"/>
-            <a:ext cx="32409079" cy="1569660"/>
+            <a:off x="4685145" y="11811000"/>
+            <a:ext cx="32409079" cy="2554545"/>
           </a:xfrm>
           <a:prstGeom prst="rect">
             <a:avLst/>
@@ -5687,197 +5645,210 @@
             <a:r>
               <a:rPr lang="en-US" sz="3200" b="1" dirty="0">
                 <a:solidFill>
-                  <a:schemeClr val="bg1"/>
+                  <a:srgbClr val="FFFFFF"/>
                 </a:solidFill>
                 <a:highlight>
                   <a:srgbClr val="000000"/>
                 </a:highlight>
                 <a:latin typeface="Courier New" panose="02070309020205020404" pitchFamily="49" charset="0"/>
-                <a:cs typeface="Courier New" panose="02070309020205020404" pitchFamily="49" charset="0"/>
-              </a:rPr>
-              <a:t>04 80 16 1A</a:t>
+              </a:rPr>
+              <a:t>04 34 CB 73</a:t>
             </a:r>
             <a:r>
               <a:rPr lang="en-US" sz="3200" b="1" dirty="0">
                 <a:solidFill>
-                  <a:schemeClr val="bg1"/>
+                  <a:srgbClr val="FFFFFF"/>
                 </a:solidFill>
                 <a:latin typeface="Courier New" panose="02070309020205020404" pitchFamily="49" charset="0"/>
-                <a:cs typeface="Courier New" panose="02070309020205020404" pitchFamily="49" charset="0"/>
               </a:rPr>
               <a:t> </a:t>
             </a:r>
             <a:r>
               <a:rPr lang="en-US" sz="3200" b="1" dirty="0">
                 <a:solidFill>
-                  <a:schemeClr val="bg1"/>
+                  <a:srgbClr val="FFFFFF"/>
                 </a:solidFill>
                 <a:highlight>
                   <a:srgbClr val="000000"/>
                 </a:highlight>
                 <a:latin typeface="Courier New" panose="02070309020205020404" pitchFamily="49" charset="0"/>
-                <a:cs typeface="Courier New" panose="02070309020205020404" pitchFamily="49" charset="0"/>
-              </a:rPr>
-              <a:t>52 A3 40 80</a:t>
+              </a:rPr>
+              <a:t>2A 74 40 81</a:t>
             </a:r>
             <a:r>
               <a:rPr lang="en-US" sz="3200" b="1" dirty="0">
+                <a:solidFill>
+                  <a:srgbClr val="000000"/>
+                </a:solidFill>
                 <a:latin typeface="Courier New" panose="02070309020205020404" pitchFamily="49" charset="0"/>
-                <a:cs typeface="Courier New" panose="02070309020205020404" pitchFamily="49" charset="0"/>
               </a:rPr>
               <a:t> </a:t>
             </a:r>
             <a:r>
               <a:rPr lang="en-US" sz="3200" b="1" dirty="0">
                 <a:solidFill>
-                  <a:schemeClr val="bg1"/>
+                  <a:srgbClr val="FFFFFF"/>
                 </a:solidFill>
                 <a:highlight>
                   <a:srgbClr val="000000"/>
                 </a:highlight>
                 <a:latin typeface="Courier New" panose="02070309020205020404" pitchFamily="49" charset="0"/>
-                <a:cs typeface="Courier New" panose="02070309020205020404" pitchFamily="49" charset="0"/>
-              </a:rPr>
-              <a:t>31 48 </a:t>
+              </a:rPr>
+              <a:t>9F 48 </a:t>
             </a:r>
             <a:r>
               <a:rPr lang="fi-FI" sz="3200" b="1" dirty="0">
+                <a:solidFill>
+                  <a:srgbClr val="000000"/>
+                </a:solidFill>
                 <a:highlight>
                   <a:srgbClr val="FFFF00"/>
                 </a:highlight>
                 <a:latin typeface="Courier New" panose="02070309020205020404" pitchFamily="49" charset="0"/>
-                <a:cs typeface="Courier New" panose="02070309020205020404" pitchFamily="49" charset="0"/>
               </a:rPr>
               <a:t>00</a:t>
             </a:r>
             <a:r>
               <a:rPr lang="fi-FI" sz="3200" b="1" dirty="0">
                 <a:solidFill>
-                  <a:schemeClr val="bg1"/>
+                  <a:srgbClr val="FFFFFF"/>
                 </a:solidFill>
                 <a:highlight>
                   <a:srgbClr val="000000"/>
                 </a:highlight>
                 <a:latin typeface="Courier New" panose="02070309020205020404" pitchFamily="49" charset="0"/>
-                <a:cs typeface="Courier New" panose="02070309020205020404" pitchFamily="49" charset="0"/>
               </a:rPr>
               <a:t> </a:t>
             </a:r>
             <a:r>
               <a:rPr lang="fi-FI" sz="3200" b="1" dirty="0">
+                <a:solidFill>
+                  <a:srgbClr val="000000"/>
+                </a:solidFill>
                 <a:highlight>
                   <a:srgbClr val="FFFF00"/>
                 </a:highlight>
                 <a:latin typeface="Courier New" panose="02070309020205020404" pitchFamily="49" charset="0"/>
-                <a:cs typeface="Courier New" panose="02070309020205020404" pitchFamily="49" charset="0"/>
               </a:rPr>
               <a:t>00</a:t>
             </a:r>
             <a:r>
               <a:rPr lang="fi-FI" sz="3200" b="1" dirty="0">
                 <a:solidFill>
-                  <a:schemeClr val="bg1"/>
+                  <a:srgbClr val="FFFFFF"/>
                 </a:solidFill>
                 <a:latin typeface="Courier New" panose="02070309020205020404" pitchFamily="49" charset="0"/>
-                <a:cs typeface="Courier New" panose="02070309020205020404" pitchFamily="49" charset="0"/>
               </a:rPr>
               <a:t> </a:t>
             </a:r>
             <a:r>
               <a:rPr lang="en-US" sz="3200" b="1" dirty="0">
                 <a:solidFill>
-                  <a:schemeClr val="bg1"/>
+                  <a:srgbClr val="FFFFFF"/>
                 </a:solidFill>
                 <a:highlight>
                   <a:srgbClr val="FF0000"/>
                 </a:highlight>
                 <a:latin typeface="Courier New" panose="02070309020205020404" pitchFamily="49" charset="0"/>
-                <a:cs typeface="Courier New" panose="02070309020205020404" pitchFamily="49" charset="0"/>
               </a:rPr>
               <a:t>E1</a:t>
             </a:r>
             <a:r>
               <a:rPr lang="en-US" sz="3200" b="1" dirty="0">
                 <a:solidFill>
-                  <a:schemeClr val="bg1"/>
+                  <a:srgbClr val="FFFFFF"/>
                 </a:solidFill>
                 <a:highlight>
                   <a:srgbClr val="000000"/>
                 </a:highlight>
                 <a:latin typeface="Courier New" panose="02070309020205020404" pitchFamily="49" charset="0"/>
-                <a:cs typeface="Courier New" panose="02070309020205020404" pitchFamily="49" charset="0"/>
               </a:rPr>
               <a:t> </a:t>
             </a:r>
             <a:r>
               <a:rPr lang="en-US" sz="3200" b="1" dirty="0">
                 <a:solidFill>
-                  <a:schemeClr val="bg1"/>
+                  <a:srgbClr val="FFFFFF"/>
                 </a:solidFill>
                 <a:highlight>
                   <a:srgbClr val="FF0000"/>
                 </a:highlight>
                 <a:latin typeface="Courier New" panose="02070309020205020404" pitchFamily="49" charset="0"/>
-                <a:cs typeface="Courier New" panose="02070309020205020404" pitchFamily="49" charset="0"/>
               </a:rPr>
               <a:t>10</a:t>
             </a:r>
             <a:r>
               <a:rPr lang="en-US" sz="3200" b="1" dirty="0">
                 <a:solidFill>
-                  <a:schemeClr val="bg1"/>
+                  <a:srgbClr val="FFFFFF"/>
                 </a:solidFill>
                 <a:highlight>
                   <a:srgbClr val="000000"/>
                 </a:highlight>
                 <a:latin typeface="Courier New" panose="02070309020205020404" pitchFamily="49" charset="0"/>
-                <a:cs typeface="Courier New" panose="02070309020205020404" pitchFamily="49" charset="0"/>
               </a:rPr>
               <a:t> </a:t>
             </a:r>
             <a:r>
               <a:rPr lang="en-US" sz="3200" b="1" dirty="0">
                 <a:solidFill>
-                  <a:schemeClr val="bg1"/>
+                  <a:srgbClr val="FFFFFF"/>
                 </a:solidFill>
                 <a:highlight>
                   <a:srgbClr val="FF0000"/>
                 </a:highlight>
                 <a:latin typeface="Courier New" panose="02070309020205020404" pitchFamily="49" charset="0"/>
-                <a:cs typeface="Courier New" panose="02070309020205020404" pitchFamily="49" charset="0"/>
               </a:rPr>
               <a:t>12</a:t>
             </a:r>
             <a:r>
               <a:rPr lang="en-US" sz="3200" b="1" dirty="0">
                 <a:solidFill>
-                  <a:schemeClr val="bg1"/>
+                  <a:srgbClr val="FFFFFF"/>
                 </a:solidFill>
                 <a:highlight>
                   <a:srgbClr val="000000"/>
                 </a:highlight>
                 <a:latin typeface="Courier New" panose="02070309020205020404" pitchFamily="49" charset="0"/>
-                <a:cs typeface="Courier New" panose="02070309020205020404" pitchFamily="49" charset="0"/>
               </a:rPr>
               <a:t> </a:t>
             </a:r>
             <a:r>
               <a:rPr lang="en-US" sz="3200" b="1" dirty="0">
                 <a:solidFill>
-                  <a:schemeClr val="bg1"/>
+                  <a:srgbClr val="FFFFFF"/>
                 </a:solidFill>
                 <a:highlight>
                   <a:srgbClr val="FF0000"/>
                 </a:highlight>
                 <a:latin typeface="Courier New" panose="02070309020205020404" pitchFamily="49" charset="0"/>
-                <a:cs typeface="Courier New" panose="02070309020205020404" pitchFamily="49" charset="0"/>
               </a:rPr>
               <a:t>00</a:t>
             </a:r>
             <a:r>
+              <a:rPr lang="en-US" sz="3200" b="1" dirty="0">
+                <a:solidFill>
+                  <a:srgbClr val="000000"/>
+                </a:solidFill>
+                <a:latin typeface="Courier New" panose="02070309020205020404" pitchFamily="49" charset="0"/>
+              </a:rPr>
+              <a:t> </a:t>
+            </a:r>
+            <a:r>
               <a:rPr lang="fi-FI" sz="3200" b="1" dirty="0">
+                <a:solidFill>
+                  <a:srgbClr val="00B0F0"/>
+                </a:solidFill>
                 <a:latin typeface="Courier New" panose="02070309020205020404" pitchFamily="49" charset="0"/>
-                <a:cs typeface="Courier New" panose="02070309020205020404" pitchFamily="49" charset="0"/>
+              </a:rPr>
+              <a:t>01 03 A0 0C 34 03 00 FE 00 00 00 00 00 00 00 00 00 00 00 00 00 00 00 00 00 00 00 00 00 00 00 00 00 00 00 00 00 00 00 00 00 00 00 00 00 00 00 00 00 00 00 00 00 00 00 00 00 00 00 00 00 00 00 00 00 00 00 00 00 00 00 00 00 00 00 00 00 00 00 00 00 00 00 00 00 00 00 00 00 00 00 00 00 00 00 00 00 00 00 00 00 00 00 00 00 00 00</a:t>
+            </a:r>
+            <a:r>
+              <a:rPr lang="fi-FI" sz="3200" b="1" dirty="0">
+                <a:solidFill>
+                  <a:srgbClr val="000000"/>
+                </a:solidFill>
+                <a:latin typeface="Courier New" panose="02070309020205020404" pitchFamily="49" charset="0"/>
               </a:rPr>
               <a:t> </a:t>
             </a:r>
@@ -5887,181 +5858,229 @@
                   <a:srgbClr val="00B0F0"/>
                 </a:solidFill>
                 <a:latin typeface="Courier New" panose="02070309020205020404" pitchFamily="49" charset="0"/>
-                <a:cs typeface="Courier New" panose="02070309020205020404" pitchFamily="49" charset="0"/>
-              </a:rPr>
-              <a:t>AA AA AA AA AA AA AA AA AA AA AA AA AA AA AA AA AA AA AA AA AA AA AA AA AA AA AA AA AA AA AA AA AA AA AA AA AA AA AA AA AA AA AA AA AA AA AA AA AA AA AA AA AA AA AA AA AA AA AA AA AA AA AA AA AA AA AA AA AA AA AA AA AA AA AA AA AA AA AA AA AA AA AA AA AA AA AA AA AA AA AA AA AA AA</a:t>
+              </a:rPr>
+              <a:t>00 00 00 00 00 00 00 00 00 00 00 00 00 00 00 00 00 00 00 00 00 00 00 00 00 00 00 00 00 00 00 00 00 00 00 00 00 </a:t>
             </a:r>
             <a:r>
               <a:rPr lang="fi-FI" sz="3200" b="1" dirty="0">
-                <a:latin typeface="Courier New" panose="02070309020205020404" pitchFamily="49" charset="0"/>
-                <a:cs typeface="Courier New" panose="02070309020205020404" pitchFamily="49" charset="0"/>
-              </a:rPr>
-              <a:t> </a:t>
-            </a:r>
-            <a:r>
-              <a:rPr lang="fi-FI" sz="3200" b="1" dirty="0">
+                <a:solidFill>
+                  <a:srgbClr val="000000"/>
+                </a:solidFill>
                 <a:highlight>
                   <a:srgbClr val="FFFF00"/>
                 </a:highlight>
                 <a:latin typeface="Courier New" panose="02070309020205020404" pitchFamily="49" charset="0"/>
-                <a:cs typeface="Courier New" panose="02070309020205020404" pitchFamily="49" charset="0"/>
               </a:rPr>
               <a:t>00</a:t>
             </a:r>
             <a:r>
               <a:rPr lang="fi-FI" sz="3200" b="1" dirty="0">
+                <a:solidFill>
+                  <a:srgbClr val="000000"/>
+                </a:solidFill>
                 <a:highlight>
                   <a:srgbClr val="000000"/>
                 </a:highlight>
                 <a:latin typeface="Courier New" panose="02070309020205020404" pitchFamily="49" charset="0"/>
-                <a:cs typeface="Courier New" panose="02070309020205020404" pitchFamily="49" charset="0"/>
               </a:rPr>
               <a:t> </a:t>
             </a:r>
             <a:r>
               <a:rPr lang="fi-FI" sz="3200" b="1" dirty="0">
+                <a:solidFill>
+                  <a:srgbClr val="000000"/>
+                </a:solidFill>
                 <a:highlight>
                   <a:srgbClr val="FFFF00"/>
                 </a:highlight>
                 <a:latin typeface="Courier New" panose="02070309020205020404" pitchFamily="49" charset="0"/>
-                <a:cs typeface="Courier New" panose="02070309020205020404" pitchFamily="49" charset="0"/>
               </a:rPr>
               <a:t>00</a:t>
             </a:r>
             <a:r>
               <a:rPr lang="fi-FI" sz="3200" b="1" dirty="0">
+                <a:solidFill>
+                  <a:srgbClr val="000000"/>
+                </a:solidFill>
                 <a:highlight>
                   <a:srgbClr val="000000"/>
                 </a:highlight>
                 <a:latin typeface="Courier New" panose="02070309020205020404" pitchFamily="49" charset="0"/>
-                <a:cs typeface="Courier New" panose="02070309020205020404" pitchFamily="49" charset="0"/>
               </a:rPr>
               <a:t> </a:t>
             </a:r>
             <a:r>
               <a:rPr lang="fi-FI" sz="3200" b="1" dirty="0">
+                <a:solidFill>
+                  <a:srgbClr val="000000"/>
+                </a:solidFill>
                 <a:highlight>
                   <a:srgbClr val="FFFF00"/>
                 </a:highlight>
                 <a:latin typeface="Courier New" panose="02070309020205020404" pitchFamily="49" charset="0"/>
-                <a:cs typeface="Courier New" panose="02070309020205020404" pitchFamily="49" charset="0"/>
               </a:rPr>
               <a:t>00</a:t>
             </a:r>
             <a:r>
               <a:rPr lang="fi-FI" sz="3200" b="1" dirty="0">
                 <a:solidFill>
-                  <a:schemeClr val="bg1"/>
+                  <a:srgbClr val="FFFFFF"/>
                 </a:solidFill>
                 <a:highlight>
                   <a:srgbClr val="000000"/>
                 </a:highlight>
                 <a:latin typeface="Courier New" panose="02070309020205020404" pitchFamily="49" charset="0"/>
-                <a:cs typeface="Courier New" panose="02070309020205020404" pitchFamily="49" charset="0"/>
               </a:rPr>
               <a:t> BD</a:t>
             </a:r>
             <a:r>
               <a:rPr lang="fi-FI" sz="3200" b="1" dirty="0">
                 <a:solidFill>
-                  <a:schemeClr val="bg1"/>
+                  <a:srgbClr val="FFFFFF"/>
                 </a:solidFill>
                 <a:latin typeface="Courier New" panose="02070309020205020404" pitchFamily="49" charset="0"/>
-                <a:cs typeface="Courier New" panose="02070309020205020404" pitchFamily="49" charset="0"/>
               </a:rPr>
               <a:t> </a:t>
             </a:r>
             <a:r>
               <a:rPr lang="en-US" sz="3200" b="1" dirty="0">
                 <a:solidFill>
-                  <a:schemeClr val="bg1"/>
+                  <a:srgbClr val="FFFFFF"/>
                 </a:solidFill>
                 <a:highlight>
                   <a:srgbClr val="000000"/>
                 </a:highlight>
                 <a:latin typeface="Courier New" panose="02070309020205020404" pitchFamily="49" charset="0"/>
-                <a:cs typeface="Courier New" panose="02070309020205020404" pitchFamily="49" charset="0"/>
               </a:rPr>
               <a:t>04 00 00 FF</a:t>
             </a:r>
             <a:r>
-              <a:rPr lang="fi-FI" sz="3200" b="1" dirty="0">
-                <a:solidFill>
-                  <a:schemeClr val="bg1"/>
+              <a:rPr lang="en-US" sz="3200" b="1" dirty="0">
+                <a:solidFill>
+                  <a:srgbClr val="FFFFFF"/>
                 </a:solidFill>
                 <a:latin typeface="Courier New" panose="02070309020205020404" pitchFamily="49" charset="0"/>
-                <a:cs typeface="Courier New" panose="02070309020205020404" pitchFamily="49" charset="0"/>
               </a:rPr>
               <a:t> </a:t>
             </a:r>
             <a:r>
               <a:rPr lang="en-US" sz="3200" b="1" dirty="0">
                 <a:solidFill>
-                  <a:schemeClr val="bg1"/>
+                  <a:srgbClr val="FFFFFF"/>
                 </a:solidFill>
                 <a:highlight>
                   <a:srgbClr val="000000"/>
                 </a:highlight>
                 <a:latin typeface="Courier New" panose="02070309020205020404" pitchFamily="49" charset="0"/>
-                <a:cs typeface="Courier New" panose="02070309020205020404" pitchFamily="49" charset="0"/>
               </a:rPr>
               <a:t>00 05 -- --</a:t>
             </a:r>
             <a:r>
-              <a:rPr lang="fi-FI" sz="3200" b="1" dirty="0">
-                <a:solidFill>
-                  <a:schemeClr val="bg1"/>
+              <a:rPr lang="en-US" sz="3200" b="1" dirty="0">
+                <a:solidFill>
+                  <a:srgbClr val="FFFFFF"/>
                 </a:solidFill>
                 <a:latin typeface="Courier New" panose="02070309020205020404" pitchFamily="49" charset="0"/>
-                <a:cs typeface="Courier New" panose="02070309020205020404" pitchFamily="49" charset="0"/>
               </a:rPr>
               <a:t> </a:t>
             </a:r>
             <a:r>
               <a:rPr lang="en-US" sz="3200" b="1" dirty="0">
                 <a:solidFill>
-                  <a:schemeClr val="bg1"/>
+                  <a:srgbClr val="FFFFFF"/>
                 </a:solidFill>
                 <a:highlight>
                   <a:srgbClr val="000000"/>
                 </a:highlight>
                 <a:latin typeface="Courier New" panose="02070309020205020404" pitchFamily="49" charset="0"/>
-                <a:cs typeface="Courier New" panose="02070309020205020404" pitchFamily="49" charset="0"/>
-              </a:rPr>
-              <a:t>FF FF FF FF</a:t>
-            </a:r>
-            <a:r>
-              <a:rPr lang="fi-FI" sz="3200" b="1" dirty="0">
-                <a:solidFill>
-                  <a:schemeClr val="bg1"/>
-                </a:solidFill>
-                <a:latin typeface="Courier New" panose="02070309020205020404" pitchFamily="49" charset="0"/>
-                <a:cs typeface="Courier New" panose="02070309020205020404" pitchFamily="49" charset="0"/>
-              </a:rPr>
-              <a:t> </a:t>
-            </a:r>
-            <a:r>
-              <a:rPr lang="en-US" sz="3200" b="1" dirty="0">
-                <a:solidFill>
-                  <a:schemeClr val="bg1"/>
+              </a:rPr>
+              <a:t>FF </a:t>
+            </a:r>
+            <a:r>
+              <a:rPr lang="en-US" sz="3200" b="1" dirty="0" err="1">
+                <a:solidFill>
+                  <a:srgbClr val="FFFFFF"/>
                 </a:solidFill>
                 <a:highlight>
                   <a:srgbClr val="000000"/>
                 </a:highlight>
                 <a:latin typeface="Courier New" panose="02070309020205020404" pitchFamily="49" charset="0"/>
-                <a:cs typeface="Courier New" panose="02070309020205020404" pitchFamily="49" charset="0"/>
+              </a:rPr>
+              <a:t>FF</a:t>
+            </a:r>
+            <a:r>
+              <a:rPr lang="en-US" sz="3200" b="1" dirty="0">
+                <a:solidFill>
+                  <a:srgbClr val="FFFFFF"/>
+                </a:solidFill>
+                <a:highlight>
+                  <a:srgbClr val="000000"/>
+                </a:highlight>
+                <a:latin typeface="Courier New" panose="02070309020205020404" pitchFamily="49" charset="0"/>
+              </a:rPr>
+              <a:t> </a:t>
+            </a:r>
+            <a:r>
+              <a:rPr lang="en-US" sz="3200" b="1" dirty="0" err="1">
+                <a:solidFill>
+                  <a:srgbClr val="FFFFFF"/>
+                </a:solidFill>
+                <a:highlight>
+                  <a:srgbClr val="000000"/>
+                </a:highlight>
+                <a:latin typeface="Courier New" panose="02070309020205020404" pitchFamily="49" charset="0"/>
+              </a:rPr>
+              <a:t>FF</a:t>
+            </a:r>
+            <a:r>
+              <a:rPr lang="en-US" sz="3200" b="1" dirty="0">
+                <a:solidFill>
+                  <a:srgbClr val="FFFFFF"/>
+                </a:solidFill>
+                <a:highlight>
+                  <a:srgbClr val="000000"/>
+                </a:highlight>
+                <a:latin typeface="Courier New" panose="02070309020205020404" pitchFamily="49" charset="0"/>
+              </a:rPr>
+              <a:t> </a:t>
+            </a:r>
+            <a:r>
+              <a:rPr lang="en-US" sz="3200" b="1" dirty="0" err="1">
+                <a:solidFill>
+                  <a:srgbClr val="FFFFFF"/>
+                </a:solidFill>
+                <a:highlight>
+                  <a:srgbClr val="000000"/>
+                </a:highlight>
+                <a:latin typeface="Courier New" panose="02070309020205020404" pitchFamily="49" charset="0"/>
+              </a:rPr>
+              <a:t>FF</a:t>
+            </a:r>
+            <a:r>
+              <a:rPr lang="en-US" sz="3200" b="1" dirty="0">
+                <a:solidFill>
+                  <a:srgbClr val="FFFFFF"/>
+                </a:solidFill>
+                <a:latin typeface="Courier New" panose="02070309020205020404" pitchFamily="49" charset="0"/>
+              </a:rPr>
+              <a:t> </a:t>
+            </a:r>
+            <a:r>
+              <a:rPr lang="en-US" sz="3200" b="1" dirty="0">
+                <a:solidFill>
+                  <a:srgbClr val="FFFFFF"/>
+                </a:solidFill>
+                <a:highlight>
+                  <a:srgbClr val="000000"/>
+                </a:highlight>
+                <a:latin typeface="Courier New" panose="02070309020205020404" pitchFamily="49" charset="0"/>
               </a:rPr>
               <a:t>00 00 -- -- </a:t>
             </a:r>
-            <a:endParaRPr lang="en-US" sz="3200" b="1" dirty="0">
-              <a:solidFill>
-                <a:schemeClr val="bg1"/>
-              </a:solidFill>
-              <a:highlight>
-                <a:srgbClr val="000080"/>
-              </a:highlight>
-              <a:latin typeface="Courier New" panose="02070309020205020404" pitchFamily="49" charset="0"/>
-              <a:cs typeface="Courier New" panose="02070309020205020404" pitchFamily="49" charset="0"/>
+            <a:endParaRPr lang="en-US" sz="1200" dirty="0">
+              <a:effectLst/>
+              <a:latin typeface="Times New Roman" panose="02020603050405020304" pitchFamily="18" charset="0"/>
+              <a:ea typeface="Times New Roman" panose="02020603050405020304" pitchFamily="18" charset="0"/>
             </a:endParaRPr>
           </a:p>
         </p:txBody>
@@ -6074,8 +6093,8 @@
         </p:nvSpPr>
         <p:spPr>
           <a:xfrm rot="16200000">
-            <a:off x="13466468" y="5832511"/>
-            <a:ext cx="1752597" cy="584775"/>
+            <a:off x="11293912" y="4643600"/>
+            <a:ext cx="2099574" cy="584775"/>
           </a:xfrm>
           <a:prstGeom prst="rect">
             <a:avLst/>
@@ -6106,8 +6125,8 @@
         </p:nvSpPr>
         <p:spPr>
           <a:xfrm rot="16200000">
-            <a:off x="14223716" y="5832511"/>
-            <a:ext cx="1752597" cy="584775"/>
+            <a:off x="12051160" y="4643600"/>
+            <a:ext cx="2099574" cy="584775"/>
           </a:xfrm>
           <a:prstGeom prst="rect">
             <a:avLst/>
@@ -6138,8 +6157,8 @@
         </p:nvSpPr>
         <p:spPr>
           <a:xfrm rot="16200000">
-            <a:off x="22161656" y="12240929"/>
-            <a:ext cx="2042162" cy="584775"/>
+            <a:off x="24530752" y="10216201"/>
+            <a:ext cx="2119575" cy="584775"/>
           </a:xfrm>
           <a:prstGeom prst="rect">
             <a:avLst/>
@@ -6170,8 +6189,8 @@
         </p:nvSpPr>
         <p:spPr>
           <a:xfrm rot="16200000">
-            <a:off x="22894082" y="12240929"/>
-            <a:ext cx="2042162" cy="584775"/>
+            <a:off x="25263178" y="10216201"/>
+            <a:ext cx="2119575" cy="584775"/>
           </a:xfrm>
           <a:prstGeom prst="rect">
             <a:avLst/>
@@ -6202,8 +6221,8 @@
         </p:nvSpPr>
         <p:spPr>
           <a:xfrm rot="5400000">
-            <a:off x="23201513" y="20403265"/>
-            <a:ext cx="3064054" cy="491523"/>
+            <a:off x="24432491" y="20718884"/>
+            <a:ext cx="5173441" cy="491523"/>
           </a:xfrm>
           <a:prstGeom prst="homePlate">
             <a:avLst/>
@@ -6243,8 +6262,8 @@
         </p:nvSpPr>
         <p:spPr>
           <a:xfrm rot="5400000">
-            <a:off x="22462465" y="20406980"/>
-            <a:ext cx="3056244" cy="491523"/>
+            <a:off x="23696130" y="20719912"/>
+            <a:ext cx="5160253" cy="491523"/>
           </a:xfrm>
           <a:prstGeom prst="homePlate">
             <a:avLst/>
@@ -6284,8 +6303,8 @@
         </p:nvSpPr>
         <p:spPr>
           <a:xfrm rot="5400000">
-            <a:off x="13933571" y="19928363"/>
-            <a:ext cx="3998234" cy="491523"/>
+            <a:off x="10461609" y="19980198"/>
+            <a:ext cx="6674302" cy="491523"/>
           </a:xfrm>
           <a:prstGeom prst="homePlate">
             <a:avLst/>
@@ -6325,8 +6344,8 @@
         </p:nvSpPr>
         <p:spPr>
           <a:xfrm rot="5400000">
-            <a:off x="13190618" y="19935983"/>
-            <a:ext cx="3998234" cy="491523"/>
+            <a:off x="9728844" y="19977630"/>
+            <a:ext cx="6653926" cy="491523"/>
           </a:xfrm>
           <a:prstGeom prst="homePlate">
             <a:avLst/>
@@ -6366,7 +6385,7 @@
         </p:nvSpPr>
         <p:spPr>
           <a:xfrm rot="5400000">
-            <a:off x="23099314" y="20714259"/>
+            <a:off x="25384989" y="22125765"/>
             <a:ext cx="1798095" cy="584775"/>
           </a:xfrm>
           <a:prstGeom prst="rect">
@@ -6398,7 +6417,7 @@
         </p:nvSpPr>
         <p:spPr>
           <a:xfrm rot="5400000">
-            <a:off x="23831741" y="20714258"/>
+            <a:off x="26117416" y="22125764"/>
             <a:ext cx="1798092" cy="584775"/>
           </a:xfrm>
           <a:prstGeom prst="rect">
@@ -6430,7 +6449,7 @@
         </p:nvSpPr>
         <p:spPr>
           <a:xfrm rot="5400000">
-            <a:off x="14293733" y="20621491"/>
+            <a:off x="12159808" y="22109197"/>
             <a:ext cx="1764958" cy="584775"/>
           </a:xfrm>
           <a:prstGeom prst="rect">
@@ -6462,7 +6481,7 @@
         </p:nvSpPr>
         <p:spPr>
           <a:xfrm rot="5400000">
-            <a:off x="15055734" y="20621490"/>
+            <a:off x="12921809" y="22109196"/>
             <a:ext cx="1764956" cy="584775"/>
           </a:xfrm>
           <a:prstGeom prst="rect">
@@ -6494,8 +6513,8 @@
         </p:nvSpPr>
         <p:spPr>
           <a:xfrm rot="5400000">
-            <a:off x="15370529" y="19904600"/>
-            <a:ext cx="4045761" cy="491523"/>
+            <a:off x="11925441" y="19967733"/>
+            <a:ext cx="6664611" cy="491523"/>
           </a:xfrm>
           <a:prstGeom prst="homePlate">
             <a:avLst/>
@@ -6535,8 +6554,8 @@
         </p:nvSpPr>
         <p:spPr>
           <a:xfrm rot="5400000">
-            <a:off x="14627576" y="19912220"/>
-            <a:ext cx="4045761" cy="491523"/>
+            <a:off x="11182488" y="19975353"/>
+            <a:ext cx="6664611" cy="491523"/>
           </a:xfrm>
           <a:prstGeom prst="homePlate">
             <a:avLst/>
@@ -6576,8 +6595,8 @@
         </p:nvSpPr>
         <p:spPr>
           <a:xfrm rot="5400000">
-            <a:off x="15913388" y="20729612"/>
-            <a:ext cx="1371600" cy="584775"/>
+            <a:off x="13716881" y="21973366"/>
+            <a:ext cx="1493293" cy="584775"/>
           </a:xfrm>
           <a:prstGeom prst="rect">
             <a:avLst/>
@@ -6608,8 +6627,8 @@
         </p:nvSpPr>
         <p:spPr>
           <a:xfrm rot="5400000">
-            <a:off x="16670636" y="20729612"/>
-            <a:ext cx="1371600" cy="584775"/>
+            <a:off x="14481521" y="21980757"/>
+            <a:ext cx="1478511" cy="584775"/>
           </a:xfrm>
           <a:prstGeom prst="rect">
             <a:avLst/>
@@ -6640,8 +6659,8 @@
         </p:nvSpPr>
         <p:spPr>
           <a:xfrm rot="5400000">
-            <a:off x="16844889" y="19904600"/>
-            <a:ext cx="4045761" cy="491523"/>
+            <a:off x="13399802" y="19967733"/>
+            <a:ext cx="6664614" cy="491523"/>
           </a:xfrm>
           <a:prstGeom prst="homePlate">
             <a:avLst/>
@@ -6681,8 +6700,8 @@
         </p:nvSpPr>
         <p:spPr>
           <a:xfrm rot="5400000">
-            <a:off x="16101936" y="19912220"/>
-            <a:ext cx="4045761" cy="491523"/>
+            <a:off x="12656848" y="19975353"/>
+            <a:ext cx="6664611" cy="491523"/>
           </a:xfrm>
           <a:prstGeom prst="homePlate">
             <a:avLst/>
@@ -6722,8 +6741,8 @@
         </p:nvSpPr>
         <p:spPr>
           <a:xfrm rot="5400000">
-            <a:off x="17387748" y="20729612"/>
-            <a:ext cx="1371600" cy="584775"/>
+            <a:off x="15198633" y="21980757"/>
+            <a:ext cx="1478511" cy="584775"/>
           </a:xfrm>
           <a:prstGeom prst="rect">
             <a:avLst/>
@@ -6754,8 +6773,8 @@
         </p:nvSpPr>
         <p:spPr>
           <a:xfrm rot="5400000">
-            <a:off x="18144996" y="20729612"/>
-            <a:ext cx="1371600" cy="584775"/>
+            <a:off x="15955881" y="21980757"/>
+            <a:ext cx="1478511" cy="584775"/>
           </a:xfrm>
           <a:prstGeom prst="rect">
             <a:avLst/>
@@ -6786,8 +6805,8 @@
         </p:nvSpPr>
         <p:spPr>
           <a:xfrm rot="5400000">
-            <a:off x="23926452" y="20403262"/>
-            <a:ext cx="3064050" cy="491523"/>
+            <a:off x="25157431" y="20718882"/>
+            <a:ext cx="5173436" cy="491523"/>
           </a:xfrm>
           <a:prstGeom prst="homePlate">
             <a:avLst/>
@@ -6827,8 +6846,8 @@
         </p:nvSpPr>
         <p:spPr>
           <a:xfrm>
-            <a:off x="7526256" y="18080739"/>
-            <a:ext cx="32409079" cy="1569660"/>
+            <a:off x="5392331" y="16794540"/>
+            <a:ext cx="32409079" cy="2554545"/>
           </a:xfrm>
           <a:prstGeom prst="rect">
             <a:avLst/>
@@ -6847,364 +6866,419 @@
             <a:r>
               <a:rPr lang="en-US" sz="3200" b="1" dirty="0">
                 <a:solidFill>
-                  <a:schemeClr val="bg1"/>
+                  <a:srgbClr val="FFFFFF"/>
                 </a:solidFill>
                 <a:highlight>
                   <a:srgbClr val="000000"/>
                 </a:highlight>
                 <a:latin typeface="Courier New" panose="02070309020205020404" pitchFamily="49" charset="0"/>
-                <a:cs typeface="Courier New" panose="02070309020205020404" pitchFamily="49" charset="0"/>
-              </a:rPr>
-              <a:t>04 80 16 1A</a:t>
+              </a:rPr>
+              <a:t>04 34 CB 73</a:t>
             </a:r>
             <a:r>
               <a:rPr lang="en-US" sz="3200" b="1" dirty="0">
                 <a:solidFill>
-                  <a:schemeClr val="bg1"/>
+                  <a:srgbClr val="FFFFFF"/>
                 </a:solidFill>
                 <a:latin typeface="Courier New" panose="02070309020205020404" pitchFamily="49" charset="0"/>
-                <a:cs typeface="Courier New" panose="02070309020205020404" pitchFamily="49" charset="0"/>
               </a:rPr>
               <a:t> </a:t>
             </a:r>
             <a:r>
               <a:rPr lang="en-US" sz="3200" b="1" dirty="0">
                 <a:solidFill>
-                  <a:schemeClr val="bg1"/>
+                  <a:srgbClr val="FFFFFF"/>
                 </a:solidFill>
                 <a:highlight>
                   <a:srgbClr val="000000"/>
                 </a:highlight>
                 <a:latin typeface="Courier New" panose="02070309020205020404" pitchFamily="49" charset="0"/>
-                <a:cs typeface="Courier New" panose="02070309020205020404" pitchFamily="49" charset="0"/>
-              </a:rPr>
-              <a:t>52 A3 40 80</a:t>
+              </a:rPr>
+              <a:t>2A 74 40 81</a:t>
             </a:r>
             <a:r>
               <a:rPr lang="en-US" sz="3200" b="1" dirty="0">
+                <a:solidFill>
+                  <a:srgbClr val="000000"/>
+                </a:solidFill>
                 <a:latin typeface="Courier New" panose="02070309020205020404" pitchFamily="49" charset="0"/>
-                <a:cs typeface="Courier New" panose="02070309020205020404" pitchFamily="49" charset="0"/>
               </a:rPr>
               <a:t> </a:t>
             </a:r>
             <a:r>
               <a:rPr lang="en-US" sz="3200" b="1" dirty="0">
                 <a:solidFill>
-                  <a:schemeClr val="bg1"/>
+                  <a:srgbClr val="FFFFFF"/>
                 </a:solidFill>
                 <a:highlight>
                   <a:srgbClr val="000000"/>
                 </a:highlight>
                 <a:latin typeface="Courier New" panose="02070309020205020404" pitchFamily="49" charset="0"/>
-                <a:cs typeface="Courier New" panose="02070309020205020404" pitchFamily="49" charset="0"/>
-              </a:rPr>
-              <a:t>31 48 </a:t>
+              </a:rPr>
+              <a:t>9F 48 </a:t>
             </a:r>
             <a:r>
               <a:rPr lang="fi-FI" sz="3200" b="1" dirty="0">
+                <a:solidFill>
+                  <a:srgbClr val="000000"/>
+                </a:solidFill>
                 <a:highlight>
                   <a:srgbClr val="FFFF00"/>
                 </a:highlight>
                 <a:latin typeface="Courier New" panose="02070309020205020404" pitchFamily="49" charset="0"/>
-                <a:cs typeface="Courier New" panose="02070309020205020404" pitchFamily="49" charset="0"/>
-              </a:rPr>
-              <a:t>00</a:t>
+              </a:rPr>
+              <a:t>F8</a:t>
             </a:r>
             <a:r>
               <a:rPr lang="fi-FI" sz="3200" b="1" dirty="0">
                 <a:solidFill>
-                  <a:schemeClr val="bg1"/>
+                  <a:srgbClr val="FFFFFF"/>
                 </a:solidFill>
                 <a:highlight>
                   <a:srgbClr val="000000"/>
                 </a:highlight>
                 <a:latin typeface="Courier New" panose="02070309020205020404" pitchFamily="49" charset="0"/>
-                <a:cs typeface="Courier New" panose="02070309020205020404" pitchFamily="49" charset="0"/>
               </a:rPr>
               <a:t> </a:t>
             </a:r>
             <a:r>
               <a:rPr lang="fi-FI" sz="3200" b="1" dirty="0">
+                <a:solidFill>
+                  <a:srgbClr val="000000"/>
+                </a:solidFill>
                 <a:highlight>
                   <a:srgbClr val="FFFF00"/>
                 </a:highlight>
                 <a:latin typeface="Courier New" panose="02070309020205020404" pitchFamily="49" charset="0"/>
-                <a:cs typeface="Courier New" panose="02070309020205020404" pitchFamily="49" charset="0"/>
-              </a:rPr>
-              <a:t>00</a:t>
+              </a:rPr>
+              <a:t>FF</a:t>
             </a:r>
             <a:r>
               <a:rPr lang="fi-FI" sz="3200" b="1" dirty="0">
                 <a:solidFill>
-                  <a:schemeClr val="bg1"/>
+                  <a:srgbClr val="FFFFFF"/>
                 </a:solidFill>
                 <a:latin typeface="Courier New" panose="02070309020205020404" pitchFamily="49" charset="0"/>
-                <a:cs typeface="Courier New" panose="02070309020205020404" pitchFamily="49" charset="0"/>
               </a:rPr>
               <a:t> </a:t>
             </a:r>
             <a:r>
               <a:rPr lang="en-US" sz="3200" b="1" dirty="0">
                 <a:solidFill>
-                  <a:schemeClr val="bg1"/>
+                  <a:srgbClr val="FFFFFF"/>
                 </a:solidFill>
                 <a:highlight>
                   <a:srgbClr val="FF0000"/>
                 </a:highlight>
                 <a:latin typeface="Courier New" panose="02070309020205020404" pitchFamily="49" charset="0"/>
-                <a:cs typeface="Courier New" panose="02070309020205020404" pitchFamily="49" charset="0"/>
               </a:rPr>
               <a:t>E1</a:t>
             </a:r>
             <a:r>
               <a:rPr lang="en-US" sz="3200" b="1" dirty="0">
                 <a:solidFill>
-                  <a:schemeClr val="bg1"/>
+                  <a:srgbClr val="FFFFFF"/>
                 </a:solidFill>
                 <a:highlight>
                   <a:srgbClr val="000000"/>
                 </a:highlight>
                 <a:latin typeface="Courier New" panose="02070309020205020404" pitchFamily="49" charset="0"/>
-                <a:cs typeface="Courier New" panose="02070309020205020404" pitchFamily="49" charset="0"/>
               </a:rPr>
               <a:t> </a:t>
             </a:r>
             <a:r>
               <a:rPr lang="en-US" sz="3200" b="1" dirty="0">
                 <a:solidFill>
-                  <a:schemeClr val="bg1"/>
+                  <a:srgbClr val="FFFFFF"/>
                 </a:solidFill>
                 <a:highlight>
                   <a:srgbClr val="FF0000"/>
                 </a:highlight>
                 <a:latin typeface="Courier New" panose="02070309020205020404" pitchFamily="49" charset="0"/>
-                <a:cs typeface="Courier New" panose="02070309020205020404" pitchFamily="49" charset="0"/>
               </a:rPr>
               <a:t>10</a:t>
             </a:r>
             <a:r>
               <a:rPr lang="en-US" sz="3200" b="1" dirty="0">
                 <a:solidFill>
-                  <a:schemeClr val="bg1"/>
+                  <a:srgbClr val="FFFFFF"/>
                 </a:solidFill>
                 <a:highlight>
                   <a:srgbClr val="000000"/>
                 </a:highlight>
                 <a:latin typeface="Courier New" panose="02070309020205020404" pitchFamily="49" charset="0"/>
-                <a:cs typeface="Courier New" panose="02070309020205020404" pitchFamily="49" charset="0"/>
               </a:rPr>
               <a:t> </a:t>
             </a:r>
             <a:r>
               <a:rPr lang="en-US" sz="3200" b="1" dirty="0">
                 <a:solidFill>
-                  <a:schemeClr val="bg1"/>
+                  <a:srgbClr val="FFFFFF"/>
                 </a:solidFill>
                 <a:highlight>
                   <a:srgbClr val="FF0000"/>
                 </a:highlight>
                 <a:latin typeface="Courier New" panose="02070309020205020404" pitchFamily="49" charset="0"/>
-                <a:cs typeface="Courier New" panose="02070309020205020404" pitchFamily="49" charset="0"/>
               </a:rPr>
               <a:t>12</a:t>
             </a:r>
             <a:r>
               <a:rPr lang="en-US" sz="3200" b="1" dirty="0">
                 <a:solidFill>
-                  <a:schemeClr val="bg1"/>
+                  <a:srgbClr val="FFFFFF"/>
                 </a:solidFill>
                 <a:highlight>
                   <a:srgbClr val="000000"/>
                 </a:highlight>
                 <a:latin typeface="Courier New" panose="02070309020205020404" pitchFamily="49" charset="0"/>
-                <a:cs typeface="Courier New" panose="02070309020205020404" pitchFamily="49" charset="0"/>
               </a:rPr>
               <a:t> </a:t>
             </a:r>
             <a:r>
               <a:rPr lang="en-US" sz="3200" b="1" dirty="0">
                 <a:solidFill>
-                  <a:schemeClr val="bg1"/>
+                  <a:srgbClr val="FFFFFF"/>
                 </a:solidFill>
                 <a:highlight>
                   <a:srgbClr val="FF0000"/>
                 </a:highlight>
                 <a:latin typeface="Courier New" panose="02070309020205020404" pitchFamily="49" charset="0"/>
-                <a:cs typeface="Courier New" panose="02070309020205020404" pitchFamily="49" charset="0"/>
-              </a:rPr>
-              <a:t>00</a:t>
+              </a:rPr>
+              <a:t>0F</a:t>
+            </a:r>
+            <a:r>
+              <a:rPr lang="en-US" sz="3200" b="1" dirty="0">
+                <a:solidFill>
+                  <a:srgbClr val="000000"/>
+                </a:solidFill>
+                <a:latin typeface="Courier New" panose="02070309020205020404" pitchFamily="49" charset="0"/>
+              </a:rPr>
+              <a:t> </a:t>
             </a:r>
             <a:r>
               <a:rPr lang="fi-FI" sz="3200" b="1" dirty="0">
+                <a:solidFill>
+                  <a:srgbClr val="9BBB59"/>
+                </a:solidFill>
                 <a:latin typeface="Courier New" panose="02070309020205020404" pitchFamily="49" charset="0"/>
-                <a:cs typeface="Courier New" panose="02070309020205020404" pitchFamily="49" charset="0"/>
-              </a:rPr>
-              <a:t> </a:t>
+              </a:rPr>
+              <a:t>01 03 A0 0C 34 03 3A 91 01 08 54 02 65 6E 53 54 41 52 54 54 0F 1C 61 6E 64 72 6F 69 64 2E 63 6F 6D 3A 70 6B 67 63 6E 74 34 35 31 34 63 2E 75 6E 66 73 79 6D 70 6F 73 69 75 6D 6E 66 63 71 75 69 7A FE 00 00 00 00 00 00 00 00 00 00 00 00 00 00 00 00 00 00 00 00 00 00 00 00 00 00 00 00 00 00 00 00 00 00 00 00 00 00 00 00 00 00 00 00 00 00 00 00 00 00 00 00 00 00 00 00 00 00 00 00 00 00 00 00 00 00 00 00 00 00 00 00 00 00 00 00 00 00 </a:t>
             </a:r>
             <a:r>
               <a:rPr lang="fi-FI" sz="3200" b="1" dirty="0">
                 <a:solidFill>
-                  <a:schemeClr val="accent3"/>
-                </a:solidFill>
-                <a:latin typeface="Courier New" panose="02070309020205020404" pitchFamily="49" charset="0"/>
-                <a:cs typeface="Courier New" panose="02070309020205020404" pitchFamily="49" charset="0"/>
-              </a:rPr>
-              <a:t>AA AA AA AA AA AA AA AA AA AA AA AA AA AA AA AA AA AA AA AA AA AA AA AA AA AA AA AA AA AA AA AA AA AA AA AA AA AA AA AA AA AA AA AA AA AA AA AA AA AA AA AA AA AA AA AA AA AA AA AA AA AA AA AA AA AA AA AA AA AA AA AA AA AA AA AA AA AA AA AA AA AA AA AA AA AA AA AA AA AA AA AA AA AA </a:t>
-            </a:r>
-            <a:r>
-              <a:rPr lang="fi-FI" sz="3200" b="1" dirty="0">
+                  <a:srgbClr val="000000"/>
+                </a:solidFill>
                 <a:highlight>
                   <a:srgbClr val="FFFF00"/>
                 </a:highlight>
                 <a:latin typeface="Courier New" panose="02070309020205020404" pitchFamily="49" charset="0"/>
-                <a:cs typeface="Courier New" panose="02070309020205020404" pitchFamily="49" charset="0"/>
-              </a:rPr>
-              <a:t>00</a:t>
+              </a:rPr>
+              <a:t>FF</a:t>
             </a:r>
             <a:r>
               <a:rPr lang="fi-FI" sz="3200" b="1" dirty="0">
+                <a:solidFill>
+                  <a:srgbClr val="000000"/>
+                </a:solidFill>
                 <a:highlight>
                   <a:srgbClr val="000000"/>
                 </a:highlight>
                 <a:latin typeface="Courier New" panose="02070309020205020404" pitchFamily="49" charset="0"/>
-                <a:cs typeface="Courier New" panose="02070309020205020404" pitchFamily="49" charset="0"/>
               </a:rPr>
               <a:t> </a:t>
             </a:r>
             <a:r>
               <a:rPr lang="fi-FI" sz="3200" b="1" dirty="0">
+                <a:solidFill>
+                  <a:srgbClr val="000000"/>
+                </a:solidFill>
                 <a:highlight>
                   <a:srgbClr val="FFFF00"/>
                 </a:highlight>
                 <a:latin typeface="Courier New" panose="02070309020205020404" pitchFamily="49" charset="0"/>
-                <a:cs typeface="Courier New" panose="02070309020205020404" pitchFamily="49" charset="0"/>
-              </a:rPr>
-              <a:t>00</a:t>
+              </a:rPr>
+              <a:t>01</a:t>
             </a:r>
             <a:r>
               <a:rPr lang="fi-FI" sz="3200" b="1" dirty="0">
+                <a:solidFill>
+                  <a:srgbClr val="000000"/>
+                </a:solidFill>
                 <a:highlight>
                   <a:srgbClr val="000000"/>
                 </a:highlight>
                 <a:latin typeface="Courier New" panose="02070309020205020404" pitchFamily="49" charset="0"/>
-                <a:cs typeface="Courier New" panose="02070309020205020404" pitchFamily="49" charset="0"/>
               </a:rPr>
               <a:t> </a:t>
             </a:r>
             <a:r>
               <a:rPr lang="fi-FI" sz="3200" b="1" dirty="0">
+                <a:solidFill>
+                  <a:srgbClr val="000000"/>
+                </a:solidFill>
                 <a:highlight>
                   <a:srgbClr val="FFFF00"/>
                 </a:highlight>
                 <a:latin typeface="Courier New" panose="02070309020205020404" pitchFamily="49" charset="0"/>
-                <a:cs typeface="Courier New" panose="02070309020205020404" pitchFamily="49" charset="0"/>
               </a:rPr>
               <a:t>00</a:t>
             </a:r>
             <a:r>
               <a:rPr lang="fi-FI" sz="3200" b="1" dirty="0">
                 <a:solidFill>
-                  <a:schemeClr val="bg1"/>
+                  <a:srgbClr val="FFFFFF"/>
                 </a:solidFill>
                 <a:highlight>
                   <a:srgbClr val="000000"/>
                 </a:highlight>
                 <a:latin typeface="Courier New" panose="02070309020205020404" pitchFamily="49" charset="0"/>
-                <a:cs typeface="Courier New" panose="02070309020205020404" pitchFamily="49" charset="0"/>
               </a:rPr>
               <a:t> BD</a:t>
             </a:r>
             <a:r>
               <a:rPr lang="fi-FI" sz="3200" b="1" dirty="0">
                 <a:solidFill>
-                  <a:schemeClr val="bg1"/>
+                  <a:srgbClr val="FFFFFF"/>
                 </a:solidFill>
                 <a:latin typeface="Courier New" panose="02070309020205020404" pitchFamily="49" charset="0"/>
-                <a:cs typeface="Courier New" panose="02070309020205020404" pitchFamily="49" charset="0"/>
               </a:rPr>
               <a:t> </a:t>
             </a:r>
             <a:r>
               <a:rPr lang="en-US" sz="3200" b="1" dirty="0">
                 <a:solidFill>
-                  <a:schemeClr val="bg1"/>
+                  <a:srgbClr val="FFFFFF"/>
                 </a:solidFill>
                 <a:highlight>
                   <a:srgbClr val="000000"/>
                 </a:highlight>
                 <a:latin typeface="Courier New" panose="02070309020205020404" pitchFamily="49" charset="0"/>
-                <a:cs typeface="Courier New" panose="02070309020205020404" pitchFamily="49" charset="0"/>
               </a:rPr>
               <a:t>04 00 00 FF</a:t>
             </a:r>
             <a:r>
-              <a:rPr lang="fi-FI" sz="3200" b="1" dirty="0">
-                <a:solidFill>
-                  <a:schemeClr val="bg1"/>
+              <a:rPr lang="en-US" sz="3200" b="1" dirty="0">
+                <a:solidFill>
+                  <a:srgbClr val="FFFFFF"/>
                 </a:solidFill>
                 <a:latin typeface="Courier New" panose="02070309020205020404" pitchFamily="49" charset="0"/>
-                <a:cs typeface="Courier New" panose="02070309020205020404" pitchFamily="49" charset="0"/>
               </a:rPr>
               <a:t> </a:t>
             </a:r>
             <a:r>
               <a:rPr lang="en-US" sz="3200" b="1" dirty="0">
                 <a:solidFill>
-                  <a:schemeClr val="bg1"/>
+                  <a:srgbClr val="FFFFFF"/>
                 </a:solidFill>
                 <a:highlight>
                   <a:srgbClr val="000000"/>
                 </a:highlight>
                 <a:latin typeface="Courier New" panose="02070309020205020404" pitchFamily="49" charset="0"/>
-                <a:cs typeface="Courier New" panose="02070309020205020404" pitchFamily="49" charset="0"/>
               </a:rPr>
               <a:t>00 05 -- --</a:t>
             </a:r>
             <a:r>
-              <a:rPr lang="fi-FI" sz="3200" b="1" dirty="0">
-                <a:solidFill>
-                  <a:schemeClr val="bg1"/>
+              <a:rPr lang="en-US" sz="3200" b="1" dirty="0">
+                <a:solidFill>
+                  <a:srgbClr val="FFFFFF"/>
                 </a:solidFill>
                 <a:latin typeface="Courier New" panose="02070309020205020404" pitchFamily="49" charset="0"/>
-                <a:cs typeface="Courier New" panose="02070309020205020404" pitchFamily="49" charset="0"/>
               </a:rPr>
               <a:t> </a:t>
             </a:r>
             <a:r>
               <a:rPr lang="en-US" sz="3200" b="1" dirty="0">
                 <a:solidFill>
-                  <a:schemeClr val="bg1"/>
+                  <a:srgbClr val="FFFFFF"/>
                 </a:solidFill>
                 <a:highlight>
                   <a:srgbClr val="000000"/>
                 </a:highlight>
                 <a:latin typeface="Courier New" panose="02070309020205020404" pitchFamily="49" charset="0"/>
-                <a:cs typeface="Courier New" panose="02070309020205020404" pitchFamily="49" charset="0"/>
-              </a:rPr>
-              <a:t>FF FF FF FF</a:t>
-            </a:r>
-            <a:r>
-              <a:rPr lang="fi-FI" sz="3200" b="1" dirty="0">
-                <a:solidFill>
-                  <a:schemeClr val="bg1"/>
-                </a:solidFill>
-                <a:latin typeface="Courier New" panose="02070309020205020404" pitchFamily="49" charset="0"/>
-                <a:cs typeface="Courier New" panose="02070309020205020404" pitchFamily="49" charset="0"/>
-              </a:rPr>
-              <a:t> </a:t>
-            </a:r>
-            <a:r>
-              <a:rPr lang="en-US" sz="3200" b="1" dirty="0">
-                <a:solidFill>
-                  <a:schemeClr val="bg1"/>
+              </a:rPr>
+              <a:t>FF </a:t>
+            </a:r>
+            <a:r>
+              <a:rPr lang="en-US" sz="3200" b="1" dirty="0" err="1">
+                <a:solidFill>
+                  <a:srgbClr val="FFFFFF"/>
                 </a:solidFill>
                 <a:highlight>
                   <a:srgbClr val="000000"/>
                 </a:highlight>
                 <a:latin typeface="Courier New" panose="02070309020205020404" pitchFamily="49" charset="0"/>
-                <a:cs typeface="Courier New" panose="02070309020205020404" pitchFamily="49" charset="0"/>
-              </a:rPr>
-              <a:t>00 00 -- -- </a:t>
+              </a:rPr>
+              <a:t>FF</a:t>
+            </a:r>
+            <a:r>
+              <a:rPr lang="en-US" sz="3200" b="1" dirty="0">
+                <a:solidFill>
+                  <a:srgbClr val="FFFFFF"/>
+                </a:solidFill>
+                <a:highlight>
+                  <a:srgbClr val="000000"/>
+                </a:highlight>
+                <a:latin typeface="Courier New" panose="02070309020205020404" pitchFamily="49" charset="0"/>
+              </a:rPr>
+              <a:t> </a:t>
+            </a:r>
+            <a:r>
+              <a:rPr lang="en-US" sz="3200" b="1" dirty="0" err="1">
+                <a:solidFill>
+                  <a:srgbClr val="FFFFFF"/>
+                </a:solidFill>
+                <a:highlight>
+                  <a:srgbClr val="000000"/>
+                </a:highlight>
+                <a:latin typeface="Courier New" panose="02070309020205020404" pitchFamily="49" charset="0"/>
+              </a:rPr>
+              <a:t>FF</a:t>
+            </a:r>
+            <a:r>
+              <a:rPr lang="en-US" sz="3200" b="1" dirty="0">
+                <a:solidFill>
+                  <a:srgbClr val="FFFFFF"/>
+                </a:solidFill>
+                <a:highlight>
+                  <a:srgbClr val="000000"/>
+                </a:highlight>
+                <a:latin typeface="Courier New" panose="02070309020205020404" pitchFamily="49" charset="0"/>
+              </a:rPr>
+              <a:t> </a:t>
+            </a:r>
+            <a:r>
+              <a:rPr lang="en-US" sz="3200" b="1" dirty="0" err="1">
+                <a:solidFill>
+                  <a:srgbClr val="FFFFFF"/>
+                </a:solidFill>
+                <a:highlight>
+                  <a:srgbClr val="000000"/>
+                </a:highlight>
+                <a:latin typeface="Courier New" panose="02070309020205020404" pitchFamily="49" charset="0"/>
+              </a:rPr>
+              <a:t>FF</a:t>
+            </a:r>
+            <a:r>
+              <a:rPr lang="en-US" sz="3200" b="1" dirty="0">
+                <a:solidFill>
+                  <a:srgbClr val="FFFFFF"/>
+                </a:solidFill>
+                <a:latin typeface="Courier New" panose="02070309020205020404" pitchFamily="49" charset="0"/>
+              </a:rPr>
+              <a:t> </a:t>
+            </a:r>
+            <a:r>
+              <a:rPr lang="en-US" sz="3200" b="1" dirty="0">
+                <a:solidFill>
+                  <a:srgbClr val="FFFFFF"/>
+                </a:solidFill>
+                <a:highlight>
+                  <a:srgbClr val="000000"/>
+                </a:highlight>
+                <a:latin typeface="Courier New" panose="02070309020205020404" pitchFamily="49" charset="0"/>
+              </a:rPr>
+              <a:t>00 00 -- --</a:t>
             </a:r>
             <a:endParaRPr lang="en-US" sz="3200" b="1" dirty="0">
               <a:solidFill>
@@ -7221,99 +7295,14 @@
       </p:sp>
       <p:sp>
         <p:nvSpPr>
-          <p:cNvPr id="89" name="Rectangle: Rounded Corners 88"/>
-          <p:cNvSpPr/>
-          <p:nvPr/>
-        </p:nvSpPr>
-        <p:spPr>
-          <a:xfrm>
-            <a:off x="6892116" y="22646138"/>
-            <a:ext cx="36218359" cy="6111169"/>
-          </a:xfrm>
-          <a:prstGeom prst="roundRect">
-            <a:avLst/>
-          </a:prstGeom>
-          <a:solidFill>
-            <a:schemeClr val="tx1">
-              <a:alpha val="15000"/>
-            </a:schemeClr>
-          </a:solidFill>
-          <a:ln w="203200" cmpd="tri">
-            <a:gradFill flip="none" rotWithShape="1">
-              <a:gsLst>
-                <a:gs pos="100000">
-                  <a:schemeClr val="tx1"/>
-                </a:gs>
-                <a:gs pos="0">
-                  <a:schemeClr val="bg1"/>
-                </a:gs>
-              </a:gsLst>
-              <a:lin ang="5400000" scaled="1"/>
-              <a:tileRect/>
-            </a:gradFill>
-            <a:prstDash val="solid"/>
-          </a:ln>
-          <a:effectLst>
-            <a:outerShdw blurRad="190500" dist="228600" dir="2700000" algn="ctr">
-              <a:srgbClr val="000000">
-                <a:alpha val="30000"/>
-              </a:srgbClr>
-            </a:outerShdw>
-          </a:effectLst>
-          <a:scene3d>
-            <a:camera prst="orthographicFront">
-              <a:rot lat="0" lon="0" rev="0"/>
-            </a:camera>
-            <a:lightRig rig="glow" dir="t">
-              <a:rot lat="0" lon="0" rev="4800000"/>
-            </a:lightRig>
-          </a:scene3d>
-          <a:sp3d prstMaterial="matte">
-            <a:bevelT w="127000" h="63500"/>
-          </a:sp3d>
-        </p:spPr>
-        <p:style>
-          <a:lnRef idx="2">
-            <a:schemeClr val="accent6"/>
-          </a:lnRef>
-          <a:fillRef idx="1">
-            <a:schemeClr val="lt1"/>
-          </a:fillRef>
-          <a:effectRef idx="0">
-            <a:schemeClr val="accent6"/>
-          </a:effectRef>
-          <a:fontRef idx="minor">
-            <a:schemeClr val="dk1"/>
-          </a:fontRef>
-        </p:style>
-        <p:txBody>
-          <a:bodyPr rot="0" spcFirstLastPara="0" vertOverflow="overflow" horzOverflow="overflow" vert="horz" wrap="square" lIns="91440" tIns="45720" rIns="91440" bIns="45720" numCol="1" spcCol="0" rtlCol="0" fromWordArt="0" anchor="ctr" anchorCtr="0" forceAA="0" compatLnSpc="1">
-            <a:prstTxWarp prst="textNoShape">
-              <a:avLst/>
-            </a:prstTxWarp>
-            <a:noAutofit/>
-          </a:bodyPr>
-          <a:lstStyle/>
-          <a:p>
-            <a:pPr algn="ctr"/>
-            <a:endParaRPr lang="en-US" sz="4000">
-              <a:solidFill>
-                <a:schemeClr val="dk1"/>
-              </a:solidFill>
-            </a:endParaRPr>
-          </a:p>
-        </p:txBody>
-      </p:sp>
-      <p:sp>
-        <p:nvSpPr>
           <p:cNvPr id="90" name="Rectangle: Diagonal Corners Snipped 89"/>
           <p:cNvSpPr/>
           <p:nvPr/>
         </p:nvSpPr>
         <p:spPr>
           <a:xfrm rot="10800000" flipH="1">
-            <a:off x="15536283" y="4983386"/>
-            <a:ext cx="20506317" cy="2942369"/>
+            <a:off x="13537214" y="3814649"/>
+            <a:ext cx="22965650" cy="3195750"/>
           </a:xfrm>
           <a:prstGeom prst="snip2DiagRect">
             <a:avLst/>
@@ -7390,8 +7379,8 @@
         </p:nvSpPr>
         <p:spPr>
           <a:xfrm rot="10800000" flipH="1">
-            <a:off x="14050378" y="1676401"/>
-            <a:ext cx="21992222" cy="2942369"/>
+            <a:off x="12051308" y="390199"/>
+            <a:ext cx="24451556" cy="3238466"/>
           </a:xfrm>
           <a:prstGeom prst="snip2DiagRect">
             <a:avLst/>
@@ -7471,8 +7460,8 @@
         </p:nvSpPr>
         <p:spPr>
           <a:xfrm rot="10800000" flipH="1">
-            <a:off x="22920924" y="8290022"/>
-            <a:ext cx="13121676" cy="2942369"/>
+            <a:off x="25298151" y="7196382"/>
+            <a:ext cx="11204713" cy="2209790"/>
           </a:xfrm>
           <a:prstGeom prst="snip2DiagRect">
             <a:avLst/>
@@ -7537,7 +7526,7 @@
           <a:lstStyle/>
           <a:p>
             <a:pPr algn="ctr"/>
-            <a:endParaRPr lang="en-US"/>
+            <a:endParaRPr lang="en-US" dirty="0"/>
           </a:p>
         </p:txBody>
       </p:sp>
@@ -7549,8 +7538,8 @@
         </p:nvSpPr>
         <p:spPr>
           <a:xfrm>
-            <a:off x="14325600" y="1819599"/>
-            <a:ext cx="21488399" cy="1569660"/>
+            <a:off x="12326531" y="533400"/>
+            <a:ext cx="23628691" cy="1815882"/>
           </a:xfrm>
           <a:prstGeom prst="rect">
             <a:avLst/>
@@ -7564,63 +7553,42 @@
           <a:lstStyle/>
           <a:p>
             <a:r>
-              <a:rPr lang="en-US" sz="2400" b="1" dirty="0">
+              <a:rPr lang="en-US" sz="2800" b="1" dirty="0">
                 <a:latin typeface="Courier New" panose="02070309020205020404" pitchFamily="49" charset="0"/>
                 <a:cs typeface="Courier New" panose="02070309020205020404" pitchFamily="49" charset="0"/>
               </a:rPr>
-              <a:t>STATIC LOCK BYTES:</a:t>
-            </a:r>
-            <a:r>
-              <a:rPr lang="en-US" sz="2400" dirty="0">
+              <a:t>[STATIC LOCK BYTES] - Field Programmable Read-Only Locking Mechanism</a:t>
+            </a:r>
+          </a:p>
+          <a:p>
+            <a:r>
+              <a:rPr lang="en-US" sz="2800" b="1" dirty="0">
                 <a:latin typeface="Courier New" panose="02070309020205020404" pitchFamily="49" charset="0"/>
                 <a:cs typeface="Courier New" panose="02070309020205020404" pitchFamily="49" charset="0"/>
               </a:rPr>
-              <a:t> Field Programmable Read-Only Locking Mechanism</a:t>
-            </a:r>
-          </a:p>
-          <a:p>
-            <a:r>
-              <a:rPr lang="en-US" sz="2400" b="1" dirty="0">
+              <a:t>  [MEMORY LOCATION] - PAGE 02h (Hex)</a:t>
+            </a:r>
+          </a:p>
+          <a:p>
+            <a:r>
+              <a:rPr lang="en-US" sz="2800" b="1" dirty="0">
                 <a:latin typeface="Courier New" panose="02070309020205020404" pitchFamily="49" charset="0"/>
                 <a:cs typeface="Courier New" panose="02070309020205020404" pitchFamily="49" charset="0"/>
               </a:rPr>
-              <a:t>MEMORY LOCATION:   </a:t>
-            </a:r>
-            <a:r>
-              <a:rPr lang="en-US" sz="2400" dirty="0">
+              <a:t>          [DETAILS] - Each bit represents an individual 16-bit page from 03h to 0Fh. Bits set to 1 permanently</a:t>
+            </a:r>
+            <a:br>
+              <a:rPr lang="en-US" sz="2800" b="1" dirty="0">
                 <a:latin typeface="Courier New" panose="02070309020205020404" pitchFamily="49" charset="0"/>
                 <a:cs typeface="Courier New" panose="02070309020205020404" pitchFamily="49" charset="0"/>
               </a:rPr>
-              <a:t>PAGE 02h (Hex)</a:t>
-            </a:r>
-          </a:p>
-          <a:p>
-            <a:r>
-              <a:rPr lang="en-US" sz="2400" b="1" dirty="0">
+            </a:br>
+            <a:r>
+              <a:rPr lang="en-US" sz="2800" b="1" dirty="0">
                 <a:latin typeface="Courier New" panose="02070309020205020404" pitchFamily="49" charset="0"/>
                 <a:cs typeface="Courier New" panose="02070309020205020404" pitchFamily="49" charset="0"/>
               </a:rPr>
-              <a:t>DETAILS:</a:t>
-            </a:r>
-            <a:r>
-              <a:rPr lang="en-US" sz="2400" dirty="0">
-                <a:latin typeface="Courier New" panose="02070309020205020404" pitchFamily="49" charset="0"/>
-                <a:cs typeface="Courier New" panose="02070309020205020404" pitchFamily="49" charset="0"/>
-              </a:rPr>
-              <a:t>           Each bit represents an individual 16-bit page from 03h to 0Fh. Bits set to 1</a:t>
-            </a:r>
-            <a:br>
-              <a:rPr lang="en-US" sz="2400" dirty="0">
-                <a:latin typeface="Courier New" panose="02070309020205020404" pitchFamily="49" charset="0"/>
-                <a:cs typeface="Courier New" panose="02070309020205020404" pitchFamily="49" charset="0"/>
-              </a:rPr>
-            </a:br>
-            <a:r>
-              <a:rPr lang="en-US" sz="2400" dirty="0">
-                <a:latin typeface="Courier New" panose="02070309020205020404" pitchFamily="49" charset="0"/>
-                <a:cs typeface="Courier New" panose="02070309020205020404" pitchFamily="49" charset="0"/>
-              </a:rPr>
-              <a:t>                   permanently lock their corresponding pages as read-only.</a:t>
+              <a:t>                      lock their corresponding pages as read-only.</a:t>
             </a:r>
           </a:p>
         </p:txBody>
@@ -7633,8 +7601,8 @@
         </p:nvSpPr>
         <p:spPr>
           <a:xfrm rot="16200000">
-            <a:off x="23645801" y="12270068"/>
-            <a:ext cx="1983880" cy="584775"/>
+            <a:off x="26016002" y="10246445"/>
+            <a:ext cx="2059084" cy="584775"/>
           </a:xfrm>
           <a:prstGeom prst="rect">
             <a:avLst/>
@@ -7665,7 +7633,7 @@
         </p:nvSpPr>
         <p:spPr>
           <a:xfrm rot="5400000">
-            <a:off x="24564166" y="20714258"/>
+            <a:off x="26849841" y="22125764"/>
             <a:ext cx="1798092" cy="584775"/>
           </a:xfrm>
           <a:prstGeom prst="rect">
@@ -7698,14 +7666,14 @@
           <p:nvPr>
             <p:extLst>
               <p:ext uri="{D42A27DB-BD31-4B8C-83A1-F6EECF244321}">
-                <p14:modId xmlns:p14="http://schemas.microsoft.com/office/powerpoint/2010/main" val="3663597049"/>
+                <p14:modId xmlns:p14="http://schemas.microsoft.com/office/powerpoint/2010/main" val="849221676"/>
               </p:ext>
             </p:extLst>
           </p:nvPr>
         </p:nvGraphicFramePr>
         <p:xfrm>
-          <a:off x="14325600" y="3419799"/>
-          <a:ext cx="10338912" cy="1059080"/>
+          <a:off x="17068800" y="2362200"/>
+          <a:ext cx="9361424" cy="1059080"/>
         </p:xfrm>
         <a:graphic>
           <a:graphicData uri="http://schemas.openxmlformats.org/drawingml/2006/table">
@@ -7715,56 +7683,56 @@
                 <a:tableStyleId>{5C22544A-7EE6-4342-B048-85BDC9FD1C3A}</a:tableStyleId>
               </a:tblPr>
               <a:tblGrid>
-                <a:gridCol w="1292364">
+                <a:gridCol w="1170178">
                   <a:extLst>
                     <a:ext uri="{9D8B030D-6E8A-4147-A177-3AD203B41FA5}">
                       <a16:colId xmlns:a16="http://schemas.microsoft.com/office/drawing/2014/main" val="3022783514"/>
                     </a:ext>
                   </a:extLst>
                 </a:gridCol>
-                <a:gridCol w="1292364">
+                <a:gridCol w="1170178">
                   <a:extLst>
                     <a:ext uri="{9D8B030D-6E8A-4147-A177-3AD203B41FA5}">
                       <a16:colId xmlns:a16="http://schemas.microsoft.com/office/drawing/2014/main" val="757080785"/>
                     </a:ext>
                   </a:extLst>
                 </a:gridCol>
-                <a:gridCol w="1292364">
+                <a:gridCol w="1170178">
                   <a:extLst>
                     <a:ext uri="{9D8B030D-6E8A-4147-A177-3AD203B41FA5}">
                       <a16:colId xmlns:a16="http://schemas.microsoft.com/office/drawing/2014/main" val="2276908230"/>
                     </a:ext>
                   </a:extLst>
                 </a:gridCol>
-                <a:gridCol w="1292364">
+                <a:gridCol w="1170178">
                   <a:extLst>
                     <a:ext uri="{9D8B030D-6E8A-4147-A177-3AD203B41FA5}">
                       <a16:colId xmlns:a16="http://schemas.microsoft.com/office/drawing/2014/main" val="645744466"/>
                     </a:ext>
                   </a:extLst>
                 </a:gridCol>
-                <a:gridCol w="1292364">
+                <a:gridCol w="1170178">
                   <a:extLst>
                     <a:ext uri="{9D8B030D-6E8A-4147-A177-3AD203B41FA5}">
                       <a16:colId xmlns:a16="http://schemas.microsoft.com/office/drawing/2014/main" val="3599940090"/>
                     </a:ext>
                   </a:extLst>
                 </a:gridCol>
-                <a:gridCol w="1292364">
+                <a:gridCol w="1170178">
                   <a:extLst>
                     <a:ext uri="{9D8B030D-6E8A-4147-A177-3AD203B41FA5}">
                       <a16:colId xmlns:a16="http://schemas.microsoft.com/office/drawing/2014/main" val="2077798771"/>
                     </a:ext>
                   </a:extLst>
                 </a:gridCol>
-                <a:gridCol w="1292364">
+                <a:gridCol w="1170178">
                   <a:extLst>
                     <a:ext uri="{9D8B030D-6E8A-4147-A177-3AD203B41FA5}">
                       <a16:colId xmlns:a16="http://schemas.microsoft.com/office/drawing/2014/main" val="1876429225"/>
                     </a:ext>
                   </a:extLst>
                 </a:gridCol>
-                <a:gridCol w="1292364">
+                <a:gridCol w="1170178">
                   <a:extLst>
                     <a:ext uri="{9D8B030D-6E8A-4147-A177-3AD203B41FA5}">
                       <a16:colId xmlns:a16="http://schemas.microsoft.com/office/drawing/2014/main" val="73856520"/>
@@ -7780,7 +7748,7 @@
                     <a:p>
                       <a:pPr algn="ctr"/>
                       <a:r>
-                        <a:rPr lang="en-US" sz="2800" dirty="0">
+                        <a:rPr lang="en-US" sz="2000" dirty="0">
                           <a:latin typeface="Courier New" panose="02070309020205020404" pitchFamily="49" charset="0"/>
                           <a:cs typeface="Courier New" panose="02070309020205020404" pitchFamily="49" charset="0"/>
                         </a:rPr>
@@ -7845,7 +7813,7 @@
                     <a:p>
                       <a:pPr algn="ctr"/>
                       <a:r>
-                        <a:rPr lang="en-US" sz="2800" dirty="0">
+                        <a:rPr lang="en-US" sz="2000" dirty="0">
                           <a:latin typeface="Courier New" panose="02070309020205020404" pitchFamily="49" charset="0"/>
                           <a:cs typeface="Courier New" panose="02070309020205020404" pitchFamily="49" charset="0"/>
                         </a:rPr>
@@ -7910,7 +7878,7 @@
                     <a:p>
                       <a:pPr algn="ctr"/>
                       <a:r>
-                        <a:rPr lang="en-US" sz="2800" dirty="0">
+                        <a:rPr lang="en-US" sz="2000" dirty="0">
                           <a:latin typeface="Courier New" panose="02070309020205020404" pitchFamily="49" charset="0"/>
                           <a:cs typeface="Courier New" panose="02070309020205020404" pitchFamily="49" charset="0"/>
                         </a:rPr>
@@ -7975,7 +7943,7 @@
                     <a:p>
                       <a:pPr algn="ctr"/>
                       <a:r>
-                        <a:rPr lang="en-US" sz="2800" dirty="0">
+                        <a:rPr lang="en-US" sz="2000" dirty="0">
                           <a:latin typeface="Courier New" panose="02070309020205020404" pitchFamily="49" charset="0"/>
                           <a:cs typeface="Courier New" panose="02070309020205020404" pitchFamily="49" charset="0"/>
                         </a:rPr>
@@ -8040,7 +8008,7 @@
                     <a:p>
                       <a:pPr algn="ctr"/>
                       <a:r>
-                        <a:rPr lang="en-US" sz="2800" dirty="0">
+                        <a:rPr lang="en-US" sz="2000" dirty="0">
                           <a:latin typeface="Courier New" panose="02070309020205020404" pitchFamily="49" charset="0"/>
                           <a:cs typeface="Courier New" panose="02070309020205020404" pitchFamily="49" charset="0"/>
                         </a:rPr>
@@ -8050,7 +8018,7 @@
                     <a:p>
                       <a:pPr algn="ctr"/>
                       <a:r>
-                        <a:rPr lang="en-US" sz="2800" dirty="0">
+                        <a:rPr lang="en-US" sz="2000" dirty="0">
                           <a:latin typeface="Courier New" panose="02070309020205020404" pitchFamily="49" charset="0"/>
                           <a:cs typeface="Courier New" panose="02070309020205020404" pitchFamily="49" charset="0"/>
                         </a:rPr>
@@ -8115,7 +8083,7 @@
                     <a:p>
                       <a:pPr algn="ctr"/>
                       <a:r>
-                        <a:rPr lang="en-US" sz="2800" dirty="0">
+                        <a:rPr lang="en-US" sz="2000" dirty="0">
                           <a:latin typeface="Courier New" panose="02070309020205020404" pitchFamily="49" charset="0"/>
                           <a:cs typeface="Courier New" panose="02070309020205020404" pitchFamily="49" charset="0"/>
                         </a:rPr>
@@ -8125,7 +8093,7 @@
                     <a:p>
                       <a:pPr algn="ctr"/>
                       <a:r>
-                        <a:rPr lang="en-US" sz="2800" dirty="0">
+                        <a:rPr lang="en-US" sz="2000" dirty="0">
                           <a:latin typeface="Courier New" panose="02070309020205020404" pitchFamily="49" charset="0"/>
                           <a:cs typeface="Courier New" panose="02070309020205020404" pitchFamily="49" charset="0"/>
                         </a:rPr>
@@ -8190,7 +8158,7 @@
                     <a:p>
                       <a:pPr algn="ctr"/>
                       <a:r>
-                        <a:rPr lang="en-US" sz="2800" dirty="0">
+                        <a:rPr lang="en-US" sz="2000" dirty="0">
                           <a:latin typeface="Courier New" panose="02070309020205020404" pitchFamily="49" charset="0"/>
                           <a:cs typeface="Courier New" panose="02070309020205020404" pitchFamily="49" charset="0"/>
                         </a:rPr>
@@ -8200,7 +8168,7 @@
                     <a:p>
                       <a:pPr algn="ctr"/>
                       <a:r>
-                        <a:rPr lang="en-US" sz="2800" dirty="0">
+                        <a:rPr lang="en-US" sz="2000" dirty="0">
                           <a:latin typeface="Courier New" panose="02070309020205020404" pitchFamily="49" charset="0"/>
                           <a:cs typeface="Courier New" panose="02070309020205020404" pitchFamily="49" charset="0"/>
                         </a:rPr>
@@ -8265,7 +8233,7 @@
                     <a:p>
                       <a:pPr algn="ctr"/>
                       <a:r>
-                        <a:rPr lang="en-US" sz="2800" dirty="0">
+                        <a:rPr lang="en-US" sz="2000" dirty="0">
                           <a:latin typeface="Courier New" panose="02070309020205020404" pitchFamily="49" charset="0"/>
                           <a:cs typeface="Courier New" panose="02070309020205020404" pitchFamily="49" charset="0"/>
                         </a:rPr>
@@ -8275,7 +8243,7 @@
                     <a:p>
                       <a:pPr algn="ctr"/>
                       <a:r>
-                        <a:rPr lang="en-US" sz="2800" dirty="0">
+                        <a:rPr lang="en-US" sz="2000" dirty="0">
                           <a:latin typeface="Courier New" panose="02070309020205020404" pitchFamily="49" charset="0"/>
                           <a:cs typeface="Courier New" panose="02070309020205020404" pitchFamily="49" charset="0"/>
                         </a:rPr>
@@ -8352,14 +8320,14 @@
           <p:nvPr>
             <p:extLst>
               <p:ext uri="{D42A27DB-BD31-4B8C-83A1-F6EECF244321}">
-                <p14:modId xmlns:p14="http://schemas.microsoft.com/office/powerpoint/2010/main" val="2988606005"/>
+                <p14:modId xmlns:p14="http://schemas.microsoft.com/office/powerpoint/2010/main" val="2531200680"/>
               </p:ext>
             </p:extLst>
           </p:nvPr>
         </p:nvGraphicFramePr>
         <p:xfrm>
-          <a:off x="25017888" y="3390906"/>
-          <a:ext cx="10338912" cy="1059080"/>
+          <a:off x="26593800" y="2362200"/>
+          <a:ext cx="9361424" cy="1059080"/>
         </p:xfrm>
         <a:graphic>
           <a:graphicData uri="http://schemas.openxmlformats.org/drawingml/2006/table">
@@ -8369,56 +8337,56 @@
                 <a:tableStyleId>{5C22544A-7EE6-4342-B048-85BDC9FD1C3A}</a:tableStyleId>
               </a:tblPr>
               <a:tblGrid>
-                <a:gridCol w="1292364">
+                <a:gridCol w="1170178">
                   <a:extLst>
                     <a:ext uri="{9D8B030D-6E8A-4147-A177-3AD203B41FA5}">
                       <a16:colId xmlns:a16="http://schemas.microsoft.com/office/drawing/2014/main" val="3022783514"/>
                     </a:ext>
                   </a:extLst>
                 </a:gridCol>
-                <a:gridCol w="1292364">
+                <a:gridCol w="1170178">
                   <a:extLst>
                     <a:ext uri="{9D8B030D-6E8A-4147-A177-3AD203B41FA5}">
                       <a16:colId xmlns:a16="http://schemas.microsoft.com/office/drawing/2014/main" val="757080785"/>
                     </a:ext>
                   </a:extLst>
                 </a:gridCol>
-                <a:gridCol w="1292364">
+                <a:gridCol w="1170178">
                   <a:extLst>
                     <a:ext uri="{9D8B030D-6E8A-4147-A177-3AD203B41FA5}">
                       <a16:colId xmlns:a16="http://schemas.microsoft.com/office/drawing/2014/main" val="2276908230"/>
                     </a:ext>
                   </a:extLst>
                 </a:gridCol>
-                <a:gridCol w="1292364">
+                <a:gridCol w="1170178">
                   <a:extLst>
                     <a:ext uri="{9D8B030D-6E8A-4147-A177-3AD203B41FA5}">
                       <a16:colId xmlns:a16="http://schemas.microsoft.com/office/drawing/2014/main" val="645744466"/>
                     </a:ext>
                   </a:extLst>
                 </a:gridCol>
-                <a:gridCol w="1292364">
+                <a:gridCol w="1170178">
                   <a:extLst>
                     <a:ext uri="{9D8B030D-6E8A-4147-A177-3AD203B41FA5}">
                       <a16:colId xmlns:a16="http://schemas.microsoft.com/office/drawing/2014/main" val="3599940090"/>
                     </a:ext>
                   </a:extLst>
                 </a:gridCol>
-                <a:gridCol w="1292364">
+                <a:gridCol w="1170178">
                   <a:extLst>
                     <a:ext uri="{9D8B030D-6E8A-4147-A177-3AD203B41FA5}">
                       <a16:colId xmlns:a16="http://schemas.microsoft.com/office/drawing/2014/main" val="2077798771"/>
                     </a:ext>
                   </a:extLst>
                 </a:gridCol>
-                <a:gridCol w="1292364">
+                <a:gridCol w="1170178">
                   <a:extLst>
                     <a:ext uri="{9D8B030D-6E8A-4147-A177-3AD203B41FA5}">
                       <a16:colId xmlns:a16="http://schemas.microsoft.com/office/drawing/2014/main" val="1876429225"/>
                     </a:ext>
                   </a:extLst>
                 </a:gridCol>
-                <a:gridCol w="1292364">
+                <a:gridCol w="1170178">
                   <a:extLst>
                     <a:ext uri="{9D8B030D-6E8A-4147-A177-3AD203B41FA5}">
                       <a16:colId xmlns:a16="http://schemas.microsoft.com/office/drawing/2014/main" val="73856520"/>
@@ -8432,20 +8400,28 @@
                     <a:bodyPr/>
                     <a:lstStyle/>
                     <a:p>
-                      <a:pPr algn="ctr"/>
+                      <a:pPr marL="0" algn="ctr" defTabSz="4388419" rtl="0" eaLnBrk="1" latinLnBrk="0" hangingPunct="1"/>
                       <a:r>
-                        <a:rPr lang="en-US" sz="2800" dirty="0">
+                        <a:rPr lang="en-US" sz="2000" kern="1200" dirty="0">
+                          <a:solidFill>
+                            <a:schemeClr val="dk1"/>
+                          </a:solidFill>
                           <a:latin typeface="Courier New" panose="02070309020205020404" pitchFamily="49" charset="0"/>
+                          <a:ea typeface="+mn-ea"/>
                           <a:cs typeface="Courier New" panose="02070309020205020404" pitchFamily="49" charset="0"/>
                         </a:rPr>
                         <a:t>L</a:t>
                       </a:r>
                     </a:p>
                     <a:p>
-                      <a:pPr algn="ctr"/>
+                      <a:pPr marL="0" algn="ctr" defTabSz="4388419" rtl="0" eaLnBrk="1" latinLnBrk="0" hangingPunct="1"/>
                       <a:r>
-                        <a:rPr lang="en-US" sz="2800" dirty="0">
+                        <a:rPr lang="en-US" sz="2000" kern="1200" dirty="0">
+                          <a:solidFill>
+                            <a:schemeClr val="dk1"/>
+                          </a:solidFill>
                           <a:latin typeface="Courier New" panose="02070309020205020404" pitchFamily="49" charset="0"/>
+                          <a:ea typeface="+mn-ea"/>
                           <a:cs typeface="Courier New" panose="02070309020205020404" pitchFamily="49" charset="0"/>
                         </a:rPr>
                         <a:t>15</a:t>
@@ -8507,20 +8483,28 @@
                     <a:bodyPr/>
                     <a:lstStyle/>
                     <a:p>
-                      <a:pPr algn="ctr"/>
+                      <a:pPr marL="0" algn="ctr" defTabSz="4388419" rtl="0" eaLnBrk="1" latinLnBrk="0" hangingPunct="1"/>
                       <a:r>
-                        <a:rPr lang="en-US" sz="2800" dirty="0">
+                        <a:rPr lang="en-US" sz="2000" kern="1200" dirty="0">
+                          <a:solidFill>
+                            <a:schemeClr val="dk1"/>
+                          </a:solidFill>
                           <a:latin typeface="Courier New" panose="02070309020205020404" pitchFamily="49" charset="0"/>
+                          <a:ea typeface="+mn-ea"/>
                           <a:cs typeface="Courier New" panose="02070309020205020404" pitchFamily="49" charset="0"/>
                         </a:rPr>
                         <a:t>L</a:t>
                       </a:r>
                     </a:p>
                     <a:p>
-                      <a:pPr algn="ctr"/>
+                      <a:pPr marL="0" algn="ctr" defTabSz="4388419" rtl="0" eaLnBrk="1" latinLnBrk="0" hangingPunct="1"/>
                       <a:r>
-                        <a:rPr lang="en-US" sz="2800" dirty="0">
+                        <a:rPr lang="en-US" sz="2000" kern="1200" dirty="0">
+                          <a:solidFill>
+                            <a:schemeClr val="dk1"/>
+                          </a:solidFill>
                           <a:latin typeface="Courier New" panose="02070309020205020404" pitchFamily="49" charset="0"/>
+                          <a:ea typeface="+mn-ea"/>
                           <a:cs typeface="Courier New" panose="02070309020205020404" pitchFamily="49" charset="0"/>
                         </a:rPr>
                         <a:t>14</a:t>
@@ -8582,20 +8566,28 @@
                     <a:bodyPr/>
                     <a:lstStyle/>
                     <a:p>
-                      <a:pPr algn="ctr"/>
+                      <a:pPr marL="0" algn="ctr" defTabSz="4388419" rtl="0" eaLnBrk="1" latinLnBrk="0" hangingPunct="1"/>
                       <a:r>
-                        <a:rPr lang="en-US" sz="2800" dirty="0">
+                        <a:rPr lang="en-US" sz="2000" kern="1200" dirty="0">
+                          <a:solidFill>
+                            <a:schemeClr val="dk1"/>
+                          </a:solidFill>
                           <a:latin typeface="Courier New" panose="02070309020205020404" pitchFamily="49" charset="0"/>
+                          <a:ea typeface="+mn-ea"/>
                           <a:cs typeface="Courier New" panose="02070309020205020404" pitchFamily="49" charset="0"/>
                         </a:rPr>
                         <a:t>L</a:t>
                       </a:r>
                     </a:p>
                     <a:p>
-                      <a:pPr algn="ctr"/>
+                      <a:pPr marL="0" algn="ctr" defTabSz="4388419" rtl="0" eaLnBrk="1" latinLnBrk="0" hangingPunct="1"/>
                       <a:r>
-                        <a:rPr lang="en-US" sz="2800" dirty="0">
+                        <a:rPr lang="en-US" sz="2000" kern="1200" dirty="0">
+                          <a:solidFill>
+                            <a:schemeClr val="dk1"/>
+                          </a:solidFill>
                           <a:latin typeface="Courier New" panose="02070309020205020404" pitchFamily="49" charset="0"/>
+                          <a:ea typeface="+mn-ea"/>
                           <a:cs typeface="Courier New" panose="02070309020205020404" pitchFamily="49" charset="0"/>
                         </a:rPr>
                         <a:t>13</a:t>
@@ -8657,20 +8649,28 @@
                     <a:bodyPr/>
                     <a:lstStyle/>
                     <a:p>
-                      <a:pPr algn="ctr"/>
+                      <a:pPr marL="0" algn="ctr" defTabSz="4388419" rtl="0" eaLnBrk="1" latinLnBrk="0" hangingPunct="1"/>
                       <a:r>
-                        <a:rPr lang="en-US" sz="2800" dirty="0">
+                        <a:rPr lang="en-US" sz="2000" kern="1200" dirty="0">
+                          <a:solidFill>
+                            <a:schemeClr val="dk1"/>
+                          </a:solidFill>
                           <a:latin typeface="Courier New" panose="02070309020205020404" pitchFamily="49" charset="0"/>
+                          <a:ea typeface="+mn-ea"/>
                           <a:cs typeface="Courier New" panose="02070309020205020404" pitchFamily="49" charset="0"/>
                         </a:rPr>
                         <a:t>L</a:t>
                       </a:r>
                     </a:p>
                     <a:p>
-                      <a:pPr algn="ctr"/>
+                      <a:pPr marL="0" algn="ctr" defTabSz="4388419" rtl="0" eaLnBrk="1" latinLnBrk="0" hangingPunct="1"/>
                       <a:r>
-                        <a:rPr lang="en-US" sz="2800" dirty="0">
+                        <a:rPr lang="en-US" sz="2000" kern="1200" dirty="0">
+                          <a:solidFill>
+                            <a:schemeClr val="dk1"/>
+                          </a:solidFill>
                           <a:latin typeface="Courier New" panose="02070309020205020404" pitchFamily="49" charset="0"/>
+                          <a:ea typeface="+mn-ea"/>
                           <a:cs typeface="Courier New" panose="02070309020205020404" pitchFamily="49" charset="0"/>
                         </a:rPr>
                         <a:t>12</a:t>
@@ -8732,20 +8732,28 @@
                     <a:bodyPr/>
                     <a:lstStyle/>
                     <a:p>
-                      <a:pPr algn="ctr"/>
+                      <a:pPr marL="0" algn="ctr" defTabSz="4388419" rtl="0" eaLnBrk="1" latinLnBrk="0" hangingPunct="1"/>
                       <a:r>
-                        <a:rPr lang="en-US" sz="2800" dirty="0">
+                        <a:rPr lang="en-US" sz="2000" kern="1200" dirty="0">
+                          <a:solidFill>
+                            <a:schemeClr val="dk1"/>
+                          </a:solidFill>
                           <a:latin typeface="Courier New" panose="02070309020205020404" pitchFamily="49" charset="0"/>
+                          <a:ea typeface="+mn-ea"/>
                           <a:cs typeface="Courier New" panose="02070309020205020404" pitchFamily="49" charset="0"/>
                         </a:rPr>
                         <a:t>L</a:t>
                       </a:r>
                     </a:p>
                     <a:p>
-                      <a:pPr algn="ctr"/>
+                      <a:pPr marL="0" algn="ctr" defTabSz="4388419" rtl="0" eaLnBrk="1" latinLnBrk="0" hangingPunct="1"/>
                       <a:r>
-                        <a:rPr lang="en-US" sz="2800" dirty="0">
+                        <a:rPr lang="en-US" sz="2000" kern="1200" dirty="0">
+                          <a:solidFill>
+                            <a:schemeClr val="dk1"/>
+                          </a:solidFill>
                           <a:latin typeface="Courier New" panose="02070309020205020404" pitchFamily="49" charset="0"/>
+                          <a:ea typeface="+mn-ea"/>
                           <a:cs typeface="Courier New" panose="02070309020205020404" pitchFamily="49" charset="0"/>
                         </a:rPr>
                         <a:t>11</a:t>
@@ -8807,20 +8815,28 @@
                     <a:bodyPr/>
                     <a:lstStyle/>
                     <a:p>
-                      <a:pPr algn="ctr"/>
+                      <a:pPr marL="0" algn="ctr" defTabSz="4388419" rtl="0" eaLnBrk="1" latinLnBrk="0" hangingPunct="1"/>
                       <a:r>
-                        <a:rPr lang="en-US" sz="2800" dirty="0">
+                        <a:rPr lang="en-US" sz="2000" kern="1200" dirty="0">
+                          <a:solidFill>
+                            <a:schemeClr val="dk1"/>
+                          </a:solidFill>
                           <a:latin typeface="Courier New" panose="02070309020205020404" pitchFamily="49" charset="0"/>
+                          <a:ea typeface="+mn-ea"/>
                           <a:cs typeface="Courier New" panose="02070309020205020404" pitchFamily="49" charset="0"/>
                         </a:rPr>
                         <a:t>L</a:t>
                       </a:r>
                     </a:p>
                     <a:p>
-                      <a:pPr algn="ctr"/>
+                      <a:pPr marL="0" algn="ctr" defTabSz="4388419" rtl="0" eaLnBrk="1" latinLnBrk="0" hangingPunct="1"/>
                       <a:r>
-                        <a:rPr lang="en-US" sz="2800" dirty="0">
+                        <a:rPr lang="en-US" sz="2000" kern="1200" dirty="0">
+                          <a:solidFill>
+                            <a:schemeClr val="dk1"/>
+                          </a:solidFill>
                           <a:latin typeface="Courier New" panose="02070309020205020404" pitchFamily="49" charset="0"/>
+                          <a:ea typeface="+mn-ea"/>
                           <a:cs typeface="Courier New" panose="02070309020205020404" pitchFamily="49" charset="0"/>
                         </a:rPr>
                         <a:t>10</a:t>
@@ -8882,20 +8898,28 @@
                     <a:bodyPr/>
                     <a:lstStyle/>
                     <a:p>
-                      <a:pPr algn="ctr"/>
+                      <a:pPr marL="0" algn="ctr" defTabSz="4388419" rtl="0" eaLnBrk="1" latinLnBrk="0" hangingPunct="1"/>
                       <a:r>
-                        <a:rPr lang="en-US" sz="2800" dirty="0">
+                        <a:rPr lang="en-US" sz="2000" kern="1200" dirty="0">
+                          <a:solidFill>
+                            <a:schemeClr val="dk1"/>
+                          </a:solidFill>
                           <a:latin typeface="Courier New" panose="02070309020205020404" pitchFamily="49" charset="0"/>
+                          <a:ea typeface="+mn-ea"/>
                           <a:cs typeface="Courier New" panose="02070309020205020404" pitchFamily="49" charset="0"/>
                         </a:rPr>
                         <a:t>L</a:t>
                       </a:r>
                     </a:p>
                     <a:p>
-                      <a:pPr algn="ctr"/>
+                      <a:pPr marL="0" algn="ctr" defTabSz="4388419" rtl="0" eaLnBrk="1" latinLnBrk="0" hangingPunct="1"/>
                       <a:r>
-                        <a:rPr lang="en-US" sz="2800" dirty="0">
+                        <a:rPr lang="en-US" sz="2000" kern="1200" dirty="0">
+                          <a:solidFill>
+                            <a:schemeClr val="dk1"/>
+                          </a:solidFill>
                           <a:latin typeface="Courier New" panose="02070309020205020404" pitchFamily="49" charset="0"/>
+                          <a:ea typeface="+mn-ea"/>
                           <a:cs typeface="Courier New" panose="02070309020205020404" pitchFamily="49" charset="0"/>
                         </a:rPr>
                         <a:t>9</a:t>
@@ -8957,20 +8981,28 @@
                     <a:bodyPr/>
                     <a:lstStyle/>
                     <a:p>
-                      <a:pPr algn="ctr"/>
+                      <a:pPr marL="0" algn="ctr" defTabSz="4388419" rtl="0" eaLnBrk="1" latinLnBrk="0" hangingPunct="1"/>
                       <a:r>
-                        <a:rPr lang="en-US" sz="2800" dirty="0">
+                        <a:rPr lang="en-US" sz="2000" kern="1200" dirty="0">
+                          <a:solidFill>
+                            <a:schemeClr val="dk1"/>
+                          </a:solidFill>
                           <a:latin typeface="Courier New" panose="02070309020205020404" pitchFamily="49" charset="0"/>
+                          <a:ea typeface="+mn-ea"/>
                           <a:cs typeface="Courier New" panose="02070309020205020404" pitchFamily="49" charset="0"/>
                         </a:rPr>
                         <a:t>L</a:t>
                       </a:r>
                     </a:p>
                     <a:p>
-                      <a:pPr algn="ctr"/>
+                      <a:pPr marL="0" algn="ctr" defTabSz="4388419" rtl="0" eaLnBrk="1" latinLnBrk="0" hangingPunct="1"/>
                       <a:r>
-                        <a:rPr lang="en-US" sz="2800" dirty="0">
+                        <a:rPr lang="en-US" sz="2000" kern="1200" dirty="0">
+                          <a:solidFill>
+                            <a:schemeClr val="dk1"/>
+                          </a:solidFill>
                           <a:latin typeface="Courier New" panose="02070309020205020404" pitchFamily="49" charset="0"/>
+                          <a:ea typeface="+mn-ea"/>
                           <a:cs typeface="Courier New" panose="02070309020205020404" pitchFamily="49" charset="0"/>
                         </a:rPr>
                         <a:t>8</a:t>
@@ -9045,8 +9077,8 @@
         </p:nvSpPr>
         <p:spPr>
           <a:xfrm>
-            <a:off x="15760124" y="5210499"/>
-            <a:ext cx="20053875" cy="1569660"/>
+            <a:off x="13761055" y="3975721"/>
+            <a:ext cx="22194167" cy="1815882"/>
           </a:xfrm>
           <a:prstGeom prst="rect">
             <a:avLst/>
@@ -9060,61 +9092,43 @@
           <a:lstStyle/>
           <a:p>
             <a:r>
-              <a:rPr lang="en-US" sz="2400" b="1" dirty="0">
+              <a:rPr lang="en-US" sz="2800" b="1" dirty="0">
                 <a:latin typeface="Courier New" panose="02070309020205020404" pitchFamily="49" charset="0"/>
                 <a:cs typeface="Courier New" panose="02070309020205020404" pitchFamily="49" charset="0"/>
               </a:rPr>
-              <a:t>Capability Container:</a:t>
-            </a:r>
-            <a:r>
-              <a:rPr lang="en-US" sz="2400" dirty="0">
+              <a:t>[CAPABILITY CONTAINER] - One Time Programmable Bits</a:t>
+            </a:r>
+          </a:p>
+          <a:p>
+            <a:r>
+              <a:rPr lang="en-US" sz="2800" b="1" dirty="0">
                 <a:latin typeface="Courier New" panose="02070309020205020404" pitchFamily="49" charset="0"/>
                 <a:cs typeface="Courier New" panose="02070309020205020404" pitchFamily="49" charset="0"/>
               </a:rPr>
-              <a:t> One Time Programmable Bits</a:t>
-            </a:r>
-          </a:p>
-          <a:p>
-            <a:r>
-              <a:rPr lang="en-US" sz="2400" b="1" dirty="0">
+              <a:t>     [MEMORY LOCATION] - PAGE 03h</a:t>
+            </a:r>
+          </a:p>
+          <a:p>
+            <a:r>
+              <a:rPr lang="en-US" sz="2800" b="1" dirty="0">
                 <a:latin typeface="Courier New" panose="02070309020205020404" pitchFamily="49" charset="0"/>
                 <a:cs typeface="Courier New" panose="02070309020205020404" pitchFamily="49" charset="0"/>
               </a:rPr>
-              <a:t>MEMORY LOCATION:      </a:t>
-            </a:r>
-            <a:r>
-              <a:rPr lang="en-US" sz="2400" dirty="0">
+              <a:t>             [DETAILS] - Writability defined by Static Lock Bytes. Stores control data for managing </a:t>
+            </a:r>
+            <a:br>
+              <a:rPr lang="en-US" sz="2800" b="1" dirty="0">
                 <a:latin typeface="Courier New" panose="02070309020205020404" pitchFamily="49" charset="0"/>
                 <a:cs typeface="Courier New" panose="02070309020205020404" pitchFamily="49" charset="0"/>
               </a:rPr>
-              <a:t>PAGE 03h</a:t>
-            </a:r>
-          </a:p>
-          <a:p>
-            <a:r>
-              <a:rPr lang="en-US" sz="2400" b="1" dirty="0">
+            </a:br>
+            <a:r>
+              <a:rPr lang="en-US" sz="2800" b="1" dirty="0">
                 <a:latin typeface="Courier New" panose="02070309020205020404" pitchFamily="49" charset="0"/>
                 <a:cs typeface="Courier New" panose="02070309020205020404" pitchFamily="49" charset="0"/>
               </a:rPr>
-              <a:t>DETAILS:              Writability set according to Static Lock Bytes. Stores control data for managing </a:t>
-            </a:r>
-            <a:br>
-              <a:rPr lang="en-US" sz="2400" b="1" dirty="0">
-                <a:latin typeface="Courier New" panose="02070309020205020404" pitchFamily="49" charset="0"/>
-                <a:cs typeface="Courier New" panose="02070309020205020404" pitchFamily="49" charset="0"/>
-              </a:rPr>
-            </a:br>
-            <a:r>
-              <a:rPr lang="en-US" sz="2400" b="1" dirty="0">
-                <a:latin typeface="Courier New" panose="02070309020205020404" pitchFamily="49" charset="0"/>
-                <a:cs typeface="Courier New" panose="02070309020205020404" pitchFamily="49" charset="0"/>
-              </a:rPr>
-              <a:t>                      NFC Forum defined data inside the tag. </a:t>
-            </a:r>
-            <a:endParaRPr lang="en-US" sz="2400" dirty="0">
-              <a:latin typeface="Courier New" panose="02070309020205020404" pitchFamily="49" charset="0"/>
-              <a:cs typeface="Courier New" panose="02070309020205020404" pitchFamily="49" charset="0"/>
-            </a:endParaRPr>
+              <a:t>                         NFC Forum defined data inside the tag. </a:t>
+            </a:r>
           </a:p>
         </p:txBody>
       </p:sp>
@@ -9127,14 +9141,14 @@
           <p:nvPr>
             <p:extLst>
               <p:ext uri="{D42A27DB-BD31-4B8C-83A1-F6EECF244321}">
-                <p14:modId xmlns:p14="http://schemas.microsoft.com/office/powerpoint/2010/main" val="3280008455"/>
+                <p14:modId xmlns:p14="http://schemas.microsoft.com/office/powerpoint/2010/main" val="995301459"/>
               </p:ext>
             </p:extLst>
           </p:nvPr>
         </p:nvGraphicFramePr>
         <p:xfrm>
-          <a:off x="17297400" y="6848799"/>
-          <a:ext cx="18129199" cy="914400"/>
+          <a:off x="19122046" y="5881716"/>
+          <a:ext cx="16833176" cy="900084"/>
         </p:xfrm>
         <a:graphic>
           <a:graphicData uri="http://schemas.openxmlformats.org/drawingml/2006/table">
@@ -9144,28 +9158,28 @@
                 <a:tableStyleId>{5C22544A-7EE6-4342-B048-85BDC9FD1C3A}</a:tableStyleId>
               </a:tblPr>
               <a:tblGrid>
-                <a:gridCol w="3733732">
+                <a:gridCol w="3466814">
                   <a:extLst>
                     <a:ext uri="{9D8B030D-6E8A-4147-A177-3AD203B41FA5}">
                       <a16:colId xmlns:a16="http://schemas.microsoft.com/office/drawing/2014/main" val="3022783514"/>
                     </a:ext>
                   </a:extLst>
                 </a:gridCol>
-                <a:gridCol w="4798489">
+                <a:gridCol w="4455454">
                   <a:extLst>
                     <a:ext uri="{9D8B030D-6E8A-4147-A177-3AD203B41FA5}">
                       <a16:colId xmlns:a16="http://schemas.microsoft.com/office/drawing/2014/main" val="757080785"/>
                     </a:ext>
                   </a:extLst>
                 </a:gridCol>
-                <a:gridCol w="4798489">
+                <a:gridCol w="4455454">
                   <a:extLst>
                     <a:ext uri="{9D8B030D-6E8A-4147-A177-3AD203B41FA5}">
                       <a16:colId xmlns:a16="http://schemas.microsoft.com/office/drawing/2014/main" val="2276908230"/>
                     </a:ext>
                   </a:extLst>
                 </a:gridCol>
-                <a:gridCol w="4798489">
+                <a:gridCol w="4455454">
                   <a:extLst>
                     <a:ext uri="{9D8B030D-6E8A-4147-A177-3AD203B41FA5}">
                       <a16:colId xmlns:a16="http://schemas.microsoft.com/office/drawing/2014/main" val="645744466"/>
@@ -9173,7 +9187,7 @@
                   </a:extLst>
                 </a:gridCol>
               </a:tblGrid>
-              <a:tr h="442884">
+              <a:tr h="457200">
                 <a:tc>
                   <a:txBody>
                     <a:bodyPr/>
@@ -9181,7 +9195,7 @@
                     <a:p>
                       <a:pPr algn="ctr"/>
                       <a:r>
-                        <a:rPr lang="en-US" sz="2400" dirty="0">
+                        <a:rPr lang="en-US" sz="2000" dirty="0">
                           <a:solidFill>
                             <a:schemeClr val="bg1"/>
                           </a:solidFill>
@@ -9249,7 +9263,7 @@
                     <a:p>
                       <a:pPr algn="ctr"/>
                       <a:r>
-                        <a:rPr lang="en-US" sz="2400" dirty="0">
+                        <a:rPr lang="en-US" sz="2000" dirty="0">
                           <a:solidFill>
                             <a:schemeClr val="bg1"/>
                           </a:solidFill>
@@ -9317,7 +9331,7 @@
                     <a:p>
                       <a:pPr algn="ctr"/>
                       <a:r>
-                        <a:rPr lang="en-US" sz="2400" dirty="0">
+                        <a:rPr lang="en-US" sz="2000" dirty="0">
                           <a:solidFill>
                             <a:schemeClr val="bg1"/>
                           </a:solidFill>
@@ -9385,7 +9399,7 @@
                     <a:p>
                       <a:pPr algn="ctr"/>
                       <a:r>
-                        <a:rPr lang="en-US" sz="2400" dirty="0">
+                        <a:rPr lang="en-US" sz="2000" dirty="0">
                           <a:solidFill>
                             <a:schemeClr val="bg1"/>
                           </a:solidFill>
@@ -9460,7 +9474,7 @@
                     <a:p>
                       <a:pPr algn="ctr"/>
                       <a:r>
-                        <a:rPr lang="en-US" sz="2400" dirty="0">
+                        <a:rPr lang="en-US" sz="2000" dirty="0">
                           <a:latin typeface="Courier New" panose="02070309020205020404" pitchFamily="49" charset="0"/>
                           <a:cs typeface="Courier New" panose="02070309020205020404" pitchFamily="49" charset="0"/>
                         </a:rPr>
@@ -9525,7 +9539,7 @@
                     <a:p>
                       <a:pPr algn="ctr"/>
                       <a:r>
-                        <a:rPr lang="en-US" sz="2400" dirty="0">
+                        <a:rPr lang="en-US" sz="2000" dirty="0">
                           <a:latin typeface="Courier New" panose="02070309020205020404" pitchFamily="49" charset="0"/>
                           <a:cs typeface="Courier New" panose="02070309020205020404" pitchFamily="49" charset="0"/>
                         </a:rPr>
@@ -9590,7 +9604,7 @@
                     <a:p>
                       <a:pPr algn="ctr"/>
                       <a:r>
-                        <a:rPr lang="en-US" sz="2400" dirty="0">
+                        <a:rPr lang="en-US" sz="2000" dirty="0">
                           <a:latin typeface="Courier New" panose="02070309020205020404" pitchFamily="49" charset="0"/>
                           <a:cs typeface="Courier New" panose="02070309020205020404" pitchFamily="49" charset="0"/>
                         </a:rPr>
@@ -9655,7 +9669,7 @@
                     <a:p>
                       <a:pPr algn="ctr"/>
                       <a:r>
-                        <a:rPr lang="en-US" sz="2400" dirty="0">
+                        <a:rPr lang="en-US" sz="2000" dirty="0">
                           <a:latin typeface="Courier New" panose="02070309020205020404" pitchFamily="49" charset="0"/>
                           <a:cs typeface="Courier New" panose="02070309020205020404" pitchFamily="49" charset="0"/>
                         </a:rPr>
@@ -9723,76 +9737,138 @@
           </a:graphicData>
         </a:graphic>
       </p:graphicFrame>
-    </p:spTree>
-    <p:extLst>
-      <p:ext uri="{BB962C8B-B14F-4D97-AF65-F5344CB8AC3E}">
-        <p14:creationId xmlns:p14="http://schemas.microsoft.com/office/powerpoint/2010/main" val="1647237238"/>
-      </p:ext>
-    </p:extLst>
-  </p:cSld>
-  <p:clrMapOvr>
-    <a:masterClrMapping/>
-  </p:clrMapOvr>
-</p:sld>
-</file>
-
-<file path=ppt/slides/slide2.xml><?xml version="1.0" encoding="utf-8"?>
-<p:sld xmlns:a="http://schemas.openxmlformats.org/drawingml/2006/main" xmlns:r="http://schemas.openxmlformats.org/officeDocument/2006/relationships" xmlns:p="http://schemas.openxmlformats.org/presentationml/2006/main">
-  <p:cSld>
-    <p:bg>
-      <p:bgPr>
-        <a:gradFill>
-          <a:gsLst>
-            <a:gs pos="0">
-              <a:srgbClr val="00B050"/>
-            </a:gs>
-            <a:gs pos="25000">
-              <a:srgbClr val="92D050"/>
-            </a:gs>
-            <a:gs pos="75000">
-              <a:schemeClr val="accent5">
-                <a:lumMod val="60000"/>
-                <a:lumOff val="40000"/>
-              </a:schemeClr>
-            </a:gs>
-            <a:gs pos="50000">
-              <a:schemeClr val="bg1">
-                <a:lumMod val="95000"/>
-              </a:schemeClr>
-            </a:gs>
-            <a:gs pos="100000">
-              <a:srgbClr val="00B0F0"/>
-            </a:gs>
-          </a:gsLst>
-          <a:lin ang="0" scaled="1"/>
-        </a:gradFill>
-        <a:effectLst/>
-      </p:bgPr>
-    </p:bg>
-    <p:spTree>
-      <p:nvGrpSpPr>
-        <p:cNvPr id="1" name=""/>
-        <p:cNvGrpSpPr/>
-        <p:nvPr/>
-      </p:nvGrpSpPr>
-      <p:grpSpPr>
-        <a:xfrm>
-          <a:off x="0" y="0"/>
-          <a:ext cx="0" cy="0"/>
-          <a:chOff x="0" y="0"/>
-          <a:chExt cx="0" cy="0"/>
-        </a:xfrm>
-      </p:grpSpPr>
+      <p:sp>
+        <p:nvSpPr>
+          <p:cNvPr id="5" name="Rectangle: Rounded Corners 4"/>
+          <p:cNvSpPr/>
+          <p:nvPr/>
+        </p:nvSpPr>
+        <p:spPr>
+          <a:xfrm>
+            <a:off x="12051309" y="23679049"/>
+            <a:ext cx="24451556" cy="6397537"/>
+          </a:xfrm>
+          <a:prstGeom prst="roundRect">
+            <a:avLst/>
+          </a:prstGeom>
+          <a:gradFill flip="none" rotWithShape="1">
+            <a:gsLst>
+              <a:gs pos="5000">
+                <a:srgbClr val="FFC000"/>
+              </a:gs>
+              <a:gs pos="100000">
+                <a:schemeClr val="bg2">
+                  <a:lumMod val="100000"/>
+                  <a:alpha val="0"/>
+                </a:schemeClr>
+              </a:gs>
+            </a:gsLst>
+            <a:lin ang="5400000" scaled="1"/>
+            <a:tileRect/>
+          </a:gradFill>
+          <a:ln>
+            <a:noFill/>
+          </a:ln>
+          <a:effectLst/>
+        </p:spPr>
+        <p:style>
+          <a:lnRef idx="2">
+            <a:schemeClr val="accent1">
+              <a:shade val="50000"/>
+            </a:schemeClr>
+          </a:lnRef>
+          <a:fillRef idx="1">
+            <a:schemeClr val="accent1"/>
+          </a:fillRef>
+          <a:effectRef idx="0">
+            <a:schemeClr val="accent1"/>
+          </a:effectRef>
+          <a:fontRef idx="minor">
+            <a:schemeClr val="lt1"/>
+          </a:fontRef>
+        </p:style>
+        <p:txBody>
+          <a:bodyPr rtlCol="0" anchor="ctr"/>
+          <a:lstStyle/>
+          <a:p>
+            <a:pPr algn="ctr"/>
+            <a:endParaRPr lang="en-US"/>
+          </a:p>
+        </p:txBody>
+      </p:sp>
+      <p:sp>
+        <p:nvSpPr>
+          <p:cNvPr id="72" name="TextBox 71"/>
+          <p:cNvSpPr txBox="1"/>
+          <p:nvPr/>
+        </p:nvSpPr>
+        <p:spPr>
+          <a:xfrm>
+            <a:off x="25387812" y="7467600"/>
+            <a:ext cx="11115052" cy="1815882"/>
+          </a:xfrm>
+          <a:prstGeom prst="rect">
+            <a:avLst/>
+          </a:prstGeom>
+          <a:noFill/>
+        </p:spPr>
+        <p:txBody>
+          <a:bodyPr wrap="square" rtlCol="0">
+            <a:spAutoFit/>
+          </a:bodyPr>
+          <a:lstStyle/>
+          <a:p>
+            <a:r>
+              <a:rPr lang="en-US" sz="2800" b="1" dirty="0">
+                <a:latin typeface="Courier New" panose="02070309020205020404" pitchFamily="49" charset="0"/>
+                <a:cs typeface="Courier New" panose="02070309020205020404" pitchFamily="49" charset="0"/>
+              </a:rPr>
+              <a:t>[DYNAMIC LOCK BYTES] - Position Based Locking</a:t>
+            </a:r>
+          </a:p>
+          <a:p>
+            <a:r>
+              <a:rPr lang="en-US" sz="2800" b="1" dirty="0">
+                <a:latin typeface="Courier New" panose="02070309020205020404" pitchFamily="49" charset="0"/>
+                <a:cs typeface="Courier New" panose="02070309020205020404" pitchFamily="49" charset="0"/>
+              </a:rPr>
+              <a:t>   [MEMORY LOCATION] - DYNAMIC</a:t>
+            </a:r>
+          </a:p>
+          <a:p>
+            <a:r>
+              <a:rPr lang="en-US" sz="2800" b="1" dirty="0">
+                <a:latin typeface="Courier New" panose="02070309020205020404" pitchFamily="49" charset="0"/>
+                <a:cs typeface="Courier New" panose="02070309020205020404" pitchFamily="49" charset="0"/>
+              </a:rPr>
+              <a:t>           [DETAILS] - Used to lock discrete memory</a:t>
+            </a:r>
+            <a:br>
+              <a:rPr lang="en-US" sz="2800" b="1" dirty="0">
+                <a:latin typeface="Courier New" panose="02070309020205020404" pitchFamily="49" charset="0"/>
+                <a:cs typeface="Courier New" panose="02070309020205020404" pitchFamily="49" charset="0"/>
+              </a:rPr>
+            </a:br>
+            <a:r>
+              <a:rPr lang="en-US" sz="2800" b="1" dirty="0">
+                <a:latin typeface="Courier New" panose="02070309020205020404" pitchFamily="49" charset="0"/>
+                <a:cs typeface="Courier New" panose="02070309020205020404" pitchFamily="49" charset="0"/>
+              </a:rPr>
+              <a:t>                       blocks after PAGE 15h.</a:t>
+            </a:r>
+          </a:p>
+        </p:txBody>
+      </p:sp>
       <p:pic>
         <p:nvPicPr>
-          <p:cNvPr id="36" name="Picture 35"/>
+          <p:cNvPr id="11" name="Picture 10"/>
           <p:cNvPicPr>
             <a:picLocks noChangeAspect="1"/>
           </p:cNvPicPr>
           <p:nvPr/>
         </p:nvPicPr>
         <p:blipFill>
-          <a:blip r:embed="rId3">
+          <a:blip r:embed="rId10" cstate="print">
             <a:extLst>
               <a:ext uri="{28A0092B-C50C-407E-A947-70E740481C1C}">
                 <a14:useLocalDpi xmlns:a14="http://schemas.microsoft.com/office/drawing/2010/main" val="0"/>
@@ -9805,45 +9881,24 @@
         </p:blipFill>
         <p:spPr>
           <a:xfrm>
-            <a:off x="29794200" y="12885763"/>
-            <a:ext cx="5127475" cy="5334000"/>
+            <a:off x="35485110" y="31544576"/>
+            <a:ext cx="2759344" cy="1111210"/>
           </a:xfrm>
           <a:prstGeom prst="rect">
             <a:avLst/>
           </a:prstGeom>
-          <a:ln>
-            <a:noFill/>
-          </a:ln>
-          <a:effectLst>
-            <a:outerShdw blurRad="190500" dist="228600" dir="2700000" algn="ctr">
-              <a:srgbClr val="000000">
-                <a:alpha val="30000"/>
-              </a:srgbClr>
-            </a:outerShdw>
-          </a:effectLst>
-          <a:scene3d>
-            <a:camera prst="orthographicFront">
-              <a:rot lat="0" lon="0" rev="0"/>
-            </a:camera>
-            <a:lightRig rig="glow" dir="t">
-              <a:rot lat="0" lon="0" rev="4800000"/>
-            </a:lightRig>
-          </a:scene3d>
-          <a:sp3d prstMaterial="matte">
-            <a:bevelT w="127000" h="63500"/>
-          </a:sp3d>
         </p:spPr>
       </p:pic>
       <p:pic>
         <p:nvPicPr>
-          <p:cNvPr id="40" name="Picture 39"/>
+          <p:cNvPr id="13" name="Picture 12"/>
           <p:cNvPicPr>
             <a:picLocks noChangeAspect="1"/>
           </p:cNvPicPr>
           <p:nvPr/>
         </p:nvPicPr>
         <p:blipFill>
-          <a:blip r:embed="rId4">
+          <a:blip r:embed="rId11" cstate="print">
             <a:extLst>
               <a:ext uri="{28A0092B-C50C-407E-A947-70E740481C1C}">
                 <a14:useLocalDpi xmlns:a14="http://schemas.microsoft.com/office/drawing/2010/main" val="0"/>
@@ -9856,38 +9911,167 @@
         </p:blipFill>
         <p:spPr>
           <a:xfrm>
-            <a:off x="8602195" y="179691"/>
-            <a:ext cx="5952005" cy="32702614"/>
+            <a:off x="42262640" y="31506066"/>
+            <a:ext cx="1234268" cy="1149720"/>
           </a:xfrm>
           <a:prstGeom prst="rect">
             <a:avLst/>
           </a:prstGeom>
-          <a:ln>
-            <a:noFill/>
-          </a:ln>
-          <a:effectLst>
-            <a:outerShdw blurRad="190500" dist="228600" dir="2700000" algn="ctr">
-              <a:srgbClr val="000000">
-                <a:alpha val="30000"/>
-              </a:srgbClr>
-            </a:outerShdw>
-          </a:effectLst>
-          <a:scene3d>
-            <a:camera prst="orthographicFront">
-              <a:rot lat="0" lon="0" rev="0"/>
-            </a:camera>
-            <a:lightRig rig="glow" dir="t">
-              <a:rot lat="0" lon="0" rev="4800000"/>
-            </a:lightRig>
-          </a:scene3d>
-          <a:sp3d prstMaterial="matte">
-            <a:bevelT w="127000" h="63500"/>
-          </a:sp3d>
         </p:spPr>
       </p:pic>
       <p:pic>
         <p:nvPicPr>
-          <p:cNvPr id="6" name="Picture 5"/>
+          <p:cNvPr id="16" name="Picture 15"/>
+          <p:cNvPicPr>
+            <a:picLocks noChangeAspect="1"/>
+          </p:cNvPicPr>
+          <p:nvPr/>
+        </p:nvPicPr>
+        <p:blipFill>
+          <a:blip r:embed="rId12">
+            <a:extLst>
+              <a:ext uri="{28A0092B-C50C-407E-A947-70E740481C1C}">
+                <a14:useLocalDpi xmlns:a14="http://schemas.microsoft.com/office/drawing/2010/main" val="0"/>
+              </a:ext>
+            </a:extLst>
+          </a:blip>
+          <a:stretch>
+            <a:fillRect/>
+          </a:stretch>
+        </p:blipFill>
+        <p:spPr>
+          <a:xfrm>
+            <a:off x="21097096" y="27179220"/>
+            <a:ext cx="5572903" cy="2314898"/>
+          </a:xfrm>
+          <a:prstGeom prst="rect">
+            <a:avLst/>
+          </a:prstGeom>
+        </p:spPr>
+      </p:pic>
+      <p:pic>
+        <p:nvPicPr>
+          <p:cNvPr id="18" name="Picture 17"/>
+          <p:cNvPicPr>
+            <a:picLocks noChangeAspect="1"/>
+          </p:cNvPicPr>
+          <p:nvPr/>
+        </p:nvPicPr>
+        <p:blipFill>
+          <a:blip r:embed="rId13">
+            <a:extLst>
+              <a:ext uri="{28A0092B-C50C-407E-A947-70E740481C1C}">
+                <a14:useLocalDpi xmlns:a14="http://schemas.microsoft.com/office/drawing/2010/main" val="0"/>
+              </a:ext>
+            </a:extLst>
+          </a:blip>
+          <a:stretch>
+            <a:fillRect/>
+          </a:stretch>
+        </p:blipFill>
+        <p:spPr>
+          <a:xfrm>
+            <a:off x="21097097" y="24267602"/>
+            <a:ext cx="5572903" cy="2667372"/>
+          </a:xfrm>
+          <a:prstGeom prst="rect">
+            <a:avLst/>
+          </a:prstGeom>
+        </p:spPr>
+      </p:pic>
+      <p:pic>
+        <p:nvPicPr>
+          <p:cNvPr id="23" name="Picture 22"/>
+          <p:cNvPicPr>
+            <a:picLocks noChangeAspect="1"/>
+          </p:cNvPicPr>
+          <p:nvPr/>
+        </p:nvPicPr>
+        <p:blipFill>
+          <a:blip r:embed="rId14">
+            <a:extLst>
+              <a:ext uri="{28A0092B-C50C-407E-A947-70E740481C1C}">
+                <a14:useLocalDpi xmlns:a14="http://schemas.microsoft.com/office/drawing/2010/main" val="0"/>
+              </a:ext>
+            </a:extLst>
+          </a:blip>
+          <a:stretch>
+            <a:fillRect/>
+          </a:stretch>
+        </p:blipFill>
+        <p:spPr>
+          <a:xfrm>
+            <a:off x="12991020" y="24267602"/>
+            <a:ext cx="7735380" cy="5220429"/>
+          </a:xfrm>
+          <a:prstGeom prst="rect">
+            <a:avLst/>
+          </a:prstGeom>
+        </p:spPr>
+      </p:pic>
+      <p:pic>
+        <p:nvPicPr>
+          <p:cNvPr id="27" name="Picture 26"/>
+          <p:cNvPicPr>
+            <a:picLocks noChangeAspect="1"/>
+          </p:cNvPicPr>
+          <p:nvPr/>
+        </p:nvPicPr>
+        <p:blipFill>
+          <a:blip r:embed="rId15">
+            <a:extLst>
+              <a:ext uri="{28A0092B-C50C-407E-A947-70E740481C1C}">
+                <a14:useLocalDpi xmlns:a14="http://schemas.microsoft.com/office/drawing/2010/main" val="0"/>
+              </a:ext>
+            </a:extLst>
+          </a:blip>
+          <a:stretch>
+            <a:fillRect/>
+          </a:stretch>
+        </p:blipFill>
+        <p:spPr>
+          <a:xfrm>
+            <a:off x="26926700" y="26365200"/>
+            <a:ext cx="3400900" cy="1333686"/>
+          </a:xfrm>
+          <a:prstGeom prst="rect">
+            <a:avLst/>
+          </a:prstGeom>
+        </p:spPr>
+      </p:pic>
+      <p:pic>
+        <p:nvPicPr>
+          <p:cNvPr id="85" name="Picture 84"/>
+          <p:cNvPicPr>
+            <a:picLocks noChangeAspect="1"/>
+          </p:cNvPicPr>
+          <p:nvPr/>
+        </p:nvPicPr>
+        <p:blipFill>
+          <a:blip r:embed="rId16" cstate="print">
+            <a:extLst>
+              <a:ext uri="{28A0092B-C50C-407E-A947-70E740481C1C}">
+                <a14:useLocalDpi xmlns:a14="http://schemas.microsoft.com/office/drawing/2010/main" val="0"/>
+              </a:ext>
+            </a:extLst>
+          </a:blip>
+          <a:stretch>
+            <a:fillRect/>
+          </a:stretch>
+        </p:blipFill>
+        <p:spPr>
+          <a:xfrm>
+            <a:off x="41028372" y="31506066"/>
+            <a:ext cx="1234268" cy="1234268"/>
+          </a:xfrm>
+          <a:prstGeom prst="rect">
+            <a:avLst/>
+          </a:prstGeom>
+        </p:spPr>
+      </p:pic>
+      <p:pic>
+        <p:nvPicPr>
+          <p:cNvPr id="98" name="Picture 97"/>
           <p:cNvPicPr>
             <a:picLocks noChangeAspect="1"/>
           </p:cNvPicPr>
@@ -9907,24 +10091,171 @@
         </p:blipFill>
         <p:spPr>
           <a:xfrm>
-            <a:off x="30133504" y="22804130"/>
-            <a:ext cx="13426001" cy="4791381"/>
+            <a:off x="31300402" y="24993600"/>
+            <a:ext cx="3342103" cy="3528016"/>
           </a:xfrm>
-          <a:prstGeom prst="rect">
+          <a:prstGeom prst="ellipse">
             <a:avLst/>
           </a:prstGeom>
+          <a:ln w="63500" cap="rnd">
+            <a:solidFill>
+              <a:srgbClr val="333333"/>
+            </a:solidFill>
+          </a:ln>
+          <a:effectLst/>
+          <a:scene3d>
+            <a:camera prst="orthographicFront"/>
+            <a:lightRig rig="contrasting" dir="t">
+              <a:rot lat="0" lon="0" rev="3000000"/>
+            </a:lightRig>
+          </a:scene3d>
+          <a:sp3d contourW="7620">
+            <a:bevelT w="95250" h="31750"/>
+            <a:contourClr>
+              <a:srgbClr val="333333"/>
+            </a:contourClr>
+          </a:sp3d>
         </p:spPr>
       </p:pic>
       <p:pic>
         <p:nvPicPr>
-          <p:cNvPr id="7" name="Picture 6"/>
+          <p:cNvPr id="104" name="Picture 103"/>
           <p:cNvPicPr>
             <a:picLocks noChangeAspect="1"/>
           </p:cNvPicPr>
           <p:nvPr/>
         </p:nvPicPr>
         <p:blipFill>
-          <a:blip r:embed="rId6">
+          <a:blip r:embed="rId17">
+            <a:extLst>
+              <a:ext uri="{BEBA8EAE-BF5A-486C-A8C5-ECC9F3942E4B}">
+                <a14:imgProps xmlns:a14="http://schemas.microsoft.com/office/drawing/2010/main">
+                  <a14:imgLayer r:embed="rId18">
+                    <a14:imgEffect>
+                      <a14:brightnessContrast bright="5000"/>
+                    </a14:imgEffect>
+                  </a14:imgLayer>
+                </a14:imgProps>
+              </a:ext>
+              <a:ext uri="{28A0092B-C50C-407E-A947-70E740481C1C}">
+                <a14:useLocalDpi xmlns:a14="http://schemas.microsoft.com/office/drawing/2010/main" val="0"/>
+              </a:ext>
+            </a:extLst>
+          </a:blip>
+          <a:stretch>
+            <a:fillRect/>
+          </a:stretch>
+        </p:blipFill>
+        <p:spPr>
+          <a:xfrm>
+            <a:off x="32254962" y="26151421"/>
+            <a:ext cx="1432979" cy="1432979"/>
+          </a:xfrm>
+          <a:prstGeom prst="rect">
+            <a:avLst/>
+          </a:prstGeom>
+          <a:noFill/>
+          <a:effectLst>
+            <a:outerShdw blurRad="127000" dir="2700000" sx="108000" sy="108000" algn="tl" rotWithShape="0">
+              <a:prstClr val="black">
+                <a:alpha val="40000"/>
+              </a:prstClr>
+            </a:outerShdw>
+          </a:effectLst>
+        </p:spPr>
+      </p:pic>
+      <p:sp>
+        <p:nvSpPr>
+          <p:cNvPr id="93" name="TextBox 92"/>
+          <p:cNvSpPr txBox="1"/>
+          <p:nvPr/>
+        </p:nvSpPr>
+        <p:spPr>
+          <a:xfrm>
+            <a:off x="30586105" y="27508200"/>
+            <a:ext cx="4770695" cy="1569660"/>
+          </a:xfrm>
+          <a:prstGeom prst="rect">
+            <a:avLst/>
+          </a:prstGeom>
+          <a:noFill/>
+          <a:ln>
+            <a:noFill/>
+          </a:ln>
+          <a:effectLst>
+            <a:glow rad="127000">
+              <a:schemeClr val="accent1"/>
+            </a:glow>
+            <a:outerShdw blurRad="190500" dist="228600" dir="2700000" algn="ctr">
+              <a:srgbClr val="000000">
+                <a:alpha val="30000"/>
+              </a:srgbClr>
+            </a:outerShdw>
+          </a:effectLst>
+          <a:scene3d>
+            <a:camera prst="orthographicFront">
+              <a:rot lat="0" lon="0" rev="0"/>
+            </a:camera>
+            <a:lightRig rig="glow" dir="t">
+              <a:rot lat="0" lon="0" rev="4800000"/>
+            </a:lightRig>
+          </a:scene3d>
+          <a:sp3d prstMaterial="matte">
+            <a:bevelT w="127000" h="63500"/>
+          </a:sp3d>
+        </p:spPr>
+        <p:txBody>
+          <a:bodyPr wrap="square" rtlCol="0">
+            <a:spAutoFit/>
+            <a:scene3d>
+              <a:camera prst="orthographicFront"/>
+              <a:lightRig rig="harsh" dir="t"/>
+            </a:scene3d>
+            <a:sp3d extrusionH="57150" prstMaterial="matte">
+              <a:bevelT w="63500" h="12700" prst="angle"/>
+              <a:contourClr>
+                <a:schemeClr val="bg1">
+                  <a:lumMod val="65000"/>
+                </a:schemeClr>
+              </a:contourClr>
+            </a:sp3d>
+          </a:bodyPr>
+          <a:lstStyle/>
+          <a:p>
+            <a:pPr algn="r"/>
+            <a:r>
+              <a:rPr lang="en-US" sz="9600" b="1" dirty="0">
+                <a:ln w="50800" cap="sq">
+                  <a:noFill/>
+                </a:ln>
+                <a:solidFill>
+                  <a:srgbClr val="FFFF00"/>
+                </a:solidFill>
+                <a:effectLst>
+                  <a:outerShdw blurRad="50800" dist="88900" dir="2700000" algn="tl" rotWithShape="0">
+                    <a:prstClr val="black">
+                      <a:alpha val="75000"/>
+                    </a:prstClr>
+                  </a:outerShdw>
+                </a:effectLst>
+                <a:latin typeface="Stencil" panose="040409050D0802020404" pitchFamily="82" charset="0"/>
+                <a:cs typeface="Courier New" panose="02070309020205020404" pitchFamily="49" charset="0"/>
+              </a:rPr>
+              <a:t>LOCKED</a:t>
+            </a:r>
+          </a:p>
+        </p:txBody>
+      </p:sp>
+      <p:pic>
+        <p:nvPicPr>
+          <p:cNvPr id="105" name="Picture 104"/>
+          <p:cNvPicPr>
+            <a:picLocks noChangeAspect="1"/>
+          </p:cNvPicPr>
+          <p:nvPr/>
+        </p:nvPicPr>
+        <p:blipFill>
+          <a:blip r:embed="rId9" cstate="print">
             <a:extLst>
               <a:ext uri="{28A0092B-C50C-407E-A947-70E740481C1C}">
                 <a14:useLocalDpi xmlns:a14="http://schemas.microsoft.com/office/drawing/2010/main" val="0"/>
@@ -9937,770 +10268,438 @@
         </p:blipFill>
         <p:spPr>
           <a:xfrm>
-            <a:off x="30155916" y="27885149"/>
-            <a:ext cx="13430484" cy="4800599"/>
+            <a:off x="33971960" y="14741127"/>
+            <a:ext cx="1546726" cy="1546726"/>
           </a:xfrm>
           <a:prstGeom prst="rect">
             <a:avLst/>
           </a:prstGeom>
         </p:spPr>
       </p:pic>
-      <p:pic>
-        <p:nvPicPr>
-          <p:cNvPr id="3" name="Picture 2"/>
-          <p:cNvPicPr>
-            <a:picLocks noChangeAspect="1"/>
-          </p:cNvPicPr>
+      <p:sp>
+        <p:nvSpPr>
+          <p:cNvPr id="17" name="Rectangle: Rounded Corners 16"/>
+          <p:cNvSpPr/>
           <p:nvPr/>
-        </p:nvPicPr>
-        <p:blipFill>
-          <a:blip r:embed="rId7">
-            <a:extLst>
-              <a:ext uri="{28A0092B-C50C-407E-A947-70E740481C1C}">
-                <a14:useLocalDpi xmlns:a14="http://schemas.microsoft.com/office/drawing/2010/main" val="0"/>
-              </a:ext>
-            </a:extLst>
-          </a:blip>
-          <a:stretch>
-            <a:fillRect/>
-          </a:stretch>
-        </p:blipFill>
+        </p:nvSpPr>
         <p:spPr>
           <a:xfrm>
-            <a:off x="15373117" y="11125200"/>
-            <a:ext cx="13430483" cy="11133163"/>
+            <a:off x="5105400" y="360891"/>
+            <a:ext cx="6415949" cy="6649509"/>
+          </a:xfrm>
+          <a:prstGeom prst="roundRect">
+            <a:avLst/>
+          </a:prstGeom>
+          <a:solidFill>
+            <a:schemeClr val="bg1">
+              <a:alpha val="50000"/>
+            </a:schemeClr>
+          </a:solidFill>
+          <a:ln>
+            <a:noFill/>
+          </a:ln>
+          <a:effectLst>
+            <a:outerShdw blurRad="228600" dist="381000" dir="2700000" algn="tl" rotWithShape="0">
+              <a:prstClr val="black">
+                <a:alpha val="28000"/>
+              </a:prstClr>
+            </a:outerShdw>
+          </a:effectLst>
+        </p:spPr>
+        <p:style>
+          <a:lnRef idx="2">
+            <a:schemeClr val="accent1">
+              <a:shade val="50000"/>
+            </a:schemeClr>
+          </a:lnRef>
+          <a:fillRef idx="1">
+            <a:schemeClr val="accent1"/>
+          </a:fillRef>
+          <a:effectRef idx="0">
+            <a:schemeClr val="accent1"/>
+          </a:effectRef>
+          <a:fontRef idx="minor">
+            <a:schemeClr val="lt1"/>
+          </a:fontRef>
+        </p:style>
+        <p:txBody>
+          <a:bodyPr rot="0" spcFirstLastPara="0" vertOverflow="overflow" horzOverflow="overflow" vert="horz" wrap="square" lIns="91440" tIns="45720" rIns="91440" bIns="45720" numCol="1" spcCol="0" rtlCol="0" fromWordArt="0" anchor="ctr" anchorCtr="0" forceAA="0" compatLnSpc="1">
+            <a:prstTxWarp prst="textNoShape">
+              <a:avLst/>
+            </a:prstTxWarp>
+            <a:noAutofit/>
+          </a:bodyPr>
+          <a:lstStyle/>
+          <a:p>
+            <a:pPr algn="ctr"/>
+            <a:endParaRPr lang="en-US" dirty="0"/>
+          </a:p>
+        </p:txBody>
+      </p:sp>
+      <p:sp>
+        <p:nvSpPr>
+          <p:cNvPr id="84" name="Rectangle: Rounded Corners 83"/>
+          <p:cNvSpPr/>
+          <p:nvPr/>
+        </p:nvSpPr>
+        <p:spPr>
+          <a:xfrm>
+            <a:off x="36957000" y="23620792"/>
+            <a:ext cx="6415949" cy="6725597"/>
+          </a:xfrm>
+          <a:prstGeom prst="roundRect">
+            <a:avLst/>
+          </a:prstGeom>
+          <a:solidFill>
+            <a:schemeClr val="bg1">
+              <a:alpha val="50000"/>
+            </a:schemeClr>
+          </a:solidFill>
+          <a:ln>
+            <a:noFill/>
+          </a:ln>
+          <a:effectLst>
+            <a:outerShdw blurRad="228600" dist="381000" dir="2700000" algn="tl" rotWithShape="0">
+              <a:prstClr val="black">
+                <a:alpha val="28000"/>
+              </a:prstClr>
+            </a:outerShdw>
+          </a:effectLst>
+        </p:spPr>
+        <p:style>
+          <a:lnRef idx="2">
+            <a:schemeClr val="accent1">
+              <a:shade val="50000"/>
+            </a:schemeClr>
+          </a:lnRef>
+          <a:fillRef idx="1">
+            <a:schemeClr val="accent1"/>
+          </a:fillRef>
+          <a:effectRef idx="0">
+            <a:schemeClr val="accent1"/>
+          </a:effectRef>
+          <a:fontRef idx="minor">
+            <a:schemeClr val="lt1"/>
+          </a:fontRef>
+        </p:style>
+        <p:txBody>
+          <a:bodyPr rot="0" spcFirstLastPara="0" vertOverflow="overflow" horzOverflow="overflow" vert="horz" wrap="square" lIns="91440" tIns="45720" rIns="91440" bIns="45720" numCol="1" spcCol="0" rtlCol="0" fromWordArt="0" anchor="ctr" anchorCtr="0" forceAA="0" compatLnSpc="1">
+            <a:prstTxWarp prst="textNoShape">
+              <a:avLst/>
+            </a:prstTxWarp>
+            <a:noAutofit/>
+          </a:bodyPr>
+          <a:lstStyle/>
+          <a:p>
+            <a:pPr algn="ctr"/>
+            <a:endParaRPr lang="en-US"/>
+          </a:p>
+        </p:txBody>
+      </p:sp>
+      <p:sp>
+        <p:nvSpPr>
+          <p:cNvPr id="86" name="Rectangle: Rounded Corners 85"/>
+          <p:cNvSpPr/>
+          <p:nvPr/>
+        </p:nvSpPr>
+        <p:spPr>
+          <a:xfrm>
+            <a:off x="5105400" y="23620792"/>
+            <a:ext cx="6415949" cy="6725597"/>
+          </a:xfrm>
+          <a:prstGeom prst="roundRect">
+            <a:avLst/>
+          </a:prstGeom>
+          <a:solidFill>
+            <a:schemeClr val="bg1">
+              <a:alpha val="50000"/>
+            </a:schemeClr>
+          </a:solidFill>
+          <a:ln>
+            <a:noFill/>
+          </a:ln>
+          <a:effectLst>
+            <a:outerShdw blurRad="228600" dist="381000" dir="2700000" algn="tl" rotWithShape="0">
+              <a:prstClr val="black">
+                <a:alpha val="28000"/>
+              </a:prstClr>
+            </a:outerShdw>
+          </a:effectLst>
+        </p:spPr>
+        <p:style>
+          <a:lnRef idx="2">
+            <a:schemeClr val="accent1">
+              <a:shade val="50000"/>
+            </a:schemeClr>
+          </a:lnRef>
+          <a:fillRef idx="1">
+            <a:schemeClr val="accent1"/>
+          </a:fillRef>
+          <a:effectRef idx="0">
+            <a:schemeClr val="accent1"/>
+          </a:effectRef>
+          <a:fontRef idx="minor">
+            <a:schemeClr val="lt1"/>
+          </a:fontRef>
+        </p:style>
+        <p:txBody>
+          <a:bodyPr rot="0" spcFirstLastPara="0" vertOverflow="overflow" horzOverflow="overflow" vert="horz" wrap="square" lIns="91440" tIns="45720" rIns="91440" bIns="45720" numCol="1" spcCol="0" rtlCol="0" fromWordArt="0" anchor="ctr" anchorCtr="0" forceAA="0" compatLnSpc="1">
+            <a:prstTxWarp prst="textNoShape">
+              <a:avLst/>
+            </a:prstTxWarp>
+            <a:noAutofit/>
+          </a:bodyPr>
+          <a:lstStyle/>
+          <a:p>
+            <a:pPr algn="ctr"/>
+            <a:endParaRPr lang="en-US"/>
+          </a:p>
+        </p:txBody>
+      </p:sp>
+      <p:sp>
+        <p:nvSpPr>
+          <p:cNvPr id="7" name="TextBox 6"/>
+          <p:cNvSpPr txBox="1"/>
+          <p:nvPr/>
+        </p:nvSpPr>
+        <p:spPr>
+          <a:xfrm>
+            <a:off x="5392331" y="558225"/>
+            <a:ext cx="5909788" cy="584775"/>
           </a:xfrm>
           <a:prstGeom prst="rect">
             <a:avLst/>
           </a:prstGeom>
           <a:noFill/>
-          <a:ln>
-            <a:noFill/>
-          </a:ln>
-          <a:effectLst>
-            <a:outerShdw blurRad="190500" dist="228600" dir="2700000" algn="ctr">
-              <a:srgbClr val="000000">
-                <a:alpha val="30000"/>
-              </a:srgbClr>
-            </a:outerShdw>
-          </a:effectLst>
         </p:spPr>
-      </p:pic>
-      <p:sp>
-        <p:nvSpPr>
-          <p:cNvPr id="8" name="Text Box 18"/>
-          <p:cNvSpPr txBox="1">
-            <a:spLocks noChangeArrowheads="1"/>
-          </p:cNvSpPr>
+        <p:txBody>
+          <a:bodyPr wrap="square" rtlCol="0">
+            <a:spAutoFit/>
+          </a:bodyPr>
+          <a:lstStyle/>
+          <a:p>
+            <a:pPr algn="ctr"/>
+            <a:r>
+              <a:rPr lang="en-US" sz="3200" dirty="0">
+                <a:solidFill>
+                  <a:schemeClr val="bg1">
+                    <a:lumMod val="50000"/>
+                  </a:schemeClr>
+                </a:solidFill>
+                <a:latin typeface="Verdana" panose="020B0604030504040204" pitchFamily="34" charset="0"/>
+                <a:ea typeface="Verdana" panose="020B0604030504040204" pitchFamily="34" charset="0"/>
+                <a:cs typeface="Verdana" panose="020B0604030504040204" pitchFamily="34" charset="0"/>
+              </a:rPr>
+              <a:t>Abstract</a:t>
+            </a:r>
+          </a:p>
+        </p:txBody>
+      </p:sp>
+      <p:sp>
+        <p:nvSpPr>
+          <p:cNvPr id="8" name="TextBox 7"/>
+          <p:cNvSpPr txBox="1"/>
           <p:nvPr/>
         </p:nvSpPr>
-        <p:spPr bwMode="auto">
+        <p:spPr>
           <a:xfrm>
-            <a:off x="381000" y="12496800"/>
-            <a:ext cx="7848600" cy="6477000"/>
-          </a:xfrm>
-          <a:prstGeom prst="rect">
-            <a:avLst/>
-          </a:prstGeom>
-          <a:solidFill>
-            <a:schemeClr val="bg1"/>
-          </a:solidFill>
-          <a:ln>
-            <a:noFill/>
-            <a:headEnd/>
-            <a:tailEnd/>
-          </a:ln>
-          <a:effectLst>
-            <a:outerShdw blurRad="149987" dist="250190" dir="8460000" algn="ctr">
-              <a:srgbClr val="000000">
-                <a:alpha val="28000"/>
-              </a:srgbClr>
-            </a:outerShdw>
-          </a:effectLst>
-          <a:scene3d>
-            <a:camera prst="orthographicFront">
-              <a:rot lat="0" lon="0" rev="0"/>
-            </a:camera>
-            <a:lightRig rig="contrasting" dir="t">
-              <a:rot lat="0" lon="0" rev="1500000"/>
-            </a:lightRig>
-          </a:scene3d>
-          <a:sp3d prstMaterial="metal">
-            <a:bevelT w="88900" h="88900"/>
-          </a:sp3d>
-          <a:extLst/>
-        </p:spPr>
-        <p:style>
-          <a:lnRef idx="2">
-            <a:schemeClr val="accent6"/>
-          </a:lnRef>
-          <a:fillRef idx="1">
-            <a:schemeClr val="lt1"/>
-          </a:fillRef>
-          <a:effectRef idx="0">
-            <a:schemeClr val="accent6"/>
-          </a:effectRef>
-          <a:fontRef idx="minor">
-            <a:schemeClr val="dk1"/>
-          </a:fontRef>
-        </p:style>
-        <p:txBody>
-          <a:bodyPr lIns="228600" tIns="228600" rIns="228600" bIns="228600"/>
-          <a:lstStyle/>
-          <a:p>
-            <a:pPr marL="0" marR="0" lvl="0" indent="0" algn="just" defTabSz="457200" eaLnBrk="1" fontAlgn="auto" latinLnBrk="0" hangingPunct="1">
-              <a:lnSpc>
-                <a:spcPct val="100000"/>
-              </a:lnSpc>
-              <a:spcBef>
-                <a:spcPts val="0"/>
-              </a:spcBef>
-              <a:spcAft>
-                <a:spcPts val="0"/>
-              </a:spcAft>
-              <a:buClrTx/>
-              <a:buSzTx/>
-              <a:buFontTx/>
-              <a:buNone/>
-              <a:tabLst/>
-              <a:defRPr/>
-            </a:pPr>
-            <a:r>
-              <a:rPr lang="en-US" sz="3600" kern="0" dirty="0">
-                <a:latin typeface="Century Schoolbook" panose="02040604050505020304"/>
-              </a:rPr>
-              <a:t>Near Field Communication (NFC) was developed to enable contactless transmission of data. This poster focuses on the electromechanical properties of technology that can generate a message using an Android device (smartphone) and illustrating the standardized format of a typical message facilitating the exchange (NDEF).</a:t>
-            </a:r>
-          </a:p>
-          <a:p>
-            <a:pPr lvl="0" algn="just" defTabSz="457200">
-              <a:defRPr/>
-            </a:pPr>
-            <a:endParaRPr lang="en-US" sz="3600" kern="0" dirty="0">
-              <a:latin typeface="Century Schoolbook" panose="02040604050505020304"/>
-            </a:endParaRPr>
-          </a:p>
-          <a:p>
-            <a:pPr marL="0" marR="0" lvl="0" indent="0" algn="just" defTabSz="457200" eaLnBrk="1" fontAlgn="auto" latinLnBrk="0" hangingPunct="1">
-              <a:lnSpc>
-                <a:spcPct val="100000"/>
-              </a:lnSpc>
-              <a:spcBef>
-                <a:spcPts val="0"/>
-              </a:spcBef>
-              <a:spcAft>
-                <a:spcPts val="0"/>
-              </a:spcAft>
-              <a:buClrTx/>
-              <a:buSzTx/>
-              <a:buFontTx/>
-              <a:buNone/>
-              <a:tabLst/>
-              <a:defRPr/>
-            </a:pPr>
-            <a:endParaRPr kumimoji="0" lang="en-US" sz="1800" b="0" i="0" u="none" strike="noStrike" kern="0" cap="none" spc="0" normalizeH="0" baseline="0" noProof="0" dirty="0">
-              <a:ln>
-                <a:noFill/>
-              </a:ln>
-              <a:effectLst/>
-              <a:uLnTx/>
-              <a:uFillTx/>
-              <a:latin typeface="Century Schoolbook" panose="02040604050505020304"/>
-            </a:endParaRPr>
-          </a:p>
-          <a:p>
-            <a:pPr marL="0" marR="0" lvl="0" indent="0" algn="just" defTabSz="457200" eaLnBrk="1" fontAlgn="auto" latinLnBrk="0" hangingPunct="1">
-              <a:lnSpc>
-                <a:spcPct val="100000"/>
-              </a:lnSpc>
-              <a:spcBef>
-                <a:spcPts val="0"/>
-              </a:spcBef>
-              <a:spcAft>
-                <a:spcPts val="0"/>
-              </a:spcAft>
-              <a:buClrTx/>
-              <a:buSzTx/>
-              <a:buFontTx/>
-              <a:buNone/>
-              <a:tabLst/>
-              <a:defRPr/>
-            </a:pPr>
-            <a:endParaRPr kumimoji="0" lang="en-US" sz="1800" b="0" i="0" u="none" strike="noStrike" kern="0" cap="none" spc="0" normalizeH="0" baseline="0" noProof="0" dirty="0">
-              <a:ln>
-                <a:noFill/>
-              </a:ln>
-              <a:effectLst/>
-              <a:uLnTx/>
-              <a:uFillTx/>
-              <a:latin typeface="Century Schoolbook" panose="02040604050505020304"/>
-            </a:endParaRPr>
-          </a:p>
-        </p:txBody>
-      </p:sp>
-      <p:sp>
-        <p:nvSpPr>
-          <p:cNvPr id="9" name="Text Box 27"/>
-          <p:cNvSpPr txBox="1">
-            <a:spLocks noChangeArrowheads="1"/>
-          </p:cNvSpPr>
-          <p:nvPr/>
-        </p:nvSpPr>
-        <p:spPr bwMode="auto">
-          <a:xfrm>
-            <a:off x="428906" y="11493125"/>
-            <a:ext cx="7752789" cy="1003675"/>
+            <a:off x="5392331" y="1120438"/>
+            <a:ext cx="5732029" cy="4278094"/>
           </a:xfrm>
           <a:prstGeom prst="rect">
             <a:avLst/>
           </a:prstGeom>
           <a:noFill/>
-          <a:ln>
-            <a:noFill/>
-          </a:ln>
-          <a:effectLst/>
-          <a:extLst>
-            <a:ext uri="{909E8E84-426E-40DD-AFC4-6F175D3DCCD1}">
-              <a14:hiddenFill xmlns:a14="http://schemas.microsoft.com/office/drawing/2010/main">
-                <a:solidFill>
-                  <a:schemeClr val="accent1"/>
-                </a:solidFill>
-              </a14:hiddenFill>
-            </a:ext>
-            <a:ext uri="{91240B29-F687-4F45-9708-019B960494DF}">
-              <a14:hiddenLine xmlns:a14="http://schemas.microsoft.com/office/drawing/2010/main" w="9525">
-                <a:solidFill>
-                  <a:schemeClr val="tx1"/>
-                </a:solidFill>
-                <a:prstDash val="sysDot"/>
-                <a:miter lim="800000"/>
-                <a:headEnd/>
-                <a:tailEnd/>
-              </a14:hiddenLine>
-            </a:ext>
-            <a:ext uri="{AF507438-7753-43E0-B8FC-AC1667EBCBE1}">
-              <a14:hiddenEffects xmlns:a14="http://schemas.microsoft.com/office/drawing/2010/main">
-                <a:effectLst>
-                  <a:outerShdw dist="35921" dir="2700000" algn="ctr" rotWithShape="0">
-                    <a:schemeClr val="bg2"/>
-                  </a:outerShdw>
-                </a:effectLst>
-              </a14:hiddenEffects>
-            </a:ext>
-          </a:extLst>
         </p:spPr>
         <p:txBody>
-          <a:bodyPr wrap="none" lIns="228600" tIns="228600" rIns="228600" bIns="228600" anchor="ctr" anchorCtr="1"/>
-          <a:lstStyle>
-            <a:lvl1pPr defTabSz="4389438">
-              <a:defRPr>
-                <a:solidFill>
-                  <a:schemeClr val="tx1"/>
-                </a:solidFill>
-                <a:latin typeface="Arial" charset="0"/>
-              </a:defRPr>
-            </a:lvl1pPr>
-            <a:lvl2pPr defTabSz="4389438">
-              <a:defRPr>
-                <a:solidFill>
-                  <a:schemeClr val="tx1"/>
-                </a:solidFill>
-                <a:latin typeface="Arial" charset="0"/>
-              </a:defRPr>
-            </a:lvl2pPr>
-            <a:lvl3pPr defTabSz="4389438">
-              <a:defRPr>
-                <a:solidFill>
-                  <a:schemeClr val="tx1"/>
-                </a:solidFill>
-                <a:latin typeface="Arial" charset="0"/>
-              </a:defRPr>
-            </a:lvl3pPr>
-            <a:lvl4pPr defTabSz="4389438">
-              <a:defRPr>
-                <a:solidFill>
-                  <a:schemeClr val="tx1"/>
-                </a:solidFill>
-                <a:latin typeface="Arial" charset="0"/>
-              </a:defRPr>
-            </a:lvl4pPr>
-            <a:lvl5pPr defTabSz="4389438">
-              <a:defRPr>
-                <a:solidFill>
-                  <a:schemeClr val="tx1"/>
-                </a:solidFill>
-                <a:latin typeface="Arial" charset="0"/>
-              </a:defRPr>
-            </a:lvl5pPr>
-            <a:lvl6pPr defTabSz="4389438" fontAlgn="base">
-              <a:spcBef>
-                <a:spcPct val="0"/>
-              </a:spcBef>
-              <a:spcAft>
-                <a:spcPct val="0"/>
-              </a:spcAft>
-              <a:defRPr>
-                <a:solidFill>
-                  <a:schemeClr val="tx1"/>
-                </a:solidFill>
-                <a:latin typeface="Arial" charset="0"/>
-              </a:defRPr>
-            </a:lvl6pPr>
-            <a:lvl7pPr defTabSz="4389438" fontAlgn="base">
-              <a:spcBef>
-                <a:spcPct val="0"/>
-              </a:spcBef>
-              <a:spcAft>
-                <a:spcPct val="0"/>
-              </a:spcAft>
-              <a:defRPr>
-                <a:solidFill>
-                  <a:schemeClr val="tx1"/>
-                </a:solidFill>
-                <a:latin typeface="Arial" charset="0"/>
-              </a:defRPr>
-            </a:lvl7pPr>
-            <a:lvl8pPr defTabSz="4389438" fontAlgn="base">
-              <a:spcBef>
-                <a:spcPct val="0"/>
-              </a:spcBef>
-              <a:spcAft>
-                <a:spcPct val="0"/>
-              </a:spcAft>
-              <a:defRPr>
-                <a:solidFill>
-                  <a:schemeClr val="tx1"/>
-                </a:solidFill>
-                <a:latin typeface="Arial" charset="0"/>
-              </a:defRPr>
-            </a:lvl8pPr>
-            <a:lvl9pPr defTabSz="4389438" fontAlgn="base">
-              <a:spcBef>
-                <a:spcPct val="0"/>
-              </a:spcBef>
-              <a:spcAft>
-                <a:spcPct val="0"/>
-              </a:spcAft>
-              <a:defRPr>
-                <a:solidFill>
-                  <a:schemeClr val="tx1"/>
-                </a:solidFill>
-                <a:latin typeface="Arial" charset="0"/>
-              </a:defRPr>
-            </a:lvl9pPr>
-          </a:lstStyle>
-          <a:p>
-            <a:pPr algn="ctr"/>
-            <a:r>
-              <a:rPr lang="en-US" sz="4000" dirty="0">
+          <a:bodyPr wrap="square" rtlCol="0">
+            <a:spAutoFit/>
+          </a:bodyPr>
+          <a:lstStyle/>
+          <a:p>
+            <a:r>
+              <a:rPr lang="en-US" sz="2400" dirty="0">
+                <a:solidFill>
+                  <a:schemeClr val="bg1">
+                    <a:lumMod val="50000"/>
+                  </a:schemeClr>
+                </a:solidFill>
                 <a:latin typeface="Verdana" panose="020B0604030504040204" pitchFamily="34" charset="0"/>
                 <a:ea typeface="Verdana" panose="020B0604030504040204" pitchFamily="34" charset="0"/>
                 <a:cs typeface="Verdana" panose="020B0604030504040204" pitchFamily="34" charset="0"/>
               </a:rPr>
-              <a:t>INTRODUCTION</a:t>
-            </a:r>
-          </a:p>
-        </p:txBody>
-      </p:sp>
-      <p:sp>
-        <p:nvSpPr>
-          <p:cNvPr id="10" name="Text Box 18"/>
-          <p:cNvSpPr txBox="1">
-            <a:spLocks noChangeArrowheads="1"/>
-          </p:cNvSpPr>
+              <a:t>Lorem ipsum dolor sit amet, consectetur adipiscing elit, sed do eiusmod tempor incididunt ut labore et dolore magna aliqua. Ut enim ad minim veniam, quis nostrud exercitation ullamco laboris nisi ut aliquip ex ea commodo consequat. Duis aute irure dolor in reprehenderit in voluptate velit esse cillum dolore</a:t>
+            </a:r>
+          </a:p>
+          <a:p>
+            <a:endParaRPr lang="en-US" sz="3200" dirty="0"/>
+          </a:p>
+        </p:txBody>
+      </p:sp>
+      <p:sp>
+        <p:nvSpPr>
+          <p:cNvPr id="82" name="TextBox 81"/>
+          <p:cNvSpPr txBox="1"/>
           <p:nvPr/>
         </p:nvSpPr>
-        <p:spPr bwMode="auto">
+        <p:spPr>
           <a:xfrm>
-            <a:off x="17797287" y="25122985"/>
-            <a:ext cx="8582142" cy="6544235"/>
-          </a:xfrm>
-          <a:prstGeom prst="rect">
-            <a:avLst/>
-          </a:prstGeom>
-          <a:solidFill>
-            <a:schemeClr val="bg1"/>
-          </a:solidFill>
-          <a:ln>
-            <a:noFill/>
-            <a:headEnd/>
-            <a:tailEnd/>
-          </a:ln>
-          <a:effectLst>
-            <a:outerShdw blurRad="149987" dist="250190" dir="8460000" algn="ctr">
-              <a:srgbClr val="000000">
-                <a:alpha val="28000"/>
-              </a:srgbClr>
-            </a:outerShdw>
-          </a:effectLst>
-          <a:scene3d>
-            <a:camera prst="orthographicFront">
-              <a:rot lat="0" lon="0" rev="0"/>
-            </a:camera>
-            <a:lightRig rig="contrasting" dir="t">
-              <a:rot lat="0" lon="0" rev="1500000"/>
-            </a:lightRig>
-          </a:scene3d>
-          <a:sp3d prstMaterial="metal">
-            <a:bevelT w="88900" h="88900"/>
-          </a:sp3d>
-          <a:extLst/>
-        </p:spPr>
-        <p:style>
-          <a:lnRef idx="2">
-            <a:schemeClr val="accent6"/>
-          </a:lnRef>
-          <a:fillRef idx="1">
-            <a:schemeClr val="lt1"/>
-          </a:fillRef>
-          <a:effectRef idx="0">
-            <a:schemeClr val="accent6"/>
-          </a:effectRef>
-          <a:fontRef idx="minor">
-            <a:schemeClr val="dk1"/>
-          </a:fontRef>
-        </p:style>
-        <p:txBody>
-          <a:bodyPr lIns="228600" tIns="228600" rIns="228600" bIns="228600"/>
-          <a:lstStyle/>
-          <a:p>
-            <a:pPr lvl="0" algn="just" defTabSz="457200">
-              <a:defRPr/>
-            </a:pPr>
-            <a:r>
-              <a:rPr lang="en-US" sz="3600" kern="0" dirty="0">
-                <a:latin typeface="Century Schoolbook" panose="02040604050505020304"/>
-              </a:rPr>
-              <a:t>Figure 1 illustrates how a controlled electric current applied to an antenna coil attached to the powered device actively generates a directed electromagnetic field. NFC technology makes use of a phenomenon called electromagnetic induction. The presence/absence of this field over time is used to logically generate a stream of binary data bits.</a:t>
-            </a:r>
-          </a:p>
-        </p:txBody>
-      </p:sp>
-      <p:sp>
-        <p:nvSpPr>
-          <p:cNvPr id="11" name="Text Box 18"/>
-          <p:cNvSpPr txBox="1">
-            <a:spLocks noChangeArrowheads="1"/>
-          </p:cNvSpPr>
-          <p:nvPr/>
-        </p:nvSpPr>
-        <p:spPr bwMode="auto">
-          <a:xfrm>
-            <a:off x="18164058" y="3773856"/>
-            <a:ext cx="7848600" cy="4352283"/>
-          </a:xfrm>
-          <a:prstGeom prst="rect">
-            <a:avLst/>
-          </a:prstGeom>
-          <a:solidFill>
-            <a:schemeClr val="bg1"/>
-          </a:solidFill>
-          <a:ln>
-            <a:noFill/>
-            <a:headEnd/>
-            <a:tailEnd/>
-          </a:ln>
-          <a:effectLst>
-            <a:outerShdw blurRad="149987" dist="250190" dir="8460000" algn="ctr">
-              <a:srgbClr val="000000">
-                <a:alpha val="28000"/>
-              </a:srgbClr>
-            </a:outerShdw>
-          </a:effectLst>
-          <a:scene3d>
-            <a:camera prst="orthographicFront">
-              <a:rot lat="0" lon="0" rev="0"/>
-            </a:camera>
-            <a:lightRig rig="contrasting" dir="t">
-              <a:rot lat="0" lon="0" rev="1500000"/>
-            </a:lightRig>
-          </a:scene3d>
-          <a:sp3d prstMaterial="metal">
-            <a:bevelT w="88900" h="88900"/>
-          </a:sp3d>
-          <a:extLst/>
-        </p:spPr>
-        <p:style>
-          <a:lnRef idx="2">
-            <a:schemeClr val="accent6"/>
-          </a:lnRef>
-          <a:fillRef idx="1">
-            <a:schemeClr val="lt1"/>
-          </a:fillRef>
-          <a:effectRef idx="0">
-            <a:schemeClr val="accent6"/>
-          </a:effectRef>
-          <a:fontRef idx="minor">
-            <a:schemeClr val="dk1"/>
-          </a:fontRef>
-        </p:style>
-        <p:txBody>
-          <a:bodyPr lIns="228600" tIns="228600" rIns="228600" bIns="228600"/>
-          <a:lstStyle/>
-          <a:p>
-            <a:pPr lvl="0" algn="just" defTabSz="457200">
-              <a:defRPr/>
-            </a:pPr>
-            <a:r>
-              <a:rPr lang="en-US" sz="3600" kern="0" dirty="0">
-                <a:latin typeface="Century Schoolbook" panose="02040604050505020304"/>
-              </a:rPr>
-              <a:t>ISO/IEC 14443 specifies the characteristics of the fields to be provided for power and bi-directional communication between proximity coupling devices (PCDs) and proximity cards or objects (PICCs).</a:t>
-            </a:r>
-          </a:p>
-        </p:txBody>
-      </p:sp>
-      <p:sp>
-        <p:nvSpPr>
-          <p:cNvPr id="12" name="Text Box 18"/>
-          <p:cNvSpPr txBox="1">
-            <a:spLocks noChangeArrowheads="1"/>
-          </p:cNvSpPr>
-          <p:nvPr/>
-        </p:nvSpPr>
-        <p:spPr bwMode="auto">
-          <a:xfrm>
-            <a:off x="35760212" y="11781113"/>
-            <a:ext cx="7848600" cy="7543300"/>
-          </a:xfrm>
-          <a:prstGeom prst="rect">
-            <a:avLst/>
-          </a:prstGeom>
-          <a:solidFill>
-            <a:schemeClr val="bg1"/>
-          </a:solidFill>
-          <a:ln>
-            <a:noFill/>
-            <a:headEnd/>
-            <a:tailEnd/>
-          </a:ln>
-          <a:effectLst>
-            <a:outerShdw blurRad="149987" dist="250190" dir="8460000" algn="ctr">
-              <a:srgbClr val="000000">
-                <a:alpha val="28000"/>
-              </a:srgbClr>
-            </a:outerShdw>
-          </a:effectLst>
-          <a:scene3d>
-            <a:camera prst="orthographicFront">
-              <a:rot lat="0" lon="0" rev="0"/>
-            </a:camera>
-            <a:lightRig rig="contrasting" dir="t">
-              <a:rot lat="0" lon="0" rev="1500000"/>
-            </a:lightRig>
-          </a:scene3d>
-          <a:sp3d prstMaterial="metal">
-            <a:bevelT w="88900" h="88900"/>
-          </a:sp3d>
-          <a:extLst/>
-        </p:spPr>
-        <p:style>
-          <a:lnRef idx="2">
-            <a:schemeClr val="accent6"/>
-          </a:lnRef>
-          <a:fillRef idx="1">
-            <a:schemeClr val="lt1"/>
-          </a:fillRef>
-          <a:effectRef idx="0">
-            <a:schemeClr val="accent6"/>
-          </a:effectRef>
-          <a:fontRef idx="minor">
-            <a:schemeClr val="dk1"/>
-          </a:fontRef>
-        </p:style>
-        <p:txBody>
-          <a:bodyPr lIns="228600" tIns="228600" rIns="228600" bIns="228600"/>
-          <a:lstStyle/>
-          <a:p>
-            <a:pPr lvl="0" algn="just" defTabSz="457200">
-              <a:defRPr/>
-            </a:pPr>
-            <a:r>
-              <a:rPr lang="en-US" sz="3600" kern="0" dirty="0">
-                <a:latin typeface="Century Schoolbook" panose="02040604050505020304"/>
-              </a:rPr>
-              <a:t>Smartphone devices that are NFC-enable operate in reader/writer mode, one of three modes defined by the NFC Forum, when interfacing with passive NFC tags. RF interfaces must be compliant with the ISO 14443 standard in order to generate, transmit, and receive messages on ISO/IEC 18000-3 air interface which describes the parameters for air interface communications at 13.56 </a:t>
-            </a:r>
-            <a:r>
-              <a:rPr lang="en-US" sz="3600" kern="0" dirty="0" err="1">
-                <a:latin typeface="Century Schoolbook" panose="02040604050505020304"/>
-              </a:rPr>
-              <a:t>MHz.</a:t>
-            </a:r>
-            <a:endParaRPr lang="en-US" sz="3600" kern="0" dirty="0">
-              <a:latin typeface="Century Schoolbook" panose="02040604050505020304"/>
-            </a:endParaRPr>
-          </a:p>
-        </p:txBody>
-      </p:sp>
-      <p:sp>
-        <p:nvSpPr>
-          <p:cNvPr id="13" name="Text Box 27"/>
-          <p:cNvSpPr txBox="1">
-            <a:spLocks noChangeArrowheads="1"/>
-          </p:cNvSpPr>
-          <p:nvPr/>
-        </p:nvSpPr>
-        <p:spPr bwMode="auto">
-          <a:xfrm>
-            <a:off x="17797287" y="22302292"/>
-            <a:ext cx="8582142" cy="1014907"/>
+            <a:off x="37226119" y="23804340"/>
+            <a:ext cx="5909788" cy="584775"/>
           </a:xfrm>
           <a:prstGeom prst="rect">
             <a:avLst/>
           </a:prstGeom>
           <a:noFill/>
-          <a:ln>
-            <a:noFill/>
-          </a:ln>
-          <a:effectLst/>
-          <a:extLst>
-            <a:ext uri="{909E8E84-426E-40DD-AFC4-6F175D3DCCD1}">
-              <a14:hiddenFill xmlns:a14="http://schemas.microsoft.com/office/drawing/2010/main">
-                <a:solidFill>
-                  <a:schemeClr val="accent1"/>
-                </a:solidFill>
-              </a14:hiddenFill>
-            </a:ext>
-            <a:ext uri="{91240B29-F687-4F45-9708-019B960494DF}">
-              <a14:hiddenLine xmlns:a14="http://schemas.microsoft.com/office/drawing/2010/main" w="9525">
-                <a:solidFill>
-                  <a:schemeClr val="tx1"/>
-                </a:solidFill>
-                <a:prstDash val="sysDot"/>
-                <a:miter lim="800000"/>
-                <a:headEnd/>
-                <a:tailEnd/>
-              </a14:hiddenLine>
-            </a:ext>
-            <a:ext uri="{AF507438-7753-43E0-B8FC-AC1667EBCBE1}">
-              <a14:hiddenEffects xmlns:a14="http://schemas.microsoft.com/office/drawing/2010/main">
-                <a:effectLst>
-                  <a:outerShdw dist="35921" dir="2700000" algn="ctr" rotWithShape="0">
-                    <a:schemeClr val="bg2"/>
-                  </a:outerShdw>
-                </a:effectLst>
-              </a14:hiddenEffects>
-            </a:ext>
-          </a:extLst>
         </p:spPr>
         <p:txBody>
-          <a:bodyPr wrap="none" lIns="228600" tIns="228600" rIns="228600" bIns="228600" anchor="ctr" anchorCtr="1"/>
-          <a:lstStyle>
-            <a:lvl1pPr defTabSz="4389438">
-              <a:defRPr>
-                <a:solidFill>
-                  <a:schemeClr val="tx1"/>
-                </a:solidFill>
-                <a:latin typeface="Arial" charset="0"/>
-              </a:defRPr>
-            </a:lvl1pPr>
-            <a:lvl2pPr defTabSz="4389438">
-              <a:defRPr>
-                <a:solidFill>
-                  <a:schemeClr val="tx1"/>
-                </a:solidFill>
-                <a:latin typeface="Arial" charset="0"/>
-              </a:defRPr>
-            </a:lvl2pPr>
-            <a:lvl3pPr defTabSz="4389438">
-              <a:defRPr>
-                <a:solidFill>
-                  <a:schemeClr val="tx1"/>
-                </a:solidFill>
-                <a:latin typeface="Arial" charset="0"/>
-              </a:defRPr>
-            </a:lvl3pPr>
-            <a:lvl4pPr defTabSz="4389438">
-              <a:defRPr>
-                <a:solidFill>
-                  <a:schemeClr val="tx1"/>
-                </a:solidFill>
-                <a:latin typeface="Arial" charset="0"/>
-              </a:defRPr>
-            </a:lvl4pPr>
-            <a:lvl5pPr defTabSz="4389438">
-              <a:defRPr>
-                <a:solidFill>
-                  <a:schemeClr val="tx1"/>
-                </a:solidFill>
-                <a:latin typeface="Arial" charset="0"/>
-              </a:defRPr>
-            </a:lvl5pPr>
-            <a:lvl6pPr defTabSz="4389438" fontAlgn="base">
-              <a:spcBef>
-                <a:spcPct val="0"/>
-              </a:spcBef>
-              <a:spcAft>
-                <a:spcPct val="0"/>
-              </a:spcAft>
-              <a:defRPr>
-                <a:solidFill>
-                  <a:schemeClr val="tx1"/>
-                </a:solidFill>
-                <a:latin typeface="Arial" charset="0"/>
-              </a:defRPr>
-            </a:lvl6pPr>
-            <a:lvl7pPr defTabSz="4389438" fontAlgn="base">
-              <a:spcBef>
-                <a:spcPct val="0"/>
-              </a:spcBef>
-              <a:spcAft>
-                <a:spcPct val="0"/>
-              </a:spcAft>
-              <a:defRPr>
-                <a:solidFill>
-                  <a:schemeClr val="tx1"/>
-                </a:solidFill>
-                <a:latin typeface="Arial" charset="0"/>
-              </a:defRPr>
-            </a:lvl7pPr>
-            <a:lvl8pPr defTabSz="4389438" fontAlgn="base">
-              <a:spcBef>
-                <a:spcPct val="0"/>
-              </a:spcBef>
-              <a:spcAft>
-                <a:spcPct val="0"/>
-              </a:spcAft>
-              <a:defRPr>
-                <a:solidFill>
-                  <a:schemeClr val="tx1"/>
-                </a:solidFill>
-                <a:latin typeface="Arial" charset="0"/>
-              </a:defRPr>
-            </a:lvl8pPr>
-            <a:lvl9pPr defTabSz="4389438" fontAlgn="base">
-              <a:spcBef>
-                <a:spcPct val="0"/>
-              </a:spcBef>
-              <a:spcAft>
-                <a:spcPct val="0"/>
-              </a:spcAft>
-              <a:defRPr>
-                <a:solidFill>
-                  <a:schemeClr val="tx1"/>
-                </a:solidFill>
-                <a:latin typeface="Arial" charset="0"/>
-              </a:defRPr>
-            </a:lvl9pPr>
-          </a:lstStyle>
+          <a:bodyPr wrap="square" rtlCol="0">
+            <a:spAutoFit/>
+          </a:bodyPr>
+          <a:lstStyle/>
           <a:p>
             <a:pPr algn="ctr"/>
             <a:r>
-              <a:rPr lang="en-US" sz="4000" dirty="0">
+              <a:rPr lang="en-US" sz="3200" dirty="0">
+                <a:solidFill>
+                  <a:schemeClr val="bg1">
+                    <a:lumMod val="50000"/>
+                  </a:schemeClr>
+                </a:solidFill>
                 <a:latin typeface="Verdana" panose="020B0604030504040204" pitchFamily="34" charset="0"/>
                 <a:ea typeface="Verdana" panose="020B0604030504040204" pitchFamily="34" charset="0"/>
                 <a:cs typeface="Verdana" panose="020B0604030504040204" pitchFamily="34" charset="0"/>
               </a:rPr>
-              <a:t>Fig. 1</a:t>
-            </a:r>
+              <a:t>Summary</a:t>
+            </a:r>
+          </a:p>
+        </p:txBody>
+      </p:sp>
+      <p:sp>
+        <p:nvSpPr>
+          <p:cNvPr id="83" name="TextBox 82"/>
+          <p:cNvSpPr txBox="1"/>
+          <p:nvPr/>
+        </p:nvSpPr>
+        <p:spPr>
+          <a:xfrm>
+            <a:off x="37226119" y="24366553"/>
+            <a:ext cx="5732029" cy="4278094"/>
+          </a:xfrm>
+          <a:prstGeom prst="rect">
+            <a:avLst/>
+          </a:prstGeom>
+          <a:noFill/>
+        </p:spPr>
+        <p:txBody>
+          <a:bodyPr wrap="square" rtlCol="0">
+            <a:spAutoFit/>
+          </a:bodyPr>
+          <a:lstStyle/>
+          <a:p>
+            <a:r>
+              <a:rPr lang="en-US" sz="2400" dirty="0">
+                <a:solidFill>
+                  <a:schemeClr val="bg1">
+                    <a:lumMod val="50000"/>
+                  </a:schemeClr>
+                </a:solidFill>
+                <a:latin typeface="Verdana" panose="020B0604030504040204" pitchFamily="34" charset="0"/>
+                <a:ea typeface="Verdana" panose="020B0604030504040204" pitchFamily="34" charset="0"/>
+                <a:cs typeface="Verdana" panose="020B0604030504040204" pitchFamily="34" charset="0"/>
+              </a:rPr>
+              <a:t>Lorem ipsum dolor sit amet, consectetur adipiscing elit, sed do eiusmod tempor incididunt ut labore et dolore magna aliqua. Ut enim ad minim veniam, quis nostrud exercitation ullamco laboris nisi ut aliquip ex ea commodo consequat. Duis aute irure dolor in reprehenderit in voluptate velit esse cillum dolore</a:t>
+            </a:r>
+          </a:p>
+          <a:p>
+            <a:endParaRPr lang="en-US" sz="3200" dirty="0"/>
+          </a:p>
+        </p:txBody>
+      </p:sp>
+      <p:sp>
+        <p:nvSpPr>
+          <p:cNvPr id="88" name="TextBox 87"/>
+          <p:cNvSpPr txBox="1"/>
+          <p:nvPr/>
+        </p:nvSpPr>
+        <p:spPr>
+          <a:xfrm>
+            <a:off x="5392331" y="23804340"/>
+            <a:ext cx="5909788" cy="584775"/>
+          </a:xfrm>
+          <a:prstGeom prst="rect">
+            <a:avLst/>
+          </a:prstGeom>
+          <a:noFill/>
+        </p:spPr>
+        <p:txBody>
+          <a:bodyPr wrap="square" rtlCol="0">
+            <a:spAutoFit/>
+          </a:bodyPr>
+          <a:lstStyle/>
+          <a:p>
+            <a:pPr algn="ctr"/>
+            <a:r>
+              <a:rPr lang="en-US" sz="3200" dirty="0">
+                <a:solidFill>
+                  <a:schemeClr val="bg1">
+                    <a:lumMod val="50000"/>
+                  </a:schemeClr>
+                </a:solidFill>
+                <a:latin typeface="Verdana" panose="020B0604030504040204" pitchFamily="34" charset="0"/>
+                <a:ea typeface="Verdana" panose="020B0604030504040204" pitchFamily="34" charset="0"/>
+                <a:cs typeface="Verdana" panose="020B0604030504040204" pitchFamily="34" charset="0"/>
+              </a:rPr>
+              <a:t>Summary</a:t>
+            </a:r>
+          </a:p>
+        </p:txBody>
+      </p:sp>
+      <p:sp>
+        <p:nvSpPr>
+          <p:cNvPr id="89" name="TextBox 88"/>
+          <p:cNvSpPr txBox="1"/>
+          <p:nvPr/>
+        </p:nvSpPr>
+        <p:spPr>
+          <a:xfrm>
+            <a:off x="5392331" y="24366553"/>
+            <a:ext cx="5732029" cy="4278094"/>
+          </a:xfrm>
+          <a:prstGeom prst="rect">
+            <a:avLst/>
+          </a:prstGeom>
+          <a:noFill/>
+        </p:spPr>
+        <p:txBody>
+          <a:bodyPr wrap="square" rtlCol="0">
+            <a:spAutoFit/>
+          </a:bodyPr>
+          <a:lstStyle/>
+          <a:p>
+            <a:r>
+              <a:rPr lang="en-US" sz="2400" dirty="0">
+                <a:solidFill>
+                  <a:schemeClr val="bg1">
+                    <a:lumMod val="50000"/>
+                  </a:schemeClr>
+                </a:solidFill>
+                <a:latin typeface="Verdana" panose="020B0604030504040204" pitchFamily="34" charset="0"/>
+                <a:ea typeface="Verdana" panose="020B0604030504040204" pitchFamily="34" charset="0"/>
+                <a:cs typeface="Verdana" panose="020B0604030504040204" pitchFamily="34" charset="0"/>
+              </a:rPr>
+              <a:t>Lorem ipsum dolor sit amet, consectetur adipiscing elit, sed do eiusmod tempor incididunt ut labore et dolore magna aliqua. Ut enim ad minim veniam, quis nostrud exercitation ullamco laboris nisi ut aliquip ex ea commodo consequat. Duis aute irure dolor in reprehenderit in voluptate velit esse cillum dolore</a:t>
+            </a:r>
+          </a:p>
+          <a:p>
+            <a:endParaRPr lang="en-US" sz="3200" dirty="0"/>
           </a:p>
         </p:txBody>
       </p:sp>
     </p:spTree>
     <p:extLst>
       <p:ext uri="{BB962C8B-B14F-4D97-AF65-F5344CB8AC3E}">
-        <p14:creationId xmlns:p14="http://schemas.microsoft.com/office/powerpoint/2010/main" val="3387750735"/>
+        <p14:creationId xmlns:p14="http://schemas.microsoft.com/office/powerpoint/2010/main" val="1647237238"/>
       </p:ext>
     </p:extLst>
   </p:cSld>

--- a/Poster Artifacts/Christopher Small, N00931863 - Symposium Poster.pptx
+++ b/Poster Artifacts/Christopher Small, N00931863 - Symposium Poster.pptx
@@ -208,7 +208,7 @@
           <a:p>
             <a:fld id="{CAD4E7B3-883E-4909-856A-D4D2FBCEB0AE}" type="datetimeFigureOut">
               <a:rPr lang="en-US" smtClean="0"/>
-              <a:t>4/6/2017</a:t>
+              <a:t>4/10/2017</a:t>
             </a:fld>
             <a:endParaRPr lang="en-US" dirty="0"/>
           </a:p>
@@ -739,7 +739,7 @@
             <a:fld id="{1D8BD707-D9CF-40AE-B4C6-C98DA3205C09}" type="datetimeFigureOut">
               <a:rPr lang="en-US" smtClean="0"/>
               <a:pPr/>
-              <a:t>4/6/2017</a:t>
+              <a:t>4/10/2017</a:t>
             </a:fld>
             <a:endParaRPr lang="en-US" dirty="0"/>
           </a:p>
@@ -904,7 +904,7 @@
             <a:fld id="{1D8BD707-D9CF-40AE-B4C6-C98DA3205C09}" type="datetimeFigureOut">
               <a:rPr lang="en-US" smtClean="0"/>
               <a:pPr/>
-              <a:t>4/6/2017</a:t>
+              <a:t>4/10/2017</a:t>
             </a:fld>
             <a:endParaRPr lang="en-US" dirty="0"/>
           </a:p>
@@ -1079,7 +1079,7 @@
             <a:fld id="{1D8BD707-D9CF-40AE-B4C6-C98DA3205C09}" type="datetimeFigureOut">
               <a:rPr lang="en-US" smtClean="0"/>
               <a:pPr/>
-              <a:t>4/6/2017</a:t>
+              <a:t>4/10/2017</a:t>
             </a:fld>
             <a:endParaRPr lang="en-US" dirty="0"/>
           </a:p>
@@ -1244,7 +1244,7 @@
             <a:fld id="{1D8BD707-D9CF-40AE-B4C6-C98DA3205C09}" type="datetimeFigureOut">
               <a:rPr lang="en-US" smtClean="0"/>
               <a:pPr/>
-              <a:t>4/6/2017</a:t>
+              <a:t>4/10/2017</a:t>
             </a:fld>
             <a:endParaRPr lang="en-US" dirty="0"/>
           </a:p>
@@ -1486,7 +1486,7 @@
             <a:fld id="{1D8BD707-D9CF-40AE-B4C6-C98DA3205C09}" type="datetimeFigureOut">
               <a:rPr lang="en-US" smtClean="0"/>
               <a:pPr/>
-              <a:t>4/6/2017</a:t>
+              <a:t>4/10/2017</a:t>
             </a:fld>
             <a:endParaRPr lang="en-US" dirty="0"/>
           </a:p>
@@ -1768,7 +1768,7 @@
             <a:fld id="{1D8BD707-D9CF-40AE-B4C6-C98DA3205C09}" type="datetimeFigureOut">
               <a:rPr lang="en-US" smtClean="0"/>
               <a:pPr/>
-              <a:t>4/6/2017</a:t>
+              <a:t>4/10/2017</a:t>
             </a:fld>
             <a:endParaRPr lang="en-US" dirty="0"/>
           </a:p>
@@ -2184,7 +2184,7 @@
             <a:fld id="{1D8BD707-D9CF-40AE-B4C6-C98DA3205C09}" type="datetimeFigureOut">
               <a:rPr lang="en-US" smtClean="0"/>
               <a:pPr/>
-              <a:t>4/6/2017</a:t>
+              <a:t>4/10/2017</a:t>
             </a:fld>
             <a:endParaRPr lang="en-US" dirty="0"/>
           </a:p>
@@ -2298,7 +2298,7 @@
             <a:fld id="{1D8BD707-D9CF-40AE-B4C6-C98DA3205C09}" type="datetimeFigureOut">
               <a:rPr lang="en-US" smtClean="0"/>
               <a:pPr/>
-              <a:t>4/6/2017</a:t>
+              <a:t>4/10/2017</a:t>
             </a:fld>
             <a:endParaRPr lang="en-US" dirty="0"/>
           </a:p>
@@ -2390,7 +2390,7 @@
             <a:fld id="{1D8BD707-D9CF-40AE-B4C6-C98DA3205C09}" type="datetimeFigureOut">
               <a:rPr lang="en-US" smtClean="0"/>
               <a:pPr/>
-              <a:t>4/6/2017</a:t>
+              <a:t>4/10/2017</a:t>
             </a:fld>
             <a:endParaRPr lang="en-US" dirty="0"/>
           </a:p>
@@ -2662,7 +2662,7 @@
             <a:fld id="{1D8BD707-D9CF-40AE-B4C6-C98DA3205C09}" type="datetimeFigureOut">
               <a:rPr lang="en-US" smtClean="0"/>
               <a:pPr/>
-              <a:t>4/6/2017</a:t>
+              <a:t>4/10/2017</a:t>
             </a:fld>
             <a:endParaRPr lang="en-US" dirty="0"/>
           </a:p>
@@ -2911,7 +2911,7 @@
             <a:fld id="{1D8BD707-D9CF-40AE-B4C6-C98DA3205C09}" type="datetimeFigureOut">
               <a:rPr lang="en-US" smtClean="0"/>
               <a:pPr/>
-              <a:t>4/6/2017</a:t>
+              <a:t>4/10/2017</a:t>
             </a:fld>
             <a:endParaRPr lang="en-US" dirty="0"/>
           </a:p>
@@ -3119,7 +3119,7 @@
             <a:fld id="{1D8BD707-D9CF-40AE-B4C6-C98DA3205C09}" type="datetimeFigureOut">
               <a:rPr lang="en-US" smtClean="0"/>
               <a:pPr/>
-              <a:t>4/6/2017</a:t>
+              <a:t>4/10/2017</a:t>
             </a:fld>
             <a:endParaRPr lang="en-US" dirty="0"/>
           </a:p>
@@ -3483,10 +3483,10 @@
             <a:gs pos="0">
               <a:srgbClr val="00B050"/>
             </a:gs>
-            <a:gs pos="10000">
+            <a:gs pos="25000">
               <a:srgbClr val="92D050"/>
             </a:gs>
-            <a:gs pos="90000">
+            <a:gs pos="75000">
               <a:schemeClr val="accent5">
                 <a:lumMod val="60000"/>
                 <a:lumOff val="40000"/>
@@ -3518,66 +3518,403 @@
           <a:chExt cx="0" cy="0"/>
         </a:xfrm>
       </p:grpSpPr>
-      <p:sp>
-        <p:nvSpPr>
-          <p:cNvPr id="87" name="Rectangle: Rounded Corners 86"/>
-          <p:cNvSpPr/>
-          <p:nvPr/>
-        </p:nvSpPr>
-        <p:spPr>
-          <a:xfrm>
-            <a:off x="36957000" y="360891"/>
-            <a:ext cx="6415949" cy="6649509"/>
-          </a:xfrm>
-          <a:prstGeom prst="roundRect">
-            <a:avLst/>
-          </a:prstGeom>
-          <a:solidFill>
-            <a:schemeClr val="bg1">
-              <a:alpha val="30000"/>
-            </a:schemeClr>
-          </a:solidFill>
-          <a:ln>
-            <a:noFill/>
-          </a:ln>
-          <a:effectLst>
-            <a:outerShdw blurRad="228600" dist="381000" dir="2700000" algn="tl" rotWithShape="0">
-              <a:prstClr val="black">
-                <a:alpha val="28000"/>
-              </a:prstClr>
-            </a:outerShdw>
-          </a:effectLst>
-        </p:spPr>
-        <p:style>
-          <a:lnRef idx="2">
-            <a:schemeClr val="accent1">
-              <a:shade val="50000"/>
-            </a:schemeClr>
-          </a:lnRef>
-          <a:fillRef idx="1">
-            <a:schemeClr val="accent1"/>
-          </a:fillRef>
-          <a:effectRef idx="0">
-            <a:schemeClr val="accent1"/>
-          </a:effectRef>
-          <a:fontRef idx="minor">
-            <a:schemeClr val="lt1"/>
-          </a:fontRef>
-        </p:style>
-        <p:txBody>
-          <a:bodyPr rot="0" spcFirstLastPara="0" vertOverflow="overflow" horzOverflow="overflow" vert="horz" wrap="square" lIns="91440" tIns="45720" rIns="91440" bIns="45720" numCol="1" spcCol="0" rtlCol="0" fromWordArt="0" anchor="ctr" anchorCtr="0" forceAA="0" compatLnSpc="1">
-            <a:prstTxWarp prst="textNoShape">
-              <a:avLst/>
-            </a:prstTxWarp>
-            <a:noAutofit/>
-          </a:bodyPr>
-          <a:lstStyle/>
-          <a:p>
-            <a:pPr algn="ctr"/>
-            <a:endParaRPr lang="en-US" dirty="0"/>
-          </a:p>
-        </p:txBody>
-      </p:sp>
+      <p:graphicFrame>
+        <p:nvGraphicFramePr>
+          <p:cNvPr id="110" name="Table 109"/>
+          <p:cNvGraphicFramePr>
+            <a:graphicFrameLocks noGrp="1"/>
+          </p:cNvGraphicFramePr>
+          <p:nvPr>
+            <p:extLst>
+              <p:ext uri="{D42A27DB-BD31-4B8C-83A1-F6EECF244321}">
+                <p14:modId xmlns:p14="http://schemas.microsoft.com/office/powerpoint/2010/main" val="805292747"/>
+              </p:ext>
+            </p:extLst>
+          </p:nvPr>
+        </p:nvGraphicFramePr>
+        <p:xfrm>
+          <a:off x="12097941" y="21857679"/>
+          <a:ext cx="24404923" cy="7630352"/>
+        </p:xfrm>
+        <a:graphic>
+          <a:graphicData uri="http://schemas.openxmlformats.org/drawingml/2006/table">
+            <a:tbl>
+              <a:tblPr firstRow="1" bandRow="1">
+                <a:tableStyleId>{5C22544A-7EE6-4342-B048-85BDC9FD1C3A}</a:tableStyleId>
+              </a:tblPr>
+              <a:tblGrid>
+                <a:gridCol w="24404923">
+                  <a:extLst>
+                    <a:ext uri="{9D8B030D-6E8A-4147-A177-3AD203B41FA5}">
+                      <a16:colId xmlns:a16="http://schemas.microsoft.com/office/drawing/2014/main" val="4247442634"/>
+                    </a:ext>
+                  </a:extLst>
+                </a:gridCol>
+              </a:tblGrid>
+              <a:tr h="7630352">
+                <a:tc>
+                  <a:txBody>
+                    <a:bodyPr/>
+                    <a:lstStyle/>
+                    <a:p>
+                      <a:pPr algn="ctr"/>
+                      <a:endParaRPr lang="en-US" sz="2400" dirty="0">
+                        <a:solidFill>
+                          <a:schemeClr val="tx1"/>
+                        </a:solidFill>
+                      </a:endParaRPr>
+                    </a:p>
+                  </a:txBody>
+                  <a:tcPr anchor="ctr">
+                    <a:lnL w="57150" cap="flat" cmpd="sng" algn="ctr">
+                      <a:noFill/>
+                      <a:prstDash val="solid"/>
+                      <a:round/>
+                      <a:headEnd type="none" w="med" len="med"/>
+                      <a:tailEnd type="none" w="med" len="med"/>
+                    </a:lnL>
+                    <a:lnR w="57150" cap="flat" cmpd="sng" algn="ctr">
+                      <a:noFill/>
+                      <a:prstDash val="solid"/>
+                      <a:round/>
+                      <a:headEnd type="none" w="med" len="med"/>
+                      <a:tailEnd type="none" w="med" len="med"/>
+                    </a:lnR>
+                    <a:lnT w="57150" cap="flat" cmpd="sng" algn="ctr">
+                      <a:noFill/>
+                      <a:prstDash val="solid"/>
+                      <a:round/>
+                      <a:headEnd type="none" w="med" len="med"/>
+                      <a:tailEnd type="none" w="med" len="med"/>
+                    </a:lnT>
+                    <a:lnB w="57150" cap="flat" cmpd="sng" algn="ctr">
+                      <a:noFill/>
+                      <a:prstDash val="solid"/>
+                      <a:round/>
+                      <a:headEnd type="none" w="med" len="med"/>
+                      <a:tailEnd type="none" w="med" len="med"/>
+                    </a:lnB>
+                    <a:cell3D prstMaterial="dkEdge">
+                      <a:bevel/>
+                      <a:lightRig rig="flood" dir="t"/>
+                    </a:cell3D>
+                    <a:solidFill>
+                      <a:schemeClr val="bg1">
+                        <a:alpha val="46000"/>
+                      </a:schemeClr>
+                    </a:solidFill>
+                  </a:tcPr>
+                </a:tc>
+                <a:extLst>
+                  <a:ext uri="{0D108BD9-81ED-4DB2-BD59-A6C34878D82A}">
+                    <a16:rowId xmlns:a16="http://schemas.microsoft.com/office/drawing/2014/main" val="4195021587"/>
+                  </a:ext>
+                </a:extLst>
+              </a:tr>
+            </a:tbl>
+          </a:graphicData>
+        </a:graphic>
+      </p:graphicFrame>
+      <p:graphicFrame>
+        <p:nvGraphicFramePr>
+          <p:cNvPr id="107" name="Table 106"/>
+          <p:cNvGraphicFramePr>
+            <a:graphicFrameLocks noGrp="1"/>
+          </p:cNvGraphicFramePr>
+          <p:nvPr>
+            <p:extLst>
+              <p:ext uri="{D42A27DB-BD31-4B8C-83A1-F6EECF244321}">
+                <p14:modId xmlns:p14="http://schemas.microsoft.com/office/powerpoint/2010/main" val="3080660866"/>
+              </p:ext>
+            </p:extLst>
+          </p:nvPr>
+        </p:nvGraphicFramePr>
+        <p:xfrm>
+          <a:off x="36819228" y="390197"/>
+          <a:ext cx="6677680" cy="5595577"/>
+        </p:xfrm>
+        <a:graphic>
+          <a:graphicData uri="http://schemas.openxmlformats.org/drawingml/2006/table">
+            <a:tbl>
+              <a:tblPr firstRow="1" bandRow="1">
+                <a:tableStyleId>{5C22544A-7EE6-4342-B048-85BDC9FD1C3A}</a:tableStyleId>
+              </a:tblPr>
+              <a:tblGrid>
+                <a:gridCol w="6677680">
+                  <a:extLst>
+                    <a:ext uri="{9D8B030D-6E8A-4147-A177-3AD203B41FA5}">
+                      <a16:colId xmlns:a16="http://schemas.microsoft.com/office/drawing/2014/main" val="4247442634"/>
+                    </a:ext>
+                  </a:extLst>
+                </a:gridCol>
+              </a:tblGrid>
+              <a:tr h="5595577">
+                <a:tc>
+                  <a:txBody>
+                    <a:bodyPr/>
+                    <a:lstStyle/>
+                    <a:p>
+                      <a:endParaRPr lang="en-US" sz="2200" dirty="0">
+                        <a:solidFill>
+                          <a:schemeClr val="bg1"/>
+                        </a:solidFill>
+                      </a:endParaRPr>
+                    </a:p>
+                  </a:txBody>
+                  <a:tcPr anchor="ctr">
+                    <a:cell3D prstMaterial="dkEdge">
+                      <a:bevel/>
+                      <a:lightRig rig="flood" dir="t"/>
+                    </a:cell3D>
+                    <a:noFill/>
+                  </a:tcPr>
+                </a:tc>
+                <a:extLst>
+                  <a:ext uri="{0D108BD9-81ED-4DB2-BD59-A6C34878D82A}">
+                    <a16:rowId xmlns:a16="http://schemas.microsoft.com/office/drawing/2014/main" val="4195021587"/>
+                  </a:ext>
+                </a:extLst>
+              </a:tr>
+            </a:tbl>
+          </a:graphicData>
+        </a:graphic>
+      </p:graphicFrame>
+      <p:graphicFrame>
+        <p:nvGraphicFramePr>
+          <p:cNvPr id="106" name="Table 105"/>
+          <p:cNvGraphicFramePr>
+            <a:graphicFrameLocks noGrp="1"/>
+          </p:cNvGraphicFramePr>
+          <p:nvPr>
+            <p:extLst>
+              <p:ext uri="{D42A27DB-BD31-4B8C-83A1-F6EECF244321}">
+                <p14:modId xmlns:p14="http://schemas.microsoft.com/office/powerpoint/2010/main" val="1423173947"/>
+              </p:ext>
+            </p:extLst>
+          </p:nvPr>
+        </p:nvGraphicFramePr>
+        <p:xfrm>
+          <a:off x="36819228" y="21857677"/>
+          <a:ext cx="6715782" cy="7630353"/>
+        </p:xfrm>
+        <a:graphic>
+          <a:graphicData uri="http://schemas.openxmlformats.org/drawingml/2006/table">
+            <a:tbl>
+              <a:tblPr firstRow="1" bandRow="1">
+                <a:tableStyleId>{5C22544A-7EE6-4342-B048-85BDC9FD1C3A}</a:tableStyleId>
+              </a:tblPr>
+              <a:tblGrid>
+                <a:gridCol w="6715782">
+                  <a:extLst>
+                    <a:ext uri="{9D8B030D-6E8A-4147-A177-3AD203B41FA5}">
+                      <a16:colId xmlns:a16="http://schemas.microsoft.com/office/drawing/2014/main" val="4247442634"/>
+                    </a:ext>
+                  </a:extLst>
+                </a:gridCol>
+              </a:tblGrid>
+              <a:tr h="681281">
+                <a:tc>
+                  <a:txBody>
+                    <a:bodyPr/>
+                    <a:lstStyle/>
+                    <a:p>
+                      <a:pPr algn="ctr"/>
+                      <a:r>
+                        <a:rPr lang="en-US" sz="2400" b="0" i="0" dirty="0">
+                          <a:solidFill>
+                            <a:schemeClr val="bg1"/>
+                          </a:solidFill>
+                          <a:latin typeface="Verdana" panose="020B0604030504040204" pitchFamily="34" charset="0"/>
+                          <a:ea typeface="Verdana" panose="020B0604030504040204" pitchFamily="34" charset="0"/>
+                          <a:cs typeface="Verdana" panose="020B0604030504040204" pitchFamily="34" charset="0"/>
+                        </a:rPr>
+                        <a:t>Summary</a:t>
+                      </a:r>
+                    </a:p>
+                  </a:txBody>
+                  <a:tcPr anchor="ctr">
+                    <a:lnB w="57150" cap="flat" cmpd="sng" algn="ctr">
+                      <a:noFill/>
+                      <a:prstDash val="solid"/>
+                      <a:round/>
+                      <a:headEnd type="none" w="med" len="med"/>
+                      <a:tailEnd type="none" w="med" len="med"/>
+                    </a:lnB>
+                    <a:cell3D prstMaterial="dkEdge">
+                      <a:bevel/>
+                      <a:lightRig rig="flood" dir="t"/>
+                    </a:cell3D>
+                    <a:noFill/>
+                  </a:tcPr>
+                </a:tc>
+                <a:extLst>
+                  <a:ext uri="{0D108BD9-81ED-4DB2-BD59-A6C34878D82A}">
+                    <a16:rowId xmlns:a16="http://schemas.microsoft.com/office/drawing/2014/main" val="4195021587"/>
+                  </a:ext>
+                </a:extLst>
+              </a:tr>
+              <a:tr h="6949072">
+                <a:tc>
+                  <a:txBody>
+                    <a:bodyPr/>
+                    <a:lstStyle/>
+                    <a:p>
+                      <a:r>
+                        <a:rPr lang="en-US" sz="2200" b="0" i="0" dirty="0">
+                          <a:solidFill>
+                            <a:schemeClr val="bg1"/>
+                          </a:solidFill>
+                          <a:latin typeface="Verdana" panose="020B0604030504040204" pitchFamily="34" charset="0"/>
+                          <a:ea typeface="Verdana" panose="020B0604030504040204" pitchFamily="34" charset="0"/>
+                          <a:cs typeface="Verdana" panose="020B0604030504040204" pitchFamily="34" charset="0"/>
+                        </a:rPr>
+                        <a:t>Near Field Communication efficiently facilitates wireless, close-proximity transfer of relatively small amounts of data over a specifically defined radio frequency (13.56 MHz). Any Mobile device with integrated NFC hardware can actively generate a controlled electromagnetic field in order to stimulate an antenna, typically printed onto a thin, flat substrate referred to as a NFC “tag”. The energy transferred to the antenna is guided to an integrated circuit for processing Read/Write commands relevant to the tag’s memory module. </a:t>
+                      </a:r>
+                    </a:p>
+                  </a:txBody>
+                  <a:tcPr marL="137160" marR="137160" marT="137160" marB="137160" anchor="ctr">
+                    <a:lnT w="57150" cap="flat" cmpd="sng" algn="ctr">
+                      <a:noFill/>
+                      <a:prstDash val="solid"/>
+                      <a:round/>
+                      <a:headEnd type="none" w="med" len="med"/>
+                      <a:tailEnd type="none" w="med" len="med"/>
+                    </a:lnT>
+                    <a:cell3D prstMaterial="dkEdge">
+                      <a:bevel/>
+                      <a:lightRig rig="flood" dir="t"/>
+                    </a:cell3D>
+                    <a:noFill/>
+                  </a:tcPr>
+                </a:tc>
+                <a:extLst>
+                  <a:ext uri="{0D108BD9-81ED-4DB2-BD59-A6C34878D82A}">
+                    <a16:rowId xmlns:a16="http://schemas.microsoft.com/office/drawing/2014/main" val="3436380317"/>
+                  </a:ext>
+                </a:extLst>
+              </a:tr>
+            </a:tbl>
+          </a:graphicData>
+        </a:graphic>
+      </p:graphicFrame>
+      <p:graphicFrame>
+        <p:nvGraphicFramePr>
+          <p:cNvPr id="100" name="Table 99"/>
+          <p:cNvGraphicFramePr>
+            <a:graphicFrameLocks noGrp="1"/>
+          </p:cNvGraphicFramePr>
+          <p:nvPr>
+            <p:extLst>
+              <p:ext uri="{D42A27DB-BD31-4B8C-83A1-F6EECF244321}">
+                <p14:modId xmlns:p14="http://schemas.microsoft.com/office/powerpoint/2010/main" val="2455566935"/>
+              </p:ext>
+            </p:extLst>
+          </p:nvPr>
+        </p:nvGraphicFramePr>
+        <p:xfrm>
+          <a:off x="4804410" y="3813795"/>
+          <a:ext cx="6972394" cy="7037226"/>
+        </p:xfrm>
+        <a:graphic>
+          <a:graphicData uri="http://schemas.openxmlformats.org/drawingml/2006/table">
+            <a:tbl>
+              <a:tblPr firstRow="1" bandRow="1">
+                <a:tableStyleId>{5C22544A-7EE6-4342-B048-85BDC9FD1C3A}</a:tableStyleId>
+              </a:tblPr>
+              <a:tblGrid>
+                <a:gridCol w="6972394">
+                  <a:extLst>
+                    <a:ext uri="{9D8B030D-6E8A-4147-A177-3AD203B41FA5}">
+                      <a16:colId xmlns:a16="http://schemas.microsoft.com/office/drawing/2014/main" val="4247442634"/>
+                    </a:ext>
+                  </a:extLst>
+                </a:gridCol>
+              </a:tblGrid>
+              <a:tr h="586435">
+                <a:tc>
+                  <a:txBody>
+                    <a:bodyPr/>
+                    <a:lstStyle/>
+                    <a:p>
+                      <a:pPr algn="ctr"/>
+                      <a:r>
+                        <a:rPr lang="en-US" sz="2400" b="0" i="0" dirty="0">
+                          <a:solidFill>
+                            <a:schemeClr val="bg1"/>
+                          </a:solidFill>
+                          <a:latin typeface="Verdana" panose="020B0604030504040204" pitchFamily="34" charset="0"/>
+                          <a:ea typeface="Verdana" panose="020B0604030504040204" pitchFamily="34" charset="0"/>
+                          <a:cs typeface="Verdana" panose="020B0604030504040204" pitchFamily="34" charset="0"/>
+                        </a:rPr>
+                        <a:t>NFC Tag Locking Mechanisms</a:t>
+                      </a:r>
+                    </a:p>
+                  </a:txBody>
+                  <a:tcPr anchor="ctr">
+                    <a:lnB w="57150" cap="flat" cmpd="sng" algn="ctr">
+                      <a:noFill/>
+                      <a:prstDash val="solid"/>
+                      <a:round/>
+                      <a:headEnd type="none" w="med" len="med"/>
+                      <a:tailEnd type="none" w="med" len="med"/>
+                    </a:lnB>
+                    <a:cell3D prstMaterial="dkEdge">
+                      <a:bevel/>
+                      <a:lightRig rig="flood" dir="t"/>
+                    </a:cell3D>
+                    <a:noFill/>
+                  </a:tcPr>
+                </a:tc>
+                <a:extLst>
+                  <a:ext uri="{0D108BD9-81ED-4DB2-BD59-A6C34878D82A}">
+                    <a16:rowId xmlns:a16="http://schemas.microsoft.com/office/drawing/2014/main" val="4195021587"/>
+                  </a:ext>
+                </a:extLst>
+              </a:tr>
+              <a:tr h="6450791">
+                <a:tc>
+                  <a:txBody>
+                    <a:bodyPr/>
+                    <a:lstStyle/>
+                    <a:p>
+                      <a:r>
+                        <a:rPr lang="en-US" sz="2200" b="0" i="0" dirty="0">
+                          <a:solidFill>
+                            <a:schemeClr val="bg1"/>
+                          </a:solidFill>
+                          <a:latin typeface="Verdana" panose="020B0604030504040204" pitchFamily="34" charset="0"/>
+                          <a:ea typeface="Verdana" panose="020B0604030504040204" pitchFamily="34" charset="0"/>
+                          <a:cs typeface="Verdana" panose="020B0604030504040204" pitchFamily="34" charset="0"/>
+                        </a:rPr>
+                        <a:t> Near Field Communication efficiently facilitates wireless, close-proximity transfer of relatively small amounts of data over a specifically defined radio frequency (13.56 MHz). Any Mobile device with integrated NFC hardware can actively generate a controlled electromagnetic field in order to stimulate an antenna, typically printed onto a thin, flat substrate referred to as a NFC “tag”. The energy transferred to the antenna is guided to an integrated circuit for processing Read/Write commands relevant to the tag’s memory module. </a:t>
+                      </a:r>
+                    </a:p>
+                  </a:txBody>
+                  <a:tcPr marL="137160" marR="137160" marT="137160" marB="137160" anchor="ctr">
+                    <a:lnT w="57150" cap="flat" cmpd="sng" algn="ctr">
+                      <a:noFill/>
+                      <a:prstDash val="solid"/>
+                      <a:round/>
+                      <a:headEnd type="none" w="med" len="med"/>
+                      <a:tailEnd type="none" w="med" len="med"/>
+                    </a:lnT>
+                    <a:cell3D prstMaterial="dkEdge">
+                      <a:bevel/>
+                      <a:lightRig rig="flood" dir="t"/>
+                    </a:cell3D>
+                    <a:noFill/>
+                  </a:tcPr>
+                </a:tc>
+                <a:extLst>
+                  <a:ext uri="{0D108BD9-81ED-4DB2-BD59-A6C34878D82A}">
+                    <a16:rowId xmlns:a16="http://schemas.microsoft.com/office/drawing/2014/main" val="3436380317"/>
+                  </a:ext>
+                </a:extLst>
+              </a:tr>
+            </a:tbl>
+          </a:graphicData>
+        </a:graphic>
+      </p:graphicFrame>
       <p:sp>
         <p:nvSpPr>
           <p:cNvPr id="20" name="Text Box 15"/>
@@ -3776,8 +4113,8 @@
         </p:blipFill>
         <p:spPr>
           <a:xfrm>
-            <a:off x="574148" y="360892"/>
-            <a:ext cx="4074052" cy="29985497"/>
+            <a:off x="333225" y="3931697"/>
+            <a:ext cx="4100488" cy="28683418"/>
           </a:xfrm>
           <a:prstGeom prst="rect">
             <a:avLst/>
@@ -3794,7 +4131,7 @@
         </p:nvSpPr>
         <p:spPr bwMode="auto">
           <a:xfrm>
-            <a:off x="11806011" y="30672138"/>
+            <a:off x="12182021" y="30556200"/>
             <a:ext cx="20279179" cy="2058915"/>
           </a:xfrm>
           <a:prstGeom prst="rect">
@@ -3802,9 +4139,7 @@
           </a:prstGeom>
           <a:noFill/>
           <a:ln w="19050">
-            <a:solidFill>
-              <a:srgbClr val="FFFFFF"/>
-            </a:solidFill>
+            <a:noFill/>
             <a:prstDash val="dash"/>
             <a:miter lim="800000"/>
             <a:headEnd/>
@@ -4059,7 +4394,7 @@
         </p:nvSpPr>
         <p:spPr bwMode="auto">
           <a:xfrm>
-            <a:off x="11806011" y="30355635"/>
+            <a:off x="12182021" y="30355635"/>
             <a:ext cx="20279179" cy="200565"/>
           </a:xfrm>
           <a:prstGeom prst="rect">
@@ -4229,8 +4564,8 @@
         </p:nvSpPr>
         <p:spPr>
           <a:xfrm rot="10800000">
-            <a:off x="3164659" y="10382866"/>
-            <a:ext cx="35908072" cy="5326302"/>
+            <a:off x="2934080" y="10382866"/>
+            <a:ext cx="36461318" cy="5326302"/>
           </a:xfrm>
           <a:prstGeom prst="stripedRightArrow">
             <a:avLst/>
@@ -4332,7 +4667,7 @@
         </p:blipFill>
         <p:spPr bwMode="auto">
           <a:xfrm>
-            <a:off x="38269028" y="31540155"/>
+            <a:off x="33528000" y="31530874"/>
             <a:ext cx="2759344" cy="1200179"/>
           </a:xfrm>
           <a:prstGeom prst="rect">
@@ -4366,8 +4701,8 @@
         </p:blipFill>
         <p:spPr>
           <a:xfrm>
-            <a:off x="38521205" y="12461862"/>
-            <a:ext cx="4851744" cy="6054738"/>
+            <a:off x="37758705" y="12461862"/>
+            <a:ext cx="5751495" cy="6054738"/>
           </a:xfrm>
           <a:prstGeom prst="ellipse">
             <a:avLst/>
@@ -4406,8 +4741,8 @@
         </p:nvSpPr>
         <p:spPr>
           <a:xfrm>
-            <a:off x="4249330" y="15316200"/>
-            <a:ext cx="36250381" cy="5456107"/>
+            <a:off x="4249331" y="15316200"/>
+            <a:ext cx="35146067" cy="5456107"/>
           </a:xfrm>
           <a:prstGeom prst="stripedRightArrow">
             <a:avLst/>
@@ -4487,7 +4822,7 @@
         </p:nvSpPr>
         <p:spPr bwMode="auto">
           <a:xfrm>
-            <a:off x="37238409" y="5529109"/>
+            <a:off x="37238409" y="4614709"/>
             <a:ext cx="5952003" cy="1176491"/>
           </a:xfrm>
           <a:prstGeom prst="rect">
@@ -4624,7 +4959,7 @@
         </p:nvSpPr>
         <p:spPr bwMode="auto">
           <a:xfrm>
-            <a:off x="37183904" y="5068120"/>
+            <a:off x="37183904" y="4153720"/>
             <a:ext cx="5952003" cy="628279"/>
           </a:xfrm>
           <a:prstGeom prst="rect">
@@ -4788,7 +5123,7 @@
         </p:nvSpPr>
         <p:spPr bwMode="auto">
           <a:xfrm>
-            <a:off x="37238409" y="3174731"/>
+            <a:off x="37238409" y="2609127"/>
             <a:ext cx="5952003" cy="1473469"/>
           </a:xfrm>
           <a:prstGeom prst="rect">
@@ -4876,7 +5211,7 @@
         </p:nvSpPr>
         <p:spPr bwMode="auto">
           <a:xfrm>
-            <a:off x="37238409" y="2738124"/>
+            <a:off x="37238409" y="2172520"/>
             <a:ext cx="5952003" cy="680279"/>
           </a:xfrm>
           <a:prstGeom prst="rect">
@@ -5032,7 +5367,7 @@
       </p:sp>
       <p:pic>
         <p:nvPicPr>
-          <p:cNvPr id="4" name="Picture 3"/>
+          <p:cNvPr id="2" name="Picture 1"/>
           <p:cNvPicPr>
             <a:picLocks noChangeAspect="1"/>
           </p:cNvPicPr>
@@ -5052,37 +5387,7 @@
         </p:blipFill>
         <p:spPr>
           <a:xfrm>
-            <a:off x="37243325" y="838200"/>
-            <a:ext cx="5952003" cy="1376522"/>
-          </a:xfrm>
-          <a:prstGeom prst="rect">
-            <a:avLst/>
-          </a:prstGeom>
-        </p:spPr>
-      </p:pic>
-      <p:pic>
-        <p:nvPicPr>
-          <p:cNvPr id="2" name="Picture 1"/>
-          <p:cNvPicPr>
-            <a:picLocks noChangeAspect="1"/>
-          </p:cNvPicPr>
-          <p:nvPr/>
-        </p:nvPicPr>
-        <p:blipFill>
-          <a:blip r:embed="rId8">
-            <a:extLst>
-              <a:ext uri="{28A0092B-C50C-407E-A947-70E740481C1C}">
-                <a14:useLocalDpi xmlns:a14="http://schemas.microsoft.com/office/drawing/2010/main" val="0"/>
-              </a:ext>
-            </a:extLst>
-          </a:blip>
-          <a:stretch>
-            <a:fillRect/>
-          </a:stretch>
-        </p:blipFill>
-        <p:spPr>
-          <a:xfrm>
-            <a:off x="32527238" y="30224284"/>
+            <a:off x="37871400" y="30299551"/>
             <a:ext cx="2759344" cy="2431502"/>
           </a:xfrm>
           <a:prstGeom prst="rect">
@@ -5099,7 +5404,7 @@
           <p:nvPr/>
         </p:nvPicPr>
         <p:blipFill>
-          <a:blip r:embed="rId9" cstate="print">
+          <a:blip r:embed="rId8" cstate="print">
             <a:extLst>
               <a:ext uri="{28A0092B-C50C-407E-A947-70E740481C1C}">
                 <a14:useLocalDpi xmlns:a14="http://schemas.microsoft.com/office/drawing/2010/main" val="0"/>
@@ -6221,8 +6526,8 @@
         </p:nvSpPr>
         <p:spPr>
           <a:xfrm rot="5400000">
-            <a:off x="24432491" y="20718884"/>
-            <a:ext cx="5173441" cy="491523"/>
+            <a:off x="25349673" y="19801702"/>
+            <a:ext cx="3339075" cy="491523"/>
           </a:xfrm>
           <a:prstGeom prst="homePlate">
             <a:avLst/>
@@ -6262,8 +6567,8 @@
         </p:nvSpPr>
         <p:spPr>
           <a:xfrm rot="5400000">
-            <a:off x="23696130" y="20719912"/>
-            <a:ext cx="5160253" cy="491523"/>
+            <a:off x="24610528" y="19805512"/>
+            <a:ext cx="3331452" cy="491523"/>
           </a:xfrm>
           <a:prstGeom prst="homePlate">
             <a:avLst/>
@@ -6303,8 +6608,8 @@
         </p:nvSpPr>
         <p:spPr>
           <a:xfrm rot="5400000">
-            <a:off x="10461609" y="19980198"/>
-            <a:ext cx="6674302" cy="491523"/>
+            <a:off x="11384664" y="19057143"/>
+            <a:ext cx="4828192" cy="491523"/>
           </a:xfrm>
           <a:prstGeom prst="homePlate">
             <a:avLst/>
@@ -6344,8 +6649,8 @@
         </p:nvSpPr>
         <p:spPr>
           <a:xfrm rot="5400000">
-            <a:off x="9728844" y="19977630"/>
-            <a:ext cx="6653926" cy="491523"/>
+            <a:off x="10645519" y="19060952"/>
+            <a:ext cx="4820571" cy="491523"/>
           </a:xfrm>
           <a:prstGeom prst="homePlate">
             <a:avLst/>
@@ -6385,7 +6690,7 @@
         </p:nvSpPr>
         <p:spPr>
           <a:xfrm rot="5400000">
-            <a:off x="25384989" y="22125765"/>
+            <a:off x="25384989" y="20266260"/>
             <a:ext cx="1798095" cy="584775"/>
           </a:xfrm>
           <a:prstGeom prst="rect">
@@ -6417,7 +6722,7 @@
         </p:nvSpPr>
         <p:spPr>
           <a:xfrm rot="5400000">
-            <a:off x="26117416" y="22125764"/>
+            <a:off x="26117416" y="20266259"/>
             <a:ext cx="1798092" cy="584775"/>
           </a:xfrm>
           <a:prstGeom prst="rect">
@@ -6449,7 +6754,7 @@
         </p:nvSpPr>
         <p:spPr>
           <a:xfrm rot="5400000">
-            <a:off x="12159808" y="22109197"/>
+            <a:off x="12159808" y="20249692"/>
             <a:ext cx="1764958" cy="584775"/>
           </a:xfrm>
           <a:prstGeom prst="rect">
@@ -6481,7 +6786,7 @@
         </p:nvSpPr>
         <p:spPr>
           <a:xfrm rot="5400000">
-            <a:off x="12921809" y="22109196"/>
+            <a:off x="12921809" y="20249691"/>
             <a:ext cx="1764956" cy="584775"/>
           </a:xfrm>
           <a:prstGeom prst="rect">
@@ -6513,8 +6818,8 @@
         </p:nvSpPr>
         <p:spPr>
           <a:xfrm rot="5400000">
-            <a:off x="11925441" y="19967733"/>
-            <a:ext cx="6664611" cy="491523"/>
+            <a:off x="12839840" y="19053332"/>
+            <a:ext cx="4835810" cy="491523"/>
           </a:xfrm>
           <a:prstGeom prst="homePlate">
             <a:avLst/>
@@ -6554,8 +6859,8 @@
         </p:nvSpPr>
         <p:spPr>
           <a:xfrm rot="5400000">
-            <a:off x="11182488" y="19975353"/>
-            <a:ext cx="6664611" cy="491523"/>
+            <a:off x="12096887" y="19060952"/>
+            <a:ext cx="4835810" cy="491523"/>
           </a:xfrm>
           <a:prstGeom prst="homePlate">
             <a:avLst/>
@@ -6595,7 +6900,7 @@
         </p:nvSpPr>
         <p:spPr>
           <a:xfrm rot="5400000">
-            <a:off x="13716881" y="21973366"/>
+            <a:off x="13716881" y="20113861"/>
             <a:ext cx="1493293" cy="584775"/>
           </a:xfrm>
           <a:prstGeom prst="rect">
@@ -6627,7 +6932,7 @@
         </p:nvSpPr>
         <p:spPr>
           <a:xfrm rot="5400000">
-            <a:off x="14481521" y="21980757"/>
+            <a:off x="14481521" y="20121252"/>
             <a:ext cx="1478511" cy="584775"/>
           </a:xfrm>
           <a:prstGeom prst="rect">
@@ -6659,8 +6964,8 @@
         </p:nvSpPr>
         <p:spPr>
           <a:xfrm rot="5400000">
-            <a:off x="13399802" y="19967733"/>
-            <a:ext cx="6664614" cy="491523"/>
+            <a:off x="14314202" y="19053333"/>
+            <a:ext cx="4835814" cy="491523"/>
           </a:xfrm>
           <a:prstGeom prst="homePlate">
             <a:avLst/>
@@ -6700,8 +7005,8 @@
         </p:nvSpPr>
         <p:spPr>
           <a:xfrm rot="5400000">
-            <a:off x="12656848" y="19975353"/>
-            <a:ext cx="6664611" cy="491523"/>
+            <a:off x="13571247" y="19060952"/>
+            <a:ext cx="4835810" cy="491523"/>
           </a:xfrm>
           <a:prstGeom prst="homePlate">
             <a:avLst/>
@@ -6741,7 +7046,7 @@
         </p:nvSpPr>
         <p:spPr>
           <a:xfrm rot="5400000">
-            <a:off x="15198633" y="21980757"/>
+            <a:off x="15198633" y="20121252"/>
             <a:ext cx="1478511" cy="584775"/>
           </a:xfrm>
           <a:prstGeom prst="rect">
@@ -6773,7 +7078,7 @@
         </p:nvSpPr>
         <p:spPr>
           <a:xfrm rot="5400000">
-            <a:off x="15955881" y="21980757"/>
+            <a:off x="15955881" y="20121252"/>
             <a:ext cx="1478511" cy="584775"/>
           </a:xfrm>
           <a:prstGeom prst="rect">
@@ -6805,8 +7110,8 @@
         </p:nvSpPr>
         <p:spPr>
           <a:xfrm rot="5400000">
-            <a:off x="25157431" y="20718882"/>
-            <a:ext cx="5173436" cy="491523"/>
+            <a:off x="26074609" y="19801701"/>
+            <a:ext cx="3339073" cy="491523"/>
           </a:xfrm>
           <a:prstGeom prst="homePlate">
             <a:avLst/>
@@ -7557,7 +7862,7 @@
                 <a:latin typeface="Courier New" panose="02070309020205020404" pitchFamily="49" charset="0"/>
                 <a:cs typeface="Courier New" panose="02070309020205020404" pitchFamily="49" charset="0"/>
               </a:rPr>
-              <a:t>[STATIC LOCK BYTES] - Field Programmable Read-Only Locking Mechanism</a:t>
+              <a:t>STATIC LOCK BYTES - Field Programmable Read-Only Locking Mechanism</a:t>
             </a:r>
           </a:p>
           <a:p>
@@ -7566,7 +7871,7 @@
                 <a:latin typeface="Courier New" panose="02070309020205020404" pitchFamily="49" charset="0"/>
                 <a:cs typeface="Courier New" panose="02070309020205020404" pitchFamily="49" charset="0"/>
               </a:rPr>
-              <a:t>  [MEMORY LOCATION] - PAGE 02h (Hex)</a:t>
+              <a:t>  MEMORY LOCATION - PAGE 02h (Hex)</a:t>
             </a:r>
           </a:p>
           <a:p>
@@ -7575,7 +7880,7 @@
                 <a:latin typeface="Courier New" panose="02070309020205020404" pitchFamily="49" charset="0"/>
                 <a:cs typeface="Courier New" panose="02070309020205020404" pitchFamily="49" charset="0"/>
               </a:rPr>
-              <a:t>          [DETAILS] - Each bit represents an individual 16-bit page from 03h to 0Fh. Bits set to 1 permanently</a:t>
+              <a:t>          DETAILS - Each bit represents an individual 16-bit page from 03h to 0Fh. Bits set to 1 permanently</a:t>
             </a:r>
             <a:br>
               <a:rPr lang="en-US" sz="2800" b="1" dirty="0">
@@ -7588,7 +7893,7 @@
                 <a:latin typeface="Courier New" panose="02070309020205020404" pitchFamily="49" charset="0"/>
                 <a:cs typeface="Courier New" panose="02070309020205020404" pitchFamily="49" charset="0"/>
               </a:rPr>
-              <a:t>                      lock their corresponding pages as read-only.</a:t>
+              <a:t>                    lock their corresponding pages as read-only.</a:t>
             </a:r>
           </a:p>
         </p:txBody>
@@ -7633,7 +7938,7 @@
         </p:nvSpPr>
         <p:spPr>
           <a:xfrm rot="5400000">
-            <a:off x="26849841" y="22125764"/>
+            <a:off x="26849841" y="20266259"/>
             <a:ext cx="1798092" cy="584775"/>
           </a:xfrm>
           <a:prstGeom prst="rect">
@@ -9096,7 +9401,7 @@
                 <a:latin typeface="Courier New" panose="02070309020205020404" pitchFamily="49" charset="0"/>
                 <a:cs typeface="Courier New" panose="02070309020205020404" pitchFamily="49" charset="0"/>
               </a:rPr>
-              <a:t>[CAPABILITY CONTAINER] - One Time Programmable Bits</a:t>
+              <a:t>CAPABILITY CONTAINER - One Time Programmable Bits</a:t>
             </a:r>
           </a:p>
           <a:p>
@@ -9105,7 +9410,7 @@
                 <a:latin typeface="Courier New" panose="02070309020205020404" pitchFamily="49" charset="0"/>
                 <a:cs typeface="Courier New" panose="02070309020205020404" pitchFamily="49" charset="0"/>
               </a:rPr>
-              <a:t>     [MEMORY LOCATION] - PAGE 03h</a:t>
+              <a:t>     MEMORY LOCATION - PAGE 03h</a:t>
             </a:r>
           </a:p>
           <a:p>
@@ -9114,7 +9419,7 @@
                 <a:latin typeface="Courier New" panose="02070309020205020404" pitchFamily="49" charset="0"/>
                 <a:cs typeface="Courier New" panose="02070309020205020404" pitchFamily="49" charset="0"/>
               </a:rPr>
-              <a:t>             [DETAILS] - Writability defined by Static Lock Bytes. Stores control data for managing </a:t>
+              <a:t>             DETAILS - Writability defined by Static Lock Bytes. Stores control data for managing </a:t>
             </a:r>
             <a:br>
               <a:rPr lang="en-US" sz="2800" b="1" dirty="0">
@@ -9127,7 +9432,7 @@
                 <a:latin typeface="Courier New" panose="02070309020205020404" pitchFamily="49" charset="0"/>
                 <a:cs typeface="Courier New" panose="02070309020205020404" pitchFamily="49" charset="0"/>
               </a:rPr>
-              <a:t>                         NFC Forum defined data inside the tag. </a:t>
+              <a:t>                       NFC Forum defined data inside the tag. </a:t>
             </a:r>
           </a:p>
         </p:txBody>
@@ -9739,65 +10044,6 @@
       </p:graphicFrame>
       <p:sp>
         <p:nvSpPr>
-          <p:cNvPr id="5" name="Rectangle: Rounded Corners 4"/>
-          <p:cNvSpPr/>
-          <p:nvPr/>
-        </p:nvSpPr>
-        <p:spPr>
-          <a:xfrm>
-            <a:off x="12051309" y="23679049"/>
-            <a:ext cx="24451556" cy="6397537"/>
-          </a:xfrm>
-          <a:prstGeom prst="roundRect">
-            <a:avLst/>
-          </a:prstGeom>
-          <a:gradFill flip="none" rotWithShape="1">
-            <a:gsLst>
-              <a:gs pos="5000">
-                <a:srgbClr val="FFC000"/>
-              </a:gs>
-              <a:gs pos="100000">
-                <a:schemeClr val="bg2">
-                  <a:lumMod val="100000"/>
-                  <a:alpha val="0"/>
-                </a:schemeClr>
-              </a:gs>
-            </a:gsLst>
-            <a:lin ang="5400000" scaled="1"/>
-            <a:tileRect/>
-          </a:gradFill>
-          <a:ln>
-            <a:noFill/>
-          </a:ln>
-          <a:effectLst/>
-        </p:spPr>
-        <p:style>
-          <a:lnRef idx="2">
-            <a:schemeClr val="accent1">
-              <a:shade val="50000"/>
-            </a:schemeClr>
-          </a:lnRef>
-          <a:fillRef idx="1">
-            <a:schemeClr val="accent1"/>
-          </a:fillRef>
-          <a:effectRef idx="0">
-            <a:schemeClr val="accent1"/>
-          </a:effectRef>
-          <a:fontRef idx="minor">
-            <a:schemeClr val="lt1"/>
-          </a:fontRef>
-        </p:style>
-        <p:txBody>
-          <a:bodyPr rtlCol="0" anchor="ctr"/>
-          <a:lstStyle/>
-          <a:p>
-            <a:pPr algn="ctr"/>
-            <a:endParaRPr lang="en-US"/>
-          </a:p>
-        </p:txBody>
-      </p:sp>
-      <p:sp>
-        <p:nvSpPr>
           <p:cNvPr id="72" name="TextBox 71"/>
           <p:cNvSpPr txBox="1"/>
           <p:nvPr/>
@@ -9823,7 +10069,7 @@
                 <a:latin typeface="Courier New" panose="02070309020205020404" pitchFamily="49" charset="0"/>
                 <a:cs typeface="Courier New" panose="02070309020205020404" pitchFamily="49" charset="0"/>
               </a:rPr>
-              <a:t>[DYNAMIC LOCK BYTES] - Position Based Locking</a:t>
+              <a:t>DYNAMIC LOCK BYTES - Position Based Locking</a:t>
             </a:r>
           </a:p>
           <a:p>
@@ -9832,7 +10078,7 @@
                 <a:latin typeface="Courier New" panose="02070309020205020404" pitchFamily="49" charset="0"/>
                 <a:cs typeface="Courier New" panose="02070309020205020404" pitchFamily="49" charset="0"/>
               </a:rPr>
-              <a:t>   [MEMORY LOCATION] - DYNAMIC</a:t>
+              <a:t>   MEMORY LOCATION - DYNAMIC</a:t>
             </a:r>
           </a:p>
           <a:p>
@@ -9841,7 +10087,7 @@
                 <a:latin typeface="Courier New" panose="02070309020205020404" pitchFamily="49" charset="0"/>
                 <a:cs typeface="Courier New" panose="02070309020205020404" pitchFamily="49" charset="0"/>
               </a:rPr>
-              <a:t>           [DETAILS] - Used to lock discrete memory</a:t>
+              <a:t>           DETAILS - Used to lock discrete memory</a:t>
             </a:r>
             <a:br>
               <a:rPr lang="en-US" sz="2800" b="1" dirty="0">
@@ -9854,7 +10100,7 @@
                 <a:latin typeface="Courier New" panose="02070309020205020404" pitchFamily="49" charset="0"/>
                 <a:cs typeface="Courier New" panose="02070309020205020404" pitchFamily="49" charset="0"/>
               </a:rPr>
-              <a:t>                       blocks after PAGE 15h.</a:t>
+              <a:t>                     blocks after PAGE 15h.</a:t>
             </a:r>
           </a:p>
         </p:txBody>
@@ -9862,6 +10108,36 @@
       <p:pic>
         <p:nvPicPr>
           <p:cNvPr id="11" name="Picture 10"/>
+          <p:cNvPicPr>
+            <a:picLocks noChangeAspect="1"/>
+          </p:cNvPicPr>
+          <p:nvPr/>
+        </p:nvPicPr>
+        <p:blipFill>
+          <a:blip r:embed="rId9" cstate="print">
+            <a:extLst>
+              <a:ext uri="{28A0092B-C50C-407E-A947-70E740481C1C}">
+                <a14:useLocalDpi xmlns:a14="http://schemas.microsoft.com/office/drawing/2010/main" val="0"/>
+              </a:ext>
+            </a:extLst>
+          </a:blip>
+          <a:stretch>
+            <a:fillRect/>
+          </a:stretch>
+        </p:blipFill>
+        <p:spPr>
+          <a:xfrm>
+            <a:off x="33528000" y="30299551"/>
+            <a:ext cx="2759344" cy="1111210"/>
+          </a:xfrm>
+          <a:prstGeom prst="rect">
+            <a:avLst/>
+          </a:prstGeom>
+        </p:spPr>
+      </p:pic>
+      <p:pic>
+        <p:nvPicPr>
+          <p:cNvPr id="13" name="Picture 12"/>
           <p:cNvPicPr>
             <a:picLocks noChangeAspect="1"/>
           </p:cNvPicPr>
@@ -9881,8 +10157,8 @@
         </p:blipFill>
         <p:spPr>
           <a:xfrm>
-            <a:off x="35485110" y="31544576"/>
-            <a:ext cx="2759344" cy="1111210"/>
+            <a:off x="42275932" y="30233086"/>
+            <a:ext cx="1234268" cy="1149720"/>
           </a:xfrm>
           <a:prstGeom prst="rect">
             <a:avLst/>
@@ -9891,14 +10167,14 @@
       </p:pic>
       <p:pic>
         <p:nvPicPr>
-          <p:cNvPr id="13" name="Picture 12"/>
+          <p:cNvPr id="16" name="Picture 15"/>
           <p:cNvPicPr>
             <a:picLocks noChangeAspect="1"/>
           </p:cNvPicPr>
           <p:nvPr/>
         </p:nvPicPr>
         <p:blipFill>
-          <a:blip r:embed="rId11" cstate="print">
+          <a:blip r:embed="rId11">
             <a:extLst>
               <a:ext uri="{28A0092B-C50C-407E-A947-70E740481C1C}">
                 <a14:useLocalDpi xmlns:a14="http://schemas.microsoft.com/office/drawing/2010/main" val="0"/>
@@ -9911,8 +10187,8 @@
         </p:blipFill>
         <p:spPr>
           <a:xfrm>
-            <a:off x="42262640" y="31506066"/>
-            <a:ext cx="1234268" cy="1149720"/>
+            <a:off x="20258897" y="25009618"/>
+            <a:ext cx="5572903" cy="2314898"/>
           </a:xfrm>
           <a:prstGeom prst="rect">
             <a:avLst/>
@@ -9921,7 +10197,7 @@
       </p:pic>
       <p:pic>
         <p:nvPicPr>
-          <p:cNvPr id="16" name="Picture 15"/>
+          <p:cNvPr id="18" name="Picture 17"/>
           <p:cNvPicPr>
             <a:picLocks noChangeAspect="1"/>
           </p:cNvPicPr>
@@ -9941,8 +10217,8 @@
         </p:blipFill>
         <p:spPr>
           <a:xfrm>
-            <a:off x="21097096" y="27179220"/>
-            <a:ext cx="5572903" cy="2314898"/>
+            <a:off x="20257309" y="22098000"/>
+            <a:ext cx="5572903" cy="2667372"/>
           </a:xfrm>
           <a:prstGeom prst="rect">
             <a:avLst/>
@@ -9951,7 +10227,7 @@
       </p:pic>
       <p:pic>
         <p:nvPicPr>
-          <p:cNvPr id="18" name="Picture 17"/>
+          <p:cNvPr id="23" name="Picture 22"/>
           <p:cNvPicPr>
             <a:picLocks noChangeAspect="1"/>
           </p:cNvPicPr>
@@ -9971,8 +10247,8 @@
         </p:blipFill>
         <p:spPr>
           <a:xfrm>
-            <a:off x="21097097" y="24267602"/>
-            <a:ext cx="5572903" cy="2667372"/>
+            <a:off x="12344400" y="22098000"/>
+            <a:ext cx="7735380" cy="5220429"/>
           </a:xfrm>
           <a:prstGeom prst="rect">
             <a:avLst/>
@@ -9981,7 +10257,7 @@
       </p:pic>
       <p:pic>
         <p:nvPicPr>
-          <p:cNvPr id="23" name="Picture 22"/>
+          <p:cNvPr id="27" name="Picture 26"/>
           <p:cNvPicPr>
             <a:picLocks noChangeAspect="1"/>
           </p:cNvPicPr>
@@ -10001,37 +10277,7 @@
         </p:blipFill>
         <p:spPr>
           <a:xfrm>
-            <a:off x="12991020" y="24267602"/>
-            <a:ext cx="7735380" cy="5220429"/>
-          </a:xfrm>
-          <a:prstGeom prst="rect">
-            <a:avLst/>
-          </a:prstGeom>
-        </p:spPr>
-      </p:pic>
-      <p:pic>
-        <p:nvPicPr>
-          <p:cNvPr id="27" name="Picture 26"/>
-          <p:cNvPicPr>
-            <a:picLocks noChangeAspect="1"/>
-          </p:cNvPicPr>
-          <p:nvPr/>
-        </p:nvPicPr>
-        <p:blipFill>
-          <a:blip r:embed="rId15">
-            <a:extLst>
-              <a:ext uri="{28A0092B-C50C-407E-A947-70E740481C1C}">
-                <a14:useLocalDpi xmlns:a14="http://schemas.microsoft.com/office/drawing/2010/main" val="0"/>
-              </a:ext>
-            </a:extLst>
-          </a:blip>
-          <a:stretch>
-            <a:fillRect/>
-          </a:stretch>
-        </p:blipFill>
-        <p:spPr>
-          <a:xfrm>
-            <a:off x="26926700" y="26365200"/>
+            <a:off x="26329060" y="22098000"/>
             <a:ext cx="3400900" cy="1333686"/>
           </a:xfrm>
           <a:prstGeom prst="rect">
@@ -10048,7 +10294,7 @@
           <p:nvPr/>
         </p:nvPicPr>
         <p:blipFill>
-          <a:blip r:embed="rId16" cstate="print">
+          <a:blip r:embed="rId15" cstate="print">
             <a:extLst>
               <a:ext uri="{28A0092B-C50C-407E-A947-70E740481C1C}">
                 <a14:useLocalDpi xmlns:a14="http://schemas.microsoft.com/office/drawing/2010/main" val="0"/>
@@ -10061,7 +10307,7 @@
         </p:blipFill>
         <p:spPr>
           <a:xfrm>
-            <a:off x="41028372" y="31506066"/>
+            <a:off x="42275932" y="31506066"/>
             <a:ext cx="1234268" cy="1234268"/>
           </a:xfrm>
           <a:prstGeom prst="rect">
@@ -10091,7 +10337,7 @@
         </p:blipFill>
         <p:spPr>
           <a:xfrm>
-            <a:off x="31300402" y="24993600"/>
+            <a:off x="26358460" y="23642248"/>
             <a:ext cx="3342103" cy="3528016"/>
           </a:xfrm>
           <a:prstGeom prst="ellipse">
@@ -10117,53 +10363,6 @@
           </a:sp3d>
         </p:spPr>
       </p:pic>
-      <p:pic>
-        <p:nvPicPr>
-          <p:cNvPr id="104" name="Picture 103"/>
-          <p:cNvPicPr>
-            <a:picLocks noChangeAspect="1"/>
-          </p:cNvPicPr>
-          <p:nvPr/>
-        </p:nvPicPr>
-        <p:blipFill>
-          <a:blip r:embed="rId17">
-            <a:extLst>
-              <a:ext uri="{BEBA8EAE-BF5A-486C-A8C5-ECC9F3942E4B}">
-                <a14:imgProps xmlns:a14="http://schemas.microsoft.com/office/drawing/2010/main">
-                  <a14:imgLayer r:embed="rId18">
-                    <a14:imgEffect>
-                      <a14:brightnessContrast bright="5000"/>
-                    </a14:imgEffect>
-                  </a14:imgLayer>
-                </a14:imgProps>
-              </a:ext>
-              <a:ext uri="{28A0092B-C50C-407E-A947-70E740481C1C}">
-                <a14:useLocalDpi xmlns:a14="http://schemas.microsoft.com/office/drawing/2010/main" val="0"/>
-              </a:ext>
-            </a:extLst>
-          </a:blip>
-          <a:stretch>
-            <a:fillRect/>
-          </a:stretch>
-        </p:blipFill>
-        <p:spPr>
-          <a:xfrm>
-            <a:off x="32254962" y="26151421"/>
-            <a:ext cx="1432979" cy="1432979"/>
-          </a:xfrm>
-          <a:prstGeom prst="rect">
-            <a:avLst/>
-          </a:prstGeom>
-          <a:noFill/>
-          <a:effectLst>
-            <a:outerShdw blurRad="127000" dir="2700000" sx="108000" sy="108000" algn="tl" rotWithShape="0">
-              <a:prstClr val="black">
-                <a:alpha val="40000"/>
-              </a:prstClr>
-            </a:outerShdw>
-          </a:effectLst>
-        </p:spPr>
-      </p:pic>
       <p:sp>
         <p:nvSpPr>
           <p:cNvPr id="93" name="TextBox 92"/>
@@ -10171,8 +10370,8 @@
           <p:nvPr/>
         </p:nvSpPr>
         <p:spPr>
-          <a:xfrm>
-            <a:off x="30586105" y="27508200"/>
+          <a:xfrm rot="19367079">
+            <a:off x="25644163" y="24564268"/>
             <a:ext cx="4770695" cy="1569660"/>
           </a:xfrm>
           <a:prstGeom prst="rect">
@@ -10255,7 +10454,7 @@
           <p:nvPr/>
         </p:nvPicPr>
         <p:blipFill>
-          <a:blip r:embed="rId9" cstate="print">
+          <a:blip r:embed="rId8" cstate="print">
             <a:extLst>
               <a:ext uri="{28A0092B-C50C-407E-A947-70E740481C1C}">
                 <a14:useLocalDpi xmlns:a14="http://schemas.microsoft.com/office/drawing/2010/main" val="0"/>
@@ -10276,426 +10475,682 @@
           </a:prstGeom>
         </p:spPr>
       </p:pic>
-      <p:sp>
-        <p:nvSpPr>
-          <p:cNvPr id="17" name="Rectangle: Rounded Corners 16"/>
-          <p:cNvSpPr/>
+      <p:pic>
+        <p:nvPicPr>
+          <p:cNvPr id="14" name="Picture 13"/>
+          <p:cNvPicPr>
+            <a:picLocks noChangeAspect="1"/>
+          </p:cNvPicPr>
           <p:nvPr/>
-        </p:nvSpPr>
+        </p:nvPicPr>
+        <p:blipFill>
+          <a:blip r:embed="rId16" cstate="print">
+            <a:extLst>
+              <a:ext uri="{28A0092B-C50C-407E-A947-70E740481C1C}">
+                <a14:useLocalDpi xmlns:a14="http://schemas.microsoft.com/office/drawing/2010/main" val="0"/>
+              </a:ext>
+            </a:extLst>
+          </a:blip>
+          <a:stretch>
+            <a:fillRect/>
+          </a:stretch>
+        </p:blipFill>
         <p:spPr>
           <a:xfrm>
-            <a:off x="5105400" y="360891"/>
-            <a:ext cx="6415949" cy="6649509"/>
-          </a:xfrm>
-          <a:prstGeom prst="roundRect">
-            <a:avLst/>
-          </a:prstGeom>
-          <a:solidFill>
-            <a:schemeClr val="bg1">
-              <a:alpha val="50000"/>
-            </a:schemeClr>
-          </a:solidFill>
-          <a:ln>
-            <a:noFill/>
-          </a:ln>
-          <a:effectLst>
-            <a:outerShdw blurRad="228600" dist="381000" dir="2700000" algn="tl" rotWithShape="0">
-              <a:prstClr val="black">
-                <a:alpha val="28000"/>
-              </a:prstClr>
-            </a:outerShdw>
-          </a:effectLst>
-        </p:spPr>
-        <p:style>
-          <a:lnRef idx="2">
-            <a:schemeClr val="accent1">
-              <a:shade val="50000"/>
-            </a:schemeClr>
-          </a:lnRef>
-          <a:fillRef idx="1">
-            <a:schemeClr val="accent1"/>
-          </a:fillRef>
-          <a:effectRef idx="0">
-            <a:schemeClr val="accent1"/>
-          </a:effectRef>
-          <a:fontRef idx="minor">
-            <a:schemeClr val="lt1"/>
-          </a:fontRef>
-        </p:style>
-        <p:txBody>
-          <a:bodyPr rot="0" spcFirstLastPara="0" vertOverflow="overflow" horzOverflow="overflow" vert="horz" wrap="square" lIns="91440" tIns="45720" rIns="91440" bIns="45720" numCol="1" spcCol="0" rtlCol="0" fromWordArt="0" anchor="ctr" anchorCtr="0" forceAA="0" compatLnSpc="1">
-            <a:prstTxWarp prst="textNoShape">
-              <a:avLst/>
-            </a:prstTxWarp>
-            <a:noAutofit/>
-          </a:bodyPr>
-          <a:lstStyle/>
-          <a:p>
-            <a:pPr algn="ctr"/>
-            <a:endParaRPr lang="en-US" dirty="0"/>
-          </a:p>
-        </p:txBody>
-      </p:sp>
-      <p:sp>
-        <p:nvSpPr>
-          <p:cNvPr id="84" name="Rectangle: Rounded Corners 83"/>
-          <p:cNvSpPr/>
-          <p:nvPr/>
-        </p:nvSpPr>
-        <p:spPr>
-          <a:xfrm>
-            <a:off x="36957000" y="23620792"/>
-            <a:ext cx="6415949" cy="6725597"/>
-          </a:xfrm>
-          <a:prstGeom prst="roundRect">
-            <a:avLst/>
-          </a:prstGeom>
-          <a:solidFill>
-            <a:schemeClr val="bg1">
-              <a:alpha val="50000"/>
-            </a:schemeClr>
-          </a:solidFill>
-          <a:ln>
-            <a:noFill/>
-          </a:ln>
-          <a:effectLst>
-            <a:outerShdw blurRad="228600" dist="381000" dir="2700000" algn="tl" rotWithShape="0">
-              <a:prstClr val="black">
-                <a:alpha val="28000"/>
-              </a:prstClr>
-            </a:outerShdw>
-          </a:effectLst>
-        </p:spPr>
-        <p:style>
-          <a:lnRef idx="2">
-            <a:schemeClr val="accent1">
-              <a:shade val="50000"/>
-            </a:schemeClr>
-          </a:lnRef>
-          <a:fillRef idx="1">
-            <a:schemeClr val="accent1"/>
-          </a:fillRef>
-          <a:effectRef idx="0">
-            <a:schemeClr val="accent1"/>
-          </a:effectRef>
-          <a:fontRef idx="minor">
-            <a:schemeClr val="lt1"/>
-          </a:fontRef>
-        </p:style>
-        <p:txBody>
-          <a:bodyPr rot="0" spcFirstLastPara="0" vertOverflow="overflow" horzOverflow="overflow" vert="horz" wrap="square" lIns="91440" tIns="45720" rIns="91440" bIns="45720" numCol="1" spcCol="0" rtlCol="0" fromWordArt="0" anchor="ctr" anchorCtr="0" forceAA="0" compatLnSpc="1">
-            <a:prstTxWarp prst="textNoShape">
-              <a:avLst/>
-            </a:prstTxWarp>
-            <a:noAutofit/>
-          </a:bodyPr>
-          <a:lstStyle/>
-          <a:p>
-            <a:pPr algn="ctr"/>
-            <a:endParaRPr lang="en-US"/>
-          </a:p>
-        </p:txBody>
-      </p:sp>
-      <p:sp>
-        <p:nvSpPr>
-          <p:cNvPr id="86" name="Rectangle: Rounded Corners 85"/>
-          <p:cNvSpPr/>
-          <p:nvPr/>
-        </p:nvSpPr>
-        <p:spPr>
-          <a:xfrm>
-            <a:off x="5105400" y="23620792"/>
-            <a:ext cx="6415949" cy="6725597"/>
-          </a:xfrm>
-          <a:prstGeom prst="roundRect">
-            <a:avLst/>
-          </a:prstGeom>
-          <a:solidFill>
-            <a:schemeClr val="bg1">
-              <a:alpha val="50000"/>
-            </a:schemeClr>
-          </a:solidFill>
-          <a:ln>
-            <a:noFill/>
-          </a:ln>
-          <a:effectLst>
-            <a:outerShdw blurRad="228600" dist="381000" dir="2700000" algn="tl" rotWithShape="0">
-              <a:prstClr val="black">
-                <a:alpha val="28000"/>
-              </a:prstClr>
-            </a:outerShdw>
-          </a:effectLst>
-        </p:spPr>
-        <p:style>
-          <a:lnRef idx="2">
-            <a:schemeClr val="accent1">
-              <a:shade val="50000"/>
-            </a:schemeClr>
-          </a:lnRef>
-          <a:fillRef idx="1">
-            <a:schemeClr val="accent1"/>
-          </a:fillRef>
-          <a:effectRef idx="0">
-            <a:schemeClr val="accent1"/>
-          </a:effectRef>
-          <a:fontRef idx="minor">
-            <a:schemeClr val="lt1"/>
-          </a:fontRef>
-        </p:style>
-        <p:txBody>
-          <a:bodyPr rot="0" spcFirstLastPara="0" vertOverflow="overflow" horzOverflow="overflow" vert="horz" wrap="square" lIns="91440" tIns="45720" rIns="91440" bIns="45720" numCol="1" spcCol="0" rtlCol="0" fromWordArt="0" anchor="ctr" anchorCtr="0" forceAA="0" compatLnSpc="1">
-            <a:prstTxWarp prst="textNoShape">
-              <a:avLst/>
-            </a:prstTxWarp>
-            <a:noAutofit/>
-          </a:bodyPr>
-          <a:lstStyle/>
-          <a:p>
-            <a:pPr algn="ctr"/>
-            <a:endParaRPr lang="en-US"/>
-          </a:p>
-        </p:txBody>
-      </p:sp>
-      <p:sp>
-        <p:nvSpPr>
-          <p:cNvPr id="7" name="TextBox 6"/>
-          <p:cNvSpPr txBox="1"/>
-          <p:nvPr/>
-        </p:nvSpPr>
-        <p:spPr>
-          <a:xfrm>
-            <a:off x="5392331" y="558225"/>
-            <a:ext cx="5909788" cy="584775"/>
+            <a:off x="39948652" y="14803431"/>
+            <a:ext cx="1371600" cy="1371600"/>
           </a:xfrm>
           <a:prstGeom prst="rect">
             <a:avLst/>
           </a:prstGeom>
-          <a:noFill/>
         </p:spPr>
-        <p:txBody>
-          <a:bodyPr wrap="square" rtlCol="0">
-            <a:spAutoFit/>
-          </a:bodyPr>
-          <a:lstStyle/>
-          <a:p>
-            <a:pPr algn="ctr"/>
-            <a:r>
-              <a:rPr lang="en-US" sz="3200" dirty="0">
-                <a:solidFill>
-                  <a:schemeClr val="bg1">
-                    <a:lumMod val="50000"/>
-                  </a:schemeClr>
-                </a:solidFill>
-                <a:latin typeface="Verdana" panose="020B0604030504040204" pitchFamily="34" charset="0"/>
-                <a:ea typeface="Verdana" panose="020B0604030504040204" pitchFamily="34" charset="0"/>
-                <a:cs typeface="Verdana" panose="020B0604030504040204" pitchFamily="34" charset="0"/>
-              </a:rPr>
-              <a:t>Abstract</a:t>
-            </a:r>
-          </a:p>
-        </p:txBody>
-      </p:sp>
-      <p:sp>
-        <p:nvSpPr>
-          <p:cNvPr id="8" name="TextBox 7"/>
-          <p:cNvSpPr txBox="1"/>
+      </p:pic>
+      <p:graphicFrame>
+        <p:nvGraphicFramePr>
+          <p:cNvPr id="12" name="Table 11"/>
+          <p:cNvGraphicFramePr>
+            <a:graphicFrameLocks noGrp="1"/>
+          </p:cNvGraphicFramePr>
+          <p:nvPr>
+            <p:extLst>
+              <p:ext uri="{D42A27DB-BD31-4B8C-83A1-F6EECF244321}">
+                <p14:modId xmlns:p14="http://schemas.microsoft.com/office/powerpoint/2010/main" val="62201989"/>
+              </p:ext>
+            </p:extLst>
+          </p:nvPr>
+        </p:nvGraphicFramePr>
+        <p:xfrm>
+          <a:off x="4804410" y="29641800"/>
+          <a:ext cx="6972394" cy="3098534"/>
+        </p:xfrm>
+        <a:graphic>
+          <a:graphicData uri="http://schemas.openxmlformats.org/drawingml/2006/table">
+            <a:tbl>
+              <a:tblPr firstRow="1" bandRow="1">
+                <a:tableStyleId>{5C22544A-7EE6-4342-B048-85BDC9FD1C3A}</a:tableStyleId>
+              </a:tblPr>
+              <a:tblGrid>
+                <a:gridCol w="6972394">
+                  <a:extLst>
+                    <a:ext uri="{9D8B030D-6E8A-4147-A177-3AD203B41FA5}">
+                      <a16:colId xmlns:a16="http://schemas.microsoft.com/office/drawing/2014/main" val="4247442634"/>
+                    </a:ext>
+                  </a:extLst>
+                </a:gridCol>
+              </a:tblGrid>
+              <a:tr h="484476">
+                <a:tc>
+                  <a:txBody>
+                    <a:bodyPr/>
+                    <a:lstStyle/>
+                    <a:p>
+                      <a:pPr algn="ctr"/>
+                      <a:r>
+                        <a:rPr lang="en-US" sz="2400" dirty="0">
+                          <a:solidFill>
+                            <a:schemeClr val="bg1"/>
+                          </a:solidFill>
+                        </a:rPr>
+                        <a:t>Choosing Android as a Development Platform</a:t>
+                      </a:r>
+                    </a:p>
+                  </a:txBody>
+                  <a:tcPr anchor="ctr">
+                    <a:lnB w="57150" cap="flat" cmpd="sng" algn="ctr">
+                      <a:noFill/>
+                      <a:prstDash val="solid"/>
+                      <a:round/>
+                      <a:headEnd type="none" w="med" len="med"/>
+                      <a:tailEnd type="none" w="med" len="med"/>
+                    </a:lnB>
+                    <a:cell3D prstMaterial="dkEdge">
+                      <a:bevel/>
+                      <a:lightRig rig="flood" dir="t"/>
+                    </a:cell3D>
+                    <a:noFill/>
+                  </a:tcPr>
+                </a:tc>
+                <a:extLst>
+                  <a:ext uri="{0D108BD9-81ED-4DB2-BD59-A6C34878D82A}">
+                    <a16:rowId xmlns:a16="http://schemas.microsoft.com/office/drawing/2014/main" val="4195021587"/>
+                  </a:ext>
+                </a:extLst>
+              </a:tr>
+              <a:tr h="2614058">
+                <a:tc>
+                  <a:txBody>
+                    <a:bodyPr/>
+                    <a:lstStyle/>
+                    <a:p>
+                      <a:r>
+                        <a:rPr lang="en-US" sz="2200" dirty="0">
+                          <a:solidFill>
+                            <a:schemeClr val="bg1"/>
+                          </a:solidFill>
+                        </a:rPr>
+                        <a:t>Though NFC technology and protocols were designed to be software agnostic, Google’s Android Operating System provides more freedom for software developers to take advantage of NFC hardware. The mobile application presented here supports APIs version 19 (KitKat) and older. </a:t>
+                      </a:r>
+                    </a:p>
+                    <a:p>
+                      <a:endParaRPr lang="en-US" sz="2400" dirty="0">
+                        <a:solidFill>
+                          <a:schemeClr val="bg1"/>
+                        </a:solidFill>
+                      </a:endParaRPr>
+                    </a:p>
+                  </a:txBody>
+                  <a:tcPr marL="137160" marR="137160" marT="137160" marB="137160" anchor="ctr">
+                    <a:lnT w="57150" cap="flat" cmpd="sng" algn="ctr">
+                      <a:noFill/>
+                      <a:prstDash val="solid"/>
+                      <a:round/>
+                      <a:headEnd type="none" w="med" len="med"/>
+                      <a:tailEnd type="none" w="med" len="med"/>
+                    </a:lnT>
+                    <a:cell3D prstMaterial="dkEdge">
+                      <a:bevel/>
+                      <a:lightRig rig="flood" dir="t"/>
+                    </a:cell3D>
+                    <a:noFill/>
+                  </a:tcPr>
+                </a:tc>
+                <a:extLst>
+                  <a:ext uri="{0D108BD9-81ED-4DB2-BD59-A6C34878D82A}">
+                    <a16:rowId xmlns:a16="http://schemas.microsoft.com/office/drawing/2014/main" val="3436380317"/>
+                  </a:ext>
+                </a:extLst>
+              </a:tr>
+            </a:tbl>
+          </a:graphicData>
+        </a:graphic>
+      </p:graphicFrame>
+      <p:graphicFrame>
+        <p:nvGraphicFramePr>
+          <p:cNvPr id="89" name="Table 88"/>
+          <p:cNvGraphicFramePr>
+            <a:graphicFrameLocks noGrp="1"/>
+          </p:cNvGraphicFramePr>
+          <p:nvPr>
+            <p:extLst>
+              <p:ext uri="{D42A27DB-BD31-4B8C-83A1-F6EECF244321}">
+                <p14:modId xmlns:p14="http://schemas.microsoft.com/office/powerpoint/2010/main" val="3321389438"/>
+              </p:ext>
+            </p:extLst>
+          </p:nvPr>
+        </p:nvGraphicFramePr>
+        <p:xfrm>
+          <a:off x="380999" y="390197"/>
+          <a:ext cx="11397889" cy="3249581"/>
+        </p:xfrm>
+        <a:graphic>
+          <a:graphicData uri="http://schemas.openxmlformats.org/drawingml/2006/table">
+            <a:tbl>
+              <a:tblPr firstRow="1" bandRow="1">
+                <a:tableStyleId>{5C22544A-7EE6-4342-B048-85BDC9FD1C3A}</a:tableStyleId>
+              </a:tblPr>
+              <a:tblGrid>
+                <a:gridCol w="11397889">
+                  <a:extLst>
+                    <a:ext uri="{9D8B030D-6E8A-4147-A177-3AD203B41FA5}">
+                      <a16:colId xmlns:a16="http://schemas.microsoft.com/office/drawing/2014/main" val="4247442634"/>
+                    </a:ext>
+                  </a:extLst>
+                </a:gridCol>
+              </a:tblGrid>
+              <a:tr h="446088">
+                <a:tc>
+                  <a:txBody>
+                    <a:bodyPr/>
+                    <a:lstStyle/>
+                    <a:p>
+                      <a:pPr algn="ctr"/>
+                      <a:r>
+                        <a:rPr lang="en-US" sz="2400" b="0" i="0" dirty="0">
+                          <a:solidFill>
+                            <a:schemeClr val="bg1"/>
+                          </a:solidFill>
+                          <a:latin typeface="Verdana" panose="020B0604030504040204" pitchFamily="34" charset="0"/>
+                          <a:ea typeface="Verdana" panose="020B0604030504040204" pitchFamily="34" charset="0"/>
+                          <a:cs typeface="Verdana" panose="020B0604030504040204" pitchFamily="34" charset="0"/>
+                        </a:rPr>
+                        <a:t>Abstract</a:t>
+                      </a:r>
+                    </a:p>
+                  </a:txBody>
+                  <a:tcPr anchor="ctr">
+                    <a:lnB w="57150" cap="flat" cmpd="sng" algn="ctr">
+                      <a:noFill/>
+                      <a:prstDash val="solid"/>
+                      <a:round/>
+                      <a:headEnd type="none" w="med" len="med"/>
+                      <a:tailEnd type="none" w="med" len="med"/>
+                    </a:lnB>
+                    <a:cell3D prstMaterial="dkEdge">
+                      <a:bevel/>
+                      <a:lightRig rig="flood" dir="t"/>
+                    </a:cell3D>
+                    <a:noFill/>
+                  </a:tcPr>
+                </a:tc>
+                <a:extLst>
+                  <a:ext uri="{0D108BD9-81ED-4DB2-BD59-A6C34878D82A}">
+                    <a16:rowId xmlns:a16="http://schemas.microsoft.com/office/drawing/2014/main" val="4195021587"/>
+                  </a:ext>
+                </a:extLst>
+              </a:tr>
+              <a:tr h="2792381">
+                <a:tc>
+                  <a:txBody>
+                    <a:bodyPr/>
+                    <a:lstStyle/>
+                    <a:p>
+                      <a:r>
+                        <a:rPr lang="en-US" sz="2200" b="0" i="0" dirty="0">
+                          <a:solidFill>
+                            <a:schemeClr val="bg1"/>
+                          </a:solidFill>
+                          <a:latin typeface="Verdana" panose="020B0604030504040204" pitchFamily="34" charset="0"/>
+                          <a:ea typeface="Verdana" panose="020B0604030504040204" pitchFamily="34" charset="0"/>
+                          <a:cs typeface="Verdana" panose="020B0604030504040204" pitchFamily="34" charset="0"/>
+                        </a:rPr>
+                        <a:t>Near Field Communication efficiently facilitates wireless, close-proximity transfer of relatively small amounts of data over a specifically defined radio frequency (13.56 MHz). Any Mobile device with integrated NFC hardware can actively generate a controlled electromagnetic field in order to stimulate an antenna, typically printed onto a thin, flat substrate referred to as a NFC “tag”. The energy transferred to the antenna is guided to an integrated circuit for processing Read/Write commands relevant to the tag’s memory module. </a:t>
+                      </a:r>
+                    </a:p>
+                  </a:txBody>
+                  <a:tcPr marL="137160" marR="137160" marT="137160" marB="137160" anchor="ctr">
+                    <a:lnT w="57150" cap="flat" cmpd="sng" algn="ctr">
+                      <a:noFill/>
+                      <a:prstDash val="solid"/>
+                      <a:round/>
+                      <a:headEnd type="none" w="med" len="med"/>
+                      <a:tailEnd type="none" w="med" len="med"/>
+                    </a:lnT>
+                    <a:cell3D prstMaterial="dkEdge">
+                      <a:bevel/>
+                      <a:lightRig rig="flood" dir="t"/>
+                    </a:cell3D>
+                    <a:noFill/>
+                  </a:tcPr>
+                </a:tc>
+                <a:extLst>
+                  <a:ext uri="{0D108BD9-81ED-4DB2-BD59-A6C34878D82A}">
+                    <a16:rowId xmlns:a16="http://schemas.microsoft.com/office/drawing/2014/main" val="3436380317"/>
+                  </a:ext>
+                </a:extLst>
+              </a:tr>
+            </a:tbl>
+          </a:graphicData>
+        </a:graphic>
+      </p:graphicFrame>
+      <p:graphicFrame>
+        <p:nvGraphicFramePr>
+          <p:cNvPr id="101" name="Table 100"/>
+          <p:cNvGraphicFramePr>
+            <a:graphicFrameLocks noGrp="1"/>
+          </p:cNvGraphicFramePr>
+          <p:nvPr>
+            <p:extLst>
+              <p:ext uri="{D42A27DB-BD31-4B8C-83A1-F6EECF244321}">
+                <p14:modId xmlns:p14="http://schemas.microsoft.com/office/powerpoint/2010/main" val="1884544064"/>
+              </p:ext>
+            </p:extLst>
+          </p:nvPr>
+        </p:nvGraphicFramePr>
+        <p:xfrm>
+          <a:off x="4804410" y="20275443"/>
+          <a:ext cx="6972394" cy="9212588"/>
+        </p:xfrm>
+        <a:graphic>
+          <a:graphicData uri="http://schemas.openxmlformats.org/drawingml/2006/table">
+            <a:tbl>
+              <a:tblPr firstRow="1" bandRow="1">
+                <a:tableStyleId>{5C22544A-7EE6-4342-B048-85BDC9FD1C3A}</a:tableStyleId>
+              </a:tblPr>
+              <a:tblGrid>
+                <a:gridCol w="6972394">
+                  <a:extLst>
+                    <a:ext uri="{9D8B030D-6E8A-4147-A177-3AD203B41FA5}">
+                      <a16:colId xmlns:a16="http://schemas.microsoft.com/office/drawing/2014/main" val="4247442634"/>
+                    </a:ext>
+                  </a:extLst>
+                </a:gridCol>
+              </a:tblGrid>
+              <a:tr h="822552">
+                <a:tc>
+                  <a:txBody>
+                    <a:bodyPr/>
+                    <a:lstStyle/>
+                    <a:p>
+                      <a:pPr algn="ctr"/>
+                      <a:r>
+                        <a:rPr lang="en-US" sz="2400" b="0" i="0" dirty="0">
+                          <a:solidFill>
+                            <a:schemeClr val="bg1"/>
+                          </a:solidFill>
+                          <a:latin typeface="Verdana" panose="020B0604030504040204" pitchFamily="34" charset="0"/>
+                          <a:ea typeface="Verdana" panose="020B0604030504040204" pitchFamily="34" charset="0"/>
+                          <a:cs typeface="Verdana" panose="020B0604030504040204" pitchFamily="34" charset="0"/>
+                        </a:rPr>
+                        <a:t>NDEF</a:t>
+                      </a:r>
+                    </a:p>
+                  </a:txBody>
+                  <a:tcPr anchor="ctr">
+                    <a:lnB w="57150" cap="flat" cmpd="sng" algn="ctr">
+                      <a:noFill/>
+                      <a:prstDash val="solid"/>
+                      <a:round/>
+                      <a:headEnd type="none" w="med" len="med"/>
+                      <a:tailEnd type="none" w="med" len="med"/>
+                    </a:lnB>
+                    <a:cell3D prstMaterial="dkEdge">
+                      <a:bevel/>
+                      <a:lightRig rig="flood" dir="t"/>
+                    </a:cell3D>
+                    <a:noFill/>
+                  </a:tcPr>
+                </a:tc>
+                <a:extLst>
+                  <a:ext uri="{0D108BD9-81ED-4DB2-BD59-A6C34878D82A}">
+                    <a16:rowId xmlns:a16="http://schemas.microsoft.com/office/drawing/2014/main" val="4195021587"/>
+                  </a:ext>
+                </a:extLst>
+              </a:tr>
+              <a:tr h="8390036">
+                <a:tc>
+                  <a:txBody>
+                    <a:bodyPr/>
+                    <a:lstStyle/>
+                    <a:p>
+                      <a:r>
+                        <a:rPr lang="en-US" sz="2200" b="0" i="0" dirty="0">
+                          <a:solidFill>
+                            <a:schemeClr val="bg1"/>
+                          </a:solidFill>
+                          <a:latin typeface="Verdana" panose="020B0604030504040204" pitchFamily="34" charset="0"/>
+                          <a:ea typeface="Verdana" panose="020B0604030504040204" pitchFamily="34" charset="0"/>
+                          <a:cs typeface="Verdana" panose="020B0604030504040204" pitchFamily="34" charset="0"/>
+                        </a:rPr>
+                        <a:t> Near Field Communication efficiently facilitates wireless, close-proximity transfer of relatively small amounts of data over a specifically defined radio frequency (13.56 MHz). Any Mobile device with integrated NFC hardware can actively generate a controlled electromagnetic field in order to stimulate an antenna, typically printed onto a thin, flat substrate referred to as a NFC “tag”. The energy transferred to the antenna is guided to an integrated circuit for processing Read/Write commands relevant to the tag’s memory module. </a:t>
+                      </a:r>
+                    </a:p>
+                  </a:txBody>
+                  <a:tcPr marL="137160" marR="137160" marT="137160" marB="137160" anchor="ctr">
+                    <a:lnT w="57150" cap="flat" cmpd="sng" algn="ctr">
+                      <a:noFill/>
+                      <a:prstDash val="solid"/>
+                      <a:round/>
+                      <a:headEnd type="none" w="med" len="med"/>
+                      <a:tailEnd type="none" w="med" len="med"/>
+                    </a:lnT>
+                    <a:cell3D prstMaterial="dkEdge">
+                      <a:bevel/>
+                      <a:lightRig rig="flood" dir="t"/>
+                    </a:cell3D>
+                    <a:noFill/>
+                  </a:tcPr>
+                </a:tc>
+                <a:extLst>
+                  <a:ext uri="{0D108BD9-81ED-4DB2-BD59-A6C34878D82A}">
+                    <a16:rowId xmlns:a16="http://schemas.microsoft.com/office/drawing/2014/main" val="3436380317"/>
+                  </a:ext>
+                </a:extLst>
+              </a:tr>
+            </a:tbl>
+          </a:graphicData>
+        </a:graphic>
+      </p:graphicFrame>
+      <p:pic>
+        <p:nvPicPr>
+          <p:cNvPr id="4" name="Picture 3"/>
+          <p:cNvPicPr>
+            <a:picLocks noChangeAspect="1"/>
+          </p:cNvPicPr>
           <p:nvPr/>
-        </p:nvSpPr>
+        </p:nvPicPr>
+        <p:blipFill>
+          <a:blip r:embed="rId17">
+            <a:extLst>
+              <a:ext uri="{28A0092B-C50C-407E-A947-70E740481C1C}">
+                <a14:useLocalDpi xmlns:a14="http://schemas.microsoft.com/office/drawing/2010/main" val="0"/>
+              </a:ext>
+            </a:extLst>
+          </a:blip>
+          <a:stretch>
+            <a:fillRect/>
+          </a:stretch>
+        </p:blipFill>
         <p:spPr>
           <a:xfrm>
-            <a:off x="5392331" y="1120438"/>
-            <a:ext cx="5732029" cy="4278094"/>
+            <a:off x="37243325" y="724720"/>
+            <a:ext cx="5952003" cy="1376522"/>
           </a:xfrm>
           <a:prstGeom prst="rect">
             <a:avLst/>
           </a:prstGeom>
-          <a:noFill/>
         </p:spPr>
-        <p:txBody>
-          <a:bodyPr wrap="square" rtlCol="0">
-            <a:spAutoFit/>
-          </a:bodyPr>
-          <a:lstStyle/>
-          <a:p>
-            <a:r>
-              <a:rPr lang="en-US" sz="2400" dirty="0">
-                <a:solidFill>
-                  <a:schemeClr val="bg1">
-                    <a:lumMod val="50000"/>
-                  </a:schemeClr>
-                </a:solidFill>
-                <a:latin typeface="Verdana" panose="020B0604030504040204" pitchFamily="34" charset="0"/>
-                <a:ea typeface="Verdana" panose="020B0604030504040204" pitchFamily="34" charset="0"/>
-                <a:cs typeface="Verdana" panose="020B0604030504040204" pitchFamily="34" charset="0"/>
-              </a:rPr>
-              <a:t>Lorem ipsum dolor sit amet, consectetur adipiscing elit, sed do eiusmod tempor incididunt ut labore et dolore magna aliqua. Ut enim ad minim veniam, quis nostrud exercitation ullamco laboris nisi ut aliquip ex ea commodo consequat. Duis aute irure dolor in reprehenderit in voluptate velit esse cillum dolore</a:t>
-            </a:r>
-          </a:p>
-          <a:p>
-            <a:endParaRPr lang="en-US" sz="3200" dirty="0"/>
-          </a:p>
-        </p:txBody>
-      </p:sp>
-      <p:sp>
-        <p:nvSpPr>
-          <p:cNvPr id="82" name="TextBox 81"/>
-          <p:cNvSpPr txBox="1"/>
-          <p:nvPr/>
-        </p:nvSpPr>
-        <p:spPr>
-          <a:xfrm>
-            <a:off x="37226119" y="23804340"/>
-            <a:ext cx="5909788" cy="584775"/>
-          </a:xfrm>
-          <a:prstGeom prst="rect">
-            <a:avLst/>
-          </a:prstGeom>
-          <a:noFill/>
-        </p:spPr>
-        <p:txBody>
-          <a:bodyPr wrap="square" rtlCol="0">
-            <a:spAutoFit/>
-          </a:bodyPr>
-          <a:lstStyle/>
-          <a:p>
-            <a:pPr algn="ctr"/>
-            <a:r>
-              <a:rPr lang="en-US" sz="3200" dirty="0">
-                <a:solidFill>
-                  <a:schemeClr val="bg1">
-                    <a:lumMod val="50000"/>
-                  </a:schemeClr>
-                </a:solidFill>
-                <a:latin typeface="Verdana" panose="020B0604030504040204" pitchFamily="34" charset="0"/>
-                <a:ea typeface="Verdana" panose="020B0604030504040204" pitchFamily="34" charset="0"/>
-                <a:cs typeface="Verdana" panose="020B0604030504040204" pitchFamily="34" charset="0"/>
-              </a:rPr>
-              <a:t>Summary</a:t>
-            </a:r>
-          </a:p>
-        </p:txBody>
-      </p:sp>
-      <p:sp>
-        <p:nvSpPr>
-          <p:cNvPr id="83" name="TextBox 82"/>
-          <p:cNvSpPr txBox="1"/>
-          <p:nvPr/>
-        </p:nvSpPr>
-        <p:spPr>
-          <a:xfrm>
-            <a:off x="37226119" y="24366553"/>
-            <a:ext cx="5732029" cy="4278094"/>
-          </a:xfrm>
-          <a:prstGeom prst="rect">
-            <a:avLst/>
-          </a:prstGeom>
-          <a:noFill/>
-        </p:spPr>
-        <p:txBody>
-          <a:bodyPr wrap="square" rtlCol="0">
-            <a:spAutoFit/>
-          </a:bodyPr>
-          <a:lstStyle/>
-          <a:p>
-            <a:r>
-              <a:rPr lang="en-US" sz="2400" dirty="0">
-                <a:solidFill>
-                  <a:schemeClr val="bg1">
-                    <a:lumMod val="50000"/>
-                  </a:schemeClr>
-                </a:solidFill>
-                <a:latin typeface="Verdana" panose="020B0604030504040204" pitchFamily="34" charset="0"/>
-                <a:ea typeface="Verdana" panose="020B0604030504040204" pitchFamily="34" charset="0"/>
-                <a:cs typeface="Verdana" panose="020B0604030504040204" pitchFamily="34" charset="0"/>
-              </a:rPr>
-              <a:t>Lorem ipsum dolor sit amet, consectetur adipiscing elit, sed do eiusmod tempor incididunt ut labore et dolore magna aliqua. Ut enim ad minim veniam, quis nostrud exercitation ullamco laboris nisi ut aliquip ex ea commodo consequat. Duis aute irure dolor in reprehenderit in voluptate velit esse cillum dolore</a:t>
-            </a:r>
-          </a:p>
-          <a:p>
-            <a:endParaRPr lang="en-US" sz="3200" dirty="0"/>
-          </a:p>
-        </p:txBody>
-      </p:sp>
-      <p:sp>
-        <p:nvSpPr>
-          <p:cNvPr id="88" name="TextBox 87"/>
-          <p:cNvSpPr txBox="1"/>
-          <p:nvPr/>
-        </p:nvSpPr>
-        <p:spPr>
-          <a:xfrm>
-            <a:off x="5392331" y="23804340"/>
-            <a:ext cx="5909788" cy="584775"/>
-          </a:xfrm>
-          <a:prstGeom prst="rect">
-            <a:avLst/>
-          </a:prstGeom>
-          <a:noFill/>
-        </p:spPr>
-        <p:txBody>
-          <a:bodyPr wrap="square" rtlCol="0">
-            <a:spAutoFit/>
-          </a:bodyPr>
-          <a:lstStyle/>
-          <a:p>
-            <a:pPr algn="ctr"/>
-            <a:r>
-              <a:rPr lang="en-US" sz="3200" dirty="0">
-                <a:solidFill>
-                  <a:schemeClr val="bg1">
-                    <a:lumMod val="50000"/>
-                  </a:schemeClr>
-                </a:solidFill>
-                <a:latin typeface="Verdana" panose="020B0604030504040204" pitchFamily="34" charset="0"/>
-                <a:ea typeface="Verdana" panose="020B0604030504040204" pitchFamily="34" charset="0"/>
-                <a:cs typeface="Verdana" panose="020B0604030504040204" pitchFamily="34" charset="0"/>
-              </a:rPr>
-              <a:t>Summary</a:t>
-            </a:r>
-          </a:p>
-        </p:txBody>
-      </p:sp>
-      <p:sp>
-        <p:nvSpPr>
-          <p:cNvPr id="89" name="TextBox 88"/>
-          <p:cNvSpPr txBox="1"/>
-          <p:nvPr/>
-        </p:nvSpPr>
-        <p:spPr>
-          <a:xfrm>
-            <a:off x="5392331" y="24366553"/>
-            <a:ext cx="5732029" cy="4278094"/>
-          </a:xfrm>
-          <a:prstGeom prst="rect">
-            <a:avLst/>
-          </a:prstGeom>
-          <a:noFill/>
-        </p:spPr>
-        <p:txBody>
-          <a:bodyPr wrap="square" rtlCol="0">
-            <a:spAutoFit/>
-          </a:bodyPr>
-          <a:lstStyle/>
-          <a:p>
-            <a:r>
-              <a:rPr lang="en-US" sz="2400" dirty="0">
-                <a:solidFill>
-                  <a:schemeClr val="bg1">
-                    <a:lumMod val="50000"/>
-                  </a:schemeClr>
-                </a:solidFill>
-                <a:latin typeface="Verdana" panose="020B0604030504040204" pitchFamily="34" charset="0"/>
-                <a:ea typeface="Verdana" panose="020B0604030504040204" pitchFamily="34" charset="0"/>
-                <a:cs typeface="Verdana" panose="020B0604030504040204" pitchFamily="34" charset="0"/>
-              </a:rPr>
-              <a:t>Lorem ipsum dolor sit amet, consectetur adipiscing elit, sed do eiusmod tempor incididunt ut labore et dolore magna aliqua. Ut enim ad minim veniam, quis nostrud exercitation ullamco laboris nisi ut aliquip ex ea commodo consequat. Duis aute irure dolor in reprehenderit in voluptate velit esse cillum dolore</a:t>
-            </a:r>
-          </a:p>
-          <a:p>
-            <a:endParaRPr lang="en-US" sz="3200" dirty="0"/>
-          </a:p>
-        </p:txBody>
-      </p:sp>
+      </p:pic>
+      <p:graphicFrame>
+        <p:nvGraphicFramePr>
+          <p:cNvPr id="109" name="Table 108"/>
+          <p:cNvGraphicFramePr>
+            <a:graphicFrameLocks noGrp="1"/>
+          </p:cNvGraphicFramePr>
+          <p:nvPr>
+            <p:extLst>
+              <p:ext uri="{D42A27DB-BD31-4B8C-83A1-F6EECF244321}">
+                <p14:modId xmlns:p14="http://schemas.microsoft.com/office/powerpoint/2010/main" val="2141622147"/>
+              </p:ext>
+            </p:extLst>
+          </p:nvPr>
+        </p:nvGraphicFramePr>
+        <p:xfrm>
+          <a:off x="36819228" y="6147877"/>
+          <a:ext cx="6677680" cy="4734557"/>
+        </p:xfrm>
+        <a:graphic>
+          <a:graphicData uri="http://schemas.openxmlformats.org/drawingml/2006/table">
+            <a:tbl>
+              <a:tblPr firstRow="1" bandRow="1">
+                <a:tableStyleId>{5C22544A-7EE6-4342-B048-85BDC9FD1C3A}</a:tableStyleId>
+              </a:tblPr>
+              <a:tblGrid>
+                <a:gridCol w="6677680">
+                  <a:extLst>
+                    <a:ext uri="{9D8B030D-6E8A-4147-A177-3AD203B41FA5}">
+                      <a16:colId xmlns:a16="http://schemas.microsoft.com/office/drawing/2014/main" val="4247442634"/>
+                    </a:ext>
+                  </a:extLst>
+                </a:gridCol>
+              </a:tblGrid>
+              <a:tr h="500316">
+                <a:tc>
+                  <a:txBody>
+                    <a:bodyPr/>
+                    <a:lstStyle/>
+                    <a:p>
+                      <a:pPr algn="ctr"/>
+                      <a:r>
+                        <a:rPr lang="en-US" sz="2400" b="0" i="0" dirty="0">
+                          <a:solidFill>
+                            <a:schemeClr val="bg1"/>
+                          </a:solidFill>
+                          <a:latin typeface="Verdana" panose="020B0604030504040204" pitchFamily="34" charset="0"/>
+                          <a:ea typeface="Verdana" panose="020B0604030504040204" pitchFamily="34" charset="0"/>
+                          <a:cs typeface="Verdana" panose="020B0604030504040204" pitchFamily="34" charset="0"/>
+                        </a:rPr>
+                        <a:t>Abstract</a:t>
+                      </a:r>
+                    </a:p>
+                  </a:txBody>
+                  <a:tcPr anchor="ctr">
+                    <a:lnB w="57150" cap="flat" cmpd="sng" algn="ctr">
+                      <a:noFill/>
+                      <a:prstDash val="solid"/>
+                      <a:round/>
+                      <a:headEnd type="none" w="med" len="med"/>
+                      <a:tailEnd type="none" w="med" len="med"/>
+                    </a:lnB>
+                    <a:cell3D prstMaterial="dkEdge">
+                      <a:bevel/>
+                      <a:lightRig rig="flood" dir="t"/>
+                    </a:cell3D>
+                    <a:noFill/>
+                  </a:tcPr>
+                </a:tc>
+                <a:extLst>
+                  <a:ext uri="{0D108BD9-81ED-4DB2-BD59-A6C34878D82A}">
+                    <a16:rowId xmlns:a16="http://schemas.microsoft.com/office/drawing/2014/main" val="4195021587"/>
+                  </a:ext>
+                </a:extLst>
+              </a:tr>
+              <a:tr h="4234241">
+                <a:tc>
+                  <a:txBody>
+                    <a:bodyPr/>
+                    <a:lstStyle/>
+                    <a:p>
+                      <a:endParaRPr lang="en-US" sz="2200" b="0" i="0" dirty="0">
+                        <a:solidFill>
+                          <a:schemeClr val="bg1"/>
+                        </a:solidFill>
+                        <a:latin typeface="Verdana" panose="020B0604030504040204" pitchFamily="34" charset="0"/>
+                        <a:ea typeface="Verdana" panose="020B0604030504040204" pitchFamily="34" charset="0"/>
+                        <a:cs typeface="Verdana" panose="020B0604030504040204" pitchFamily="34" charset="0"/>
+                      </a:endParaRPr>
+                    </a:p>
+                  </a:txBody>
+                  <a:tcPr marL="137160" marR="137160" marT="137160" marB="137160" anchor="ctr">
+                    <a:lnT w="57150" cap="flat" cmpd="sng" algn="ctr">
+                      <a:noFill/>
+                      <a:prstDash val="solid"/>
+                      <a:round/>
+                      <a:headEnd type="none" w="med" len="med"/>
+                      <a:tailEnd type="none" w="med" len="med"/>
+                    </a:lnT>
+                    <a:cell3D prstMaterial="dkEdge">
+                      <a:bevel/>
+                      <a:lightRig rig="flood" dir="t"/>
+                    </a:cell3D>
+                    <a:noFill/>
+                  </a:tcPr>
+                </a:tc>
+                <a:extLst>
+                  <a:ext uri="{0D108BD9-81ED-4DB2-BD59-A6C34878D82A}">
+                    <a16:rowId xmlns:a16="http://schemas.microsoft.com/office/drawing/2014/main" val="3436380317"/>
+                  </a:ext>
+                </a:extLst>
+              </a:tr>
+            </a:tbl>
+          </a:graphicData>
+        </a:graphic>
+      </p:graphicFrame>
+      <p:graphicFrame>
+        <p:nvGraphicFramePr>
+          <p:cNvPr id="111" name="Table 110"/>
+          <p:cNvGraphicFramePr>
+            <a:graphicFrameLocks noGrp="1"/>
+          </p:cNvGraphicFramePr>
+          <p:nvPr>
+            <p:extLst>
+              <p:ext uri="{D42A27DB-BD31-4B8C-83A1-F6EECF244321}">
+                <p14:modId xmlns:p14="http://schemas.microsoft.com/office/powerpoint/2010/main" val="3192793086"/>
+              </p:ext>
+            </p:extLst>
+          </p:nvPr>
+        </p:nvGraphicFramePr>
+        <p:xfrm>
+          <a:off x="12344400" y="27432000"/>
+          <a:ext cx="17678399" cy="1876524"/>
+        </p:xfrm>
+        <a:graphic>
+          <a:graphicData uri="http://schemas.openxmlformats.org/drawingml/2006/table">
+            <a:tbl>
+              <a:tblPr firstRow="1" bandRow="1">
+                <a:effectLst/>
+                <a:tableStyleId>{5C22544A-7EE6-4342-B048-85BDC9FD1C3A}</a:tableStyleId>
+              </a:tblPr>
+              <a:tblGrid>
+                <a:gridCol w="17678399">
+                  <a:extLst>
+                    <a:ext uri="{9D8B030D-6E8A-4147-A177-3AD203B41FA5}">
+                      <a16:colId xmlns:a16="http://schemas.microsoft.com/office/drawing/2014/main" val="4247442634"/>
+                    </a:ext>
+                  </a:extLst>
+                </a:gridCol>
+              </a:tblGrid>
+              <a:tr h="1876524">
+                <a:tc>
+                  <a:txBody>
+                    <a:bodyPr/>
+                    <a:lstStyle/>
+                    <a:p>
+                      <a:r>
+                        <a:rPr lang="en-US" sz="2200" b="0" i="0" dirty="0">
+                          <a:solidFill>
+                            <a:schemeClr val="bg1"/>
+                          </a:solidFill>
+                          <a:latin typeface="Verdana" panose="020B0604030504040204" pitchFamily="34" charset="0"/>
+                          <a:ea typeface="Verdana" panose="020B0604030504040204" pitchFamily="34" charset="0"/>
+                          <a:cs typeface="Verdana" panose="020B0604030504040204" pitchFamily="34" charset="0"/>
+                        </a:rPr>
+                        <a:t>Near Field Communication efficiently facilitates wireless, close-proximity transfer of relatively small amounts of data over a specifically defined radio frequency (13.56 MHz). Any Mobile device with integrated NFC hardware can actively generate a controlled electromagnetic field in order to stimulate an antenna, typically printed onto a thin, flat substrate referred to as a NFC “tag”. The energy transferred to the antenna is guided to an integrated circuit for processing Read/Write commands relevant to the tag’s memory module. </a:t>
+                      </a:r>
+                    </a:p>
+                  </a:txBody>
+                  <a:tcPr anchor="ctr">
+                    <a:cell3D prstMaterial="dkEdge">
+                      <a:bevel/>
+                      <a:lightRig rig="flood" dir="t"/>
+                    </a:cell3D>
+                    <a:solidFill>
+                      <a:srgbClr val="2B2B2B"/>
+                    </a:solidFill>
+                  </a:tcPr>
+                </a:tc>
+                <a:extLst>
+                  <a:ext uri="{0D108BD9-81ED-4DB2-BD59-A6C34878D82A}">
+                    <a16:rowId xmlns:a16="http://schemas.microsoft.com/office/drawing/2014/main" val="4195021587"/>
+                  </a:ext>
+                </a:extLst>
+              </a:tr>
+            </a:tbl>
+          </a:graphicData>
+        </a:graphic>
+      </p:graphicFrame>
+      <p:graphicFrame>
+        <p:nvGraphicFramePr>
+          <p:cNvPr id="112" name="Table 111"/>
+          <p:cNvGraphicFramePr>
+            <a:graphicFrameLocks noGrp="1"/>
+          </p:cNvGraphicFramePr>
+          <p:nvPr>
+            <p:extLst>
+              <p:ext uri="{D42A27DB-BD31-4B8C-83A1-F6EECF244321}">
+                <p14:modId xmlns:p14="http://schemas.microsoft.com/office/powerpoint/2010/main" val="2754160775"/>
+              </p:ext>
+            </p:extLst>
+          </p:nvPr>
+        </p:nvGraphicFramePr>
+        <p:xfrm>
+          <a:off x="30227223" y="22098000"/>
+          <a:ext cx="5953809" cy="7210524"/>
+        </p:xfrm>
+        <a:graphic>
+          <a:graphicData uri="http://schemas.openxmlformats.org/drawingml/2006/table">
+            <a:tbl>
+              <a:tblPr firstRow="1" bandRow="1">
+                <a:effectLst/>
+                <a:tableStyleId>{5C22544A-7EE6-4342-B048-85BDC9FD1C3A}</a:tableStyleId>
+              </a:tblPr>
+              <a:tblGrid>
+                <a:gridCol w="5953809">
+                  <a:extLst>
+                    <a:ext uri="{9D8B030D-6E8A-4147-A177-3AD203B41FA5}">
+                      <a16:colId xmlns:a16="http://schemas.microsoft.com/office/drawing/2014/main" val="4247442634"/>
+                    </a:ext>
+                  </a:extLst>
+                </a:gridCol>
+              </a:tblGrid>
+              <a:tr h="7210524">
+                <a:tc>
+                  <a:txBody>
+                    <a:bodyPr/>
+                    <a:lstStyle/>
+                    <a:p>
+                      <a:r>
+                        <a:rPr lang="en-US" sz="2200" b="0" i="0" dirty="0">
+                          <a:solidFill>
+                            <a:schemeClr val="bg1"/>
+                          </a:solidFill>
+                          <a:latin typeface="Verdana" panose="020B0604030504040204" pitchFamily="34" charset="0"/>
+                          <a:ea typeface="Verdana" panose="020B0604030504040204" pitchFamily="34" charset="0"/>
+                          <a:cs typeface="Verdana" panose="020B0604030504040204" pitchFamily="34" charset="0"/>
+                        </a:rPr>
+                        <a:t>Near Field Communication efficiently facilitates wireless, close-proximity transfer of relatively small amounts of data over a specifically defined radio frequency (13.56 MHz). Any Mobile device with integrated NFC hardware can actively generate a controlled electromagnetic field in order to stimulate an antenna, typically printed onto a thin, flat substrate referred to as a NFC “tag”. The energy transferred to the antenna is guided to an integrated circuit for processing Read/Write commands relevant to the tag’s memory module. </a:t>
+                      </a:r>
+                    </a:p>
+                  </a:txBody>
+                  <a:tcPr anchor="ctr">
+                    <a:cell3D prstMaterial="dkEdge">
+                      <a:bevel/>
+                      <a:lightRig rig="flood" dir="t"/>
+                    </a:cell3D>
+                    <a:solidFill>
+                      <a:srgbClr val="2B2B2B"/>
+                    </a:solidFill>
+                  </a:tcPr>
+                </a:tc>
+                <a:extLst>
+                  <a:ext uri="{0D108BD9-81ED-4DB2-BD59-A6C34878D82A}">
+                    <a16:rowId xmlns:a16="http://schemas.microsoft.com/office/drawing/2014/main" val="4195021587"/>
+                  </a:ext>
+                </a:extLst>
+              </a:tr>
+            </a:tbl>
+          </a:graphicData>
+        </a:graphic>
+      </p:graphicFrame>
     </p:spTree>
     <p:extLst>
       <p:ext uri="{BB962C8B-B14F-4D97-AF65-F5344CB8AC3E}">

--- a/Poster Artifacts/Christopher Small, N00931863 - Symposium Poster.pptx
+++ b/Poster Artifacts/Christopher Small, N00931863 - Symposium Poster.pptx
@@ -208,7 +208,7 @@
           <a:p>
             <a:fld id="{CAD4E7B3-883E-4909-856A-D4D2FBCEB0AE}" type="datetimeFigureOut">
               <a:rPr lang="en-US" smtClean="0"/>
-              <a:t>4/10/2017</a:t>
+              <a:t>4/11/2017</a:t>
             </a:fld>
             <a:endParaRPr lang="en-US" dirty="0"/>
           </a:p>
@@ -739,7 +739,7 @@
             <a:fld id="{1D8BD707-D9CF-40AE-B4C6-C98DA3205C09}" type="datetimeFigureOut">
               <a:rPr lang="en-US" smtClean="0"/>
               <a:pPr/>
-              <a:t>4/10/2017</a:t>
+              <a:t>4/11/2017</a:t>
             </a:fld>
             <a:endParaRPr lang="en-US" dirty="0"/>
           </a:p>
@@ -904,7 +904,7 @@
             <a:fld id="{1D8BD707-D9CF-40AE-B4C6-C98DA3205C09}" type="datetimeFigureOut">
               <a:rPr lang="en-US" smtClean="0"/>
               <a:pPr/>
-              <a:t>4/10/2017</a:t>
+              <a:t>4/11/2017</a:t>
             </a:fld>
             <a:endParaRPr lang="en-US" dirty="0"/>
           </a:p>
@@ -1079,7 +1079,7 @@
             <a:fld id="{1D8BD707-D9CF-40AE-B4C6-C98DA3205C09}" type="datetimeFigureOut">
               <a:rPr lang="en-US" smtClean="0"/>
               <a:pPr/>
-              <a:t>4/10/2017</a:t>
+              <a:t>4/11/2017</a:t>
             </a:fld>
             <a:endParaRPr lang="en-US" dirty="0"/>
           </a:p>
@@ -1244,7 +1244,7 @@
             <a:fld id="{1D8BD707-D9CF-40AE-B4C6-C98DA3205C09}" type="datetimeFigureOut">
               <a:rPr lang="en-US" smtClean="0"/>
               <a:pPr/>
-              <a:t>4/10/2017</a:t>
+              <a:t>4/11/2017</a:t>
             </a:fld>
             <a:endParaRPr lang="en-US" dirty="0"/>
           </a:p>
@@ -1486,7 +1486,7 @@
             <a:fld id="{1D8BD707-D9CF-40AE-B4C6-C98DA3205C09}" type="datetimeFigureOut">
               <a:rPr lang="en-US" smtClean="0"/>
               <a:pPr/>
-              <a:t>4/10/2017</a:t>
+              <a:t>4/11/2017</a:t>
             </a:fld>
             <a:endParaRPr lang="en-US" dirty="0"/>
           </a:p>
@@ -1768,7 +1768,7 @@
             <a:fld id="{1D8BD707-D9CF-40AE-B4C6-C98DA3205C09}" type="datetimeFigureOut">
               <a:rPr lang="en-US" smtClean="0"/>
               <a:pPr/>
-              <a:t>4/10/2017</a:t>
+              <a:t>4/11/2017</a:t>
             </a:fld>
             <a:endParaRPr lang="en-US" dirty="0"/>
           </a:p>
@@ -2184,7 +2184,7 @@
             <a:fld id="{1D8BD707-D9CF-40AE-B4C6-C98DA3205C09}" type="datetimeFigureOut">
               <a:rPr lang="en-US" smtClean="0"/>
               <a:pPr/>
-              <a:t>4/10/2017</a:t>
+              <a:t>4/11/2017</a:t>
             </a:fld>
             <a:endParaRPr lang="en-US" dirty="0"/>
           </a:p>
@@ -2298,7 +2298,7 @@
             <a:fld id="{1D8BD707-D9CF-40AE-B4C6-C98DA3205C09}" type="datetimeFigureOut">
               <a:rPr lang="en-US" smtClean="0"/>
               <a:pPr/>
-              <a:t>4/10/2017</a:t>
+              <a:t>4/11/2017</a:t>
             </a:fld>
             <a:endParaRPr lang="en-US" dirty="0"/>
           </a:p>
@@ -2390,7 +2390,7 @@
             <a:fld id="{1D8BD707-D9CF-40AE-B4C6-C98DA3205C09}" type="datetimeFigureOut">
               <a:rPr lang="en-US" smtClean="0"/>
               <a:pPr/>
-              <a:t>4/10/2017</a:t>
+              <a:t>4/11/2017</a:t>
             </a:fld>
             <a:endParaRPr lang="en-US" dirty="0"/>
           </a:p>
@@ -2662,7 +2662,7 @@
             <a:fld id="{1D8BD707-D9CF-40AE-B4C6-C98DA3205C09}" type="datetimeFigureOut">
               <a:rPr lang="en-US" smtClean="0"/>
               <a:pPr/>
-              <a:t>4/10/2017</a:t>
+              <a:t>4/11/2017</a:t>
             </a:fld>
             <a:endParaRPr lang="en-US" dirty="0"/>
           </a:p>
@@ -2911,7 +2911,7 @@
             <a:fld id="{1D8BD707-D9CF-40AE-B4C6-C98DA3205C09}" type="datetimeFigureOut">
               <a:rPr lang="en-US" smtClean="0"/>
               <a:pPr/>
-              <a:t>4/10/2017</a:t>
+              <a:t>4/11/2017</a:t>
             </a:fld>
             <a:endParaRPr lang="en-US" dirty="0"/>
           </a:p>
@@ -3119,7 +3119,7 @@
             <a:fld id="{1D8BD707-D9CF-40AE-B4C6-C98DA3205C09}" type="datetimeFigureOut">
               <a:rPr lang="en-US" smtClean="0"/>
               <a:pPr/>
-              <a:t>4/10/2017</a:t>
+              <a:t>4/11/2017</a:t>
             </a:fld>
             <a:endParaRPr lang="en-US" dirty="0"/>
           </a:p>
@@ -3520,6 +3520,66 @@
       </p:grpSpPr>
       <p:graphicFrame>
         <p:nvGraphicFramePr>
+          <p:cNvPr id="107" name="Table 106"/>
+          <p:cNvGraphicFramePr>
+            <a:graphicFrameLocks noGrp="1"/>
+          </p:cNvGraphicFramePr>
+          <p:nvPr>
+            <p:extLst>
+              <p:ext uri="{D42A27DB-BD31-4B8C-83A1-F6EECF244321}">
+                <p14:modId xmlns:p14="http://schemas.microsoft.com/office/powerpoint/2010/main" val="2309260347"/>
+              </p:ext>
+            </p:extLst>
+          </p:nvPr>
+        </p:nvGraphicFramePr>
+        <p:xfrm>
+          <a:off x="36749323" y="228600"/>
+          <a:ext cx="6747585" cy="4877212"/>
+        </p:xfrm>
+        <a:graphic>
+          <a:graphicData uri="http://schemas.openxmlformats.org/drawingml/2006/table">
+            <a:tbl>
+              <a:tblPr firstRow="1" bandRow="1">
+                <a:tableStyleId>{5C22544A-7EE6-4342-B048-85BDC9FD1C3A}</a:tableStyleId>
+              </a:tblPr>
+              <a:tblGrid>
+                <a:gridCol w="6747585">
+                  <a:extLst>
+                    <a:ext uri="{9D8B030D-6E8A-4147-A177-3AD203B41FA5}">
+                      <a16:colId xmlns:a16="http://schemas.microsoft.com/office/drawing/2014/main" val="4247442634"/>
+                    </a:ext>
+                  </a:extLst>
+                </a:gridCol>
+              </a:tblGrid>
+              <a:tr h="4877212">
+                <a:tc>
+                  <a:txBody>
+                    <a:bodyPr/>
+                    <a:lstStyle/>
+                    <a:p>
+                      <a:endParaRPr lang="en-US" sz="2200" dirty="0">
+                        <a:solidFill>
+                          <a:schemeClr val="bg1"/>
+                        </a:solidFill>
+                      </a:endParaRPr>
+                    </a:p>
+                  </a:txBody>
+                  <a:tcPr anchor="ctr">
+                    <a:noFill/>
+                  </a:tcPr>
+                </a:tc>
+                <a:extLst>
+                  <a:ext uri="{0D108BD9-81ED-4DB2-BD59-A6C34878D82A}">
+                    <a16:rowId xmlns:a16="http://schemas.microsoft.com/office/drawing/2014/main" val="4195021587"/>
+                  </a:ext>
+                </a:extLst>
+              </a:tr>
+            </a:tbl>
+          </a:graphicData>
+        </a:graphic>
+      </p:graphicFrame>
+      <p:graphicFrame>
+        <p:nvGraphicFramePr>
           <p:cNvPr id="110" name="Table 109"/>
           <p:cNvGraphicFramePr>
             <a:graphicFrameLocks noGrp="1"/>
@@ -3527,7 +3587,7 @@
           <p:nvPr>
             <p:extLst>
               <p:ext uri="{D42A27DB-BD31-4B8C-83A1-F6EECF244321}">
-                <p14:modId xmlns:p14="http://schemas.microsoft.com/office/powerpoint/2010/main" val="805292747"/>
+                <p14:modId xmlns:p14="http://schemas.microsoft.com/office/powerpoint/2010/main" val="4135035934"/>
               </p:ext>
             </p:extLst>
           </p:nvPr>
@@ -3599,74 +3659,8 @@
                       <a:lightRig rig="flood" dir="t"/>
                     </a:cell3D>
                     <a:solidFill>
-                      <a:schemeClr val="bg1">
-                        <a:alpha val="46000"/>
-                      </a:schemeClr>
+                      <a:schemeClr val="bg1"/>
                     </a:solidFill>
-                  </a:tcPr>
-                </a:tc>
-                <a:extLst>
-                  <a:ext uri="{0D108BD9-81ED-4DB2-BD59-A6C34878D82A}">
-                    <a16:rowId xmlns:a16="http://schemas.microsoft.com/office/drawing/2014/main" val="4195021587"/>
-                  </a:ext>
-                </a:extLst>
-              </a:tr>
-            </a:tbl>
-          </a:graphicData>
-        </a:graphic>
-      </p:graphicFrame>
-      <p:graphicFrame>
-        <p:nvGraphicFramePr>
-          <p:cNvPr id="107" name="Table 106"/>
-          <p:cNvGraphicFramePr>
-            <a:graphicFrameLocks noGrp="1"/>
-          </p:cNvGraphicFramePr>
-          <p:nvPr>
-            <p:extLst>
-              <p:ext uri="{D42A27DB-BD31-4B8C-83A1-F6EECF244321}">
-                <p14:modId xmlns:p14="http://schemas.microsoft.com/office/powerpoint/2010/main" val="3080660866"/>
-              </p:ext>
-            </p:extLst>
-          </p:nvPr>
-        </p:nvGraphicFramePr>
-        <p:xfrm>
-          <a:off x="36819228" y="390197"/>
-          <a:ext cx="6677680" cy="5595577"/>
-        </p:xfrm>
-        <a:graphic>
-          <a:graphicData uri="http://schemas.openxmlformats.org/drawingml/2006/table">
-            <a:tbl>
-              <a:tblPr firstRow="1" bandRow="1">
-                <a:tableStyleId>{5C22544A-7EE6-4342-B048-85BDC9FD1C3A}</a:tableStyleId>
-              </a:tblPr>
-              <a:tblGrid>
-                <a:gridCol w="6677680">
-                  <a:extLst>
-                    <a:ext uri="{9D8B030D-6E8A-4147-A177-3AD203B41FA5}">
-                      <a16:colId xmlns:a16="http://schemas.microsoft.com/office/drawing/2014/main" val="4247442634"/>
-                    </a:ext>
-                  </a:extLst>
-                </a:gridCol>
-              </a:tblGrid>
-              <a:tr h="5595577">
-                <a:tc>
-                  <a:txBody>
-                    <a:bodyPr/>
-                    <a:lstStyle/>
-                    <a:p>
-                      <a:endParaRPr lang="en-US" sz="2200" dirty="0">
-                        <a:solidFill>
-                          <a:schemeClr val="bg1"/>
-                        </a:solidFill>
-                      </a:endParaRPr>
-                    </a:p>
-                  </a:txBody>
-                  <a:tcPr anchor="ctr">
-                    <a:cell3D prstMaterial="dkEdge">
-                      <a:bevel/>
-                      <a:lightRig rig="flood" dir="t"/>
-                    </a:cell3D>
-                    <a:noFill/>
                   </a:tcPr>
                 </a:tc>
                 <a:extLst>
@@ -3688,14 +3682,14 @@
           <p:nvPr>
             <p:extLst>
               <p:ext uri="{D42A27DB-BD31-4B8C-83A1-F6EECF244321}">
-                <p14:modId xmlns:p14="http://schemas.microsoft.com/office/powerpoint/2010/main" val="1423173947"/>
+                <p14:modId xmlns:p14="http://schemas.microsoft.com/office/powerpoint/2010/main" val="1129443518"/>
               </p:ext>
             </p:extLst>
           </p:nvPr>
         </p:nvGraphicFramePr>
         <p:xfrm>
-          <a:off x="36819228" y="21857677"/>
-          <a:ext cx="6715782" cy="7630353"/>
+          <a:off x="36749323" y="25009618"/>
+          <a:ext cx="6785687" cy="4478413"/>
         </p:xfrm>
         <a:graphic>
           <a:graphicData uri="http://schemas.openxmlformats.org/drawingml/2006/table">
@@ -3704,7 +3698,7 @@
                 <a:tableStyleId>{5C22544A-7EE6-4342-B048-85BDC9FD1C3A}</a:tableStyleId>
               </a:tblPr>
               <a:tblGrid>
-                <a:gridCol w="6715782">
+                <a:gridCol w="6785687">
                   <a:extLst>
                     <a:ext uri="{9D8B030D-6E8A-4147-A177-3AD203B41FA5}">
                       <a16:colId xmlns:a16="http://schemas.microsoft.com/office/drawing/2014/main" val="4247442634"/>
@@ -3712,7 +3706,7 @@
                   </a:extLst>
                 </a:gridCol>
               </a:tblGrid>
-              <a:tr h="681281">
+              <a:tr h="467669">
                 <a:tc>
                   <a:txBody>
                     <a:bodyPr/>
@@ -3753,26 +3747,26 @@
                   </a:ext>
                 </a:extLst>
               </a:tr>
-              <a:tr h="6949072">
+              <a:tr h="4010744">
                 <a:tc>
                   <a:txBody>
                     <a:bodyPr/>
                     <a:lstStyle/>
                     <a:p>
                       <a:r>
-                        <a:rPr lang="en-US" sz="2200" b="0" i="0" dirty="0">
+                        <a:rPr lang="en-US" sz="2400" b="0" i="0" dirty="0">
                           <a:solidFill>
                             <a:schemeClr val="bg1"/>
                           </a:solidFill>
-                          <a:latin typeface="Verdana" panose="020B0604030504040204" pitchFamily="34" charset="0"/>
+                          <a:latin typeface="+mn-lt"/>
                           <a:ea typeface="Verdana" panose="020B0604030504040204" pitchFamily="34" charset="0"/>
                           <a:cs typeface="Verdana" panose="020B0604030504040204" pitchFamily="34" charset="0"/>
                         </a:rPr>
-                        <a:t>Near Field Communication efficiently facilitates wireless, close-proximity transfer of relatively small amounts of data over a specifically defined radio frequency (13.56 MHz). Any Mobile device with integrated NFC hardware can actively generate a controlled electromagnetic field in order to stimulate an antenna, typically printed onto a thin, flat substrate referred to as a NFC “tag”. The energy transferred to the antenna is guided to an integrated circuit for processing Read/Write commands relevant to the tag’s memory module. </a:t>
+                        <a:t>Developing and implementing NFC technology requires great investments in time and planning, but if done effectively, the user experience can feel magical. Thanks to standardizations in data formatting and electro-mechanics developed by ISO/IEC, NXP, and the various companies that make up the NFC Forum, this technology will surely maintain relevancy despite its relatively narrow use case domain.  </a:t>
                       </a:r>
                     </a:p>
                   </a:txBody>
-                  <a:tcPr marL="137160" marR="137160" marT="137160" marB="137160" anchor="ctr">
+                  <a:tcPr marL="137160" marR="137160" marT="137160" marB="137160">
                     <a:lnT w="57150" cap="flat" cmpd="sng" algn="ctr">
                       <a:noFill/>
                       <a:prstDash val="solid"/>
@@ -3806,14 +3800,14 @@
           <p:nvPr>
             <p:extLst>
               <p:ext uri="{D42A27DB-BD31-4B8C-83A1-F6EECF244321}">
-                <p14:modId xmlns:p14="http://schemas.microsoft.com/office/powerpoint/2010/main" val="2455566935"/>
+                <p14:modId xmlns:p14="http://schemas.microsoft.com/office/powerpoint/2010/main" val="2740133539"/>
               </p:ext>
             </p:extLst>
           </p:nvPr>
         </p:nvGraphicFramePr>
         <p:xfrm>
-          <a:off x="4804410" y="3813795"/>
-          <a:ext cx="6972394" cy="7037226"/>
+          <a:off x="4650046" y="3662676"/>
+          <a:ext cx="7196463" cy="4362620"/>
         </p:xfrm>
         <a:graphic>
           <a:graphicData uri="http://schemas.openxmlformats.org/drawingml/2006/table">
@@ -3822,7 +3816,7 @@
                 <a:tableStyleId>{5C22544A-7EE6-4342-B048-85BDC9FD1C3A}</a:tableStyleId>
               </a:tblPr>
               <a:tblGrid>
-                <a:gridCol w="6972394">
+                <a:gridCol w="7196463">
                   <a:extLst>
                     <a:ext uri="{9D8B030D-6E8A-4147-A177-3AD203B41FA5}">
                       <a16:colId xmlns:a16="http://schemas.microsoft.com/office/drawing/2014/main" val="4247442634"/>
@@ -3830,7 +3824,7 @@
                   </a:extLst>
                 </a:gridCol>
               </a:tblGrid>
-              <a:tr h="586435">
+              <a:tr h="457617">
                 <a:tc>
                   <a:txBody>
                     <a:bodyPr/>
@@ -3846,11 +3840,11 @@
                           <a:ea typeface="Verdana" panose="020B0604030504040204" pitchFamily="34" charset="0"/>
                           <a:cs typeface="Verdana" panose="020B0604030504040204" pitchFamily="34" charset="0"/>
                         </a:rPr>
-                        <a:t>NFC Tag Locking Mechanisms</a:t>
+                        <a:t>NFC Tag Basic Information</a:t>
                       </a:r>
                     </a:p>
                   </a:txBody>
-                  <a:tcPr anchor="ctr">
+                  <a:tcPr marL="457200" marR="457200" anchor="ctr">
                     <a:lnB w="57150" cap="flat" cmpd="sng" algn="ctr">
                       <a:noFill/>
                       <a:prstDash val="solid"/>
@@ -3871,26 +3865,49 @@
                   </a:ext>
                 </a:extLst>
               </a:tr>
-              <a:tr h="6450791">
+              <a:tr h="3905003">
                 <a:tc>
                   <a:txBody>
                     <a:bodyPr/>
                     <a:lstStyle/>
                     <a:p>
                       <a:r>
-                        <a:rPr lang="en-US" sz="2200" b="0" i="0" dirty="0">
+                        <a:rPr lang="en-US" sz="2400" b="0" i="0" dirty="0">
                           <a:solidFill>
                             <a:schemeClr val="bg1"/>
                           </a:solidFill>
-                          <a:latin typeface="Verdana" panose="020B0604030504040204" pitchFamily="34" charset="0"/>
+                          <a:latin typeface="+mn-lt"/>
                           <a:ea typeface="Verdana" panose="020B0604030504040204" pitchFamily="34" charset="0"/>
                           <a:cs typeface="Verdana" panose="020B0604030504040204" pitchFamily="34" charset="0"/>
                         </a:rPr>
-                        <a:t> Near Field Communication efficiently facilitates wireless, close-proximity transfer of relatively small amounts of data over a specifically defined radio frequency (13.56 MHz). Any Mobile device with integrated NFC hardware can actively generate a controlled electromagnetic field in order to stimulate an antenna, typically printed onto a thin, flat substrate referred to as a NFC “tag”. The energy transferred to the antenna is guided to an integrated circuit for processing Read/Write commands relevant to the tag’s memory module. </a:t>
+                        <a:t>Each 8-bit long byte is represented by a 2-digit  hexadecimal value. From the tag’s beginning to end, every four sequential bytes forms a “page” of data. </a:t>
+                      </a:r>
+                    </a:p>
+                    <a:p>
+                      <a:endParaRPr lang="en-US" sz="2200" b="0" i="0" dirty="0">
+                        <a:solidFill>
+                          <a:schemeClr val="bg1"/>
+                        </a:solidFill>
+                        <a:latin typeface="+mn-lt"/>
+                        <a:ea typeface="Verdana" panose="020B0604030504040204" pitchFamily="34" charset="0"/>
+                        <a:cs typeface="Verdana" panose="020B0604030504040204" pitchFamily="34" charset="0"/>
+                      </a:endParaRPr>
+                    </a:p>
+                    <a:p>
+                      <a:r>
+                        <a:rPr lang="en-US" sz="2400" b="0" i="0" dirty="0">
+                          <a:solidFill>
+                            <a:schemeClr val="bg1"/>
+                          </a:solidFill>
+                          <a:latin typeface="+mn-lt"/>
+                          <a:ea typeface="Verdana" panose="020B0604030504040204" pitchFamily="34" charset="0"/>
+                          <a:cs typeface="Verdana" panose="020B0604030504040204" pitchFamily="34" charset="0"/>
+                        </a:rPr>
+                        <a:t>The first set of values (blue arrow) show the exact contents of an unmodified MIFARE Ultralight NFC Tag designed by the manufacturer NXP. The second set (green arrow) shows the exact values sent back to the tag after processing by the mobile app. In this case, the text “START” occupies the payload to be written.</a:t>
                       </a:r>
                     </a:p>
                   </a:txBody>
-                  <a:tcPr marL="137160" marR="137160" marT="137160" marB="137160" anchor="ctr">
+                  <a:tcPr marL="137160" marR="137160" marT="137160" marB="137160">
                     <a:lnT w="57150" cap="flat" cmpd="sng" algn="ctr">
                       <a:noFill/>
                       <a:prstDash val="solid"/>
@@ -3925,8 +3942,8 @@
         </p:nvSpPr>
         <p:spPr bwMode="auto">
           <a:xfrm>
-            <a:off x="4080805" y="13859812"/>
-            <a:ext cx="35924195" cy="2938685"/>
+            <a:off x="3429000" y="13536000"/>
+            <a:ext cx="36576001" cy="3442685"/>
           </a:xfrm>
           <a:prstGeom prst="rect">
             <a:avLst/>
@@ -4132,7 +4149,7 @@
         <p:spPr bwMode="auto">
           <a:xfrm>
             <a:off x="12182021" y="30556200"/>
-            <a:ext cx="20279179" cy="2058915"/>
+            <a:ext cx="24215946" cy="2058915"/>
           </a:xfrm>
           <a:prstGeom prst="rect">
             <a:avLst/>
@@ -4275,7 +4292,11 @@
               <a:defRPr/>
             </a:pPr>
             <a:r>
-              <a:rPr lang="en-US" sz="1600" kern="0" dirty="0"/>
+              <a:rPr lang="en-US" sz="1600" kern="0" dirty="0">
+                <a:latin typeface="Verdana" panose="020B0604030504040204" pitchFamily="34" charset="0"/>
+                <a:ea typeface="Verdana" panose="020B0604030504040204" pitchFamily="34" charset="0"/>
+                <a:cs typeface="Verdana" panose="020B0604030504040204" pitchFamily="34" charset="0"/>
+              </a:rPr>
               <a:t>M. Roland and J. Langer, "Digital Signature Records for the NFC Data Exchange Format," 2010 Second International Workshop on Near Field Communication, Monaco, 2010, pp. 71-76. doi: 10.1109/NFC.2010.10</a:t>
             </a:r>
           </a:p>
@@ -4289,7 +4310,11 @@
               <a:defRPr/>
             </a:pPr>
             <a:r>
-              <a:rPr lang="en-US" sz="1600" kern="0" dirty="0"/>
+              <a:rPr lang="en-US" sz="1600" kern="0" dirty="0">
+                <a:latin typeface="Verdana" panose="020B0604030504040204" pitchFamily="34" charset="0"/>
+                <a:ea typeface="Verdana" panose="020B0604030504040204" pitchFamily="34" charset="0"/>
+                <a:cs typeface="Verdana" panose="020B0604030504040204" pitchFamily="34" charset="0"/>
+              </a:rPr>
               <a:t>B. Jepson, D. Coleman, and T. Igoe, 4. Introducing NDEF [Book]. Safari, 2017. [Online]. Available: https://www.safaribooksonline.com/library/view/beginning-nfc/9781449324094/ch04.html. Accessed: Feb. 2, 2017.</a:t>
             </a:r>
           </a:p>
@@ -4303,7 +4328,11 @@
               <a:defRPr/>
             </a:pPr>
             <a:r>
-              <a:rPr lang="en-US" sz="1600" kern="0" dirty="0"/>
+              <a:rPr lang="en-US" sz="1600" kern="0" dirty="0">
+                <a:latin typeface="Verdana" panose="020B0604030504040204" pitchFamily="34" charset="0"/>
+                <a:ea typeface="Verdana" panose="020B0604030504040204" pitchFamily="34" charset="0"/>
+                <a:cs typeface="Verdana" panose="020B0604030504040204" pitchFamily="34" charset="0"/>
+              </a:rPr>
               <a:t>NFC, Forum. "NFC Forum Technical Specifications Improve RF Communication and NFC Tag Interoperability with NFC Devices." Business Wire (English) Dec. 0010: Regional Business News. Web. 1 Feb. 2017.</a:t>
             </a:r>
           </a:p>
@@ -4317,7 +4346,11 @@
               <a:defRPr/>
             </a:pPr>
             <a:r>
-              <a:rPr lang="en-US" sz="1600" kern="0" dirty="0"/>
+              <a:rPr lang="en-US" sz="1600" kern="0" dirty="0">
+                <a:latin typeface="Verdana" panose="020B0604030504040204" pitchFamily="34" charset="0"/>
+                <a:ea typeface="Verdana" panose="020B0604030504040204" pitchFamily="34" charset="0"/>
+                <a:cs typeface="Verdana" panose="020B0604030504040204" pitchFamily="34" charset="0"/>
+              </a:rPr>
               <a:t>electrical 4 u, "Air core transformer," 2011. [Online]. Available: http://www.electrical4u.com/air-core-transformer/. Accessed: Feb. 1, 2017.</a:t>
             </a:r>
           </a:p>
@@ -4331,26 +4364,34 @@
               <a:defRPr/>
             </a:pPr>
             <a:r>
-              <a:rPr lang="en-US" sz="1600" dirty="0"/>
+              <a:rPr lang="en-US" sz="1600" dirty="0">
+                <a:latin typeface="Verdana" panose="020B0604030504040204" pitchFamily="34" charset="0"/>
+                <a:ea typeface="Verdana" panose="020B0604030504040204" pitchFamily="34" charset="0"/>
+                <a:cs typeface="Verdana" panose="020B0604030504040204" pitchFamily="34" charset="0"/>
+              </a:rPr>
               <a:t>NFC Forum, 1</a:t>
             </a:r>
             <a:r>
-              <a:rPr lang="en-US" sz="1600" baseline="30000" dirty="0"/>
+              <a:rPr lang="en-US" sz="1600" baseline="30000" dirty="0">
+                <a:latin typeface="Verdana" panose="020B0604030504040204" pitchFamily="34" charset="0"/>
+                <a:ea typeface="Verdana" panose="020B0604030504040204" pitchFamily="34" charset="0"/>
+                <a:cs typeface="Verdana" panose="020B0604030504040204" pitchFamily="34" charset="0"/>
+              </a:rPr>
               <a:t>st</a:t>
             </a:r>
             <a:r>
-              <a:rPr lang="en-US" sz="1600" dirty="0"/>
-              <a:t> ed.</a:t>
-            </a:r>
-            <a:r>
-              <a:rPr lang="en-US" sz="1600" i="1" dirty="0"/>
-              <a:t> NFC Data Exchange Format (NDEF) Technical Specification,</a:t>
-            </a:r>
-            <a:r>
-              <a:rPr lang="en-US" sz="1600" dirty="0"/>
-              <a:t> 1st ed. Wakefield, MA: NFC Forum, 2006. Web. 27 Mar. 2017.</a:t>
-            </a:r>
-            <a:endParaRPr lang="en-US" sz="2000" kern="0" dirty="0"/>
+              <a:rPr lang="en-US" sz="1600" dirty="0">
+                <a:latin typeface="Verdana" panose="020B0604030504040204" pitchFamily="34" charset="0"/>
+                <a:ea typeface="Verdana" panose="020B0604030504040204" pitchFamily="34" charset="0"/>
+                <a:cs typeface="Verdana" panose="020B0604030504040204" pitchFamily="34" charset="0"/>
+              </a:rPr>
+              <a:t> ed. NFC Data Exchange Format (NDEF) Technical Specification, 1st ed. Wakefield, MA: NFC Forum, 2006. Web. 27 Mar. 2017.</a:t>
+            </a:r>
+            <a:endParaRPr lang="en-US" sz="2000" kern="0" dirty="0">
+              <a:latin typeface="Verdana" panose="020B0604030504040204" pitchFamily="34" charset="0"/>
+              <a:ea typeface="Verdana" panose="020B0604030504040204" pitchFamily="34" charset="0"/>
+              <a:cs typeface="Verdana" panose="020B0604030504040204" pitchFamily="34" charset="0"/>
+            </a:endParaRPr>
           </a:p>
           <a:p>
             <a:pPr marL="457200" lvl="0" indent="-457200" defTabSz="457200">
@@ -4361,7 +4402,11 @@
               <a:buAutoNum type="arabicPeriod"/>
               <a:defRPr/>
             </a:pPr>
-            <a:endParaRPr lang="en-US" sz="2000" kern="0" dirty="0"/>
+            <a:endParaRPr lang="en-US" sz="2000" kern="0" dirty="0">
+              <a:latin typeface="Verdana" panose="020B0604030504040204" pitchFamily="34" charset="0"/>
+              <a:ea typeface="Verdana" panose="020B0604030504040204" pitchFamily="34" charset="0"/>
+              <a:cs typeface="Verdana" panose="020B0604030504040204" pitchFamily="34" charset="0"/>
+            </a:endParaRPr>
           </a:p>
           <a:p>
             <a:pPr marL="457200" lvl="0" indent="-457200" defTabSz="457200">
@@ -4372,14 +4417,16 @@
               <a:buAutoNum type="arabicPeriod"/>
               <a:defRPr/>
             </a:pPr>
-            <a:endParaRPr kumimoji="0" lang="en-US" sz="2000" b="0" i="0" u="none" strike="noStrike" kern="0" cap="none" spc="0" normalizeH="0" baseline="0" noProof="0" dirty="0">
+            <a:endParaRPr kumimoji="0" lang="en-US" sz="2000" u="none" strike="noStrike" kern="0" cap="none" spc="0" normalizeH="0" baseline="0" noProof="0" dirty="0">
               <a:ln>
                 <a:noFill/>
               </a:ln>
               <a:effectLst/>
               <a:uLnTx/>
               <a:uFillTx/>
-              <a:latin typeface="Arial" charset="0"/>
+              <a:latin typeface="Verdana" panose="020B0604030504040204" pitchFamily="34" charset="0"/>
+              <a:ea typeface="Verdana" panose="020B0604030504040204" pitchFamily="34" charset="0"/>
+              <a:cs typeface="Verdana" panose="020B0604030504040204" pitchFamily="34" charset="0"/>
             </a:endParaRPr>
           </a:p>
         </p:txBody>
@@ -4394,8 +4441,8 @@
         </p:nvSpPr>
         <p:spPr bwMode="auto">
           <a:xfrm>
-            <a:off x="12182021" y="30355635"/>
-            <a:ext cx="20279179" cy="200565"/>
+            <a:off x="12182021" y="30376693"/>
+            <a:ext cx="24215946" cy="330538"/>
           </a:xfrm>
           <a:prstGeom prst="rect">
             <a:avLst/>
@@ -4538,7 +4585,7 @@
           <a:p>
             <a:pPr algn="ctr"/>
             <a:r>
-              <a:rPr lang="en-US" sz="3200" dirty="0">
+              <a:rPr lang="en-US" sz="2400" dirty="0">
                 <a:ln w="0"/>
                 <a:effectLst>
                   <a:outerShdw blurRad="38100" dist="19050" dir="2700000" algn="tl" rotWithShape="0">
@@ -4667,7 +4714,7 @@
         </p:blipFill>
         <p:spPr bwMode="auto">
           <a:xfrm>
-            <a:off x="33528000" y="31530874"/>
+            <a:off x="36543967" y="30228286"/>
             <a:ext cx="2759344" cy="1200179"/>
           </a:xfrm>
           <a:prstGeom prst="rect">
@@ -4741,8 +4788,8 @@
         </p:nvSpPr>
         <p:spPr>
           <a:xfrm>
-            <a:off x="4249331" y="15316200"/>
-            <a:ext cx="35146067" cy="5456107"/>
+            <a:off x="4433713" y="15316200"/>
+            <a:ext cx="34961685" cy="5456107"/>
           </a:xfrm>
           <a:prstGeom prst="stripedRightArrow">
             <a:avLst/>
@@ -4822,7 +4869,7 @@
         </p:nvSpPr>
         <p:spPr bwMode="auto">
           <a:xfrm>
-            <a:off x="37238409" y="4614709"/>
+            <a:off x="37238409" y="4194789"/>
             <a:ext cx="5952003" cy="1176491"/>
           </a:xfrm>
           <a:prstGeom prst="rect">
@@ -4959,7 +5006,7 @@
         </p:nvSpPr>
         <p:spPr bwMode="auto">
           <a:xfrm>
-            <a:off x="37183904" y="4153720"/>
+            <a:off x="37183904" y="3733800"/>
             <a:ext cx="5952003" cy="628279"/>
           </a:xfrm>
           <a:prstGeom prst="rect">
@@ -5123,7 +5170,7 @@
         </p:nvSpPr>
         <p:spPr bwMode="auto">
           <a:xfrm>
-            <a:off x="37238409" y="2609127"/>
+            <a:off x="37238409" y="2189207"/>
             <a:ext cx="5952003" cy="1473469"/>
           </a:xfrm>
           <a:prstGeom prst="rect">
@@ -5211,7 +5258,7 @@
         </p:nvSpPr>
         <p:spPr bwMode="auto">
           <a:xfrm>
-            <a:off x="37238409" y="2172520"/>
+            <a:off x="37238409" y="1752600"/>
             <a:ext cx="5952003" cy="680279"/>
           </a:xfrm>
           <a:prstGeom prst="rect">
@@ -5387,7 +5434,7 @@
         </p:blipFill>
         <p:spPr>
           <a:xfrm>
-            <a:off x="37871400" y="30299551"/>
+            <a:off x="39395398" y="30228286"/>
             <a:ext cx="2759344" cy="2431502"/>
           </a:xfrm>
           <a:prstGeom prst="rect">
@@ -5417,7 +5464,7 @@
         </p:blipFill>
         <p:spPr>
           <a:xfrm>
-            <a:off x="8703047" y="14740897"/>
+            <a:off x="8153400" y="14740897"/>
             <a:ext cx="1546726" cy="1546726"/>
           </a:xfrm>
           <a:prstGeom prst="rect">
@@ -5515,8 +5562,8 @@
         </p:nvSpPr>
         <p:spPr>
           <a:xfrm rot="16200000">
-            <a:off x="24242544" y="11463920"/>
-            <a:ext cx="4149797" cy="491523"/>
+            <a:off x="24175988" y="11397363"/>
+            <a:ext cx="4282910" cy="491523"/>
           </a:xfrm>
           <a:prstGeom prst="homePlate">
             <a:avLst/>
@@ -5848,8 +5895,8 @@
         </p:nvSpPr>
         <p:spPr>
           <a:xfrm rot="16200000">
-            <a:off x="23499591" y="11471540"/>
-            <a:ext cx="4149797" cy="491523"/>
+            <a:off x="23433035" y="11404983"/>
+            <a:ext cx="4282910" cy="491523"/>
           </a:xfrm>
           <a:prstGeom prst="homePlate">
             <a:avLst/>
@@ -5889,8 +5936,8 @@
         </p:nvSpPr>
         <p:spPr>
           <a:xfrm rot="16200000">
-            <a:off x="24969076" y="11475492"/>
-            <a:ext cx="4141892" cy="491523"/>
+            <a:off x="24902647" y="11409063"/>
+            <a:ext cx="4274751" cy="491523"/>
           </a:xfrm>
           <a:prstGeom prst="homePlate">
             <a:avLst/>
@@ -7684,8 +7731,8 @@
         </p:nvSpPr>
         <p:spPr>
           <a:xfrm rot="10800000" flipH="1">
-            <a:off x="12051308" y="390199"/>
-            <a:ext cx="24451556" cy="3238466"/>
+            <a:off x="12051308" y="228600"/>
+            <a:ext cx="24451556" cy="3400065"/>
           </a:xfrm>
           <a:prstGeom prst="snip2DiagRect">
             <a:avLst/>
@@ -10127,7 +10174,7 @@
         </p:blipFill>
         <p:spPr>
           <a:xfrm>
-            <a:off x="33528000" y="30299551"/>
+            <a:off x="36543967" y="31542287"/>
             <a:ext cx="2759344" cy="1111210"/>
           </a:xfrm>
           <a:prstGeom prst="rect">
@@ -10157,7 +10204,7 @@
         </p:blipFill>
         <p:spPr>
           <a:xfrm>
-            <a:off x="42275932" y="30233086"/>
+            <a:off x="42300742" y="30152540"/>
             <a:ext cx="1234268" cy="1149720"/>
           </a:xfrm>
           <a:prstGeom prst="rect">
@@ -10187,7 +10234,7 @@
         </p:blipFill>
         <p:spPr>
           <a:xfrm>
-            <a:off x="20258897" y="25009618"/>
+            <a:off x="20335097" y="24933418"/>
             <a:ext cx="5572903" cy="2314898"/>
           </a:xfrm>
           <a:prstGeom prst="rect">
@@ -10217,7 +10264,7 @@
         </p:blipFill>
         <p:spPr>
           <a:xfrm>
-            <a:off x="20257309" y="22098000"/>
+            <a:off x="20333509" y="22021800"/>
             <a:ext cx="5572903" cy="2667372"/>
           </a:xfrm>
           <a:prstGeom prst="rect">
@@ -10247,7 +10294,7 @@
         </p:blipFill>
         <p:spPr>
           <a:xfrm>
-            <a:off x="12344400" y="22098000"/>
+            <a:off x="12344400" y="22021800"/>
             <a:ext cx="7735380" cy="5220429"/>
           </a:xfrm>
           <a:prstGeom prst="rect">
@@ -10277,7 +10324,7 @@
         </p:blipFill>
         <p:spPr>
           <a:xfrm>
-            <a:off x="26329060" y="22098000"/>
+            <a:off x="26417479" y="22021800"/>
             <a:ext cx="3400900" cy="1333686"/>
           </a:xfrm>
           <a:prstGeom prst="rect">
@@ -10307,7 +10354,7 @@
         </p:blipFill>
         <p:spPr>
           <a:xfrm>
-            <a:off x="42275932" y="31506066"/>
+            <a:off x="42300742" y="31425520"/>
             <a:ext cx="1234268" cy="1234268"/>
           </a:xfrm>
           <a:prstGeom prst="rect">
@@ -10337,7 +10384,7 @@
         </p:blipFill>
         <p:spPr>
           <a:xfrm>
-            <a:off x="26358460" y="23642248"/>
+            <a:off x="26458839" y="23601852"/>
             <a:ext cx="3342103" cy="3528016"/>
           </a:xfrm>
           <a:prstGeom prst="ellipse">
@@ -10371,7 +10418,7 @@
         </p:nvSpPr>
         <p:spPr>
           <a:xfrm rot="19367079">
-            <a:off x="25644163" y="24564268"/>
+            <a:off x="25744542" y="24523872"/>
             <a:ext cx="4770695" cy="1569660"/>
           </a:xfrm>
           <a:prstGeom prst="rect">
@@ -10514,14 +10561,14 @@
           <p:nvPr>
             <p:extLst>
               <p:ext uri="{D42A27DB-BD31-4B8C-83A1-F6EECF244321}">
-                <p14:modId xmlns:p14="http://schemas.microsoft.com/office/powerpoint/2010/main" val="62201989"/>
+                <p14:modId xmlns:p14="http://schemas.microsoft.com/office/powerpoint/2010/main" val="730487176"/>
               </p:ext>
             </p:extLst>
           </p:nvPr>
         </p:nvGraphicFramePr>
         <p:xfrm>
-          <a:off x="4804410" y="29641800"/>
-          <a:ext cx="6972394" cy="3098534"/>
+          <a:off x="4648200" y="29032200"/>
+          <a:ext cx="7197353" cy="3657600"/>
         </p:xfrm>
         <a:graphic>
           <a:graphicData uri="http://schemas.openxmlformats.org/drawingml/2006/table">
@@ -10530,7 +10577,7 @@
                 <a:tableStyleId>{5C22544A-7EE6-4342-B048-85BDC9FD1C3A}</a:tableStyleId>
               </a:tblPr>
               <a:tblGrid>
-                <a:gridCol w="6972394">
+                <a:gridCol w="7197353">
                   <a:extLst>
                     <a:ext uri="{9D8B030D-6E8A-4147-A177-3AD203B41FA5}">
                       <a16:colId xmlns:a16="http://schemas.microsoft.com/office/drawing/2014/main" val="4247442634"/>
@@ -10538,7 +10585,7 @@
                   </a:extLst>
                 </a:gridCol>
               </a:tblGrid>
-              <a:tr h="484476">
+              <a:tr h="433612">
                 <a:tc>
                   <a:txBody>
                     <a:bodyPr/>
@@ -10546,10 +10593,13 @@
                     <a:p>
                       <a:pPr algn="ctr"/>
                       <a:r>
-                        <a:rPr lang="en-US" sz="2400" dirty="0">
+                        <a:rPr lang="en-US" sz="2400" b="0" i="0" dirty="0">
                           <a:solidFill>
                             <a:schemeClr val="bg1"/>
                           </a:solidFill>
+                          <a:latin typeface="Verdana" panose="020B0604030504040204" pitchFamily="34" charset="0"/>
+                          <a:ea typeface="Verdana" panose="020B0604030504040204" pitchFamily="34" charset="0"/>
+                          <a:cs typeface="Verdana" panose="020B0604030504040204" pitchFamily="34" charset="0"/>
                         </a:rPr>
                         <a:t>Choosing Android as a Development Platform</a:t>
                       </a:r>
@@ -10576,23 +10626,21 @@
                   </a:ext>
                 </a:extLst>
               </a:tr>
-              <a:tr h="2614058">
+              <a:tr h="3035285">
                 <a:tc>
                   <a:txBody>
                     <a:bodyPr/>
                     <a:lstStyle/>
                     <a:p>
                       <a:r>
-                        <a:rPr lang="en-US" sz="2200" dirty="0">
+                        <a:rPr lang="en-US" sz="2400" dirty="0">
                           <a:solidFill>
                             <a:schemeClr val="bg1"/>
                           </a:solidFill>
                         </a:rPr>
-                        <a:t>Though NFC technology and protocols were designed to be software agnostic, Google’s Android Operating System provides more freedom for software developers to take advantage of NFC hardware. The mobile application presented here supports APIs version 19 (KitKat) and older. </a:t>
+                        <a:t>Though NFC technology and protocols were designed to be software agnostic, Google’s Android Operating System provides more freedom for software developers to take advantage of NFC hardware. The mobile application presented supports APIs version 19 (KitKat) and older. It was developed and tested using Android Studio, and tested on a Samsung Galaxy SIII. Code files were written primarily in Java and XML.</a:t>
                       </a:r>
-                    </a:p>
-                    <a:p>
-                      <a:endParaRPr lang="en-US" sz="2400" dirty="0">
+                      <a:endParaRPr lang="en-US" sz="2800" dirty="0">
                         <a:solidFill>
                           <a:schemeClr val="bg1"/>
                         </a:solidFill>
@@ -10633,14 +10681,14 @@
           <p:nvPr>
             <p:extLst>
               <p:ext uri="{D42A27DB-BD31-4B8C-83A1-F6EECF244321}">
-                <p14:modId xmlns:p14="http://schemas.microsoft.com/office/powerpoint/2010/main" val="3321389438"/>
+                <p14:modId xmlns:p14="http://schemas.microsoft.com/office/powerpoint/2010/main" val="2748472616"/>
               </p:ext>
             </p:extLst>
           </p:nvPr>
         </p:nvGraphicFramePr>
         <p:xfrm>
-          <a:off x="380999" y="390197"/>
-          <a:ext cx="11397889" cy="3249581"/>
+          <a:off x="378915" y="228599"/>
+          <a:ext cx="11467594" cy="3302136"/>
         </p:xfrm>
         <a:graphic>
           <a:graphicData uri="http://schemas.openxmlformats.org/drawingml/2006/table">
@@ -10649,7 +10697,7 @@
                 <a:tableStyleId>{5C22544A-7EE6-4342-B048-85BDC9FD1C3A}</a:tableStyleId>
               </a:tblPr>
               <a:tblGrid>
-                <a:gridCol w="11397889">
+                <a:gridCol w="11467594">
                   <a:extLst>
                     <a:ext uri="{9D8B030D-6E8A-4147-A177-3AD203B41FA5}">
                       <a16:colId xmlns:a16="http://schemas.microsoft.com/office/drawing/2014/main" val="4247442634"/>
@@ -10657,7 +10705,7 @@
                   </a:extLst>
                 </a:gridCol>
               </a:tblGrid>
-              <a:tr h="446088">
+              <a:tr h="458630">
                 <a:tc>
                   <a:txBody>
                     <a:bodyPr/>
@@ -10698,26 +10746,48 @@
                   </a:ext>
                 </a:extLst>
               </a:tr>
-              <a:tr h="2792381">
+              <a:tr h="2843506">
                 <a:tc>
                   <a:txBody>
                     <a:bodyPr/>
                     <a:lstStyle/>
                     <a:p>
                       <a:r>
-                        <a:rPr lang="en-US" sz="2200" b="0" i="0" dirty="0">
+                        <a:rPr lang="en-US" sz="2400" b="0" i="0" dirty="0">
                           <a:solidFill>
                             <a:schemeClr val="bg1"/>
                           </a:solidFill>
-                          <a:latin typeface="Verdana" panose="020B0604030504040204" pitchFamily="34" charset="0"/>
+                          <a:latin typeface="+mn-lt"/>
                           <a:ea typeface="Verdana" panose="020B0604030504040204" pitchFamily="34" charset="0"/>
                           <a:cs typeface="Verdana" panose="020B0604030504040204" pitchFamily="34" charset="0"/>
                         </a:rPr>
-                        <a:t>Near Field Communication efficiently facilitates wireless, close-proximity transfer of relatively small amounts of data over a specifically defined radio frequency (13.56 MHz). Any Mobile device with integrated NFC hardware can actively generate a controlled electromagnetic field in order to stimulate an antenna, typically printed onto a thin, flat substrate referred to as a NFC “tag”. The energy transferred to the antenna is guided to an integrated circuit for processing Read/Write commands relevant to the tag’s memory module. </a:t>
+                        <a:t>Near Field Communication efficiently facilitates wireless, close-proximity transfer of relatively small amounts of data over a specifically defined radio frequency (</a:t>
+                      </a:r>
+                      <a:r>
+                        <a:rPr lang="en-US" sz="2400" b="0" i="0" kern="1200" dirty="0">
+                          <a:solidFill>
+                            <a:schemeClr val="bg1"/>
+                          </a:solidFill>
+                          <a:latin typeface="+mn-lt"/>
+                          <a:ea typeface="Verdana" panose="020B0604030504040204" pitchFamily="34" charset="0"/>
+                          <a:cs typeface="Verdana" panose="020B0604030504040204" pitchFamily="34" charset="0"/>
+                        </a:rPr>
+                        <a:t>13.56</a:t>
+                      </a:r>
+                      <a:r>
+                        <a:rPr lang="en-US" sz="2400" b="0" i="0" dirty="0">
+                          <a:solidFill>
+                            <a:schemeClr val="bg1"/>
+                          </a:solidFill>
+                          <a:latin typeface="+mn-lt"/>
+                          <a:ea typeface="Verdana" panose="020B0604030504040204" pitchFamily="34" charset="0"/>
+                          <a:cs typeface="Verdana" panose="020B0604030504040204" pitchFamily="34" charset="0"/>
+                        </a:rPr>
+                        <a:t> MHz). Any Mobile device with integrated NFC hardware can actively generate a controlled electromagnetic field in order to stimulate an antenna, typically printed onto a thin, flat substrate referred to as a NFC “tag”. The energy transferred to the antenna is guided to an integrated circuit for processing Read/Write commands relevant to the tag’s memory module. </a:t>
                       </a:r>
                     </a:p>
                   </a:txBody>
-                  <a:tcPr marL="137160" marR="137160" marT="137160" marB="137160" anchor="ctr">
+                  <a:tcPr marL="137160" marR="137160" marT="137160" marB="137160">
                     <a:lnT w="57150" cap="flat" cmpd="sng" algn="ctr">
                       <a:noFill/>
                       <a:prstDash val="solid"/>
@@ -10751,14 +10821,14 @@
           <p:nvPr>
             <p:extLst>
               <p:ext uri="{D42A27DB-BD31-4B8C-83A1-F6EECF244321}">
-                <p14:modId xmlns:p14="http://schemas.microsoft.com/office/powerpoint/2010/main" val="1884544064"/>
+                <p14:modId xmlns:p14="http://schemas.microsoft.com/office/powerpoint/2010/main" val="5871187"/>
               </p:ext>
             </p:extLst>
           </p:nvPr>
         </p:nvGraphicFramePr>
         <p:xfrm>
-          <a:off x="4804410" y="20275443"/>
-          <a:ext cx="6972394" cy="9212588"/>
+          <a:off x="4650047" y="21857676"/>
+          <a:ext cx="7195506" cy="7040441"/>
         </p:xfrm>
         <a:graphic>
           <a:graphicData uri="http://schemas.openxmlformats.org/drawingml/2006/table">
@@ -10767,7 +10837,7 @@
                 <a:tableStyleId>{5C22544A-7EE6-4342-B048-85BDC9FD1C3A}</a:tableStyleId>
               </a:tblPr>
               <a:tblGrid>
-                <a:gridCol w="6972394">
+                <a:gridCol w="7195506">
                   <a:extLst>
                     <a:ext uri="{9D8B030D-6E8A-4147-A177-3AD203B41FA5}">
                       <a16:colId xmlns:a16="http://schemas.microsoft.com/office/drawing/2014/main" val="4247442634"/>
@@ -10775,7 +10845,7 @@
                   </a:extLst>
                 </a:gridCol>
               </a:tblGrid>
-              <a:tr h="822552">
+              <a:tr h="457200">
                 <a:tc>
                   <a:txBody>
                     <a:bodyPr/>
@@ -10816,7 +10886,164 @@
                   </a:ext>
                 </a:extLst>
               </a:tr>
-              <a:tr h="8390036">
+              <a:tr h="6583241">
+                <a:tc>
+                  <a:txBody>
+                    <a:bodyPr/>
+                    <a:lstStyle/>
+                    <a:p>
+                      <a:r>
+                        <a:rPr lang="en-US" sz="2400" b="0" i="0" dirty="0">
+                          <a:solidFill>
+                            <a:schemeClr val="bg1"/>
+                          </a:solidFill>
+                          <a:latin typeface="+mn-lt"/>
+                          <a:ea typeface="Verdana" panose="020B0604030504040204" pitchFamily="34" charset="0"/>
+                          <a:cs typeface="Verdana" panose="020B0604030504040204" pitchFamily="34" charset="0"/>
+                        </a:rPr>
+                        <a:t>NFC Data Exchange Format (NDEF) is a lightweight format used to encapsulate data of specific types. </a:t>
+                      </a:r>
+                    </a:p>
+                    <a:p>
+                      <a:r>
+                        <a:rPr lang="en-US" sz="2400" b="0" i="0" dirty="0">
+                          <a:solidFill>
+                            <a:schemeClr val="bg1"/>
+                          </a:solidFill>
+                          <a:latin typeface="+mn-lt"/>
+                          <a:ea typeface="Verdana" panose="020B0604030504040204" pitchFamily="34" charset="0"/>
+                          <a:cs typeface="Verdana" panose="020B0604030504040204" pitchFamily="34" charset="0"/>
+                        </a:rPr>
+                        <a:t>It takes the form of a single “message” containing one or more “records”. Each record has a type which defines the contained data. Mobile applications can use this metadata to determine how to process each record.  </a:t>
+                      </a:r>
+                    </a:p>
+                    <a:p>
+                      <a:r>
+                        <a:rPr lang="en-US" sz="2400" b="0" i="0" dirty="0">
+                          <a:solidFill>
+                            <a:schemeClr val="bg1"/>
+                          </a:solidFill>
+                          <a:latin typeface="+mn-lt"/>
+                          <a:ea typeface="Verdana" panose="020B0604030504040204" pitchFamily="34" charset="0"/>
+                          <a:cs typeface="Verdana" panose="020B0604030504040204" pitchFamily="34" charset="0"/>
+                        </a:rPr>
+                        <a:t>For example, if a mobile device reads the contents of an NFC tag that contains a URL to a website, it will receive the entire contents of the tag’s data in the form of an NDEF message. The device requesting the data can then parse through the record’s data and process it according to its defined type. The device would recognize the data as a URL and attempt to open a web browser.</a:t>
+                      </a:r>
+                    </a:p>
+                    <a:p>
+                      <a:r>
+                        <a:rPr lang="en-US" sz="2400" b="0" i="0" dirty="0">
+                          <a:solidFill>
+                            <a:schemeClr val="bg1"/>
+                          </a:solidFill>
+                          <a:latin typeface="+mn-lt"/>
+                          <a:ea typeface="Verdana" panose="020B0604030504040204" pitchFamily="34" charset="0"/>
+                          <a:cs typeface="Verdana" panose="020B0604030504040204" pitchFamily="34" charset="0"/>
+                        </a:rPr>
+                        <a:t>NDEF supports URL/URI, MIME Media, and Text data types. Other special types are available to define empty, unknown, or external (user defined) data types.</a:t>
+                      </a:r>
+                    </a:p>
+                  </a:txBody>
+                  <a:tcPr marL="137160" marR="137160" marT="137160" marB="137160">
+                    <a:lnT w="57150" cap="flat" cmpd="sng" algn="ctr">
+                      <a:noFill/>
+                      <a:prstDash val="solid"/>
+                      <a:round/>
+                      <a:headEnd type="none" w="med" len="med"/>
+                      <a:tailEnd type="none" w="med" len="med"/>
+                    </a:lnT>
+                    <a:cell3D prstMaterial="dkEdge">
+                      <a:bevel/>
+                      <a:lightRig rig="flood" dir="t"/>
+                    </a:cell3D>
+                    <a:noFill/>
+                  </a:tcPr>
+                </a:tc>
+                <a:extLst>
+                  <a:ext uri="{0D108BD9-81ED-4DB2-BD59-A6C34878D82A}">
+                    <a16:rowId xmlns:a16="http://schemas.microsoft.com/office/drawing/2014/main" val="3436380317"/>
+                  </a:ext>
+                </a:extLst>
+              </a:tr>
+            </a:tbl>
+          </a:graphicData>
+        </a:graphic>
+      </p:graphicFrame>
+      <p:graphicFrame>
+        <p:nvGraphicFramePr>
+          <p:cNvPr id="109" name="Table 108"/>
+          <p:cNvGraphicFramePr>
+            <a:graphicFrameLocks noGrp="1"/>
+          </p:cNvGraphicFramePr>
+          <p:nvPr>
+            <p:extLst>
+              <p:ext uri="{D42A27DB-BD31-4B8C-83A1-F6EECF244321}">
+                <p14:modId xmlns:p14="http://schemas.microsoft.com/office/powerpoint/2010/main" val="1643368931"/>
+              </p:ext>
+            </p:extLst>
+          </p:nvPr>
+        </p:nvGraphicFramePr>
+        <p:xfrm>
+          <a:off x="36749323" y="5268922"/>
+          <a:ext cx="6747585" cy="4179878"/>
+        </p:xfrm>
+        <a:graphic>
+          <a:graphicData uri="http://schemas.openxmlformats.org/drawingml/2006/table">
+            <a:tbl>
+              <a:tblPr firstRow="1" bandRow="1">
+                <a:tableStyleId>{5C22544A-7EE6-4342-B048-85BDC9FD1C3A}</a:tableStyleId>
+              </a:tblPr>
+              <a:tblGrid>
+                <a:gridCol w="6747585">
+                  <a:extLst>
+                    <a:ext uri="{9D8B030D-6E8A-4147-A177-3AD203B41FA5}">
+                      <a16:colId xmlns:a16="http://schemas.microsoft.com/office/drawing/2014/main" val="4247442634"/>
+                    </a:ext>
+                  </a:extLst>
+                </a:gridCol>
+              </a:tblGrid>
+              <a:tr h="467254">
+                <a:tc>
+                  <a:txBody>
+                    <a:bodyPr/>
+                    <a:lstStyle/>
+                    <a:p>
+                      <a:pPr algn="ctr"/>
+                      <a:r>
+                        <a:rPr lang="en-US" sz="2400" b="0" i="0" dirty="0">
+                          <a:solidFill>
+                            <a:schemeClr val="bg1"/>
+                          </a:solidFill>
+                          <a:latin typeface="Verdana" panose="020B0604030504040204" pitchFamily="34" charset="0"/>
+                          <a:ea typeface="Verdana" panose="020B0604030504040204" pitchFamily="34" charset="0"/>
+                          <a:cs typeface="Verdana" panose="020B0604030504040204" pitchFamily="34" charset="0"/>
+                        </a:rPr>
+                        <a:t>Locking Mechanism – Dynamic Lock Bytes</a:t>
+                      </a:r>
+                    </a:p>
+                  </a:txBody>
+                  <a:tcPr anchor="ctr">
+                    <a:lnB w="57150" cap="flat" cmpd="sng" algn="ctr">
+                      <a:noFill/>
+                      <a:prstDash val="solid"/>
+                      <a:round/>
+                      <a:headEnd type="none" w="med" len="med"/>
+                      <a:tailEnd type="none" w="med" len="med"/>
+                    </a:lnB>
+                    <a:cell3D prstMaterial="dkEdge">
+                      <a:bevel/>
+                      <a:lightRig rig="flood" dir="t"/>
+                    </a:cell3D>
+                    <a:noFill/>
+                  </a:tcPr>
+                </a:tc>
+                <a:extLst>
+                  <a:ext uri="{0D108BD9-81ED-4DB2-BD59-A6C34878D82A}">
+                    <a16:rowId xmlns:a16="http://schemas.microsoft.com/office/drawing/2014/main" val="4195021587"/>
+                  </a:ext>
+                </a:extLst>
+              </a:tr>
+              <a:tr h="3712624">
                 <a:tc>
                   <a:txBody>
                     <a:bodyPr/>
@@ -10827,15 +11054,366 @@
                           <a:solidFill>
                             <a:schemeClr val="bg1"/>
                           </a:solidFill>
+                          <a:latin typeface="+mn-lt"/>
+                          <a:ea typeface="Verdana" panose="020B0604030504040204" pitchFamily="34" charset="0"/>
+                          <a:cs typeface="Verdana" panose="020B0604030504040204" pitchFamily="34" charset="0"/>
+                        </a:rPr>
+                        <a:t>Highlighted in yellow, Lock Bytes 2-4 are called dynamic because their position(s) inside the tag can change, unlike Static Lock Bytes. Changing bits from 0 to 1 makes discrete blocks of memory Read-Only. </a:t>
+                      </a:r>
+                    </a:p>
+                    <a:p>
+                      <a:r>
+                        <a:rPr lang="en-US" sz="2200" b="0" i="0" dirty="0">
+                          <a:solidFill>
+                            <a:schemeClr val="bg1"/>
+                          </a:solidFill>
+                          <a:latin typeface="+mn-lt"/>
+                          <a:ea typeface="Verdana" panose="020B0604030504040204" pitchFamily="34" charset="0"/>
+                          <a:cs typeface="Verdana" panose="020B0604030504040204" pitchFamily="34" charset="0"/>
+                        </a:rPr>
+                        <a:t>A locked area may be composed of one or more pages. </a:t>
+                      </a:r>
+                    </a:p>
+                    <a:p>
+                      <a:r>
+                        <a:rPr lang="en-US" sz="2200" b="0" i="0" dirty="0">
+                          <a:solidFill>
+                            <a:schemeClr val="bg1"/>
+                          </a:solidFill>
+                          <a:latin typeface="+mn-lt"/>
+                          <a:ea typeface="Verdana" panose="020B0604030504040204" pitchFamily="34" charset="0"/>
+                          <a:cs typeface="Verdana" panose="020B0604030504040204" pitchFamily="34" charset="0"/>
+                        </a:rPr>
+                        <a:t>This feature is important for partitioning specific blocks of data while allowing freedom to define non-locked areas for writing. </a:t>
+                      </a:r>
+                    </a:p>
+                    <a:p>
+                      <a:r>
+                        <a:rPr lang="en-US" sz="2200" b="0" i="0" dirty="0">
+                          <a:solidFill>
+                            <a:schemeClr val="bg1"/>
+                          </a:solidFill>
+                          <a:latin typeface="+mn-lt"/>
+                          <a:ea typeface="Verdana" panose="020B0604030504040204" pitchFamily="34" charset="0"/>
+                          <a:cs typeface="Verdana" panose="020B0604030504040204" pitchFamily="34" charset="0"/>
+                        </a:rPr>
+                        <a:t>Along with Static Lock Bytes and the One Time Programmable Bytes, bits changed to 1 cannot be reset.</a:t>
+                      </a:r>
+                    </a:p>
+                  </a:txBody>
+                  <a:tcPr marL="137160" marR="137160" marT="137160" marB="137160">
+                    <a:lnT w="57150" cap="flat" cmpd="sng" algn="ctr">
+                      <a:noFill/>
+                      <a:prstDash val="solid"/>
+                      <a:round/>
+                      <a:headEnd type="none" w="med" len="med"/>
+                      <a:tailEnd type="none" w="med" len="med"/>
+                    </a:lnT>
+                    <a:cell3D prstMaterial="dkEdge">
+                      <a:bevel/>
+                      <a:lightRig rig="flood" dir="t"/>
+                    </a:cell3D>
+                    <a:noFill/>
+                  </a:tcPr>
+                </a:tc>
+                <a:extLst>
+                  <a:ext uri="{0D108BD9-81ED-4DB2-BD59-A6C34878D82A}">
+                    <a16:rowId xmlns:a16="http://schemas.microsoft.com/office/drawing/2014/main" val="3436380317"/>
+                  </a:ext>
+                </a:extLst>
+              </a:tr>
+            </a:tbl>
+          </a:graphicData>
+        </a:graphic>
+      </p:graphicFrame>
+      <p:graphicFrame>
+        <p:nvGraphicFramePr>
+          <p:cNvPr id="111" name="Table 110"/>
+          <p:cNvGraphicFramePr>
+            <a:graphicFrameLocks noGrp="1"/>
+          </p:cNvGraphicFramePr>
+          <p:nvPr>
+            <p:extLst>
+              <p:ext uri="{D42A27DB-BD31-4B8C-83A1-F6EECF244321}">
+                <p14:modId xmlns:p14="http://schemas.microsoft.com/office/powerpoint/2010/main" val="541548121"/>
+              </p:ext>
+            </p:extLst>
+          </p:nvPr>
+        </p:nvGraphicFramePr>
+        <p:xfrm>
+          <a:off x="12344400" y="27432000"/>
+          <a:ext cx="17678399" cy="1876524"/>
+        </p:xfrm>
+        <a:graphic>
+          <a:graphicData uri="http://schemas.openxmlformats.org/drawingml/2006/table">
+            <a:tbl>
+              <a:tblPr firstRow="1" bandRow="1">
+                <a:effectLst/>
+                <a:tableStyleId>{5C22544A-7EE6-4342-B048-85BDC9FD1C3A}</a:tableStyleId>
+              </a:tblPr>
+              <a:tblGrid>
+                <a:gridCol w="17678399">
+                  <a:extLst>
+                    <a:ext uri="{9D8B030D-6E8A-4147-A177-3AD203B41FA5}">
+                      <a16:colId xmlns:a16="http://schemas.microsoft.com/office/drawing/2014/main" val="4247442634"/>
+                    </a:ext>
+                  </a:extLst>
+                </a:gridCol>
+              </a:tblGrid>
+              <a:tr h="1876524">
+                <a:tc>
+                  <a:txBody>
+                    <a:bodyPr/>
+                    <a:lstStyle/>
+                    <a:p>
+                      <a:r>
+                        <a:rPr lang="en-US" sz="2400" b="0" i="0" dirty="0">
+                          <a:solidFill>
+                            <a:schemeClr val="bg1"/>
+                          </a:solidFill>
+                          <a:latin typeface="+mn-lt"/>
+                          <a:ea typeface="Verdana" panose="020B0604030504040204" pitchFamily="34" charset="0"/>
+                          <a:cs typeface="Verdana" panose="020B0604030504040204" pitchFamily="34" charset="0"/>
+                        </a:rPr>
+                        <a:t>The code shown here highlights the key functions needed to read and write data to and from NFC tags. Applications installed on mobile devices, in this case, Android powered devices, can be executed once an intent is established if the tag contains an AAR (Android Application Record) as the first record in the NDEF message. This code from the NFC Read/Write App used to program all presented NFC tags shows how bytes in the record are parsed and assembled to form a string of text and then displayed on the device’s screen along with a brief vibration.</a:t>
+                      </a:r>
+                    </a:p>
+                  </a:txBody>
+                  <a:tcPr marL="137160" marR="137160" marT="137160" marB="137160">
+                    <a:cell3D prstMaterial="dkEdge">
+                      <a:bevel/>
+                      <a:lightRig rig="flood" dir="t"/>
+                    </a:cell3D>
+                    <a:solidFill>
+                      <a:srgbClr val="444444"/>
+                    </a:solidFill>
+                  </a:tcPr>
+                </a:tc>
+                <a:extLst>
+                  <a:ext uri="{0D108BD9-81ED-4DB2-BD59-A6C34878D82A}">
+                    <a16:rowId xmlns:a16="http://schemas.microsoft.com/office/drawing/2014/main" val="4195021587"/>
+                  </a:ext>
+                </a:extLst>
+              </a:tr>
+            </a:tbl>
+          </a:graphicData>
+        </a:graphic>
+      </p:graphicFrame>
+      <p:graphicFrame>
+        <p:nvGraphicFramePr>
+          <p:cNvPr id="112" name="Table 111"/>
+          <p:cNvGraphicFramePr>
+            <a:graphicFrameLocks noGrp="1"/>
+          </p:cNvGraphicFramePr>
+          <p:nvPr>
+            <p:extLst>
+              <p:ext uri="{D42A27DB-BD31-4B8C-83A1-F6EECF244321}">
+                <p14:modId xmlns:p14="http://schemas.microsoft.com/office/powerpoint/2010/main" val="3532903329"/>
+              </p:ext>
+            </p:extLst>
+          </p:nvPr>
+        </p:nvGraphicFramePr>
+        <p:xfrm>
+          <a:off x="30269259" y="22021800"/>
+          <a:ext cx="6001942" cy="7286724"/>
+        </p:xfrm>
+        <a:graphic>
+          <a:graphicData uri="http://schemas.openxmlformats.org/drawingml/2006/table">
+            <a:tbl>
+              <a:tblPr firstRow="1" bandRow="1">
+                <a:effectLst/>
+                <a:tableStyleId>{5C22544A-7EE6-4342-B048-85BDC9FD1C3A}</a:tableStyleId>
+              </a:tblPr>
+              <a:tblGrid>
+                <a:gridCol w="6001942">
+                  <a:extLst>
+                    <a:ext uri="{9D8B030D-6E8A-4147-A177-3AD203B41FA5}">
+                      <a16:colId xmlns:a16="http://schemas.microsoft.com/office/drawing/2014/main" val="4247442634"/>
+                    </a:ext>
+                  </a:extLst>
+                </a:gridCol>
+              </a:tblGrid>
+              <a:tr h="7286724">
+                <a:tc>
+                  <a:txBody>
+                    <a:bodyPr/>
+                    <a:lstStyle/>
+                    <a:p>
+                      <a:r>
+                        <a:rPr lang="en-US" sz="2400" b="0" i="0" dirty="0">
+                          <a:solidFill>
+                            <a:schemeClr val="bg1"/>
+                          </a:solidFill>
+                          <a:latin typeface="+mn-lt"/>
+                          <a:ea typeface="Verdana" panose="020B0604030504040204" pitchFamily="34" charset="0"/>
+                          <a:cs typeface="Verdana" panose="020B0604030504040204" pitchFamily="34" charset="0"/>
+                        </a:rPr>
+                        <a:t>Specifically regarding the functions used to write data to NFC tags, the code boxes around the locked tag image show how a button tap initializes tag detection, NFC adapter initialization, and intent creation and filtering. </a:t>
+                      </a:r>
+                    </a:p>
+                    <a:p>
+                      <a:r>
+                        <a:rPr lang="en-US" sz="2400" b="0" i="0" dirty="0">
+                          <a:solidFill>
+                            <a:schemeClr val="bg1"/>
+                          </a:solidFill>
+                          <a:latin typeface="+mn-lt"/>
+                          <a:ea typeface="Verdana" panose="020B0604030504040204" pitchFamily="34" charset="0"/>
+                          <a:cs typeface="Verdana" panose="020B0604030504040204" pitchFamily="34" charset="0"/>
+                        </a:rPr>
+                        <a:t>The </a:t>
+                      </a:r>
+                      <a:r>
+                        <a:rPr lang="en-US" sz="2400" b="0" i="0" dirty="0" err="1">
+                          <a:solidFill>
+                            <a:schemeClr val="bg1"/>
+                          </a:solidFill>
+                          <a:latin typeface="+mn-lt"/>
+                          <a:ea typeface="Verdana" panose="020B0604030504040204" pitchFamily="34" charset="0"/>
+                          <a:cs typeface="Verdana" panose="020B0604030504040204" pitchFamily="34" charset="0"/>
+                        </a:rPr>
+                        <a:t>lockTag</a:t>
+                      </a:r>
+                      <a:r>
+                        <a:rPr lang="en-US" sz="2400" b="0" i="0" dirty="0">
+                          <a:solidFill>
+                            <a:schemeClr val="bg1"/>
+                          </a:solidFill>
+                          <a:latin typeface="+mn-lt"/>
+                          <a:ea typeface="Verdana" panose="020B0604030504040204" pitchFamily="34" charset="0"/>
+                          <a:cs typeface="Verdana" panose="020B0604030504040204" pitchFamily="34" charset="0"/>
+                        </a:rPr>
+                        <a:t> method shows how simple it is for developers to include tag-locking functionality in an application. However, this method simply makes the entire contents of the tag Read-Only. More complex is the code needed to lock specifically defined blocks of memory. </a:t>
+                      </a:r>
+                    </a:p>
+                    <a:p>
+                      <a:r>
+                        <a:rPr lang="en-US" sz="2400" b="0" i="0" dirty="0">
+                          <a:solidFill>
+                            <a:schemeClr val="bg1"/>
+                          </a:solidFill>
+                          <a:latin typeface="+mn-lt"/>
+                          <a:ea typeface="Verdana" panose="020B0604030504040204" pitchFamily="34" charset="0"/>
+                          <a:cs typeface="Verdana" panose="020B0604030504040204" pitchFamily="34" charset="0"/>
+                        </a:rPr>
+                        <a:t>In addition to locking, there have been efforts devoted to integrating encryption and device/application authentication using current NFC technology, though no NFC tags, protocols, or integrated circuits have been widely developed with native support.</a:t>
+                      </a:r>
+                    </a:p>
+                  </a:txBody>
+                  <a:tcPr marL="137160" marR="137160" marT="137160" marB="137160">
+                    <a:cell3D prstMaterial="dkEdge">
+                      <a:bevel/>
+                      <a:lightRig rig="flood" dir="t"/>
+                    </a:cell3D>
+                    <a:solidFill>
+                      <a:srgbClr val="3A3A3A"/>
+                    </a:solidFill>
+                  </a:tcPr>
+                </a:tc>
+                <a:extLst>
+                  <a:ext uri="{0D108BD9-81ED-4DB2-BD59-A6C34878D82A}">
+                    <a16:rowId xmlns:a16="http://schemas.microsoft.com/office/drawing/2014/main" val="4195021587"/>
+                  </a:ext>
+                </a:extLst>
+              </a:tr>
+            </a:tbl>
+          </a:graphicData>
+        </a:graphic>
+      </p:graphicFrame>
+      <p:graphicFrame>
+        <p:nvGraphicFramePr>
+          <p:cNvPr id="86" name="Table 85"/>
+          <p:cNvGraphicFramePr>
+            <a:graphicFrameLocks noGrp="1"/>
+          </p:cNvGraphicFramePr>
+          <p:nvPr>
+            <p:extLst>
+              <p:ext uri="{D42A27DB-BD31-4B8C-83A1-F6EECF244321}">
+                <p14:modId xmlns:p14="http://schemas.microsoft.com/office/powerpoint/2010/main" val="2223003324"/>
+              </p:ext>
+            </p:extLst>
+          </p:nvPr>
+        </p:nvGraphicFramePr>
+        <p:xfrm>
+          <a:off x="4648200" y="8153400"/>
+          <a:ext cx="7198309" cy="2229465"/>
+        </p:xfrm>
+        <a:graphic>
+          <a:graphicData uri="http://schemas.openxmlformats.org/drawingml/2006/table">
+            <a:tbl>
+              <a:tblPr firstRow="1" bandRow="1">
+                <a:tableStyleId>{5C22544A-7EE6-4342-B048-85BDC9FD1C3A}</a:tableStyleId>
+              </a:tblPr>
+              <a:tblGrid>
+                <a:gridCol w="7198309">
+                  <a:extLst>
+                    <a:ext uri="{9D8B030D-6E8A-4147-A177-3AD203B41FA5}">
+                      <a16:colId xmlns:a16="http://schemas.microsoft.com/office/drawing/2014/main" val="4247442634"/>
+                    </a:ext>
+                  </a:extLst>
+                </a:gridCol>
+              </a:tblGrid>
+              <a:tr h="464472">
+                <a:tc>
+                  <a:txBody>
+                    <a:bodyPr/>
+                    <a:lstStyle/>
+                    <a:p>
+                      <a:pPr algn="ctr"/>
+                      <a:r>
+                        <a:rPr lang="en-US" sz="2400" b="0" i="0" dirty="0">
+                          <a:solidFill>
+                            <a:schemeClr val="bg1"/>
+                          </a:solidFill>
                           <a:latin typeface="Verdana" panose="020B0604030504040204" pitchFamily="34" charset="0"/>
                           <a:ea typeface="Verdana" panose="020B0604030504040204" pitchFamily="34" charset="0"/>
                           <a:cs typeface="Verdana" panose="020B0604030504040204" pitchFamily="34" charset="0"/>
                         </a:rPr>
-                        <a:t> Near Field Communication efficiently facilitates wireless, close-proximity transfer of relatively small amounts of data over a specifically defined radio frequency (13.56 MHz). Any Mobile device with integrated NFC hardware can actively generate a controlled electromagnetic field in order to stimulate an antenna, typically printed onto a thin, flat substrate referred to as a NFC “tag”. The energy transferred to the antenna is guided to an integrated circuit for processing Read/Write commands relevant to the tag’s memory module. </a:t>
+                        <a:t>Locking Mechanism – Static Lock Bytes</a:t>
                       </a:r>
                     </a:p>
                   </a:txBody>
-                  <a:tcPr marL="137160" marR="137160" marT="137160" marB="137160" anchor="ctr">
+                  <a:tcPr anchor="ctr">
+                    <a:lnB w="57150" cap="flat" cmpd="sng" algn="ctr">
+                      <a:noFill/>
+                      <a:prstDash val="solid"/>
+                      <a:round/>
+                      <a:headEnd type="none" w="med" len="med"/>
+                      <a:tailEnd type="none" w="med" len="med"/>
+                    </a:lnB>
+                    <a:cell3D prstMaterial="dkEdge">
+                      <a:bevel/>
+                      <a:lightRig rig="flood" dir="t"/>
+                    </a:cell3D>
+                    <a:noFill/>
+                  </a:tcPr>
+                </a:tc>
+                <a:extLst>
+                  <a:ext uri="{0D108BD9-81ED-4DB2-BD59-A6C34878D82A}">
+                    <a16:rowId xmlns:a16="http://schemas.microsoft.com/office/drawing/2014/main" val="4195021587"/>
+                  </a:ext>
+                </a:extLst>
+              </a:tr>
+              <a:tr h="1764993">
+                <a:tc>
+                  <a:txBody>
+                    <a:bodyPr/>
+                    <a:lstStyle/>
+                    <a:p>
+                      <a:r>
+                        <a:rPr lang="en-US" sz="2400" b="0" i="0" dirty="0">
+                          <a:solidFill>
+                            <a:schemeClr val="bg1"/>
+                          </a:solidFill>
+                          <a:latin typeface="+mn-lt"/>
+                          <a:ea typeface="Verdana" panose="020B0604030504040204" pitchFamily="34" charset="0"/>
+                          <a:cs typeface="Verdana" panose="020B0604030504040204" pitchFamily="34" charset="0"/>
+                        </a:rPr>
+                        <a:t>Highlighted in yellow are the two types of bytes that define which pages are “Read-Only”. Each bit of the Static Lock Bytes represent one or more pages. Changing these bits from 0 to 1 is irreversible.</a:t>
+                      </a:r>
+                    </a:p>
+                  </a:txBody>
+                  <a:tcPr marL="137160" marR="137160" marT="137160" marB="137160">
                     <a:lnT w="57150" cap="flat" cmpd="sng" algn="ctr">
                       <a:noFill/>
                       <a:prstDash val="solid"/>
@@ -10882,7 +11460,7 @@
         </p:blipFill>
         <p:spPr>
           <a:xfrm>
-            <a:off x="37243325" y="724720"/>
+            <a:off x="37243325" y="304800"/>
             <a:ext cx="5952003" cy="1376522"/>
           </a:xfrm>
           <a:prstGeom prst="rect">
@@ -10892,21 +11470,21 @@
       </p:pic>
       <p:graphicFrame>
         <p:nvGraphicFramePr>
-          <p:cNvPr id="109" name="Table 108"/>
+          <p:cNvPr id="102" name="Table 101"/>
           <p:cNvGraphicFramePr>
             <a:graphicFrameLocks noGrp="1"/>
           </p:cNvGraphicFramePr>
           <p:nvPr>
             <p:extLst>
               <p:ext uri="{D42A27DB-BD31-4B8C-83A1-F6EECF244321}">
-                <p14:modId xmlns:p14="http://schemas.microsoft.com/office/powerpoint/2010/main" val="2141622147"/>
+                <p14:modId xmlns:p14="http://schemas.microsoft.com/office/powerpoint/2010/main" val="1327627871"/>
               </p:ext>
             </p:extLst>
           </p:nvPr>
         </p:nvGraphicFramePr>
         <p:xfrm>
-          <a:off x="36819228" y="6147877"/>
-          <a:ext cx="6677680" cy="4734557"/>
+          <a:off x="36749323" y="21857676"/>
+          <a:ext cx="6785687" cy="2972408"/>
         </p:xfrm>
         <a:graphic>
           <a:graphicData uri="http://schemas.openxmlformats.org/drawingml/2006/table">
@@ -10915,7 +11493,7 @@
                 <a:tableStyleId>{5C22544A-7EE6-4342-B048-85BDC9FD1C3A}</a:tableStyleId>
               </a:tblPr>
               <a:tblGrid>
-                <a:gridCol w="6677680">
+                <a:gridCol w="6785687">
                   <a:extLst>
                     <a:ext uri="{9D8B030D-6E8A-4147-A177-3AD203B41FA5}">
                       <a16:colId xmlns:a16="http://schemas.microsoft.com/office/drawing/2014/main" val="4247442634"/>
@@ -10923,7 +11501,7 @@
                   </a:extLst>
                 </a:gridCol>
               </a:tblGrid>
-              <a:tr h="500316">
+              <a:tr h="503528">
                 <a:tc>
                   <a:txBody>
                     <a:bodyPr/>
@@ -10939,7 +11517,7 @@
                           <a:ea typeface="Verdana" panose="020B0604030504040204" pitchFamily="34" charset="0"/>
                           <a:cs typeface="Verdana" panose="020B0604030504040204" pitchFamily="34" charset="0"/>
                         </a:rPr>
-                        <a:t>Abstract</a:t>
+                        <a:t>Tag Details</a:t>
                       </a:r>
                     </a:p>
                   </a:txBody>
@@ -10964,23 +11542,26 @@
                   </a:ext>
                 </a:extLst>
               </a:tr>
-              <a:tr h="4234241">
+              <a:tr h="1913405">
                 <a:tc>
                   <a:txBody>
                     <a:bodyPr/>
                     <a:lstStyle/>
                     <a:p>
-                      <a:endParaRPr lang="en-US" sz="2200" b="0" i="0" dirty="0">
-                        <a:solidFill>
-                          <a:schemeClr val="bg1"/>
-                        </a:solidFill>
-                        <a:latin typeface="Verdana" panose="020B0604030504040204" pitchFamily="34" charset="0"/>
-                        <a:ea typeface="Verdana" panose="020B0604030504040204" pitchFamily="34" charset="0"/>
-                        <a:cs typeface="Verdana" panose="020B0604030504040204" pitchFamily="34" charset="0"/>
-                      </a:endParaRPr>
+                      <a:r>
+                        <a:rPr lang="en-US" sz="2400" b="0" i="0" dirty="0">
+                          <a:solidFill>
+                            <a:schemeClr val="bg1"/>
+                          </a:solidFill>
+                          <a:latin typeface="+mn-lt"/>
+                          <a:ea typeface="Verdana" panose="020B0604030504040204" pitchFamily="34" charset="0"/>
+                          <a:cs typeface="Verdana" panose="020B0604030504040204" pitchFamily="34" charset="0"/>
+                        </a:rPr>
+                        <a:t>NFC Tags contain an antenna coil connected to a small integrated circuit. Tag characteristics include memory capacity, lockability, pre-NDEF formatted, and cost. Applying adhesive is a commonly requested feature. Presented here are MIFARE Ultralight C tags from NXP.</a:t>
+                      </a:r>
                     </a:p>
                   </a:txBody>
-                  <a:tcPr marL="137160" marR="137160" marT="137160" marB="137160" anchor="ctr">
+                  <a:tcPr marL="137160" marR="137160" marT="137160" marB="137160">
                     <a:lnT w="57150" cap="flat" cmpd="sng" algn="ctr">
                       <a:noFill/>
                       <a:prstDash val="solid"/>
@@ -10998,152 +11579,6 @@
                 <a:extLst>
                   <a:ext uri="{0D108BD9-81ED-4DB2-BD59-A6C34878D82A}">
                     <a16:rowId xmlns:a16="http://schemas.microsoft.com/office/drawing/2014/main" val="3436380317"/>
-                  </a:ext>
-                </a:extLst>
-              </a:tr>
-            </a:tbl>
-          </a:graphicData>
-        </a:graphic>
-      </p:graphicFrame>
-      <p:graphicFrame>
-        <p:nvGraphicFramePr>
-          <p:cNvPr id="111" name="Table 110"/>
-          <p:cNvGraphicFramePr>
-            <a:graphicFrameLocks noGrp="1"/>
-          </p:cNvGraphicFramePr>
-          <p:nvPr>
-            <p:extLst>
-              <p:ext uri="{D42A27DB-BD31-4B8C-83A1-F6EECF244321}">
-                <p14:modId xmlns:p14="http://schemas.microsoft.com/office/powerpoint/2010/main" val="3192793086"/>
-              </p:ext>
-            </p:extLst>
-          </p:nvPr>
-        </p:nvGraphicFramePr>
-        <p:xfrm>
-          <a:off x="12344400" y="27432000"/>
-          <a:ext cx="17678399" cy="1876524"/>
-        </p:xfrm>
-        <a:graphic>
-          <a:graphicData uri="http://schemas.openxmlformats.org/drawingml/2006/table">
-            <a:tbl>
-              <a:tblPr firstRow="1" bandRow="1">
-                <a:effectLst/>
-                <a:tableStyleId>{5C22544A-7EE6-4342-B048-85BDC9FD1C3A}</a:tableStyleId>
-              </a:tblPr>
-              <a:tblGrid>
-                <a:gridCol w="17678399">
-                  <a:extLst>
-                    <a:ext uri="{9D8B030D-6E8A-4147-A177-3AD203B41FA5}">
-                      <a16:colId xmlns:a16="http://schemas.microsoft.com/office/drawing/2014/main" val="4247442634"/>
-                    </a:ext>
-                  </a:extLst>
-                </a:gridCol>
-              </a:tblGrid>
-              <a:tr h="1876524">
-                <a:tc>
-                  <a:txBody>
-                    <a:bodyPr/>
-                    <a:lstStyle/>
-                    <a:p>
-                      <a:r>
-                        <a:rPr lang="en-US" sz="2200" b="0" i="0" dirty="0">
-                          <a:solidFill>
-                            <a:schemeClr val="bg1"/>
-                          </a:solidFill>
-                          <a:latin typeface="Verdana" panose="020B0604030504040204" pitchFamily="34" charset="0"/>
-                          <a:ea typeface="Verdana" panose="020B0604030504040204" pitchFamily="34" charset="0"/>
-                          <a:cs typeface="Verdana" panose="020B0604030504040204" pitchFamily="34" charset="0"/>
-                        </a:rPr>
-                        <a:t>Near Field Communication efficiently facilitates wireless, close-proximity transfer of relatively small amounts of data over a specifically defined radio frequency (13.56 MHz). Any Mobile device with integrated NFC hardware can actively generate a controlled electromagnetic field in order to stimulate an antenna, typically printed onto a thin, flat substrate referred to as a NFC “tag”. The energy transferred to the antenna is guided to an integrated circuit for processing Read/Write commands relevant to the tag’s memory module. </a:t>
-                      </a:r>
-                    </a:p>
-                  </a:txBody>
-                  <a:tcPr anchor="ctr">
-                    <a:cell3D prstMaterial="dkEdge">
-                      <a:bevel/>
-                      <a:lightRig rig="flood" dir="t"/>
-                    </a:cell3D>
-                    <a:solidFill>
-                      <a:srgbClr val="2B2B2B"/>
-                    </a:solidFill>
-                  </a:tcPr>
-                </a:tc>
-                <a:extLst>
-                  <a:ext uri="{0D108BD9-81ED-4DB2-BD59-A6C34878D82A}">
-                    <a16:rowId xmlns:a16="http://schemas.microsoft.com/office/drawing/2014/main" val="4195021587"/>
-                  </a:ext>
-                </a:extLst>
-              </a:tr>
-            </a:tbl>
-          </a:graphicData>
-        </a:graphic>
-      </p:graphicFrame>
-      <p:graphicFrame>
-        <p:nvGraphicFramePr>
-          <p:cNvPr id="112" name="Table 111"/>
-          <p:cNvGraphicFramePr>
-            <a:graphicFrameLocks noGrp="1"/>
-          </p:cNvGraphicFramePr>
-          <p:nvPr>
-            <p:extLst>
-              <p:ext uri="{D42A27DB-BD31-4B8C-83A1-F6EECF244321}">
-                <p14:modId xmlns:p14="http://schemas.microsoft.com/office/powerpoint/2010/main" val="2754160775"/>
-              </p:ext>
-            </p:extLst>
-          </p:nvPr>
-        </p:nvGraphicFramePr>
-        <p:xfrm>
-          <a:off x="30227223" y="22098000"/>
-          <a:ext cx="5953809" cy="7210524"/>
-        </p:xfrm>
-        <a:graphic>
-          <a:graphicData uri="http://schemas.openxmlformats.org/drawingml/2006/table">
-            <a:tbl>
-              <a:tblPr firstRow="1" bandRow="1">
-                <a:effectLst/>
-                <a:tableStyleId>{5C22544A-7EE6-4342-B048-85BDC9FD1C3A}</a:tableStyleId>
-              </a:tblPr>
-              <a:tblGrid>
-                <a:gridCol w="5953809">
-                  <a:extLst>
-                    <a:ext uri="{9D8B030D-6E8A-4147-A177-3AD203B41FA5}">
-                      <a16:colId xmlns:a16="http://schemas.microsoft.com/office/drawing/2014/main" val="4247442634"/>
-                    </a:ext>
-                  </a:extLst>
-                </a:gridCol>
-              </a:tblGrid>
-              <a:tr h="7210524">
-                <a:tc>
-                  <a:txBody>
-                    <a:bodyPr/>
-                    <a:lstStyle/>
-                    <a:p>
-                      <a:r>
-                        <a:rPr lang="en-US" sz="2200" b="0" i="0" dirty="0">
-                          <a:solidFill>
-                            <a:schemeClr val="bg1"/>
-                          </a:solidFill>
-                          <a:latin typeface="Verdana" panose="020B0604030504040204" pitchFamily="34" charset="0"/>
-                          <a:ea typeface="Verdana" panose="020B0604030504040204" pitchFamily="34" charset="0"/>
-                          <a:cs typeface="Verdana" panose="020B0604030504040204" pitchFamily="34" charset="0"/>
-                        </a:rPr>
-                        <a:t>Near Field Communication efficiently facilitates wireless, close-proximity transfer of relatively small amounts of data over a specifically defined radio frequency (13.56 MHz). Any Mobile device with integrated NFC hardware can actively generate a controlled electromagnetic field in order to stimulate an antenna, typically printed onto a thin, flat substrate referred to as a NFC “tag”. The energy transferred to the antenna is guided to an integrated circuit for processing Read/Write commands relevant to the tag’s memory module. </a:t>
-                      </a:r>
-                    </a:p>
-                  </a:txBody>
-                  <a:tcPr anchor="ctr">
-                    <a:cell3D prstMaterial="dkEdge">
-                      <a:bevel/>
-                      <a:lightRig rig="flood" dir="t"/>
-                    </a:cell3D>
-                    <a:solidFill>
-                      <a:srgbClr val="2B2B2B"/>
-                    </a:solidFill>
-                  </a:tcPr>
-                </a:tc>
-                <a:extLst>
-                  <a:ext uri="{0D108BD9-81ED-4DB2-BD59-A6C34878D82A}">
-                    <a16:rowId xmlns:a16="http://schemas.microsoft.com/office/drawing/2014/main" val="4195021587"/>
                   </a:ext>
                 </a:extLst>
               </a:tr>
